--- a/figures/final-figs/imgs/figure-4-5-sig.pptx
+++ b/figures/final-figs/imgs/figure-4-5-sig.pptx
@@ -105,6 +105,11 @@
       </a:defRPr>
     </a:lvl9pPr>
   </p:defaultTextStyle>
+  <p:extLst>
+    <p:ext uri="{EFAFB233-063F-42B5-8137-9DF3F51BA10A}">
+      <p15:sldGuideLst xmlns:p15="http://schemas.microsoft.com/office/powerpoint/2012/main"/>
+    </p:ext>
+  </p:extLst>
 </p:presentation>
 </file>
 
@@ -3322,42 +3327,12 @@
           <a:chExt cx="0" cy="0"/>
         </a:xfrm>
       </p:grpSpPr>
-      <p:pic>
-        <p:nvPicPr>
-          <p:cNvPr id="5" name="Picture 4" descr="A picture containing text, diagram, number, plan&#10;&#10;Description automatically generated">
-            <a:extLst>
-              <a:ext uri="{FF2B5EF4-FFF2-40B4-BE49-F238E27FC236}">
-                <a16:creationId xmlns:a16="http://schemas.microsoft.com/office/drawing/2014/main" id="{5A3EF5F6-3C67-D24C-9445-08D3DC75D2DD}"/>
-              </a:ext>
-            </a:extLst>
-          </p:cNvPr>
-          <p:cNvPicPr>
-            <a:picLocks noChangeAspect="1"/>
-          </p:cNvPicPr>
-          <p:nvPr/>
-        </p:nvPicPr>
-        <p:blipFill>
-          <a:blip r:embed="rId2"/>
-          <a:stretch>
-            <a:fillRect/>
-          </a:stretch>
-        </p:blipFill>
-        <p:spPr>
-          <a:xfrm>
-            <a:off x="1575953" y="0"/>
-            <a:ext cx="9046117" cy="6862571"/>
-          </a:xfrm>
-          <a:prstGeom prst="rect">
-            <a:avLst/>
-          </a:prstGeom>
-        </p:spPr>
-      </p:pic>
       <p:grpSp>
         <p:nvGrpSpPr>
-          <p:cNvPr id="14" name="Group 13">
-            <a:extLst>
-              <a:ext uri="{FF2B5EF4-FFF2-40B4-BE49-F238E27FC236}">
-                <a16:creationId xmlns:a16="http://schemas.microsoft.com/office/drawing/2014/main" id="{41E8B579-6780-277E-89E0-4BAE70215AE1}"/>
+          <p:cNvPr id="2" name="Group 1">
+            <a:extLst>
+              <a:ext uri="{FF2B5EF4-FFF2-40B4-BE49-F238E27FC236}">
+                <a16:creationId xmlns:a16="http://schemas.microsoft.com/office/drawing/2014/main" id="{70E18D95-214B-9B70-04A7-77447F4ADE50}"/>
               </a:ext>
             </a:extLst>
           </p:cNvPr>
@@ -3366,763 +3341,814 @@
         </p:nvGrpSpPr>
         <p:grpSpPr>
           <a:xfrm>
-            <a:off x="3035827" y="3566080"/>
-            <a:ext cx="585427" cy="276999"/>
-            <a:chOff x="2611090" y="551617"/>
-            <a:chExt cx="928687" cy="276999"/>
+            <a:off x="1575953" y="0"/>
+            <a:ext cx="9046117" cy="6862571"/>
+            <a:chOff x="1575953" y="0"/>
+            <a:chExt cx="9046117" cy="6862571"/>
           </a:xfrm>
         </p:grpSpPr>
-        <p:cxnSp>
-          <p:nvCxnSpPr>
-            <p:cNvPr id="15" name="Straight Connector 14">
+        <p:pic>
+          <p:nvPicPr>
+            <p:cNvPr id="5" name="Picture 4" descr="A picture containing text, diagram, number, plan&#10;&#10;Description automatically generated">
               <a:extLst>
                 <a:ext uri="{FF2B5EF4-FFF2-40B4-BE49-F238E27FC236}">
-                  <a16:creationId xmlns:a16="http://schemas.microsoft.com/office/drawing/2014/main" id="{8545D42A-E832-811A-9B92-0B9E57181075}"/>
+                  <a16:creationId xmlns:a16="http://schemas.microsoft.com/office/drawing/2014/main" id="{5A3EF5F6-3C67-D24C-9445-08D3DC75D2DD}"/>
                 </a:ext>
               </a:extLst>
             </p:cNvPr>
-            <p:cNvCxnSpPr>
-              <a:cxnSpLocks/>
-            </p:cNvCxnSpPr>
+            <p:cNvPicPr>
+              <a:picLocks noChangeAspect="1"/>
+            </p:cNvPicPr>
             <p:nvPr/>
-          </p:nvCxnSpPr>
+          </p:nvPicPr>
+          <p:blipFill>
+            <a:blip r:embed="rId2"/>
+            <a:stretch>
+              <a:fillRect/>
+            </a:stretch>
+          </p:blipFill>
           <p:spPr>
             <a:xfrm>
-              <a:off x="2611090" y="771525"/>
-              <a:ext cx="928687" cy="0"/>
-            </a:xfrm>
-            <a:prstGeom prst="line">
-              <a:avLst/>
-            </a:prstGeom>
-          </p:spPr>
-          <p:style>
-            <a:lnRef idx="1">
-              <a:schemeClr val="dk1"/>
-            </a:lnRef>
-            <a:fillRef idx="0">
-              <a:schemeClr val="dk1"/>
-            </a:fillRef>
-            <a:effectRef idx="0">
-              <a:schemeClr val="dk1"/>
-            </a:effectRef>
-            <a:fontRef idx="minor">
-              <a:schemeClr val="tx1"/>
-            </a:fontRef>
-          </p:style>
-        </p:cxnSp>
-        <p:sp>
-          <p:nvSpPr>
-            <p:cNvPr id="16" name="TextBox 15">
-              <a:extLst>
-                <a:ext uri="{FF2B5EF4-FFF2-40B4-BE49-F238E27FC236}">
-                  <a16:creationId xmlns:a16="http://schemas.microsoft.com/office/drawing/2014/main" id="{C5D50196-F577-FFD2-6E52-E2E697165869}"/>
-                </a:ext>
-              </a:extLst>
-            </p:cNvPr>
-            <p:cNvSpPr txBox="1"/>
-            <p:nvPr/>
-          </p:nvSpPr>
-          <p:spPr>
-            <a:xfrm>
-              <a:off x="2732174" y="551617"/>
-              <a:ext cx="686518" cy="276999"/>
+              <a:off x="1575953" y="0"/>
+              <a:ext cx="9046117" cy="6862571"/>
             </a:xfrm>
             <a:prstGeom prst="rect">
               <a:avLst/>
             </a:prstGeom>
-            <a:noFill/>
           </p:spPr>
-          <p:txBody>
-            <a:bodyPr wrap="square" rtlCol="0">
-              <a:spAutoFit/>
-            </a:bodyPr>
-            <a:lstStyle/>
-            <a:p>
-              <a:pPr algn="ctr"/>
-              <a:r>
-                <a:rPr lang="en-US" sz="1200" dirty="0"/>
-                <a:t>***</a:t>
-              </a:r>
-            </a:p>
-          </p:txBody>
-        </p:sp>
-      </p:grpSp>
-      <p:grpSp>
-        <p:nvGrpSpPr>
-          <p:cNvPr id="21" name="Group 20">
-            <a:extLst>
-              <a:ext uri="{FF2B5EF4-FFF2-40B4-BE49-F238E27FC236}">
-                <a16:creationId xmlns:a16="http://schemas.microsoft.com/office/drawing/2014/main" id="{9DA9A069-EC48-A03C-A885-12C3DCA02955}"/>
-              </a:ext>
-            </a:extLst>
-          </p:cNvPr>
-          <p:cNvGrpSpPr/>
-          <p:nvPr/>
-        </p:nvGrpSpPr>
-        <p:grpSpPr>
-          <a:xfrm>
-            <a:off x="4598556" y="395011"/>
-            <a:ext cx="928687" cy="261610"/>
-            <a:chOff x="2611090" y="551617"/>
-            <a:chExt cx="928687" cy="261610"/>
-          </a:xfrm>
-        </p:grpSpPr>
-        <p:cxnSp>
-          <p:nvCxnSpPr>
-            <p:cNvPr id="22" name="Straight Connector 21">
+        </p:pic>
+        <p:grpSp>
+          <p:nvGrpSpPr>
+            <p:cNvPr id="14" name="Group 13">
               <a:extLst>
                 <a:ext uri="{FF2B5EF4-FFF2-40B4-BE49-F238E27FC236}">
-                  <a16:creationId xmlns:a16="http://schemas.microsoft.com/office/drawing/2014/main" id="{CCF772C6-48A7-174B-E86B-B25E4090F12D}"/>
+                  <a16:creationId xmlns:a16="http://schemas.microsoft.com/office/drawing/2014/main" id="{41E8B579-6780-277E-89E0-4BAE70215AE1}"/>
                 </a:ext>
               </a:extLst>
             </p:cNvPr>
-            <p:cNvCxnSpPr>
-              <a:cxnSpLocks/>
-            </p:cNvCxnSpPr>
+            <p:cNvGrpSpPr/>
             <p:nvPr/>
-          </p:nvCxnSpPr>
-          <p:spPr>
+          </p:nvGrpSpPr>
+          <p:grpSpPr>
             <a:xfrm>
-              <a:off x="2611090" y="771525"/>
-              <a:ext cx="928687" cy="0"/>
+              <a:off x="3035827" y="3566080"/>
+              <a:ext cx="585427" cy="276999"/>
+              <a:chOff x="2611090" y="551617"/>
+              <a:chExt cx="928687" cy="276999"/>
             </a:xfrm>
-            <a:prstGeom prst="line">
-              <a:avLst/>
-            </a:prstGeom>
-          </p:spPr>
-          <p:style>
-            <a:lnRef idx="1">
-              <a:schemeClr val="dk1"/>
-            </a:lnRef>
-            <a:fillRef idx="0">
-              <a:schemeClr val="dk1"/>
-            </a:fillRef>
-            <a:effectRef idx="0">
-              <a:schemeClr val="dk1"/>
-            </a:effectRef>
-            <a:fontRef idx="minor">
-              <a:schemeClr val="tx1"/>
-            </a:fontRef>
-          </p:style>
-        </p:cxnSp>
-        <p:sp>
-          <p:nvSpPr>
-            <p:cNvPr id="23" name="TextBox 22">
+          </p:grpSpPr>
+          <p:cxnSp>
+            <p:nvCxnSpPr>
+              <p:cNvPr id="15" name="Straight Connector 14">
+                <a:extLst>
+                  <a:ext uri="{FF2B5EF4-FFF2-40B4-BE49-F238E27FC236}">
+                    <a16:creationId xmlns:a16="http://schemas.microsoft.com/office/drawing/2014/main" id="{8545D42A-E832-811A-9B92-0B9E57181075}"/>
+                  </a:ext>
+                </a:extLst>
+              </p:cNvPr>
+              <p:cNvCxnSpPr>
+                <a:cxnSpLocks/>
+              </p:cNvCxnSpPr>
+              <p:nvPr/>
+            </p:nvCxnSpPr>
+            <p:spPr>
+              <a:xfrm>
+                <a:off x="2611090" y="771525"/>
+                <a:ext cx="928687" cy="0"/>
+              </a:xfrm>
+              <a:prstGeom prst="line">
+                <a:avLst/>
+              </a:prstGeom>
+            </p:spPr>
+            <p:style>
+              <a:lnRef idx="1">
+                <a:schemeClr val="dk1"/>
+              </a:lnRef>
+              <a:fillRef idx="0">
+                <a:schemeClr val="dk1"/>
+              </a:fillRef>
+              <a:effectRef idx="0">
+                <a:schemeClr val="dk1"/>
+              </a:effectRef>
+              <a:fontRef idx="minor">
+                <a:schemeClr val="tx1"/>
+              </a:fontRef>
+            </p:style>
+          </p:cxnSp>
+          <p:sp>
+            <p:nvSpPr>
+              <p:cNvPr id="16" name="TextBox 15">
+                <a:extLst>
+                  <a:ext uri="{FF2B5EF4-FFF2-40B4-BE49-F238E27FC236}">
+                    <a16:creationId xmlns:a16="http://schemas.microsoft.com/office/drawing/2014/main" id="{C5D50196-F577-FFD2-6E52-E2E697165869}"/>
+                  </a:ext>
+                </a:extLst>
+              </p:cNvPr>
+              <p:cNvSpPr txBox="1"/>
+              <p:nvPr/>
+            </p:nvSpPr>
+            <p:spPr>
+              <a:xfrm>
+                <a:off x="2732174" y="551617"/>
+                <a:ext cx="686518" cy="276999"/>
+              </a:xfrm>
+              <a:prstGeom prst="rect">
+                <a:avLst/>
+              </a:prstGeom>
+              <a:noFill/>
+            </p:spPr>
+            <p:txBody>
+              <a:bodyPr wrap="square" rtlCol="0">
+                <a:spAutoFit/>
+              </a:bodyPr>
+              <a:lstStyle/>
+              <a:p>
+                <a:pPr algn="ctr"/>
+                <a:r>
+                  <a:rPr lang="en-US" sz="1200" dirty="0"/>
+                  <a:t>***</a:t>
+                </a:r>
+              </a:p>
+            </p:txBody>
+          </p:sp>
+        </p:grpSp>
+        <p:grpSp>
+          <p:nvGrpSpPr>
+            <p:cNvPr id="21" name="Group 20">
               <a:extLst>
                 <a:ext uri="{FF2B5EF4-FFF2-40B4-BE49-F238E27FC236}">
-                  <a16:creationId xmlns:a16="http://schemas.microsoft.com/office/drawing/2014/main" id="{BC57A7D8-2EAF-182A-340B-956CC2FA0D10}"/>
+                  <a16:creationId xmlns:a16="http://schemas.microsoft.com/office/drawing/2014/main" id="{9DA9A069-EC48-A03C-A885-12C3DCA02955}"/>
                 </a:ext>
               </a:extLst>
             </p:cNvPr>
-            <p:cNvSpPr txBox="1"/>
+            <p:cNvGrpSpPr/>
             <p:nvPr/>
-          </p:nvSpPr>
-          <p:spPr>
+          </p:nvGrpSpPr>
+          <p:grpSpPr>
             <a:xfrm>
-              <a:off x="2732174" y="551617"/>
-              <a:ext cx="686519" cy="261610"/>
+              <a:off x="4598556" y="395011"/>
+              <a:ext cx="928687" cy="261610"/>
+              <a:chOff x="2611090" y="551617"/>
+              <a:chExt cx="928687" cy="261610"/>
             </a:xfrm>
-            <a:prstGeom prst="rect">
-              <a:avLst/>
-            </a:prstGeom>
-            <a:noFill/>
-          </p:spPr>
-          <p:txBody>
-            <a:bodyPr wrap="square" rtlCol="0">
-              <a:spAutoFit/>
-            </a:bodyPr>
-            <a:lstStyle/>
-            <a:p>
-              <a:pPr algn="ctr"/>
-              <a:r>
-                <a:rPr lang="en-US" sz="1100" dirty="0">
-                  <a:latin typeface="Arial" panose="020B0604020202020204" pitchFamily="34" charset="0"/>
-                  <a:cs typeface="Arial" panose="020B0604020202020204" pitchFamily="34" charset="0"/>
-                </a:rPr>
-                <a:t>ns</a:t>
-              </a:r>
-            </a:p>
-          </p:txBody>
-        </p:sp>
-      </p:grpSp>
-      <p:grpSp>
-        <p:nvGrpSpPr>
-          <p:cNvPr id="24" name="Group 23">
-            <a:extLst>
-              <a:ext uri="{FF2B5EF4-FFF2-40B4-BE49-F238E27FC236}">
-                <a16:creationId xmlns:a16="http://schemas.microsoft.com/office/drawing/2014/main" id="{5FCED668-FADA-6C6A-0A99-E56C0AC04599}"/>
-              </a:ext>
-            </a:extLst>
-          </p:cNvPr>
-          <p:cNvGrpSpPr/>
-          <p:nvPr/>
-        </p:nvGrpSpPr>
-        <p:grpSpPr>
-          <a:xfrm>
-            <a:off x="2445940" y="4103656"/>
-            <a:ext cx="1356515" cy="261610"/>
-            <a:chOff x="2611090" y="551617"/>
-            <a:chExt cx="928687" cy="261610"/>
-          </a:xfrm>
-        </p:grpSpPr>
-        <p:cxnSp>
-          <p:nvCxnSpPr>
-            <p:cNvPr id="25" name="Straight Connector 24">
+          </p:grpSpPr>
+          <p:cxnSp>
+            <p:nvCxnSpPr>
+              <p:cNvPr id="22" name="Straight Connector 21">
+                <a:extLst>
+                  <a:ext uri="{FF2B5EF4-FFF2-40B4-BE49-F238E27FC236}">
+                    <a16:creationId xmlns:a16="http://schemas.microsoft.com/office/drawing/2014/main" id="{CCF772C6-48A7-174B-E86B-B25E4090F12D}"/>
+                  </a:ext>
+                </a:extLst>
+              </p:cNvPr>
+              <p:cNvCxnSpPr>
+                <a:cxnSpLocks/>
+              </p:cNvCxnSpPr>
+              <p:nvPr/>
+            </p:nvCxnSpPr>
+            <p:spPr>
+              <a:xfrm>
+                <a:off x="2611090" y="771525"/>
+                <a:ext cx="928687" cy="0"/>
+              </a:xfrm>
+              <a:prstGeom prst="line">
+                <a:avLst/>
+              </a:prstGeom>
+            </p:spPr>
+            <p:style>
+              <a:lnRef idx="1">
+                <a:schemeClr val="dk1"/>
+              </a:lnRef>
+              <a:fillRef idx="0">
+                <a:schemeClr val="dk1"/>
+              </a:fillRef>
+              <a:effectRef idx="0">
+                <a:schemeClr val="dk1"/>
+              </a:effectRef>
+              <a:fontRef idx="minor">
+                <a:schemeClr val="tx1"/>
+              </a:fontRef>
+            </p:style>
+          </p:cxnSp>
+          <p:sp>
+            <p:nvSpPr>
+              <p:cNvPr id="23" name="TextBox 22">
+                <a:extLst>
+                  <a:ext uri="{FF2B5EF4-FFF2-40B4-BE49-F238E27FC236}">
+                    <a16:creationId xmlns:a16="http://schemas.microsoft.com/office/drawing/2014/main" id="{BC57A7D8-2EAF-182A-340B-956CC2FA0D10}"/>
+                  </a:ext>
+                </a:extLst>
+              </p:cNvPr>
+              <p:cNvSpPr txBox="1"/>
+              <p:nvPr/>
+            </p:nvSpPr>
+            <p:spPr>
+              <a:xfrm>
+                <a:off x="2732174" y="551617"/>
+                <a:ext cx="686519" cy="261610"/>
+              </a:xfrm>
+              <a:prstGeom prst="rect">
+                <a:avLst/>
+              </a:prstGeom>
+              <a:noFill/>
+            </p:spPr>
+            <p:txBody>
+              <a:bodyPr wrap="square" rtlCol="0">
+                <a:spAutoFit/>
+              </a:bodyPr>
+              <a:lstStyle/>
+              <a:p>
+                <a:pPr algn="ctr"/>
+                <a:r>
+                  <a:rPr lang="en-US" sz="1100" dirty="0">
+                    <a:latin typeface="Arial" panose="020B0604020202020204" pitchFamily="34" charset="0"/>
+                    <a:cs typeface="Arial" panose="020B0604020202020204" pitchFamily="34" charset="0"/>
+                  </a:rPr>
+                  <a:t>ns</a:t>
+                </a:r>
+              </a:p>
+            </p:txBody>
+          </p:sp>
+        </p:grpSp>
+        <p:grpSp>
+          <p:nvGrpSpPr>
+            <p:cNvPr id="24" name="Group 23">
               <a:extLst>
                 <a:ext uri="{FF2B5EF4-FFF2-40B4-BE49-F238E27FC236}">
-                  <a16:creationId xmlns:a16="http://schemas.microsoft.com/office/drawing/2014/main" id="{F9EFD689-859D-D07C-5DD0-F8333FB92EC8}"/>
+                  <a16:creationId xmlns:a16="http://schemas.microsoft.com/office/drawing/2014/main" id="{5FCED668-FADA-6C6A-0A99-E56C0AC04599}"/>
                 </a:ext>
               </a:extLst>
             </p:cNvPr>
-            <p:cNvCxnSpPr>
-              <a:cxnSpLocks/>
-            </p:cNvCxnSpPr>
+            <p:cNvGrpSpPr/>
             <p:nvPr/>
-          </p:nvCxnSpPr>
-          <p:spPr>
+          </p:nvGrpSpPr>
+          <p:grpSpPr>
             <a:xfrm>
-              <a:off x="2611090" y="771525"/>
-              <a:ext cx="928687" cy="0"/>
+              <a:off x="2445940" y="4103656"/>
+              <a:ext cx="1356515" cy="261610"/>
+              <a:chOff x="2611090" y="551617"/>
+              <a:chExt cx="928687" cy="261610"/>
             </a:xfrm>
-            <a:prstGeom prst="line">
-              <a:avLst/>
-            </a:prstGeom>
-          </p:spPr>
-          <p:style>
-            <a:lnRef idx="1">
-              <a:schemeClr val="dk1"/>
-            </a:lnRef>
-            <a:fillRef idx="0">
-              <a:schemeClr val="dk1"/>
-            </a:fillRef>
-            <a:effectRef idx="0">
-              <a:schemeClr val="dk1"/>
-            </a:effectRef>
-            <a:fontRef idx="minor">
-              <a:schemeClr val="tx1"/>
-            </a:fontRef>
-          </p:style>
-        </p:cxnSp>
-        <p:sp>
-          <p:nvSpPr>
-            <p:cNvPr id="26" name="TextBox 25">
+          </p:grpSpPr>
+          <p:cxnSp>
+            <p:nvCxnSpPr>
+              <p:cNvPr id="25" name="Straight Connector 24">
+                <a:extLst>
+                  <a:ext uri="{FF2B5EF4-FFF2-40B4-BE49-F238E27FC236}">
+                    <a16:creationId xmlns:a16="http://schemas.microsoft.com/office/drawing/2014/main" id="{F9EFD689-859D-D07C-5DD0-F8333FB92EC8}"/>
+                  </a:ext>
+                </a:extLst>
+              </p:cNvPr>
+              <p:cNvCxnSpPr>
+                <a:cxnSpLocks/>
+              </p:cNvCxnSpPr>
+              <p:nvPr/>
+            </p:nvCxnSpPr>
+            <p:spPr>
+              <a:xfrm>
+                <a:off x="2611090" y="771525"/>
+                <a:ext cx="928687" cy="0"/>
+              </a:xfrm>
+              <a:prstGeom prst="line">
+                <a:avLst/>
+              </a:prstGeom>
+            </p:spPr>
+            <p:style>
+              <a:lnRef idx="1">
+                <a:schemeClr val="dk1"/>
+              </a:lnRef>
+              <a:fillRef idx="0">
+                <a:schemeClr val="dk1"/>
+              </a:fillRef>
+              <a:effectRef idx="0">
+                <a:schemeClr val="dk1"/>
+              </a:effectRef>
+              <a:fontRef idx="minor">
+                <a:schemeClr val="tx1"/>
+              </a:fontRef>
+            </p:style>
+          </p:cxnSp>
+          <p:sp>
+            <p:nvSpPr>
+              <p:cNvPr id="26" name="TextBox 25">
+                <a:extLst>
+                  <a:ext uri="{FF2B5EF4-FFF2-40B4-BE49-F238E27FC236}">
+                    <a16:creationId xmlns:a16="http://schemas.microsoft.com/office/drawing/2014/main" id="{29D6385D-507D-62A9-4F57-29B25D320638}"/>
+                  </a:ext>
+                </a:extLst>
+              </p:cNvPr>
+              <p:cNvSpPr txBox="1"/>
+              <p:nvPr/>
+            </p:nvSpPr>
+            <p:spPr>
+              <a:xfrm>
+                <a:off x="2732174" y="551617"/>
+                <a:ext cx="686519" cy="261610"/>
+              </a:xfrm>
+              <a:prstGeom prst="rect">
+                <a:avLst/>
+              </a:prstGeom>
+              <a:noFill/>
+            </p:spPr>
+            <p:txBody>
+              <a:bodyPr wrap="square" rtlCol="0">
+                <a:spAutoFit/>
+              </a:bodyPr>
+              <a:lstStyle/>
+              <a:p>
+                <a:pPr algn="ctr"/>
+                <a:r>
+                  <a:rPr lang="en-US" sz="1100" dirty="0">
+                    <a:latin typeface="Arial" panose="020B0604020202020204" pitchFamily="34" charset="0"/>
+                    <a:cs typeface="Arial" panose="020B0604020202020204" pitchFamily="34" charset="0"/>
+                  </a:rPr>
+                  <a:t>ns</a:t>
+                </a:r>
+              </a:p>
+            </p:txBody>
+          </p:sp>
+        </p:grpSp>
+        <p:grpSp>
+          <p:nvGrpSpPr>
+            <p:cNvPr id="27" name="Group 26">
               <a:extLst>
                 <a:ext uri="{FF2B5EF4-FFF2-40B4-BE49-F238E27FC236}">
-                  <a16:creationId xmlns:a16="http://schemas.microsoft.com/office/drawing/2014/main" id="{29D6385D-507D-62A9-4F57-29B25D320638}"/>
+                  <a16:creationId xmlns:a16="http://schemas.microsoft.com/office/drawing/2014/main" id="{D044B51C-F54C-9C05-EA35-56BF02F4CE34}"/>
                 </a:ext>
               </a:extLst>
             </p:cNvPr>
-            <p:cNvSpPr txBox="1"/>
+            <p:cNvGrpSpPr/>
             <p:nvPr/>
-          </p:nvSpPr>
-          <p:spPr>
+          </p:nvGrpSpPr>
+          <p:grpSpPr>
             <a:xfrm>
-              <a:off x="2732174" y="551617"/>
-              <a:ext cx="686519" cy="261610"/>
+              <a:off x="6934954" y="1724360"/>
+              <a:ext cx="552261" cy="261610"/>
+              <a:chOff x="2611090" y="551617"/>
+              <a:chExt cx="928687" cy="261610"/>
             </a:xfrm>
-            <a:prstGeom prst="rect">
-              <a:avLst/>
-            </a:prstGeom>
-            <a:noFill/>
-          </p:spPr>
-          <p:txBody>
-            <a:bodyPr wrap="square" rtlCol="0">
-              <a:spAutoFit/>
-            </a:bodyPr>
-            <a:lstStyle/>
-            <a:p>
-              <a:pPr algn="ctr"/>
-              <a:r>
-                <a:rPr lang="en-US" sz="1100" dirty="0">
-                  <a:latin typeface="Arial" panose="020B0604020202020204" pitchFamily="34" charset="0"/>
-                  <a:cs typeface="Arial" panose="020B0604020202020204" pitchFamily="34" charset="0"/>
-                </a:rPr>
-                <a:t>ns</a:t>
-              </a:r>
-            </a:p>
-          </p:txBody>
-        </p:sp>
-      </p:grpSp>
-      <p:grpSp>
-        <p:nvGrpSpPr>
-          <p:cNvPr id="27" name="Group 26">
-            <a:extLst>
-              <a:ext uri="{FF2B5EF4-FFF2-40B4-BE49-F238E27FC236}">
-                <a16:creationId xmlns:a16="http://schemas.microsoft.com/office/drawing/2014/main" id="{D044B51C-F54C-9C05-EA35-56BF02F4CE34}"/>
-              </a:ext>
-            </a:extLst>
-          </p:cNvPr>
-          <p:cNvGrpSpPr/>
-          <p:nvPr/>
-        </p:nvGrpSpPr>
-        <p:grpSpPr>
-          <a:xfrm>
-            <a:off x="6934954" y="1724360"/>
-            <a:ext cx="552261" cy="261610"/>
-            <a:chOff x="2611090" y="551617"/>
-            <a:chExt cx="928687" cy="261610"/>
-          </a:xfrm>
-        </p:grpSpPr>
-        <p:cxnSp>
-          <p:nvCxnSpPr>
-            <p:cNvPr id="28" name="Straight Connector 27">
+          </p:grpSpPr>
+          <p:cxnSp>
+            <p:nvCxnSpPr>
+              <p:cNvPr id="28" name="Straight Connector 27">
+                <a:extLst>
+                  <a:ext uri="{FF2B5EF4-FFF2-40B4-BE49-F238E27FC236}">
+                    <a16:creationId xmlns:a16="http://schemas.microsoft.com/office/drawing/2014/main" id="{198972DC-115A-3D48-1CFD-A0EE8C5C51A6}"/>
+                  </a:ext>
+                </a:extLst>
+              </p:cNvPr>
+              <p:cNvCxnSpPr>
+                <a:cxnSpLocks/>
+              </p:cNvCxnSpPr>
+              <p:nvPr/>
+            </p:nvCxnSpPr>
+            <p:spPr>
+              <a:xfrm>
+                <a:off x="2611090" y="771525"/>
+                <a:ext cx="928687" cy="0"/>
+              </a:xfrm>
+              <a:prstGeom prst="line">
+                <a:avLst/>
+              </a:prstGeom>
+            </p:spPr>
+            <p:style>
+              <a:lnRef idx="1">
+                <a:schemeClr val="dk1"/>
+              </a:lnRef>
+              <a:fillRef idx="0">
+                <a:schemeClr val="dk1"/>
+              </a:fillRef>
+              <a:effectRef idx="0">
+                <a:schemeClr val="dk1"/>
+              </a:effectRef>
+              <a:fontRef idx="minor">
+                <a:schemeClr val="tx1"/>
+              </a:fontRef>
+            </p:style>
+          </p:cxnSp>
+          <p:sp>
+            <p:nvSpPr>
+              <p:cNvPr id="29" name="TextBox 28">
+                <a:extLst>
+                  <a:ext uri="{FF2B5EF4-FFF2-40B4-BE49-F238E27FC236}">
+                    <a16:creationId xmlns:a16="http://schemas.microsoft.com/office/drawing/2014/main" id="{6D5DCA7E-CB1C-F6FD-EE60-AC1EA0B007EC}"/>
+                  </a:ext>
+                </a:extLst>
+              </p:cNvPr>
+              <p:cNvSpPr txBox="1"/>
+              <p:nvPr/>
+            </p:nvSpPr>
+            <p:spPr>
+              <a:xfrm>
+                <a:off x="2732174" y="551617"/>
+                <a:ext cx="807603" cy="261610"/>
+              </a:xfrm>
+              <a:prstGeom prst="rect">
+                <a:avLst/>
+              </a:prstGeom>
+              <a:noFill/>
+            </p:spPr>
+            <p:txBody>
+              <a:bodyPr wrap="square" rtlCol="0">
+                <a:spAutoFit/>
+              </a:bodyPr>
+              <a:lstStyle/>
+              <a:p>
+                <a:pPr algn="ctr"/>
+                <a:r>
+                  <a:rPr lang="en-US" sz="1100" dirty="0">
+                    <a:latin typeface="Arial" panose="020B0604020202020204" pitchFamily="34" charset="0"/>
+                    <a:cs typeface="Arial" panose="020B0604020202020204" pitchFamily="34" charset="0"/>
+                  </a:rPr>
+                  <a:t>ns</a:t>
+                </a:r>
+              </a:p>
+            </p:txBody>
+          </p:sp>
+        </p:grpSp>
+        <p:grpSp>
+          <p:nvGrpSpPr>
+            <p:cNvPr id="32" name="Group 31">
               <a:extLst>
                 <a:ext uri="{FF2B5EF4-FFF2-40B4-BE49-F238E27FC236}">
-                  <a16:creationId xmlns:a16="http://schemas.microsoft.com/office/drawing/2014/main" id="{198972DC-115A-3D48-1CFD-A0EE8C5C51A6}"/>
+                  <a16:creationId xmlns:a16="http://schemas.microsoft.com/office/drawing/2014/main" id="{D54EA0C9-05E8-B113-FDB9-DF19B30B181A}"/>
                 </a:ext>
               </a:extLst>
             </p:cNvPr>
-            <p:cNvCxnSpPr>
-              <a:cxnSpLocks/>
-            </p:cNvCxnSpPr>
+            <p:cNvGrpSpPr/>
             <p:nvPr/>
-          </p:nvCxnSpPr>
-          <p:spPr>
+          </p:nvGrpSpPr>
+          <p:grpSpPr>
             <a:xfrm>
-              <a:off x="2611090" y="771525"/>
-              <a:ext cx="928687" cy="0"/>
+              <a:off x="4421767" y="3651000"/>
+              <a:ext cx="686519" cy="276999"/>
+              <a:chOff x="2611090" y="551617"/>
+              <a:chExt cx="928687" cy="276999"/>
             </a:xfrm>
-            <a:prstGeom prst="line">
-              <a:avLst/>
-            </a:prstGeom>
-          </p:spPr>
-          <p:style>
-            <a:lnRef idx="1">
-              <a:schemeClr val="dk1"/>
-            </a:lnRef>
-            <a:fillRef idx="0">
-              <a:schemeClr val="dk1"/>
-            </a:fillRef>
-            <a:effectRef idx="0">
-              <a:schemeClr val="dk1"/>
-            </a:effectRef>
-            <a:fontRef idx="minor">
-              <a:schemeClr val="tx1"/>
-            </a:fontRef>
-          </p:style>
-        </p:cxnSp>
-        <p:sp>
-          <p:nvSpPr>
-            <p:cNvPr id="29" name="TextBox 28">
+          </p:grpSpPr>
+          <p:cxnSp>
+            <p:nvCxnSpPr>
+              <p:cNvPr id="33" name="Straight Connector 32">
+                <a:extLst>
+                  <a:ext uri="{FF2B5EF4-FFF2-40B4-BE49-F238E27FC236}">
+                    <a16:creationId xmlns:a16="http://schemas.microsoft.com/office/drawing/2014/main" id="{896CA7C9-0CE2-62C6-70B5-9A168EC92564}"/>
+                  </a:ext>
+                </a:extLst>
+              </p:cNvPr>
+              <p:cNvCxnSpPr>
+                <a:cxnSpLocks/>
+              </p:cNvCxnSpPr>
+              <p:nvPr/>
+            </p:nvCxnSpPr>
+            <p:spPr>
+              <a:xfrm>
+                <a:off x="2611090" y="771525"/>
+                <a:ext cx="928687" cy="0"/>
+              </a:xfrm>
+              <a:prstGeom prst="line">
+                <a:avLst/>
+              </a:prstGeom>
+            </p:spPr>
+            <p:style>
+              <a:lnRef idx="1">
+                <a:schemeClr val="dk1"/>
+              </a:lnRef>
+              <a:fillRef idx="0">
+                <a:schemeClr val="dk1"/>
+              </a:fillRef>
+              <a:effectRef idx="0">
+                <a:schemeClr val="dk1"/>
+              </a:effectRef>
+              <a:fontRef idx="minor">
+                <a:schemeClr val="tx1"/>
+              </a:fontRef>
+            </p:style>
+          </p:cxnSp>
+          <p:sp>
+            <p:nvSpPr>
+              <p:cNvPr id="34" name="TextBox 33">
+                <a:extLst>
+                  <a:ext uri="{FF2B5EF4-FFF2-40B4-BE49-F238E27FC236}">
+                    <a16:creationId xmlns:a16="http://schemas.microsoft.com/office/drawing/2014/main" id="{139402B8-B4DB-DE2C-6537-9735970A033A}"/>
+                  </a:ext>
+                </a:extLst>
+              </p:cNvPr>
+              <p:cNvSpPr txBox="1"/>
+              <p:nvPr/>
+            </p:nvSpPr>
+            <p:spPr>
+              <a:xfrm>
+                <a:off x="2732174" y="551617"/>
+                <a:ext cx="686519" cy="276999"/>
+              </a:xfrm>
+              <a:prstGeom prst="rect">
+                <a:avLst/>
+              </a:prstGeom>
+              <a:noFill/>
+            </p:spPr>
+            <p:txBody>
+              <a:bodyPr wrap="square" rtlCol="0">
+                <a:spAutoFit/>
+              </a:bodyPr>
+              <a:lstStyle/>
+              <a:p>
+                <a:pPr algn="ctr"/>
+                <a:r>
+                  <a:rPr lang="en-US" sz="1200" dirty="0"/>
+                  <a:t>***</a:t>
+                </a:r>
+              </a:p>
+            </p:txBody>
+          </p:sp>
+        </p:grpSp>
+        <p:grpSp>
+          <p:nvGrpSpPr>
+            <p:cNvPr id="41" name="Group 40">
               <a:extLst>
                 <a:ext uri="{FF2B5EF4-FFF2-40B4-BE49-F238E27FC236}">
-                  <a16:creationId xmlns:a16="http://schemas.microsoft.com/office/drawing/2014/main" id="{6D5DCA7E-CB1C-F6FD-EE60-AC1EA0B007EC}"/>
+                  <a16:creationId xmlns:a16="http://schemas.microsoft.com/office/drawing/2014/main" id="{C2EAC0DA-02E4-44B5-C5F8-A78488C08591}"/>
                 </a:ext>
               </a:extLst>
             </p:cNvPr>
-            <p:cNvSpPr txBox="1"/>
+            <p:cNvGrpSpPr/>
             <p:nvPr/>
-          </p:nvSpPr>
-          <p:spPr>
+          </p:nvGrpSpPr>
+          <p:grpSpPr>
             <a:xfrm>
-              <a:off x="2732174" y="551617"/>
-              <a:ext cx="807603" cy="261610"/>
+              <a:off x="4438959" y="4129801"/>
+              <a:ext cx="1356515" cy="261610"/>
+              <a:chOff x="2611090" y="551617"/>
+              <a:chExt cx="928687" cy="261610"/>
             </a:xfrm>
-            <a:prstGeom prst="rect">
-              <a:avLst/>
-            </a:prstGeom>
-            <a:noFill/>
-          </p:spPr>
-          <p:txBody>
-            <a:bodyPr wrap="square" rtlCol="0">
-              <a:spAutoFit/>
-            </a:bodyPr>
-            <a:lstStyle/>
-            <a:p>
-              <a:pPr algn="ctr"/>
-              <a:r>
-                <a:rPr lang="en-US" sz="1100" dirty="0">
-                  <a:latin typeface="Arial" panose="020B0604020202020204" pitchFamily="34" charset="0"/>
-                  <a:cs typeface="Arial" panose="020B0604020202020204" pitchFamily="34" charset="0"/>
-                </a:rPr>
-                <a:t>ns</a:t>
-              </a:r>
-            </a:p>
-          </p:txBody>
-        </p:sp>
-      </p:grpSp>
-      <p:grpSp>
-        <p:nvGrpSpPr>
-          <p:cNvPr id="32" name="Group 31">
-            <a:extLst>
-              <a:ext uri="{FF2B5EF4-FFF2-40B4-BE49-F238E27FC236}">
-                <a16:creationId xmlns:a16="http://schemas.microsoft.com/office/drawing/2014/main" id="{D54EA0C9-05E8-B113-FDB9-DF19B30B181A}"/>
-              </a:ext>
-            </a:extLst>
-          </p:cNvPr>
-          <p:cNvGrpSpPr/>
-          <p:nvPr/>
-        </p:nvGrpSpPr>
-        <p:grpSpPr>
-          <a:xfrm>
-            <a:off x="4421767" y="3651000"/>
-            <a:ext cx="686519" cy="276999"/>
-            <a:chOff x="2611090" y="551617"/>
-            <a:chExt cx="928687" cy="276999"/>
-          </a:xfrm>
-        </p:grpSpPr>
-        <p:cxnSp>
-          <p:nvCxnSpPr>
-            <p:cNvPr id="33" name="Straight Connector 32">
+          </p:grpSpPr>
+          <p:cxnSp>
+            <p:nvCxnSpPr>
+              <p:cNvPr id="42" name="Straight Connector 41">
+                <a:extLst>
+                  <a:ext uri="{FF2B5EF4-FFF2-40B4-BE49-F238E27FC236}">
+                    <a16:creationId xmlns:a16="http://schemas.microsoft.com/office/drawing/2014/main" id="{7CAC5634-F3B6-08DE-7844-2C98A1C0DCA7}"/>
+                  </a:ext>
+                </a:extLst>
+              </p:cNvPr>
+              <p:cNvCxnSpPr>
+                <a:cxnSpLocks/>
+              </p:cNvCxnSpPr>
+              <p:nvPr/>
+            </p:nvCxnSpPr>
+            <p:spPr>
+              <a:xfrm>
+                <a:off x="2611090" y="771525"/>
+                <a:ext cx="928687" cy="0"/>
+              </a:xfrm>
+              <a:prstGeom prst="line">
+                <a:avLst/>
+              </a:prstGeom>
+            </p:spPr>
+            <p:style>
+              <a:lnRef idx="1">
+                <a:schemeClr val="dk1"/>
+              </a:lnRef>
+              <a:fillRef idx="0">
+                <a:schemeClr val="dk1"/>
+              </a:fillRef>
+              <a:effectRef idx="0">
+                <a:schemeClr val="dk1"/>
+              </a:effectRef>
+              <a:fontRef idx="minor">
+                <a:schemeClr val="tx1"/>
+              </a:fontRef>
+            </p:style>
+          </p:cxnSp>
+          <p:sp>
+            <p:nvSpPr>
+              <p:cNvPr id="43" name="TextBox 42">
+                <a:extLst>
+                  <a:ext uri="{FF2B5EF4-FFF2-40B4-BE49-F238E27FC236}">
+                    <a16:creationId xmlns:a16="http://schemas.microsoft.com/office/drawing/2014/main" id="{0BF0A6CC-6D11-356B-9DC4-FA393D0EAB14}"/>
+                  </a:ext>
+                </a:extLst>
+              </p:cNvPr>
+              <p:cNvSpPr txBox="1"/>
+              <p:nvPr/>
+            </p:nvSpPr>
+            <p:spPr>
+              <a:xfrm>
+                <a:off x="2732174" y="551617"/>
+                <a:ext cx="686519" cy="261610"/>
+              </a:xfrm>
+              <a:prstGeom prst="rect">
+                <a:avLst/>
+              </a:prstGeom>
+              <a:noFill/>
+            </p:spPr>
+            <p:txBody>
+              <a:bodyPr wrap="square" rtlCol="0">
+                <a:spAutoFit/>
+              </a:bodyPr>
+              <a:lstStyle/>
+              <a:p>
+                <a:pPr algn="ctr"/>
+                <a:r>
+                  <a:rPr lang="en-US" sz="1100" dirty="0">
+                    <a:latin typeface="Arial" panose="020B0604020202020204" pitchFamily="34" charset="0"/>
+                    <a:cs typeface="Arial" panose="020B0604020202020204" pitchFamily="34" charset="0"/>
+                  </a:rPr>
+                  <a:t>ns</a:t>
+                </a:r>
+              </a:p>
+            </p:txBody>
+          </p:sp>
+        </p:grpSp>
+        <p:grpSp>
+          <p:nvGrpSpPr>
+            <p:cNvPr id="44" name="Group 43">
               <a:extLst>
                 <a:ext uri="{FF2B5EF4-FFF2-40B4-BE49-F238E27FC236}">
-                  <a16:creationId xmlns:a16="http://schemas.microsoft.com/office/drawing/2014/main" id="{896CA7C9-0CE2-62C6-70B5-9A168EC92564}"/>
+                  <a16:creationId xmlns:a16="http://schemas.microsoft.com/office/drawing/2014/main" id="{8736B105-6F0C-5D1F-2DA6-A288B03B2B39}"/>
                 </a:ext>
               </a:extLst>
             </p:cNvPr>
-            <p:cNvCxnSpPr>
-              <a:cxnSpLocks/>
-            </p:cNvCxnSpPr>
+            <p:cNvGrpSpPr/>
             <p:nvPr/>
-          </p:nvCxnSpPr>
-          <p:spPr>
+          </p:nvGrpSpPr>
+          <p:grpSpPr>
             <a:xfrm>
-              <a:off x="2611090" y="771525"/>
-              <a:ext cx="928687" cy="0"/>
+              <a:off x="2425637" y="3704579"/>
+              <a:ext cx="686519" cy="276999"/>
+              <a:chOff x="2611090" y="551617"/>
+              <a:chExt cx="928687" cy="276999"/>
             </a:xfrm>
-            <a:prstGeom prst="line">
-              <a:avLst/>
-            </a:prstGeom>
-          </p:spPr>
-          <p:style>
-            <a:lnRef idx="1">
-              <a:schemeClr val="dk1"/>
-            </a:lnRef>
-            <a:fillRef idx="0">
-              <a:schemeClr val="dk1"/>
-            </a:fillRef>
-            <a:effectRef idx="0">
-              <a:schemeClr val="dk1"/>
-            </a:effectRef>
-            <a:fontRef idx="minor">
-              <a:schemeClr val="tx1"/>
-            </a:fontRef>
-          </p:style>
-        </p:cxnSp>
-        <p:sp>
-          <p:nvSpPr>
-            <p:cNvPr id="34" name="TextBox 33">
+          </p:grpSpPr>
+          <p:cxnSp>
+            <p:nvCxnSpPr>
+              <p:cNvPr id="45" name="Straight Connector 44">
+                <a:extLst>
+                  <a:ext uri="{FF2B5EF4-FFF2-40B4-BE49-F238E27FC236}">
+                    <a16:creationId xmlns:a16="http://schemas.microsoft.com/office/drawing/2014/main" id="{01823CA2-48C4-57CE-7272-2B30EEF0D14B}"/>
+                  </a:ext>
+                </a:extLst>
+              </p:cNvPr>
+              <p:cNvCxnSpPr>
+                <a:cxnSpLocks/>
+              </p:cNvCxnSpPr>
+              <p:nvPr/>
+            </p:nvCxnSpPr>
+            <p:spPr>
+              <a:xfrm>
+                <a:off x="2611090" y="771525"/>
+                <a:ext cx="928687" cy="0"/>
+              </a:xfrm>
+              <a:prstGeom prst="line">
+                <a:avLst/>
+              </a:prstGeom>
+            </p:spPr>
+            <p:style>
+              <a:lnRef idx="1">
+                <a:schemeClr val="dk1"/>
+              </a:lnRef>
+              <a:fillRef idx="0">
+                <a:schemeClr val="dk1"/>
+              </a:fillRef>
+              <a:effectRef idx="0">
+                <a:schemeClr val="dk1"/>
+              </a:effectRef>
+              <a:fontRef idx="minor">
+                <a:schemeClr val="tx1"/>
+              </a:fontRef>
+            </p:style>
+          </p:cxnSp>
+          <p:sp>
+            <p:nvSpPr>
+              <p:cNvPr id="46" name="TextBox 45">
+                <a:extLst>
+                  <a:ext uri="{FF2B5EF4-FFF2-40B4-BE49-F238E27FC236}">
+                    <a16:creationId xmlns:a16="http://schemas.microsoft.com/office/drawing/2014/main" id="{610DF5E4-03A1-028C-E59E-9B16277FD42C}"/>
+                  </a:ext>
+                </a:extLst>
+              </p:cNvPr>
+              <p:cNvSpPr txBox="1"/>
+              <p:nvPr/>
+            </p:nvSpPr>
+            <p:spPr>
+              <a:xfrm>
+                <a:off x="2732174" y="551617"/>
+                <a:ext cx="686519" cy="276999"/>
+              </a:xfrm>
+              <a:prstGeom prst="rect">
+                <a:avLst/>
+              </a:prstGeom>
+              <a:noFill/>
+            </p:spPr>
+            <p:txBody>
+              <a:bodyPr wrap="square" rtlCol="0">
+                <a:spAutoFit/>
+              </a:bodyPr>
+              <a:lstStyle/>
+              <a:p>
+                <a:pPr algn="ctr"/>
+                <a:r>
+                  <a:rPr lang="en-US" sz="1200" dirty="0"/>
+                  <a:t>***</a:t>
+                </a:r>
+              </a:p>
+            </p:txBody>
+          </p:sp>
+        </p:grpSp>
+        <p:grpSp>
+          <p:nvGrpSpPr>
+            <p:cNvPr id="47" name="Group 46">
               <a:extLst>
                 <a:ext uri="{FF2B5EF4-FFF2-40B4-BE49-F238E27FC236}">
-                  <a16:creationId xmlns:a16="http://schemas.microsoft.com/office/drawing/2014/main" id="{139402B8-B4DB-DE2C-6537-9735970A033A}"/>
+                  <a16:creationId xmlns:a16="http://schemas.microsoft.com/office/drawing/2014/main" id="{28AA9F3F-2A7E-0EB0-19AC-29019A6C4961}"/>
                 </a:ext>
               </a:extLst>
             </p:cNvPr>
-            <p:cNvSpPr txBox="1"/>
+            <p:cNvGrpSpPr/>
             <p:nvPr/>
-          </p:nvSpPr>
-          <p:spPr>
+          </p:nvGrpSpPr>
+          <p:grpSpPr>
             <a:xfrm>
-              <a:off x="2732174" y="551617"/>
-              <a:ext cx="686519" cy="276999"/>
+              <a:off x="2570701" y="525816"/>
+              <a:ext cx="1041500" cy="276999"/>
+              <a:chOff x="2611090" y="551617"/>
+              <a:chExt cx="928687" cy="276999"/>
             </a:xfrm>
-            <a:prstGeom prst="rect">
-              <a:avLst/>
-            </a:prstGeom>
-            <a:noFill/>
-          </p:spPr>
-          <p:txBody>
-            <a:bodyPr wrap="square" rtlCol="0">
-              <a:spAutoFit/>
-            </a:bodyPr>
-            <a:lstStyle/>
-            <a:p>
-              <a:pPr algn="ctr"/>
-              <a:r>
-                <a:rPr lang="en-US" sz="1200" dirty="0"/>
-                <a:t>***</a:t>
-              </a:r>
-            </a:p>
-          </p:txBody>
-        </p:sp>
-      </p:grpSp>
-      <p:grpSp>
-        <p:nvGrpSpPr>
-          <p:cNvPr id="41" name="Group 40">
-            <a:extLst>
-              <a:ext uri="{FF2B5EF4-FFF2-40B4-BE49-F238E27FC236}">
-                <a16:creationId xmlns:a16="http://schemas.microsoft.com/office/drawing/2014/main" id="{C2EAC0DA-02E4-44B5-C5F8-A78488C08591}"/>
-              </a:ext>
-            </a:extLst>
-          </p:cNvPr>
-          <p:cNvGrpSpPr/>
-          <p:nvPr/>
-        </p:nvGrpSpPr>
-        <p:grpSpPr>
-          <a:xfrm>
-            <a:off x="4438959" y="4129801"/>
-            <a:ext cx="1356515" cy="261610"/>
-            <a:chOff x="2611090" y="551617"/>
-            <a:chExt cx="928687" cy="261610"/>
-          </a:xfrm>
-        </p:grpSpPr>
-        <p:cxnSp>
-          <p:nvCxnSpPr>
-            <p:cNvPr id="42" name="Straight Connector 41">
-              <a:extLst>
-                <a:ext uri="{FF2B5EF4-FFF2-40B4-BE49-F238E27FC236}">
-                  <a16:creationId xmlns:a16="http://schemas.microsoft.com/office/drawing/2014/main" id="{7CAC5634-F3B6-08DE-7844-2C98A1C0DCA7}"/>
-                </a:ext>
-              </a:extLst>
-            </p:cNvPr>
-            <p:cNvCxnSpPr>
-              <a:cxnSpLocks/>
-            </p:cNvCxnSpPr>
-            <p:nvPr/>
-          </p:nvCxnSpPr>
-          <p:spPr>
-            <a:xfrm>
-              <a:off x="2611090" y="771525"/>
-              <a:ext cx="928687" cy="0"/>
-            </a:xfrm>
-            <a:prstGeom prst="line">
-              <a:avLst/>
-            </a:prstGeom>
-          </p:spPr>
-          <p:style>
-            <a:lnRef idx="1">
-              <a:schemeClr val="dk1"/>
-            </a:lnRef>
-            <a:fillRef idx="0">
-              <a:schemeClr val="dk1"/>
-            </a:fillRef>
-            <a:effectRef idx="0">
-              <a:schemeClr val="dk1"/>
-            </a:effectRef>
-            <a:fontRef idx="minor">
-              <a:schemeClr val="tx1"/>
-            </a:fontRef>
-          </p:style>
-        </p:cxnSp>
-        <p:sp>
-          <p:nvSpPr>
-            <p:cNvPr id="43" name="TextBox 42">
-              <a:extLst>
-                <a:ext uri="{FF2B5EF4-FFF2-40B4-BE49-F238E27FC236}">
-                  <a16:creationId xmlns:a16="http://schemas.microsoft.com/office/drawing/2014/main" id="{0BF0A6CC-6D11-356B-9DC4-FA393D0EAB14}"/>
-                </a:ext>
-              </a:extLst>
-            </p:cNvPr>
-            <p:cNvSpPr txBox="1"/>
-            <p:nvPr/>
-          </p:nvSpPr>
-          <p:spPr>
-            <a:xfrm>
-              <a:off x="2732174" y="551617"/>
-              <a:ext cx="686519" cy="261610"/>
-            </a:xfrm>
-            <a:prstGeom prst="rect">
-              <a:avLst/>
-            </a:prstGeom>
-            <a:noFill/>
-          </p:spPr>
-          <p:txBody>
-            <a:bodyPr wrap="square" rtlCol="0">
-              <a:spAutoFit/>
-            </a:bodyPr>
-            <a:lstStyle/>
-            <a:p>
-              <a:pPr algn="ctr"/>
-              <a:r>
-                <a:rPr lang="en-US" sz="1100" dirty="0">
-                  <a:latin typeface="Arial" panose="020B0604020202020204" pitchFamily="34" charset="0"/>
-                  <a:cs typeface="Arial" panose="020B0604020202020204" pitchFamily="34" charset="0"/>
-                </a:rPr>
-                <a:t>ns</a:t>
-              </a:r>
-            </a:p>
-          </p:txBody>
-        </p:sp>
-      </p:grpSp>
-      <p:grpSp>
-        <p:nvGrpSpPr>
-          <p:cNvPr id="44" name="Group 43">
-            <a:extLst>
-              <a:ext uri="{FF2B5EF4-FFF2-40B4-BE49-F238E27FC236}">
-                <a16:creationId xmlns:a16="http://schemas.microsoft.com/office/drawing/2014/main" id="{8736B105-6F0C-5D1F-2DA6-A288B03B2B39}"/>
-              </a:ext>
-            </a:extLst>
-          </p:cNvPr>
-          <p:cNvGrpSpPr/>
-          <p:nvPr/>
-        </p:nvGrpSpPr>
-        <p:grpSpPr>
-          <a:xfrm>
-            <a:off x="2425637" y="3704579"/>
-            <a:ext cx="686519" cy="276999"/>
-            <a:chOff x="2611090" y="551617"/>
-            <a:chExt cx="928687" cy="276999"/>
-          </a:xfrm>
-        </p:grpSpPr>
-        <p:cxnSp>
-          <p:nvCxnSpPr>
-            <p:cNvPr id="45" name="Straight Connector 44">
-              <a:extLst>
-                <a:ext uri="{FF2B5EF4-FFF2-40B4-BE49-F238E27FC236}">
-                  <a16:creationId xmlns:a16="http://schemas.microsoft.com/office/drawing/2014/main" id="{01823CA2-48C4-57CE-7272-2B30EEF0D14B}"/>
-                </a:ext>
-              </a:extLst>
-            </p:cNvPr>
-            <p:cNvCxnSpPr>
-              <a:cxnSpLocks/>
-            </p:cNvCxnSpPr>
-            <p:nvPr/>
-          </p:nvCxnSpPr>
-          <p:spPr>
-            <a:xfrm>
-              <a:off x="2611090" y="771525"/>
-              <a:ext cx="928687" cy="0"/>
-            </a:xfrm>
-            <a:prstGeom prst="line">
-              <a:avLst/>
-            </a:prstGeom>
-          </p:spPr>
-          <p:style>
-            <a:lnRef idx="1">
-              <a:schemeClr val="dk1"/>
-            </a:lnRef>
-            <a:fillRef idx="0">
-              <a:schemeClr val="dk1"/>
-            </a:fillRef>
-            <a:effectRef idx="0">
-              <a:schemeClr val="dk1"/>
-            </a:effectRef>
-            <a:fontRef idx="minor">
-              <a:schemeClr val="tx1"/>
-            </a:fontRef>
-          </p:style>
-        </p:cxnSp>
-        <p:sp>
-          <p:nvSpPr>
-            <p:cNvPr id="46" name="TextBox 45">
-              <a:extLst>
-                <a:ext uri="{FF2B5EF4-FFF2-40B4-BE49-F238E27FC236}">
-                  <a16:creationId xmlns:a16="http://schemas.microsoft.com/office/drawing/2014/main" id="{610DF5E4-03A1-028C-E59E-9B16277FD42C}"/>
-                </a:ext>
-              </a:extLst>
-            </p:cNvPr>
-            <p:cNvSpPr txBox="1"/>
-            <p:nvPr/>
-          </p:nvSpPr>
-          <p:spPr>
-            <a:xfrm>
-              <a:off x="2732174" y="551617"/>
-              <a:ext cx="686519" cy="276999"/>
-            </a:xfrm>
-            <a:prstGeom prst="rect">
-              <a:avLst/>
-            </a:prstGeom>
-            <a:noFill/>
-          </p:spPr>
-          <p:txBody>
-            <a:bodyPr wrap="square" rtlCol="0">
-              <a:spAutoFit/>
-            </a:bodyPr>
-            <a:lstStyle/>
-            <a:p>
-              <a:pPr algn="ctr"/>
-              <a:r>
-                <a:rPr lang="en-US" sz="1200" dirty="0"/>
-                <a:t>***</a:t>
-              </a:r>
-            </a:p>
-          </p:txBody>
-        </p:sp>
-      </p:grpSp>
-      <p:grpSp>
-        <p:nvGrpSpPr>
-          <p:cNvPr id="47" name="Group 46">
-            <a:extLst>
-              <a:ext uri="{FF2B5EF4-FFF2-40B4-BE49-F238E27FC236}">
-                <a16:creationId xmlns:a16="http://schemas.microsoft.com/office/drawing/2014/main" id="{28AA9F3F-2A7E-0EB0-19AC-29019A6C4961}"/>
-              </a:ext>
-            </a:extLst>
-          </p:cNvPr>
-          <p:cNvGrpSpPr/>
-          <p:nvPr/>
-        </p:nvGrpSpPr>
-        <p:grpSpPr>
-          <a:xfrm>
-            <a:off x="2570701" y="525816"/>
-            <a:ext cx="1041500" cy="276999"/>
-            <a:chOff x="2611090" y="551617"/>
-            <a:chExt cx="928687" cy="276999"/>
-          </a:xfrm>
-        </p:grpSpPr>
-        <p:cxnSp>
-          <p:nvCxnSpPr>
-            <p:cNvPr id="48" name="Straight Connector 47">
-              <a:extLst>
-                <a:ext uri="{FF2B5EF4-FFF2-40B4-BE49-F238E27FC236}">
-                  <a16:creationId xmlns:a16="http://schemas.microsoft.com/office/drawing/2014/main" id="{8137649D-9D2C-35F7-790F-316B53DB2BEF}"/>
-                </a:ext>
-              </a:extLst>
-            </p:cNvPr>
-            <p:cNvCxnSpPr>
-              <a:cxnSpLocks/>
-            </p:cNvCxnSpPr>
-            <p:nvPr/>
-          </p:nvCxnSpPr>
-          <p:spPr>
-            <a:xfrm>
-              <a:off x="2611090" y="771525"/>
-              <a:ext cx="928687" cy="0"/>
-            </a:xfrm>
-            <a:prstGeom prst="line">
-              <a:avLst/>
-            </a:prstGeom>
-          </p:spPr>
-          <p:style>
-            <a:lnRef idx="1">
-              <a:schemeClr val="dk1"/>
-            </a:lnRef>
-            <a:fillRef idx="0">
-              <a:schemeClr val="dk1"/>
-            </a:fillRef>
-            <a:effectRef idx="0">
-              <a:schemeClr val="dk1"/>
-            </a:effectRef>
-            <a:fontRef idx="minor">
-              <a:schemeClr val="tx1"/>
-            </a:fontRef>
-          </p:style>
-        </p:cxnSp>
-        <p:sp>
-          <p:nvSpPr>
-            <p:cNvPr id="49" name="TextBox 48">
-              <a:extLst>
-                <a:ext uri="{FF2B5EF4-FFF2-40B4-BE49-F238E27FC236}">
-                  <a16:creationId xmlns:a16="http://schemas.microsoft.com/office/drawing/2014/main" id="{BC085433-2827-C48D-822C-2C4160093D7C}"/>
-                </a:ext>
-              </a:extLst>
-            </p:cNvPr>
-            <p:cNvSpPr txBox="1"/>
-            <p:nvPr/>
-          </p:nvSpPr>
-          <p:spPr>
-            <a:xfrm>
-              <a:off x="2732174" y="551617"/>
-              <a:ext cx="686519" cy="276999"/>
-            </a:xfrm>
-            <a:prstGeom prst="rect">
-              <a:avLst/>
-            </a:prstGeom>
-            <a:noFill/>
-          </p:spPr>
-          <p:txBody>
-            <a:bodyPr wrap="square" rtlCol="0">
-              <a:spAutoFit/>
-            </a:bodyPr>
-            <a:lstStyle/>
-            <a:p>
-              <a:pPr algn="ctr"/>
-              <a:r>
-                <a:rPr lang="en-US" sz="1200" dirty="0"/>
-                <a:t>***</a:t>
-              </a:r>
-            </a:p>
-          </p:txBody>
-        </p:sp>
+          </p:grpSpPr>
+          <p:cxnSp>
+            <p:nvCxnSpPr>
+              <p:cNvPr id="48" name="Straight Connector 47">
+                <a:extLst>
+                  <a:ext uri="{FF2B5EF4-FFF2-40B4-BE49-F238E27FC236}">
+                    <a16:creationId xmlns:a16="http://schemas.microsoft.com/office/drawing/2014/main" id="{8137649D-9D2C-35F7-790F-316B53DB2BEF}"/>
+                  </a:ext>
+                </a:extLst>
+              </p:cNvPr>
+              <p:cNvCxnSpPr>
+                <a:cxnSpLocks/>
+              </p:cNvCxnSpPr>
+              <p:nvPr/>
+            </p:nvCxnSpPr>
+            <p:spPr>
+              <a:xfrm>
+                <a:off x="2611090" y="771525"/>
+                <a:ext cx="928687" cy="0"/>
+              </a:xfrm>
+              <a:prstGeom prst="line">
+                <a:avLst/>
+              </a:prstGeom>
+            </p:spPr>
+            <p:style>
+              <a:lnRef idx="1">
+                <a:schemeClr val="dk1"/>
+              </a:lnRef>
+              <a:fillRef idx="0">
+                <a:schemeClr val="dk1"/>
+              </a:fillRef>
+              <a:effectRef idx="0">
+                <a:schemeClr val="dk1"/>
+              </a:effectRef>
+              <a:fontRef idx="minor">
+                <a:schemeClr val="tx1"/>
+              </a:fontRef>
+            </p:style>
+          </p:cxnSp>
+          <p:sp>
+            <p:nvSpPr>
+              <p:cNvPr id="49" name="TextBox 48">
+                <a:extLst>
+                  <a:ext uri="{FF2B5EF4-FFF2-40B4-BE49-F238E27FC236}">
+                    <a16:creationId xmlns:a16="http://schemas.microsoft.com/office/drawing/2014/main" id="{BC085433-2827-C48D-822C-2C4160093D7C}"/>
+                  </a:ext>
+                </a:extLst>
+              </p:cNvPr>
+              <p:cNvSpPr txBox="1"/>
+              <p:nvPr/>
+            </p:nvSpPr>
+            <p:spPr>
+              <a:xfrm>
+                <a:off x="2732174" y="551617"/>
+                <a:ext cx="686519" cy="276999"/>
+              </a:xfrm>
+              <a:prstGeom prst="rect">
+                <a:avLst/>
+              </a:prstGeom>
+              <a:noFill/>
+            </p:spPr>
+            <p:txBody>
+              <a:bodyPr wrap="square" rtlCol="0">
+                <a:spAutoFit/>
+              </a:bodyPr>
+              <a:lstStyle/>
+              <a:p>
+                <a:pPr algn="ctr"/>
+                <a:r>
+                  <a:rPr lang="en-US" sz="1200" dirty="0"/>
+                  <a:t>***</a:t>
+                </a:r>
+              </a:p>
+            </p:txBody>
+          </p:sp>
+        </p:grpSp>
       </p:grpSp>
     </p:spTree>
     <p:extLst>
@@ -4154,42 +4180,12 @@
           <a:chExt cx="0" cy="0"/>
         </a:xfrm>
       </p:grpSpPr>
-      <p:pic>
-        <p:nvPicPr>
-          <p:cNvPr id="3" name="Picture 2" descr="A picture containing text, diagram, line, plot&#10;&#10;Description automatically generated">
-            <a:extLst>
-              <a:ext uri="{FF2B5EF4-FFF2-40B4-BE49-F238E27FC236}">
-                <a16:creationId xmlns:a16="http://schemas.microsoft.com/office/drawing/2014/main" id="{737A53C3-2855-966D-48D3-C91F446D329A}"/>
-              </a:ext>
-            </a:extLst>
-          </p:cNvPr>
-          <p:cNvPicPr>
-            <a:picLocks noChangeAspect="1"/>
-          </p:cNvPicPr>
-          <p:nvPr/>
-        </p:nvPicPr>
-        <p:blipFill>
-          <a:blip r:embed="rId2"/>
-          <a:stretch>
-            <a:fillRect/>
-          </a:stretch>
-        </p:blipFill>
-        <p:spPr>
-          <a:xfrm>
-            <a:off x="-1" y="0"/>
-            <a:ext cx="12180095" cy="4872038"/>
-          </a:xfrm>
-          <a:prstGeom prst="rect">
-            <a:avLst/>
-          </a:prstGeom>
-        </p:spPr>
-      </p:pic>
       <p:grpSp>
         <p:nvGrpSpPr>
-          <p:cNvPr id="4" name="Group 3">
-            <a:extLst>
-              <a:ext uri="{FF2B5EF4-FFF2-40B4-BE49-F238E27FC236}">
-                <a16:creationId xmlns:a16="http://schemas.microsoft.com/office/drawing/2014/main" id="{719727A1-9149-D644-2098-F0A1CD0E2C21}"/>
+          <p:cNvPr id="2" name="Group 1">
+            <a:extLst>
+              <a:ext uri="{FF2B5EF4-FFF2-40B4-BE49-F238E27FC236}">
+                <a16:creationId xmlns:a16="http://schemas.microsoft.com/office/drawing/2014/main" id="{66F81B41-3A89-A586-8A74-24B50F1E2586}"/>
               </a:ext>
             </a:extLst>
           </p:cNvPr>
@@ -4198,861 +4194,912 @@
         </p:nvGrpSpPr>
         <p:grpSpPr>
           <a:xfrm>
-            <a:off x="1113576" y="1738980"/>
-            <a:ext cx="860079" cy="276999"/>
-            <a:chOff x="2611090" y="551617"/>
-            <a:chExt cx="928687" cy="276999"/>
+            <a:off x="-1" y="0"/>
+            <a:ext cx="12180095" cy="4872038"/>
+            <a:chOff x="-1" y="0"/>
+            <a:chExt cx="12180095" cy="4872038"/>
           </a:xfrm>
         </p:grpSpPr>
-        <p:cxnSp>
-          <p:nvCxnSpPr>
-            <p:cNvPr id="5" name="Straight Connector 4">
+        <p:pic>
+          <p:nvPicPr>
+            <p:cNvPr id="3" name="Picture 2" descr="A picture containing text, diagram, line, plot&#10;&#10;Description automatically generated">
               <a:extLst>
                 <a:ext uri="{FF2B5EF4-FFF2-40B4-BE49-F238E27FC236}">
-                  <a16:creationId xmlns:a16="http://schemas.microsoft.com/office/drawing/2014/main" id="{9473DD1D-94EF-0AB0-8E49-3DAB116E122F}"/>
+                  <a16:creationId xmlns:a16="http://schemas.microsoft.com/office/drawing/2014/main" id="{737A53C3-2855-966D-48D3-C91F446D329A}"/>
                 </a:ext>
               </a:extLst>
             </p:cNvPr>
-            <p:cNvCxnSpPr>
-              <a:cxnSpLocks/>
-            </p:cNvCxnSpPr>
+            <p:cNvPicPr>
+              <a:picLocks noChangeAspect="1"/>
+            </p:cNvPicPr>
             <p:nvPr/>
-          </p:nvCxnSpPr>
+          </p:nvPicPr>
+          <p:blipFill>
+            <a:blip r:embed="rId2"/>
+            <a:stretch>
+              <a:fillRect/>
+            </a:stretch>
+          </p:blipFill>
           <p:spPr>
             <a:xfrm>
-              <a:off x="2611090" y="771525"/>
-              <a:ext cx="928687" cy="0"/>
-            </a:xfrm>
-            <a:prstGeom prst="line">
-              <a:avLst/>
-            </a:prstGeom>
-          </p:spPr>
-          <p:style>
-            <a:lnRef idx="1">
-              <a:schemeClr val="dk1"/>
-            </a:lnRef>
-            <a:fillRef idx="0">
-              <a:schemeClr val="dk1"/>
-            </a:fillRef>
-            <a:effectRef idx="0">
-              <a:schemeClr val="dk1"/>
-            </a:effectRef>
-            <a:fontRef idx="minor">
-              <a:schemeClr val="tx1"/>
-            </a:fontRef>
-          </p:style>
-        </p:cxnSp>
-        <p:sp>
-          <p:nvSpPr>
-            <p:cNvPr id="6" name="TextBox 5">
-              <a:extLst>
-                <a:ext uri="{FF2B5EF4-FFF2-40B4-BE49-F238E27FC236}">
-                  <a16:creationId xmlns:a16="http://schemas.microsoft.com/office/drawing/2014/main" id="{360F20B4-83AA-580D-F7BE-65E823703AFD}"/>
-                </a:ext>
-              </a:extLst>
-            </p:cNvPr>
-            <p:cNvSpPr txBox="1"/>
-            <p:nvPr/>
-          </p:nvSpPr>
-          <p:spPr>
-            <a:xfrm>
-              <a:off x="2732174" y="551617"/>
-              <a:ext cx="686519" cy="276999"/>
+              <a:off x="-1" y="0"/>
+              <a:ext cx="12180095" cy="4872038"/>
             </a:xfrm>
             <a:prstGeom prst="rect">
               <a:avLst/>
             </a:prstGeom>
-            <a:noFill/>
           </p:spPr>
-          <p:txBody>
-            <a:bodyPr wrap="square" rtlCol="0">
-              <a:spAutoFit/>
-            </a:bodyPr>
-            <a:lstStyle/>
-            <a:p>
-              <a:pPr algn="ctr"/>
-              <a:r>
-                <a:rPr lang="en-US" sz="1200" dirty="0"/>
-                <a:t>**</a:t>
-              </a:r>
-            </a:p>
-          </p:txBody>
-        </p:sp>
-      </p:grpSp>
-      <p:grpSp>
-        <p:nvGrpSpPr>
-          <p:cNvPr id="7" name="Group 6">
-            <a:extLst>
-              <a:ext uri="{FF2B5EF4-FFF2-40B4-BE49-F238E27FC236}">
-                <a16:creationId xmlns:a16="http://schemas.microsoft.com/office/drawing/2014/main" id="{DCE0B49A-33B1-6A33-23EE-CA31F36851C9}"/>
-              </a:ext>
-            </a:extLst>
-          </p:cNvPr>
-          <p:cNvGrpSpPr/>
-          <p:nvPr/>
-        </p:nvGrpSpPr>
-        <p:grpSpPr>
-          <a:xfrm>
-            <a:off x="2913707" y="1738980"/>
-            <a:ext cx="860079" cy="261610"/>
-            <a:chOff x="2611090" y="551617"/>
-            <a:chExt cx="928687" cy="261610"/>
-          </a:xfrm>
-        </p:grpSpPr>
-        <p:cxnSp>
-          <p:nvCxnSpPr>
-            <p:cNvPr id="8" name="Straight Connector 7">
+        </p:pic>
+        <p:grpSp>
+          <p:nvGrpSpPr>
+            <p:cNvPr id="4" name="Group 3">
               <a:extLst>
                 <a:ext uri="{FF2B5EF4-FFF2-40B4-BE49-F238E27FC236}">
-                  <a16:creationId xmlns:a16="http://schemas.microsoft.com/office/drawing/2014/main" id="{99EF220A-9609-C0B4-8A47-D3347DC5BDA6}"/>
+                  <a16:creationId xmlns:a16="http://schemas.microsoft.com/office/drawing/2014/main" id="{719727A1-9149-D644-2098-F0A1CD0E2C21}"/>
                 </a:ext>
               </a:extLst>
             </p:cNvPr>
-            <p:cNvCxnSpPr>
-              <a:cxnSpLocks/>
-            </p:cNvCxnSpPr>
+            <p:cNvGrpSpPr/>
             <p:nvPr/>
-          </p:nvCxnSpPr>
-          <p:spPr>
+          </p:nvGrpSpPr>
+          <p:grpSpPr>
             <a:xfrm>
-              <a:off x="2611090" y="771525"/>
-              <a:ext cx="928687" cy="0"/>
+              <a:off x="1113576" y="1738980"/>
+              <a:ext cx="860079" cy="276999"/>
+              <a:chOff x="2611090" y="551617"/>
+              <a:chExt cx="928687" cy="276999"/>
             </a:xfrm>
-            <a:prstGeom prst="line">
-              <a:avLst/>
-            </a:prstGeom>
-          </p:spPr>
-          <p:style>
-            <a:lnRef idx="1">
-              <a:schemeClr val="dk1"/>
-            </a:lnRef>
-            <a:fillRef idx="0">
-              <a:schemeClr val="dk1"/>
-            </a:fillRef>
-            <a:effectRef idx="0">
-              <a:schemeClr val="dk1"/>
-            </a:effectRef>
-            <a:fontRef idx="minor">
-              <a:schemeClr val="tx1"/>
-            </a:fontRef>
-          </p:style>
-        </p:cxnSp>
-        <p:sp>
-          <p:nvSpPr>
-            <p:cNvPr id="9" name="TextBox 8">
+          </p:grpSpPr>
+          <p:cxnSp>
+            <p:nvCxnSpPr>
+              <p:cNvPr id="5" name="Straight Connector 4">
+                <a:extLst>
+                  <a:ext uri="{FF2B5EF4-FFF2-40B4-BE49-F238E27FC236}">
+                    <a16:creationId xmlns:a16="http://schemas.microsoft.com/office/drawing/2014/main" id="{9473DD1D-94EF-0AB0-8E49-3DAB116E122F}"/>
+                  </a:ext>
+                </a:extLst>
+              </p:cNvPr>
+              <p:cNvCxnSpPr>
+                <a:cxnSpLocks/>
+              </p:cNvCxnSpPr>
+              <p:nvPr/>
+            </p:nvCxnSpPr>
+            <p:spPr>
+              <a:xfrm>
+                <a:off x="2611090" y="771525"/>
+                <a:ext cx="928687" cy="0"/>
+              </a:xfrm>
+              <a:prstGeom prst="line">
+                <a:avLst/>
+              </a:prstGeom>
+            </p:spPr>
+            <p:style>
+              <a:lnRef idx="1">
+                <a:schemeClr val="dk1"/>
+              </a:lnRef>
+              <a:fillRef idx="0">
+                <a:schemeClr val="dk1"/>
+              </a:fillRef>
+              <a:effectRef idx="0">
+                <a:schemeClr val="dk1"/>
+              </a:effectRef>
+              <a:fontRef idx="minor">
+                <a:schemeClr val="tx1"/>
+              </a:fontRef>
+            </p:style>
+          </p:cxnSp>
+          <p:sp>
+            <p:nvSpPr>
+              <p:cNvPr id="6" name="TextBox 5">
+                <a:extLst>
+                  <a:ext uri="{FF2B5EF4-FFF2-40B4-BE49-F238E27FC236}">
+                    <a16:creationId xmlns:a16="http://schemas.microsoft.com/office/drawing/2014/main" id="{360F20B4-83AA-580D-F7BE-65E823703AFD}"/>
+                  </a:ext>
+                </a:extLst>
+              </p:cNvPr>
+              <p:cNvSpPr txBox="1"/>
+              <p:nvPr/>
+            </p:nvSpPr>
+            <p:spPr>
+              <a:xfrm>
+                <a:off x="2732174" y="551617"/>
+                <a:ext cx="686519" cy="276999"/>
+              </a:xfrm>
+              <a:prstGeom prst="rect">
+                <a:avLst/>
+              </a:prstGeom>
+              <a:noFill/>
+            </p:spPr>
+            <p:txBody>
+              <a:bodyPr wrap="square" rtlCol="0">
+                <a:spAutoFit/>
+              </a:bodyPr>
+              <a:lstStyle/>
+              <a:p>
+                <a:pPr algn="ctr"/>
+                <a:r>
+                  <a:rPr lang="en-US" sz="1200" dirty="0"/>
+                  <a:t>**</a:t>
+                </a:r>
+              </a:p>
+            </p:txBody>
+          </p:sp>
+        </p:grpSp>
+        <p:grpSp>
+          <p:nvGrpSpPr>
+            <p:cNvPr id="7" name="Group 6">
               <a:extLst>
                 <a:ext uri="{FF2B5EF4-FFF2-40B4-BE49-F238E27FC236}">
-                  <a16:creationId xmlns:a16="http://schemas.microsoft.com/office/drawing/2014/main" id="{9AB2C7EC-E25D-D483-AA72-15F328C9BB68}"/>
+                  <a16:creationId xmlns:a16="http://schemas.microsoft.com/office/drawing/2014/main" id="{DCE0B49A-33B1-6A33-23EE-CA31F36851C9}"/>
                 </a:ext>
               </a:extLst>
             </p:cNvPr>
-            <p:cNvSpPr txBox="1"/>
+            <p:cNvGrpSpPr/>
             <p:nvPr/>
-          </p:nvSpPr>
-          <p:spPr>
+          </p:nvGrpSpPr>
+          <p:grpSpPr>
             <a:xfrm>
-              <a:off x="2732174" y="551617"/>
-              <a:ext cx="686518" cy="261610"/>
+              <a:off x="2913707" y="1738980"/>
+              <a:ext cx="860079" cy="261610"/>
+              <a:chOff x="2611090" y="551617"/>
+              <a:chExt cx="928687" cy="261610"/>
             </a:xfrm>
-            <a:prstGeom prst="rect">
-              <a:avLst/>
-            </a:prstGeom>
-            <a:noFill/>
-          </p:spPr>
-          <p:txBody>
-            <a:bodyPr wrap="square" rtlCol="0">
-              <a:spAutoFit/>
-            </a:bodyPr>
-            <a:lstStyle/>
-            <a:p>
-              <a:pPr algn="ctr"/>
-              <a:r>
-                <a:rPr lang="en-US" sz="1100" dirty="0">
-                  <a:latin typeface="Arial" panose="020B0604020202020204" pitchFamily="34" charset="0"/>
-                  <a:cs typeface="Arial" panose="020B0604020202020204" pitchFamily="34" charset="0"/>
-                </a:rPr>
-                <a:t>ns</a:t>
-              </a:r>
-            </a:p>
-          </p:txBody>
-        </p:sp>
-      </p:grpSp>
-      <p:grpSp>
-        <p:nvGrpSpPr>
-          <p:cNvPr id="10" name="Group 9">
-            <a:extLst>
-              <a:ext uri="{FF2B5EF4-FFF2-40B4-BE49-F238E27FC236}">
-                <a16:creationId xmlns:a16="http://schemas.microsoft.com/office/drawing/2014/main" id="{0A521A85-F569-1372-D14E-1E5AB1766984}"/>
-              </a:ext>
-            </a:extLst>
-          </p:cNvPr>
-          <p:cNvGrpSpPr/>
-          <p:nvPr/>
-        </p:nvGrpSpPr>
-        <p:grpSpPr>
-          <a:xfrm>
-            <a:off x="4715347" y="859285"/>
-            <a:ext cx="860079" cy="276999"/>
-            <a:chOff x="2611090" y="551617"/>
-            <a:chExt cx="928687" cy="276999"/>
-          </a:xfrm>
-        </p:grpSpPr>
-        <p:cxnSp>
-          <p:nvCxnSpPr>
-            <p:cNvPr id="11" name="Straight Connector 10">
+          </p:grpSpPr>
+          <p:cxnSp>
+            <p:nvCxnSpPr>
+              <p:cNvPr id="8" name="Straight Connector 7">
+                <a:extLst>
+                  <a:ext uri="{FF2B5EF4-FFF2-40B4-BE49-F238E27FC236}">
+                    <a16:creationId xmlns:a16="http://schemas.microsoft.com/office/drawing/2014/main" id="{99EF220A-9609-C0B4-8A47-D3347DC5BDA6}"/>
+                  </a:ext>
+                </a:extLst>
+              </p:cNvPr>
+              <p:cNvCxnSpPr>
+                <a:cxnSpLocks/>
+              </p:cNvCxnSpPr>
+              <p:nvPr/>
+            </p:nvCxnSpPr>
+            <p:spPr>
+              <a:xfrm>
+                <a:off x="2611090" y="771525"/>
+                <a:ext cx="928687" cy="0"/>
+              </a:xfrm>
+              <a:prstGeom prst="line">
+                <a:avLst/>
+              </a:prstGeom>
+            </p:spPr>
+            <p:style>
+              <a:lnRef idx="1">
+                <a:schemeClr val="dk1"/>
+              </a:lnRef>
+              <a:fillRef idx="0">
+                <a:schemeClr val="dk1"/>
+              </a:fillRef>
+              <a:effectRef idx="0">
+                <a:schemeClr val="dk1"/>
+              </a:effectRef>
+              <a:fontRef idx="minor">
+                <a:schemeClr val="tx1"/>
+              </a:fontRef>
+            </p:style>
+          </p:cxnSp>
+          <p:sp>
+            <p:nvSpPr>
+              <p:cNvPr id="9" name="TextBox 8">
+                <a:extLst>
+                  <a:ext uri="{FF2B5EF4-FFF2-40B4-BE49-F238E27FC236}">
+                    <a16:creationId xmlns:a16="http://schemas.microsoft.com/office/drawing/2014/main" id="{9AB2C7EC-E25D-D483-AA72-15F328C9BB68}"/>
+                  </a:ext>
+                </a:extLst>
+              </p:cNvPr>
+              <p:cNvSpPr txBox="1"/>
+              <p:nvPr/>
+            </p:nvSpPr>
+            <p:spPr>
+              <a:xfrm>
+                <a:off x="2732174" y="551617"/>
+                <a:ext cx="686518" cy="261610"/>
+              </a:xfrm>
+              <a:prstGeom prst="rect">
+                <a:avLst/>
+              </a:prstGeom>
+              <a:noFill/>
+            </p:spPr>
+            <p:txBody>
+              <a:bodyPr wrap="square" rtlCol="0">
+                <a:spAutoFit/>
+              </a:bodyPr>
+              <a:lstStyle/>
+              <a:p>
+                <a:pPr algn="ctr"/>
+                <a:r>
+                  <a:rPr lang="en-US" sz="1100" dirty="0">
+                    <a:latin typeface="Arial" panose="020B0604020202020204" pitchFamily="34" charset="0"/>
+                    <a:cs typeface="Arial" panose="020B0604020202020204" pitchFamily="34" charset="0"/>
+                  </a:rPr>
+                  <a:t>ns</a:t>
+                </a:r>
+              </a:p>
+            </p:txBody>
+          </p:sp>
+        </p:grpSp>
+        <p:grpSp>
+          <p:nvGrpSpPr>
+            <p:cNvPr id="10" name="Group 9">
               <a:extLst>
                 <a:ext uri="{FF2B5EF4-FFF2-40B4-BE49-F238E27FC236}">
-                  <a16:creationId xmlns:a16="http://schemas.microsoft.com/office/drawing/2014/main" id="{CD8177C5-9D8F-1D0C-A802-2ACB2FF33FF1}"/>
+                  <a16:creationId xmlns:a16="http://schemas.microsoft.com/office/drawing/2014/main" id="{0A521A85-F569-1372-D14E-1E5AB1766984}"/>
                 </a:ext>
               </a:extLst>
             </p:cNvPr>
-            <p:cNvCxnSpPr>
-              <a:cxnSpLocks/>
-            </p:cNvCxnSpPr>
+            <p:cNvGrpSpPr/>
             <p:nvPr/>
-          </p:nvCxnSpPr>
-          <p:spPr>
+          </p:nvGrpSpPr>
+          <p:grpSpPr>
             <a:xfrm>
-              <a:off x="2611090" y="771525"/>
-              <a:ext cx="928687" cy="0"/>
+              <a:off x="4715347" y="859285"/>
+              <a:ext cx="860079" cy="276999"/>
+              <a:chOff x="2611090" y="551617"/>
+              <a:chExt cx="928687" cy="276999"/>
             </a:xfrm>
-            <a:prstGeom prst="line">
-              <a:avLst/>
-            </a:prstGeom>
-          </p:spPr>
-          <p:style>
-            <a:lnRef idx="1">
-              <a:schemeClr val="dk1"/>
-            </a:lnRef>
-            <a:fillRef idx="0">
-              <a:schemeClr val="dk1"/>
-            </a:fillRef>
-            <a:effectRef idx="0">
-              <a:schemeClr val="dk1"/>
-            </a:effectRef>
-            <a:fontRef idx="minor">
-              <a:schemeClr val="tx1"/>
-            </a:fontRef>
-          </p:style>
-        </p:cxnSp>
-        <p:sp>
-          <p:nvSpPr>
-            <p:cNvPr id="12" name="TextBox 11">
+          </p:grpSpPr>
+          <p:cxnSp>
+            <p:nvCxnSpPr>
+              <p:cNvPr id="11" name="Straight Connector 10">
+                <a:extLst>
+                  <a:ext uri="{FF2B5EF4-FFF2-40B4-BE49-F238E27FC236}">
+                    <a16:creationId xmlns:a16="http://schemas.microsoft.com/office/drawing/2014/main" id="{CD8177C5-9D8F-1D0C-A802-2ACB2FF33FF1}"/>
+                  </a:ext>
+                </a:extLst>
+              </p:cNvPr>
+              <p:cNvCxnSpPr>
+                <a:cxnSpLocks/>
+              </p:cNvCxnSpPr>
+              <p:nvPr/>
+            </p:nvCxnSpPr>
+            <p:spPr>
+              <a:xfrm>
+                <a:off x="2611090" y="771525"/>
+                <a:ext cx="928687" cy="0"/>
+              </a:xfrm>
+              <a:prstGeom prst="line">
+                <a:avLst/>
+              </a:prstGeom>
+            </p:spPr>
+            <p:style>
+              <a:lnRef idx="1">
+                <a:schemeClr val="dk1"/>
+              </a:lnRef>
+              <a:fillRef idx="0">
+                <a:schemeClr val="dk1"/>
+              </a:fillRef>
+              <a:effectRef idx="0">
+                <a:schemeClr val="dk1"/>
+              </a:effectRef>
+              <a:fontRef idx="minor">
+                <a:schemeClr val="tx1"/>
+              </a:fontRef>
+            </p:style>
+          </p:cxnSp>
+          <p:sp>
+            <p:nvSpPr>
+              <p:cNvPr id="12" name="TextBox 11">
+                <a:extLst>
+                  <a:ext uri="{FF2B5EF4-FFF2-40B4-BE49-F238E27FC236}">
+                    <a16:creationId xmlns:a16="http://schemas.microsoft.com/office/drawing/2014/main" id="{592C1414-B5C9-2083-D851-DBE795E0628F}"/>
+                  </a:ext>
+                </a:extLst>
+              </p:cNvPr>
+              <p:cNvSpPr txBox="1"/>
+              <p:nvPr/>
+            </p:nvSpPr>
+            <p:spPr>
+              <a:xfrm>
+                <a:off x="2732174" y="551617"/>
+                <a:ext cx="686519" cy="276999"/>
+              </a:xfrm>
+              <a:prstGeom prst="rect">
+                <a:avLst/>
+              </a:prstGeom>
+              <a:noFill/>
+            </p:spPr>
+            <p:txBody>
+              <a:bodyPr wrap="square" rtlCol="0">
+                <a:spAutoFit/>
+              </a:bodyPr>
+              <a:lstStyle/>
+              <a:p>
+                <a:pPr algn="ctr"/>
+                <a:r>
+                  <a:rPr lang="en-US" sz="1200" dirty="0"/>
+                  <a:t>*</a:t>
+                </a:r>
+              </a:p>
+            </p:txBody>
+          </p:sp>
+        </p:grpSp>
+        <p:grpSp>
+          <p:nvGrpSpPr>
+            <p:cNvPr id="13" name="Group 12">
               <a:extLst>
                 <a:ext uri="{FF2B5EF4-FFF2-40B4-BE49-F238E27FC236}">
-                  <a16:creationId xmlns:a16="http://schemas.microsoft.com/office/drawing/2014/main" id="{592C1414-B5C9-2083-D851-DBE795E0628F}"/>
+                  <a16:creationId xmlns:a16="http://schemas.microsoft.com/office/drawing/2014/main" id="{63277C65-382E-E2B0-7CC7-B89A56D9D720}"/>
                 </a:ext>
               </a:extLst>
             </p:cNvPr>
-            <p:cNvSpPr txBox="1"/>
+            <p:cNvGrpSpPr/>
             <p:nvPr/>
-          </p:nvSpPr>
-          <p:spPr>
+          </p:nvGrpSpPr>
+          <p:grpSpPr>
             <a:xfrm>
-              <a:off x="2732174" y="551617"/>
-              <a:ext cx="686519" cy="276999"/>
+              <a:off x="7674321" y="1330067"/>
+              <a:ext cx="1270503" cy="261610"/>
+              <a:chOff x="2611090" y="551617"/>
+              <a:chExt cx="928687" cy="261610"/>
             </a:xfrm>
-            <a:prstGeom prst="rect">
-              <a:avLst/>
-            </a:prstGeom>
-            <a:noFill/>
-          </p:spPr>
-          <p:txBody>
-            <a:bodyPr wrap="square" rtlCol="0">
-              <a:spAutoFit/>
-            </a:bodyPr>
-            <a:lstStyle/>
-            <a:p>
-              <a:pPr algn="ctr"/>
-              <a:r>
-                <a:rPr lang="en-US" sz="1200" dirty="0"/>
-                <a:t>*</a:t>
-              </a:r>
-            </a:p>
-          </p:txBody>
-        </p:sp>
-      </p:grpSp>
-      <p:grpSp>
-        <p:nvGrpSpPr>
-          <p:cNvPr id="13" name="Group 12">
-            <a:extLst>
-              <a:ext uri="{FF2B5EF4-FFF2-40B4-BE49-F238E27FC236}">
-                <a16:creationId xmlns:a16="http://schemas.microsoft.com/office/drawing/2014/main" id="{63277C65-382E-E2B0-7CC7-B89A56D9D720}"/>
-              </a:ext>
-            </a:extLst>
-          </p:cNvPr>
-          <p:cNvGrpSpPr/>
-          <p:nvPr/>
-        </p:nvGrpSpPr>
-        <p:grpSpPr>
-          <a:xfrm>
-            <a:off x="7674321" y="1330067"/>
-            <a:ext cx="1270503" cy="261610"/>
-            <a:chOff x="2611090" y="551617"/>
-            <a:chExt cx="928687" cy="261610"/>
-          </a:xfrm>
-        </p:grpSpPr>
-        <p:cxnSp>
-          <p:nvCxnSpPr>
-            <p:cNvPr id="14" name="Straight Connector 13">
+          </p:grpSpPr>
+          <p:cxnSp>
+            <p:nvCxnSpPr>
+              <p:cNvPr id="14" name="Straight Connector 13">
+                <a:extLst>
+                  <a:ext uri="{FF2B5EF4-FFF2-40B4-BE49-F238E27FC236}">
+                    <a16:creationId xmlns:a16="http://schemas.microsoft.com/office/drawing/2014/main" id="{D47E6765-7B96-DD7D-0B71-DB4B6959875D}"/>
+                  </a:ext>
+                </a:extLst>
+              </p:cNvPr>
+              <p:cNvCxnSpPr>
+                <a:cxnSpLocks/>
+              </p:cNvCxnSpPr>
+              <p:nvPr/>
+            </p:nvCxnSpPr>
+            <p:spPr>
+              <a:xfrm>
+                <a:off x="2611090" y="771525"/>
+                <a:ext cx="928687" cy="0"/>
+              </a:xfrm>
+              <a:prstGeom prst="line">
+                <a:avLst/>
+              </a:prstGeom>
+            </p:spPr>
+            <p:style>
+              <a:lnRef idx="1">
+                <a:schemeClr val="dk1"/>
+              </a:lnRef>
+              <a:fillRef idx="0">
+                <a:schemeClr val="dk1"/>
+              </a:fillRef>
+              <a:effectRef idx="0">
+                <a:schemeClr val="dk1"/>
+              </a:effectRef>
+              <a:fontRef idx="minor">
+                <a:schemeClr val="tx1"/>
+              </a:fontRef>
+            </p:style>
+          </p:cxnSp>
+          <p:sp>
+            <p:nvSpPr>
+              <p:cNvPr id="15" name="TextBox 14">
+                <a:extLst>
+                  <a:ext uri="{FF2B5EF4-FFF2-40B4-BE49-F238E27FC236}">
+                    <a16:creationId xmlns:a16="http://schemas.microsoft.com/office/drawing/2014/main" id="{36DFC143-F743-85D9-DF00-96F173DA77DB}"/>
+                  </a:ext>
+                </a:extLst>
+              </p:cNvPr>
+              <p:cNvSpPr txBox="1"/>
+              <p:nvPr/>
+            </p:nvSpPr>
+            <p:spPr>
+              <a:xfrm>
+                <a:off x="2732174" y="551617"/>
+                <a:ext cx="686518" cy="261610"/>
+              </a:xfrm>
+              <a:prstGeom prst="rect">
+                <a:avLst/>
+              </a:prstGeom>
+              <a:noFill/>
+            </p:spPr>
+            <p:txBody>
+              <a:bodyPr wrap="square" rtlCol="0">
+                <a:spAutoFit/>
+              </a:bodyPr>
+              <a:lstStyle/>
+              <a:p>
+                <a:pPr algn="ctr"/>
+                <a:r>
+                  <a:rPr lang="en-US" sz="1100" dirty="0">
+                    <a:latin typeface="Arial" panose="020B0604020202020204" pitchFamily="34" charset="0"/>
+                    <a:cs typeface="Arial" panose="020B0604020202020204" pitchFamily="34" charset="0"/>
+                  </a:rPr>
+                  <a:t>ns</a:t>
+                </a:r>
+              </a:p>
+            </p:txBody>
+          </p:sp>
+        </p:grpSp>
+        <p:grpSp>
+          <p:nvGrpSpPr>
+            <p:cNvPr id="16" name="Group 15">
               <a:extLst>
                 <a:ext uri="{FF2B5EF4-FFF2-40B4-BE49-F238E27FC236}">
-                  <a16:creationId xmlns:a16="http://schemas.microsoft.com/office/drawing/2014/main" id="{D47E6765-7B96-DD7D-0B71-DB4B6959875D}"/>
+                  <a16:creationId xmlns:a16="http://schemas.microsoft.com/office/drawing/2014/main" id="{BF0F905C-9B65-21A3-4022-216BD9EA9420}"/>
                 </a:ext>
               </a:extLst>
             </p:cNvPr>
-            <p:cNvCxnSpPr>
-              <a:cxnSpLocks/>
-            </p:cNvCxnSpPr>
+            <p:cNvGrpSpPr/>
             <p:nvPr/>
-          </p:nvCxnSpPr>
-          <p:spPr>
+          </p:nvGrpSpPr>
+          <p:grpSpPr>
             <a:xfrm>
-              <a:off x="2611090" y="771525"/>
-              <a:ext cx="928687" cy="0"/>
+              <a:off x="10357166" y="1324577"/>
+              <a:ext cx="1270503" cy="261610"/>
+              <a:chOff x="2611090" y="551617"/>
+              <a:chExt cx="928687" cy="261610"/>
             </a:xfrm>
-            <a:prstGeom prst="line">
-              <a:avLst/>
-            </a:prstGeom>
-          </p:spPr>
-          <p:style>
-            <a:lnRef idx="1">
-              <a:schemeClr val="dk1"/>
-            </a:lnRef>
-            <a:fillRef idx="0">
-              <a:schemeClr val="dk1"/>
-            </a:fillRef>
-            <a:effectRef idx="0">
-              <a:schemeClr val="dk1"/>
-            </a:effectRef>
-            <a:fontRef idx="minor">
-              <a:schemeClr val="tx1"/>
-            </a:fontRef>
-          </p:style>
-        </p:cxnSp>
-        <p:sp>
-          <p:nvSpPr>
-            <p:cNvPr id="15" name="TextBox 14">
+          </p:grpSpPr>
+          <p:cxnSp>
+            <p:nvCxnSpPr>
+              <p:cNvPr id="17" name="Straight Connector 16">
+                <a:extLst>
+                  <a:ext uri="{FF2B5EF4-FFF2-40B4-BE49-F238E27FC236}">
+                    <a16:creationId xmlns:a16="http://schemas.microsoft.com/office/drawing/2014/main" id="{EDA5D1A5-98AB-B934-C28C-51E1F52A6F4F}"/>
+                  </a:ext>
+                </a:extLst>
+              </p:cNvPr>
+              <p:cNvCxnSpPr>
+                <a:cxnSpLocks/>
+              </p:cNvCxnSpPr>
+              <p:nvPr/>
+            </p:nvCxnSpPr>
+            <p:spPr>
+              <a:xfrm>
+                <a:off x="2611090" y="771525"/>
+                <a:ext cx="928687" cy="0"/>
+              </a:xfrm>
+              <a:prstGeom prst="line">
+                <a:avLst/>
+              </a:prstGeom>
+            </p:spPr>
+            <p:style>
+              <a:lnRef idx="1">
+                <a:schemeClr val="dk1"/>
+              </a:lnRef>
+              <a:fillRef idx="0">
+                <a:schemeClr val="dk1"/>
+              </a:fillRef>
+              <a:effectRef idx="0">
+                <a:schemeClr val="dk1"/>
+              </a:effectRef>
+              <a:fontRef idx="minor">
+                <a:schemeClr val="tx1"/>
+              </a:fontRef>
+            </p:style>
+          </p:cxnSp>
+          <p:sp>
+            <p:nvSpPr>
+              <p:cNvPr id="18" name="TextBox 17">
+                <a:extLst>
+                  <a:ext uri="{FF2B5EF4-FFF2-40B4-BE49-F238E27FC236}">
+                    <a16:creationId xmlns:a16="http://schemas.microsoft.com/office/drawing/2014/main" id="{8089EEF3-818E-AECA-649B-5C9DE4675B2B}"/>
+                  </a:ext>
+                </a:extLst>
+              </p:cNvPr>
+              <p:cNvSpPr txBox="1"/>
+              <p:nvPr/>
+            </p:nvSpPr>
+            <p:spPr>
+              <a:xfrm>
+                <a:off x="2732174" y="551617"/>
+                <a:ext cx="686518" cy="261610"/>
+              </a:xfrm>
+              <a:prstGeom prst="rect">
+                <a:avLst/>
+              </a:prstGeom>
+              <a:noFill/>
+            </p:spPr>
+            <p:txBody>
+              <a:bodyPr wrap="square" rtlCol="0">
+                <a:spAutoFit/>
+              </a:bodyPr>
+              <a:lstStyle/>
+              <a:p>
+                <a:pPr algn="ctr"/>
+                <a:r>
+                  <a:rPr lang="en-US" sz="1100" dirty="0">
+                    <a:latin typeface="Arial" panose="020B0604020202020204" pitchFamily="34" charset="0"/>
+                    <a:cs typeface="Arial" panose="020B0604020202020204" pitchFamily="34" charset="0"/>
+                  </a:rPr>
+                  <a:t>ns</a:t>
+                </a:r>
+              </a:p>
+            </p:txBody>
+          </p:sp>
+        </p:grpSp>
+        <p:grpSp>
+          <p:nvGrpSpPr>
+            <p:cNvPr id="19" name="Group 18">
               <a:extLst>
                 <a:ext uri="{FF2B5EF4-FFF2-40B4-BE49-F238E27FC236}">
-                  <a16:creationId xmlns:a16="http://schemas.microsoft.com/office/drawing/2014/main" id="{36DFC143-F743-85D9-DF00-96F173DA77DB}"/>
+                  <a16:creationId xmlns:a16="http://schemas.microsoft.com/office/drawing/2014/main" id="{AA02D6E0-2A26-1EA6-5800-964B4B2F4217}"/>
                 </a:ext>
               </a:extLst>
             </p:cNvPr>
-            <p:cNvSpPr txBox="1"/>
+            <p:cNvGrpSpPr/>
             <p:nvPr/>
-          </p:nvSpPr>
-          <p:spPr>
+          </p:nvGrpSpPr>
+          <p:grpSpPr>
             <a:xfrm>
-              <a:off x="2732174" y="551617"/>
-              <a:ext cx="686518" cy="261610"/>
+              <a:off x="9963338" y="1035834"/>
+              <a:ext cx="559479" cy="261610"/>
+              <a:chOff x="2611090" y="551617"/>
+              <a:chExt cx="928687" cy="261610"/>
             </a:xfrm>
-            <a:prstGeom prst="rect">
-              <a:avLst/>
-            </a:prstGeom>
-            <a:noFill/>
-          </p:spPr>
-          <p:txBody>
-            <a:bodyPr wrap="square" rtlCol="0">
-              <a:spAutoFit/>
-            </a:bodyPr>
-            <a:lstStyle/>
-            <a:p>
-              <a:pPr algn="ctr"/>
-              <a:r>
-                <a:rPr lang="en-US" sz="1100" dirty="0">
-                  <a:latin typeface="Arial" panose="020B0604020202020204" pitchFamily="34" charset="0"/>
-                  <a:cs typeface="Arial" panose="020B0604020202020204" pitchFamily="34" charset="0"/>
-                </a:rPr>
-                <a:t>ns</a:t>
-              </a:r>
-            </a:p>
-          </p:txBody>
-        </p:sp>
-      </p:grpSp>
-      <p:grpSp>
-        <p:nvGrpSpPr>
-          <p:cNvPr id="16" name="Group 15">
-            <a:extLst>
-              <a:ext uri="{FF2B5EF4-FFF2-40B4-BE49-F238E27FC236}">
-                <a16:creationId xmlns:a16="http://schemas.microsoft.com/office/drawing/2014/main" id="{BF0F905C-9B65-21A3-4022-216BD9EA9420}"/>
-              </a:ext>
-            </a:extLst>
-          </p:cNvPr>
-          <p:cNvGrpSpPr/>
-          <p:nvPr/>
-        </p:nvGrpSpPr>
-        <p:grpSpPr>
-          <a:xfrm>
-            <a:off x="10357166" y="1324577"/>
-            <a:ext cx="1270503" cy="261610"/>
-            <a:chOff x="2611090" y="551617"/>
-            <a:chExt cx="928687" cy="261610"/>
-          </a:xfrm>
-        </p:grpSpPr>
-        <p:cxnSp>
-          <p:nvCxnSpPr>
-            <p:cNvPr id="17" name="Straight Connector 16">
+          </p:grpSpPr>
+          <p:cxnSp>
+            <p:nvCxnSpPr>
+              <p:cNvPr id="20" name="Straight Connector 19">
+                <a:extLst>
+                  <a:ext uri="{FF2B5EF4-FFF2-40B4-BE49-F238E27FC236}">
+                    <a16:creationId xmlns:a16="http://schemas.microsoft.com/office/drawing/2014/main" id="{CD04CE85-647B-86D2-7517-4B29CA6F8F30}"/>
+                  </a:ext>
+                </a:extLst>
+              </p:cNvPr>
+              <p:cNvCxnSpPr>
+                <a:cxnSpLocks/>
+              </p:cNvCxnSpPr>
+              <p:nvPr/>
+            </p:nvCxnSpPr>
+            <p:spPr>
+              <a:xfrm>
+                <a:off x="2611090" y="771525"/>
+                <a:ext cx="928687" cy="0"/>
+              </a:xfrm>
+              <a:prstGeom prst="line">
+                <a:avLst/>
+              </a:prstGeom>
+            </p:spPr>
+            <p:style>
+              <a:lnRef idx="1">
+                <a:schemeClr val="dk1"/>
+              </a:lnRef>
+              <a:fillRef idx="0">
+                <a:schemeClr val="dk1"/>
+              </a:fillRef>
+              <a:effectRef idx="0">
+                <a:schemeClr val="dk1"/>
+              </a:effectRef>
+              <a:fontRef idx="minor">
+                <a:schemeClr val="tx1"/>
+              </a:fontRef>
+            </p:style>
+          </p:cxnSp>
+          <p:sp>
+            <p:nvSpPr>
+              <p:cNvPr id="21" name="TextBox 20">
+                <a:extLst>
+                  <a:ext uri="{FF2B5EF4-FFF2-40B4-BE49-F238E27FC236}">
+                    <a16:creationId xmlns:a16="http://schemas.microsoft.com/office/drawing/2014/main" id="{38273449-BC1E-28E5-5BFC-97F3FE1D19AB}"/>
+                  </a:ext>
+                </a:extLst>
+              </p:cNvPr>
+              <p:cNvSpPr txBox="1"/>
+              <p:nvPr/>
+            </p:nvSpPr>
+            <p:spPr>
+              <a:xfrm>
+                <a:off x="2732174" y="551617"/>
+                <a:ext cx="686518" cy="261610"/>
+              </a:xfrm>
+              <a:prstGeom prst="rect">
+                <a:avLst/>
+              </a:prstGeom>
+              <a:noFill/>
+            </p:spPr>
+            <p:txBody>
+              <a:bodyPr wrap="square" rtlCol="0">
+                <a:spAutoFit/>
+              </a:bodyPr>
+              <a:lstStyle/>
+              <a:p>
+                <a:pPr algn="ctr"/>
+                <a:r>
+                  <a:rPr lang="en-US" sz="1100" dirty="0">
+                    <a:latin typeface="Arial" panose="020B0604020202020204" pitchFamily="34" charset="0"/>
+                    <a:cs typeface="Arial" panose="020B0604020202020204" pitchFamily="34" charset="0"/>
+                  </a:rPr>
+                  <a:t>ns</a:t>
+                </a:r>
+              </a:p>
+            </p:txBody>
+          </p:sp>
+        </p:grpSp>
+        <p:grpSp>
+          <p:nvGrpSpPr>
+            <p:cNvPr id="22" name="Group 21">
               <a:extLst>
                 <a:ext uri="{FF2B5EF4-FFF2-40B4-BE49-F238E27FC236}">
-                  <a16:creationId xmlns:a16="http://schemas.microsoft.com/office/drawing/2014/main" id="{EDA5D1A5-98AB-B934-C28C-51E1F52A6F4F}"/>
+                  <a16:creationId xmlns:a16="http://schemas.microsoft.com/office/drawing/2014/main" id="{4C7AFEBD-B807-BF2B-AD03-370877D1A6F9}"/>
                 </a:ext>
               </a:extLst>
             </p:cNvPr>
-            <p:cNvCxnSpPr>
-              <a:cxnSpLocks/>
-            </p:cNvCxnSpPr>
+            <p:cNvGrpSpPr/>
             <p:nvPr/>
-          </p:nvCxnSpPr>
-          <p:spPr>
+          </p:nvGrpSpPr>
+          <p:grpSpPr>
             <a:xfrm>
-              <a:off x="2611090" y="771525"/>
-              <a:ext cx="928687" cy="0"/>
+              <a:off x="7206560" y="378311"/>
+              <a:ext cx="534155" cy="276999"/>
+              <a:chOff x="2611090" y="551617"/>
+              <a:chExt cx="928687" cy="276999"/>
             </a:xfrm>
-            <a:prstGeom prst="line">
-              <a:avLst/>
-            </a:prstGeom>
-          </p:spPr>
-          <p:style>
-            <a:lnRef idx="1">
-              <a:schemeClr val="dk1"/>
-            </a:lnRef>
-            <a:fillRef idx="0">
-              <a:schemeClr val="dk1"/>
-            </a:fillRef>
-            <a:effectRef idx="0">
-              <a:schemeClr val="dk1"/>
-            </a:effectRef>
-            <a:fontRef idx="minor">
-              <a:schemeClr val="tx1"/>
-            </a:fontRef>
-          </p:style>
-        </p:cxnSp>
-        <p:sp>
-          <p:nvSpPr>
-            <p:cNvPr id="18" name="TextBox 17">
+          </p:grpSpPr>
+          <p:cxnSp>
+            <p:nvCxnSpPr>
+              <p:cNvPr id="23" name="Straight Connector 22">
+                <a:extLst>
+                  <a:ext uri="{FF2B5EF4-FFF2-40B4-BE49-F238E27FC236}">
+                    <a16:creationId xmlns:a16="http://schemas.microsoft.com/office/drawing/2014/main" id="{A7313225-6D17-A63C-B6C1-DCD990F41AC6}"/>
+                  </a:ext>
+                </a:extLst>
+              </p:cNvPr>
+              <p:cNvCxnSpPr>
+                <a:cxnSpLocks/>
+              </p:cNvCxnSpPr>
+              <p:nvPr/>
+            </p:nvCxnSpPr>
+            <p:spPr>
+              <a:xfrm>
+                <a:off x="2611090" y="771525"/>
+                <a:ext cx="928687" cy="0"/>
+              </a:xfrm>
+              <a:prstGeom prst="line">
+                <a:avLst/>
+              </a:prstGeom>
+            </p:spPr>
+            <p:style>
+              <a:lnRef idx="1">
+                <a:schemeClr val="dk1"/>
+              </a:lnRef>
+              <a:fillRef idx="0">
+                <a:schemeClr val="dk1"/>
+              </a:fillRef>
+              <a:effectRef idx="0">
+                <a:schemeClr val="dk1"/>
+              </a:effectRef>
+              <a:fontRef idx="minor">
+                <a:schemeClr val="tx1"/>
+              </a:fontRef>
+            </p:style>
+          </p:cxnSp>
+          <p:sp>
+            <p:nvSpPr>
+              <p:cNvPr id="24" name="TextBox 23">
+                <a:extLst>
+                  <a:ext uri="{FF2B5EF4-FFF2-40B4-BE49-F238E27FC236}">
+                    <a16:creationId xmlns:a16="http://schemas.microsoft.com/office/drawing/2014/main" id="{7E3CD46F-A2DC-70EB-69D1-5B75473B5762}"/>
+                  </a:ext>
+                </a:extLst>
+              </p:cNvPr>
+              <p:cNvSpPr txBox="1"/>
+              <p:nvPr/>
+            </p:nvSpPr>
+            <p:spPr>
+              <a:xfrm>
+                <a:off x="2669215" y="551617"/>
+                <a:ext cx="807603" cy="276999"/>
+              </a:xfrm>
+              <a:prstGeom prst="rect">
+                <a:avLst/>
+              </a:prstGeom>
+              <a:noFill/>
+            </p:spPr>
+            <p:txBody>
+              <a:bodyPr wrap="square" rtlCol="0">
+                <a:spAutoFit/>
+              </a:bodyPr>
+              <a:lstStyle/>
+              <a:p>
+                <a:pPr algn="ctr"/>
+                <a:r>
+                  <a:rPr lang="en-US" sz="1200" dirty="0"/>
+                  <a:t>***</a:t>
+                </a:r>
+              </a:p>
+            </p:txBody>
+          </p:sp>
+        </p:grpSp>
+        <p:grpSp>
+          <p:nvGrpSpPr>
+            <p:cNvPr id="28" name="Group 27">
               <a:extLst>
                 <a:ext uri="{FF2B5EF4-FFF2-40B4-BE49-F238E27FC236}">
-                  <a16:creationId xmlns:a16="http://schemas.microsoft.com/office/drawing/2014/main" id="{8089EEF3-818E-AECA-649B-5C9DE4675B2B}"/>
+                  <a16:creationId xmlns:a16="http://schemas.microsoft.com/office/drawing/2014/main" id="{0BE2A810-80C7-43DA-4E90-B957B6076BEA}"/>
                 </a:ext>
               </a:extLst>
             </p:cNvPr>
-            <p:cNvSpPr txBox="1"/>
+            <p:cNvGrpSpPr/>
             <p:nvPr/>
-          </p:nvSpPr>
-          <p:spPr>
+          </p:nvGrpSpPr>
+          <p:grpSpPr>
             <a:xfrm>
-              <a:off x="2732174" y="551617"/>
-              <a:ext cx="686518" cy="261610"/>
+              <a:off x="8419722" y="483408"/>
+              <a:ext cx="534155" cy="276999"/>
+              <a:chOff x="2611090" y="551617"/>
+              <a:chExt cx="928687" cy="276999"/>
             </a:xfrm>
-            <a:prstGeom prst="rect">
-              <a:avLst/>
-            </a:prstGeom>
-            <a:noFill/>
-          </p:spPr>
-          <p:txBody>
-            <a:bodyPr wrap="square" rtlCol="0">
-              <a:spAutoFit/>
-            </a:bodyPr>
-            <a:lstStyle/>
-            <a:p>
-              <a:pPr algn="ctr"/>
-              <a:r>
-                <a:rPr lang="en-US" sz="1100" dirty="0">
-                  <a:latin typeface="Arial" panose="020B0604020202020204" pitchFamily="34" charset="0"/>
-                  <a:cs typeface="Arial" panose="020B0604020202020204" pitchFamily="34" charset="0"/>
-                </a:rPr>
-                <a:t>ns</a:t>
-              </a:r>
-            </a:p>
-          </p:txBody>
-        </p:sp>
-      </p:grpSp>
-      <p:grpSp>
-        <p:nvGrpSpPr>
-          <p:cNvPr id="19" name="Group 18">
-            <a:extLst>
-              <a:ext uri="{FF2B5EF4-FFF2-40B4-BE49-F238E27FC236}">
-                <a16:creationId xmlns:a16="http://schemas.microsoft.com/office/drawing/2014/main" id="{AA02D6E0-2A26-1EA6-5800-964B4B2F4217}"/>
-              </a:ext>
-            </a:extLst>
-          </p:cNvPr>
-          <p:cNvGrpSpPr/>
-          <p:nvPr/>
-        </p:nvGrpSpPr>
-        <p:grpSpPr>
-          <a:xfrm>
-            <a:off x="9963338" y="1035834"/>
-            <a:ext cx="559479" cy="261610"/>
-            <a:chOff x="2611090" y="551617"/>
-            <a:chExt cx="928687" cy="261610"/>
-          </a:xfrm>
-        </p:grpSpPr>
-        <p:cxnSp>
-          <p:nvCxnSpPr>
-            <p:cNvPr id="20" name="Straight Connector 19">
+          </p:grpSpPr>
+          <p:cxnSp>
+            <p:nvCxnSpPr>
+              <p:cNvPr id="29" name="Straight Connector 28">
+                <a:extLst>
+                  <a:ext uri="{FF2B5EF4-FFF2-40B4-BE49-F238E27FC236}">
+                    <a16:creationId xmlns:a16="http://schemas.microsoft.com/office/drawing/2014/main" id="{C0F8DD47-026A-D7DC-B729-78E256DFE99A}"/>
+                  </a:ext>
+                </a:extLst>
+              </p:cNvPr>
+              <p:cNvCxnSpPr>
+                <a:cxnSpLocks/>
+              </p:cNvCxnSpPr>
+              <p:nvPr/>
+            </p:nvCxnSpPr>
+            <p:spPr>
+              <a:xfrm>
+                <a:off x="2611090" y="771525"/>
+                <a:ext cx="928687" cy="0"/>
+              </a:xfrm>
+              <a:prstGeom prst="line">
+                <a:avLst/>
+              </a:prstGeom>
+            </p:spPr>
+            <p:style>
+              <a:lnRef idx="1">
+                <a:schemeClr val="dk1"/>
+              </a:lnRef>
+              <a:fillRef idx="0">
+                <a:schemeClr val="dk1"/>
+              </a:fillRef>
+              <a:effectRef idx="0">
+                <a:schemeClr val="dk1"/>
+              </a:effectRef>
+              <a:fontRef idx="minor">
+                <a:schemeClr val="tx1"/>
+              </a:fontRef>
+            </p:style>
+          </p:cxnSp>
+          <p:sp>
+            <p:nvSpPr>
+              <p:cNvPr id="30" name="TextBox 29">
+                <a:extLst>
+                  <a:ext uri="{FF2B5EF4-FFF2-40B4-BE49-F238E27FC236}">
+                    <a16:creationId xmlns:a16="http://schemas.microsoft.com/office/drawing/2014/main" id="{F10CA674-D935-6148-CFF7-EF9226CFEF5F}"/>
+                  </a:ext>
+                </a:extLst>
+              </p:cNvPr>
+              <p:cNvSpPr txBox="1"/>
+              <p:nvPr/>
+            </p:nvSpPr>
+            <p:spPr>
+              <a:xfrm>
+                <a:off x="2669215" y="551617"/>
+                <a:ext cx="807603" cy="276999"/>
+              </a:xfrm>
+              <a:prstGeom prst="rect">
+                <a:avLst/>
+              </a:prstGeom>
+              <a:noFill/>
+            </p:spPr>
+            <p:txBody>
+              <a:bodyPr wrap="square" rtlCol="0">
+                <a:spAutoFit/>
+              </a:bodyPr>
+              <a:lstStyle/>
+              <a:p>
+                <a:pPr algn="ctr"/>
+                <a:r>
+                  <a:rPr lang="en-US" sz="1200" dirty="0"/>
+                  <a:t>***</a:t>
+                </a:r>
+              </a:p>
+            </p:txBody>
+          </p:sp>
+        </p:grpSp>
+        <p:grpSp>
+          <p:nvGrpSpPr>
+            <p:cNvPr id="31" name="Group 30">
               <a:extLst>
                 <a:ext uri="{FF2B5EF4-FFF2-40B4-BE49-F238E27FC236}">
-                  <a16:creationId xmlns:a16="http://schemas.microsoft.com/office/drawing/2014/main" id="{CD04CE85-647B-86D2-7517-4B29CA6F8F30}"/>
+                  <a16:creationId xmlns:a16="http://schemas.microsoft.com/office/drawing/2014/main" id="{0454726F-4318-5AE3-8FA4-C6A323636CF3}"/>
                 </a:ext>
               </a:extLst>
             </p:cNvPr>
-            <p:cNvCxnSpPr>
-              <a:cxnSpLocks/>
-            </p:cNvCxnSpPr>
+            <p:cNvGrpSpPr/>
             <p:nvPr/>
-          </p:nvCxnSpPr>
-          <p:spPr>
+          </p:nvGrpSpPr>
+          <p:grpSpPr>
             <a:xfrm>
-              <a:off x="2611090" y="771525"/>
-              <a:ext cx="928687" cy="0"/>
+              <a:off x="7182499" y="703316"/>
+              <a:ext cx="1270503" cy="261610"/>
+              <a:chOff x="2611090" y="551617"/>
+              <a:chExt cx="928687" cy="261610"/>
             </a:xfrm>
-            <a:prstGeom prst="line">
-              <a:avLst/>
-            </a:prstGeom>
-          </p:spPr>
-          <p:style>
-            <a:lnRef idx="1">
-              <a:schemeClr val="dk1"/>
-            </a:lnRef>
-            <a:fillRef idx="0">
-              <a:schemeClr val="dk1"/>
-            </a:fillRef>
-            <a:effectRef idx="0">
-              <a:schemeClr val="dk1"/>
-            </a:effectRef>
-            <a:fontRef idx="minor">
-              <a:schemeClr val="tx1"/>
-            </a:fontRef>
-          </p:style>
-        </p:cxnSp>
-        <p:sp>
-          <p:nvSpPr>
-            <p:cNvPr id="21" name="TextBox 20">
-              <a:extLst>
-                <a:ext uri="{FF2B5EF4-FFF2-40B4-BE49-F238E27FC236}">
-                  <a16:creationId xmlns:a16="http://schemas.microsoft.com/office/drawing/2014/main" id="{38273449-BC1E-28E5-5BFC-97F3FE1D19AB}"/>
-                </a:ext>
-              </a:extLst>
-            </p:cNvPr>
-            <p:cNvSpPr txBox="1"/>
-            <p:nvPr/>
-          </p:nvSpPr>
-          <p:spPr>
-            <a:xfrm>
-              <a:off x="2732174" y="551617"/>
-              <a:ext cx="686518" cy="261610"/>
-            </a:xfrm>
-            <a:prstGeom prst="rect">
-              <a:avLst/>
-            </a:prstGeom>
-            <a:noFill/>
-          </p:spPr>
-          <p:txBody>
-            <a:bodyPr wrap="square" rtlCol="0">
-              <a:spAutoFit/>
-            </a:bodyPr>
-            <a:lstStyle/>
-            <a:p>
-              <a:pPr algn="ctr"/>
-              <a:r>
-                <a:rPr lang="en-US" sz="1100" dirty="0">
-                  <a:latin typeface="Arial" panose="020B0604020202020204" pitchFamily="34" charset="0"/>
-                  <a:cs typeface="Arial" panose="020B0604020202020204" pitchFamily="34" charset="0"/>
-                </a:rPr>
-                <a:t>ns</a:t>
-              </a:r>
-            </a:p>
-          </p:txBody>
-        </p:sp>
-      </p:grpSp>
-      <p:grpSp>
-        <p:nvGrpSpPr>
-          <p:cNvPr id="22" name="Group 21">
-            <a:extLst>
-              <a:ext uri="{FF2B5EF4-FFF2-40B4-BE49-F238E27FC236}">
-                <a16:creationId xmlns:a16="http://schemas.microsoft.com/office/drawing/2014/main" id="{4C7AFEBD-B807-BF2B-AD03-370877D1A6F9}"/>
-              </a:ext>
-            </a:extLst>
-          </p:cNvPr>
-          <p:cNvGrpSpPr/>
-          <p:nvPr/>
-        </p:nvGrpSpPr>
-        <p:grpSpPr>
-          <a:xfrm>
-            <a:off x="7206560" y="378311"/>
-            <a:ext cx="534155" cy="276999"/>
-            <a:chOff x="2611090" y="551617"/>
-            <a:chExt cx="928687" cy="276999"/>
-          </a:xfrm>
-        </p:grpSpPr>
-        <p:cxnSp>
-          <p:nvCxnSpPr>
-            <p:cNvPr id="23" name="Straight Connector 22">
-              <a:extLst>
-                <a:ext uri="{FF2B5EF4-FFF2-40B4-BE49-F238E27FC236}">
-                  <a16:creationId xmlns:a16="http://schemas.microsoft.com/office/drawing/2014/main" id="{A7313225-6D17-A63C-B6C1-DCD990F41AC6}"/>
-                </a:ext>
-              </a:extLst>
-            </p:cNvPr>
-            <p:cNvCxnSpPr>
-              <a:cxnSpLocks/>
-            </p:cNvCxnSpPr>
-            <p:nvPr/>
-          </p:nvCxnSpPr>
-          <p:spPr>
-            <a:xfrm>
-              <a:off x="2611090" y="771525"/>
-              <a:ext cx="928687" cy="0"/>
-            </a:xfrm>
-            <a:prstGeom prst="line">
-              <a:avLst/>
-            </a:prstGeom>
-          </p:spPr>
-          <p:style>
-            <a:lnRef idx="1">
-              <a:schemeClr val="dk1"/>
-            </a:lnRef>
-            <a:fillRef idx="0">
-              <a:schemeClr val="dk1"/>
-            </a:fillRef>
-            <a:effectRef idx="0">
-              <a:schemeClr val="dk1"/>
-            </a:effectRef>
-            <a:fontRef idx="minor">
-              <a:schemeClr val="tx1"/>
-            </a:fontRef>
-          </p:style>
-        </p:cxnSp>
-        <p:sp>
-          <p:nvSpPr>
-            <p:cNvPr id="24" name="TextBox 23">
-              <a:extLst>
-                <a:ext uri="{FF2B5EF4-FFF2-40B4-BE49-F238E27FC236}">
-                  <a16:creationId xmlns:a16="http://schemas.microsoft.com/office/drawing/2014/main" id="{7E3CD46F-A2DC-70EB-69D1-5B75473B5762}"/>
-                </a:ext>
-              </a:extLst>
-            </p:cNvPr>
-            <p:cNvSpPr txBox="1"/>
-            <p:nvPr/>
-          </p:nvSpPr>
-          <p:spPr>
-            <a:xfrm>
-              <a:off x="2669215" y="551617"/>
-              <a:ext cx="807603" cy="276999"/>
-            </a:xfrm>
-            <a:prstGeom prst="rect">
-              <a:avLst/>
-            </a:prstGeom>
-            <a:noFill/>
-          </p:spPr>
-          <p:txBody>
-            <a:bodyPr wrap="square" rtlCol="0">
-              <a:spAutoFit/>
-            </a:bodyPr>
-            <a:lstStyle/>
-            <a:p>
-              <a:pPr algn="ctr"/>
-              <a:r>
-                <a:rPr lang="en-US" sz="1200" dirty="0"/>
-                <a:t>***</a:t>
-              </a:r>
-            </a:p>
-          </p:txBody>
-        </p:sp>
-      </p:grpSp>
-      <p:grpSp>
-        <p:nvGrpSpPr>
-          <p:cNvPr id="28" name="Group 27">
-            <a:extLst>
-              <a:ext uri="{FF2B5EF4-FFF2-40B4-BE49-F238E27FC236}">
-                <a16:creationId xmlns:a16="http://schemas.microsoft.com/office/drawing/2014/main" id="{0BE2A810-80C7-43DA-4E90-B957B6076BEA}"/>
-              </a:ext>
-            </a:extLst>
-          </p:cNvPr>
-          <p:cNvGrpSpPr/>
-          <p:nvPr/>
-        </p:nvGrpSpPr>
-        <p:grpSpPr>
-          <a:xfrm>
-            <a:off x="8419722" y="483408"/>
-            <a:ext cx="534155" cy="276999"/>
-            <a:chOff x="2611090" y="551617"/>
-            <a:chExt cx="928687" cy="276999"/>
-          </a:xfrm>
-        </p:grpSpPr>
-        <p:cxnSp>
-          <p:nvCxnSpPr>
-            <p:cNvPr id="29" name="Straight Connector 28">
-              <a:extLst>
-                <a:ext uri="{FF2B5EF4-FFF2-40B4-BE49-F238E27FC236}">
-                  <a16:creationId xmlns:a16="http://schemas.microsoft.com/office/drawing/2014/main" id="{C0F8DD47-026A-D7DC-B729-78E256DFE99A}"/>
-                </a:ext>
-              </a:extLst>
-            </p:cNvPr>
-            <p:cNvCxnSpPr>
-              <a:cxnSpLocks/>
-            </p:cNvCxnSpPr>
-            <p:nvPr/>
-          </p:nvCxnSpPr>
-          <p:spPr>
-            <a:xfrm>
-              <a:off x="2611090" y="771525"/>
-              <a:ext cx="928687" cy="0"/>
-            </a:xfrm>
-            <a:prstGeom prst="line">
-              <a:avLst/>
-            </a:prstGeom>
-          </p:spPr>
-          <p:style>
-            <a:lnRef idx="1">
-              <a:schemeClr val="dk1"/>
-            </a:lnRef>
-            <a:fillRef idx="0">
-              <a:schemeClr val="dk1"/>
-            </a:fillRef>
-            <a:effectRef idx="0">
-              <a:schemeClr val="dk1"/>
-            </a:effectRef>
-            <a:fontRef idx="minor">
-              <a:schemeClr val="tx1"/>
-            </a:fontRef>
-          </p:style>
-        </p:cxnSp>
-        <p:sp>
-          <p:nvSpPr>
-            <p:cNvPr id="30" name="TextBox 29">
-              <a:extLst>
-                <a:ext uri="{FF2B5EF4-FFF2-40B4-BE49-F238E27FC236}">
-                  <a16:creationId xmlns:a16="http://schemas.microsoft.com/office/drawing/2014/main" id="{F10CA674-D935-6148-CFF7-EF9226CFEF5F}"/>
-                </a:ext>
-              </a:extLst>
-            </p:cNvPr>
-            <p:cNvSpPr txBox="1"/>
-            <p:nvPr/>
-          </p:nvSpPr>
-          <p:spPr>
-            <a:xfrm>
-              <a:off x="2669215" y="551617"/>
-              <a:ext cx="807603" cy="276999"/>
-            </a:xfrm>
-            <a:prstGeom prst="rect">
-              <a:avLst/>
-            </a:prstGeom>
-            <a:noFill/>
-          </p:spPr>
-          <p:txBody>
-            <a:bodyPr wrap="square" rtlCol="0">
-              <a:spAutoFit/>
-            </a:bodyPr>
-            <a:lstStyle/>
-            <a:p>
-              <a:pPr algn="ctr"/>
-              <a:r>
-                <a:rPr lang="en-US" sz="1200" dirty="0"/>
-                <a:t>***</a:t>
-              </a:r>
-            </a:p>
-          </p:txBody>
-        </p:sp>
-      </p:grpSp>
-      <p:grpSp>
-        <p:nvGrpSpPr>
-          <p:cNvPr id="31" name="Group 30">
-            <a:extLst>
-              <a:ext uri="{FF2B5EF4-FFF2-40B4-BE49-F238E27FC236}">
-                <a16:creationId xmlns:a16="http://schemas.microsoft.com/office/drawing/2014/main" id="{0454726F-4318-5AE3-8FA4-C6A323636CF3}"/>
-              </a:ext>
-            </a:extLst>
-          </p:cNvPr>
-          <p:cNvGrpSpPr/>
-          <p:nvPr/>
-        </p:nvGrpSpPr>
-        <p:grpSpPr>
-          <a:xfrm>
-            <a:off x="7182499" y="703316"/>
-            <a:ext cx="1270503" cy="261610"/>
-            <a:chOff x="2611090" y="551617"/>
-            <a:chExt cx="928687" cy="261610"/>
-          </a:xfrm>
-        </p:grpSpPr>
-        <p:cxnSp>
-          <p:nvCxnSpPr>
-            <p:cNvPr id="32" name="Straight Connector 31">
-              <a:extLst>
-                <a:ext uri="{FF2B5EF4-FFF2-40B4-BE49-F238E27FC236}">
-                  <a16:creationId xmlns:a16="http://schemas.microsoft.com/office/drawing/2014/main" id="{1111B5DB-DC0C-2CB9-BDFC-696712BAC2DD}"/>
-                </a:ext>
-              </a:extLst>
-            </p:cNvPr>
-            <p:cNvCxnSpPr>
-              <a:cxnSpLocks/>
-            </p:cNvCxnSpPr>
-            <p:nvPr/>
-          </p:nvCxnSpPr>
-          <p:spPr>
-            <a:xfrm>
-              <a:off x="2611090" y="771525"/>
-              <a:ext cx="928687" cy="0"/>
-            </a:xfrm>
-            <a:prstGeom prst="line">
-              <a:avLst/>
-            </a:prstGeom>
-          </p:spPr>
-          <p:style>
-            <a:lnRef idx="1">
-              <a:schemeClr val="dk1"/>
-            </a:lnRef>
-            <a:fillRef idx="0">
-              <a:schemeClr val="dk1"/>
-            </a:fillRef>
-            <a:effectRef idx="0">
-              <a:schemeClr val="dk1"/>
-            </a:effectRef>
-            <a:fontRef idx="minor">
-              <a:schemeClr val="tx1"/>
-            </a:fontRef>
-          </p:style>
-        </p:cxnSp>
-        <p:sp>
-          <p:nvSpPr>
-            <p:cNvPr id="33" name="TextBox 32">
-              <a:extLst>
-                <a:ext uri="{FF2B5EF4-FFF2-40B4-BE49-F238E27FC236}">
-                  <a16:creationId xmlns:a16="http://schemas.microsoft.com/office/drawing/2014/main" id="{3D51255A-2048-81E7-EF93-BFDD48D65B73}"/>
-                </a:ext>
-              </a:extLst>
-            </p:cNvPr>
-            <p:cNvSpPr txBox="1"/>
-            <p:nvPr/>
-          </p:nvSpPr>
-          <p:spPr>
-            <a:xfrm>
-              <a:off x="2732174" y="551617"/>
-              <a:ext cx="686518" cy="261610"/>
-            </a:xfrm>
-            <a:prstGeom prst="rect">
-              <a:avLst/>
-            </a:prstGeom>
-            <a:noFill/>
-          </p:spPr>
-          <p:txBody>
-            <a:bodyPr wrap="square" rtlCol="0">
-              <a:spAutoFit/>
-            </a:bodyPr>
-            <a:lstStyle/>
-            <a:p>
-              <a:pPr algn="ctr"/>
-              <a:r>
-                <a:rPr lang="en-US" sz="1100" dirty="0">
-                  <a:latin typeface="Arial" panose="020B0604020202020204" pitchFamily="34" charset="0"/>
-                  <a:cs typeface="Arial" panose="020B0604020202020204" pitchFamily="34" charset="0"/>
-                </a:rPr>
-                <a:t>ns</a:t>
-              </a:r>
-            </a:p>
-          </p:txBody>
-        </p:sp>
+          </p:grpSpPr>
+          <p:cxnSp>
+            <p:nvCxnSpPr>
+              <p:cNvPr id="32" name="Straight Connector 31">
+                <a:extLst>
+                  <a:ext uri="{FF2B5EF4-FFF2-40B4-BE49-F238E27FC236}">
+                    <a16:creationId xmlns:a16="http://schemas.microsoft.com/office/drawing/2014/main" id="{1111B5DB-DC0C-2CB9-BDFC-696712BAC2DD}"/>
+                  </a:ext>
+                </a:extLst>
+              </p:cNvPr>
+              <p:cNvCxnSpPr>
+                <a:cxnSpLocks/>
+              </p:cNvCxnSpPr>
+              <p:nvPr/>
+            </p:nvCxnSpPr>
+            <p:spPr>
+              <a:xfrm>
+                <a:off x="2611090" y="771525"/>
+                <a:ext cx="928687" cy="0"/>
+              </a:xfrm>
+              <a:prstGeom prst="line">
+                <a:avLst/>
+              </a:prstGeom>
+            </p:spPr>
+            <p:style>
+              <a:lnRef idx="1">
+                <a:schemeClr val="dk1"/>
+              </a:lnRef>
+              <a:fillRef idx="0">
+                <a:schemeClr val="dk1"/>
+              </a:fillRef>
+              <a:effectRef idx="0">
+                <a:schemeClr val="dk1"/>
+              </a:effectRef>
+              <a:fontRef idx="minor">
+                <a:schemeClr val="tx1"/>
+              </a:fontRef>
+            </p:style>
+          </p:cxnSp>
+          <p:sp>
+            <p:nvSpPr>
+              <p:cNvPr id="33" name="TextBox 32">
+                <a:extLst>
+                  <a:ext uri="{FF2B5EF4-FFF2-40B4-BE49-F238E27FC236}">
+                    <a16:creationId xmlns:a16="http://schemas.microsoft.com/office/drawing/2014/main" id="{3D51255A-2048-81E7-EF93-BFDD48D65B73}"/>
+                  </a:ext>
+                </a:extLst>
+              </p:cNvPr>
+              <p:cNvSpPr txBox="1"/>
+              <p:nvPr/>
+            </p:nvSpPr>
+            <p:spPr>
+              <a:xfrm>
+                <a:off x="2732174" y="551617"/>
+                <a:ext cx="686518" cy="261610"/>
+              </a:xfrm>
+              <a:prstGeom prst="rect">
+                <a:avLst/>
+              </a:prstGeom>
+              <a:noFill/>
+            </p:spPr>
+            <p:txBody>
+              <a:bodyPr wrap="square" rtlCol="0">
+                <a:spAutoFit/>
+              </a:bodyPr>
+              <a:lstStyle/>
+              <a:p>
+                <a:pPr algn="ctr"/>
+                <a:r>
+                  <a:rPr lang="en-US" sz="1100" dirty="0">
+                    <a:latin typeface="Arial" panose="020B0604020202020204" pitchFamily="34" charset="0"/>
+                    <a:cs typeface="Arial" panose="020B0604020202020204" pitchFamily="34" charset="0"/>
+                  </a:rPr>
+                  <a:t>ns</a:t>
+                </a:r>
+              </a:p>
+            </p:txBody>
+          </p:sp>
+        </p:grpSp>
       </p:grpSp>
     </p:spTree>
     <p:extLst>

--- a/figures/final-figs/imgs/figure-4-5-sig.pptx
+++ b/figures/final-figs/imgs/figure-4-5-sig.pptx
@@ -260,7 +260,7 @@
           <a:p>
             <a:fld id="{C063858B-4D56-E248-A865-DFFFFD3D1908}" type="datetimeFigureOut">
               <a:rPr lang="en-US" smtClean="0"/>
-              <a:t>5/17/23</a:t>
+              <a:t>5/30/23</a:t>
             </a:fld>
             <a:endParaRPr lang="en-US"/>
           </a:p>
@@ -458,7 +458,7 @@
           <a:p>
             <a:fld id="{C063858B-4D56-E248-A865-DFFFFD3D1908}" type="datetimeFigureOut">
               <a:rPr lang="en-US" smtClean="0"/>
-              <a:t>5/17/23</a:t>
+              <a:t>5/30/23</a:t>
             </a:fld>
             <a:endParaRPr lang="en-US"/>
           </a:p>
@@ -666,7 +666,7 @@
           <a:p>
             <a:fld id="{C063858B-4D56-E248-A865-DFFFFD3D1908}" type="datetimeFigureOut">
               <a:rPr lang="en-US" smtClean="0"/>
-              <a:t>5/17/23</a:t>
+              <a:t>5/30/23</a:t>
             </a:fld>
             <a:endParaRPr lang="en-US"/>
           </a:p>
@@ -864,7 +864,7 @@
           <a:p>
             <a:fld id="{C063858B-4D56-E248-A865-DFFFFD3D1908}" type="datetimeFigureOut">
               <a:rPr lang="en-US" smtClean="0"/>
-              <a:t>5/17/23</a:t>
+              <a:t>5/30/23</a:t>
             </a:fld>
             <a:endParaRPr lang="en-US"/>
           </a:p>
@@ -1139,7 +1139,7 @@
           <a:p>
             <a:fld id="{C063858B-4D56-E248-A865-DFFFFD3D1908}" type="datetimeFigureOut">
               <a:rPr lang="en-US" smtClean="0"/>
-              <a:t>5/17/23</a:t>
+              <a:t>5/30/23</a:t>
             </a:fld>
             <a:endParaRPr lang="en-US"/>
           </a:p>
@@ -1404,7 +1404,7 @@
           <a:p>
             <a:fld id="{C063858B-4D56-E248-A865-DFFFFD3D1908}" type="datetimeFigureOut">
               <a:rPr lang="en-US" smtClean="0"/>
-              <a:t>5/17/23</a:t>
+              <a:t>5/30/23</a:t>
             </a:fld>
             <a:endParaRPr lang="en-US"/>
           </a:p>
@@ -1816,7 +1816,7 @@
           <a:p>
             <a:fld id="{C063858B-4D56-E248-A865-DFFFFD3D1908}" type="datetimeFigureOut">
               <a:rPr lang="en-US" smtClean="0"/>
-              <a:t>5/17/23</a:t>
+              <a:t>5/30/23</a:t>
             </a:fld>
             <a:endParaRPr lang="en-US"/>
           </a:p>
@@ -1957,7 +1957,7 @@
           <a:p>
             <a:fld id="{C063858B-4D56-E248-A865-DFFFFD3D1908}" type="datetimeFigureOut">
               <a:rPr lang="en-US" smtClean="0"/>
-              <a:t>5/17/23</a:t>
+              <a:t>5/30/23</a:t>
             </a:fld>
             <a:endParaRPr lang="en-US"/>
           </a:p>
@@ -2070,7 +2070,7 @@
           <a:p>
             <a:fld id="{C063858B-4D56-E248-A865-DFFFFD3D1908}" type="datetimeFigureOut">
               <a:rPr lang="en-US" smtClean="0"/>
-              <a:t>5/17/23</a:t>
+              <a:t>5/30/23</a:t>
             </a:fld>
             <a:endParaRPr lang="en-US"/>
           </a:p>
@@ -2381,7 +2381,7 @@
           <a:p>
             <a:fld id="{C063858B-4D56-E248-A865-DFFFFD3D1908}" type="datetimeFigureOut">
               <a:rPr lang="en-US" smtClean="0"/>
-              <a:t>5/17/23</a:t>
+              <a:t>5/30/23</a:t>
             </a:fld>
             <a:endParaRPr lang="en-US"/>
           </a:p>
@@ -2669,7 +2669,7 @@
           <a:p>
             <a:fld id="{C063858B-4D56-E248-A865-DFFFFD3D1908}" type="datetimeFigureOut">
               <a:rPr lang="en-US" smtClean="0"/>
-              <a:t>5/17/23</a:t>
+              <a:t>5/30/23</a:t>
             </a:fld>
             <a:endParaRPr lang="en-US"/>
           </a:p>
@@ -2910,7 +2910,7 @@
           <a:p>
             <a:fld id="{C063858B-4D56-E248-A865-DFFFFD3D1908}" type="datetimeFigureOut">
               <a:rPr lang="en-US" smtClean="0"/>
-              <a:t>5/17/23</a:t>
+              <a:t>5/30/23</a:t>
             </a:fld>
             <a:endParaRPr lang="en-US"/>
           </a:p>
@@ -3329,10 +3329,10 @@
       </p:grpSpPr>
       <p:grpSp>
         <p:nvGrpSpPr>
-          <p:cNvPr id="2" name="Group 1">
-            <a:extLst>
-              <a:ext uri="{FF2B5EF4-FFF2-40B4-BE49-F238E27FC236}">
-                <a16:creationId xmlns:a16="http://schemas.microsoft.com/office/drawing/2014/main" id="{70E18D95-214B-9B70-04A7-77447F4ADE50}"/>
+          <p:cNvPr id="7" name="Group 6">
+            <a:extLst>
+              <a:ext uri="{FF2B5EF4-FFF2-40B4-BE49-F238E27FC236}">
+                <a16:creationId xmlns:a16="http://schemas.microsoft.com/office/drawing/2014/main" id="{66769CEB-0562-28B3-FB77-614AE83F4B59}"/>
               </a:ext>
             </a:extLst>
           </p:cNvPr>
@@ -3341,18 +3341,18 @@
         </p:nvGrpSpPr>
         <p:grpSpPr>
           <a:xfrm>
-            <a:off x="1575953" y="0"/>
-            <a:ext cx="9046117" cy="6862571"/>
-            <a:chOff x="1575953" y="0"/>
-            <a:chExt cx="9046117" cy="6862571"/>
+            <a:off x="1887682" y="0"/>
+            <a:ext cx="7772400" cy="6333066"/>
+            <a:chOff x="1887682" y="0"/>
+            <a:chExt cx="7772400" cy="6333066"/>
           </a:xfrm>
         </p:grpSpPr>
         <p:pic>
           <p:nvPicPr>
-            <p:cNvPr id="5" name="Picture 4" descr="A picture containing text, diagram, number, plan&#10;&#10;Description automatically generated">
+            <p:cNvPr id="3" name="Picture 2" descr="A picture containing text, diagram, plan, screenshot&#10;&#10;Description automatically generated">
               <a:extLst>
                 <a:ext uri="{FF2B5EF4-FFF2-40B4-BE49-F238E27FC236}">
-                  <a16:creationId xmlns:a16="http://schemas.microsoft.com/office/drawing/2014/main" id="{5A3EF5F6-3C67-D24C-9445-08D3DC75D2DD}"/>
+                  <a16:creationId xmlns:a16="http://schemas.microsoft.com/office/drawing/2014/main" id="{76519A97-B63F-24DD-392A-73CA809AC6F3}"/>
                 </a:ext>
               </a:extLst>
             </p:cNvPr>
@@ -3369,8 +3369,8 @@
           </p:blipFill>
           <p:spPr>
             <a:xfrm>
-              <a:off x="1575953" y="0"/>
-              <a:ext cx="9046117" cy="6862571"/>
+              <a:off x="1887682" y="0"/>
+              <a:ext cx="7772400" cy="6333066"/>
             </a:xfrm>
             <a:prstGeom prst="rect">
               <a:avLst/>
@@ -3391,10 +3391,10 @@
           </p:nvGrpSpPr>
           <p:grpSpPr>
             <a:xfrm>
-              <a:off x="3035827" y="3566080"/>
-              <a:ext cx="585427" cy="276999"/>
+              <a:off x="3099809" y="2714402"/>
+              <a:ext cx="585427" cy="461665"/>
               <a:chOff x="2611090" y="551617"/>
-              <a:chExt cx="928687" cy="276999"/>
+              <a:chExt cx="928687" cy="461665"/>
             </a:xfrm>
           </p:grpSpPr>
           <p:cxnSp>
@@ -3450,7 +3450,7 @@
             <p:spPr>
               <a:xfrm>
                 <a:off x="2732174" y="551617"/>
-                <a:ext cx="686518" cy="276999"/>
+                <a:ext cx="686519" cy="461665"/>
               </a:xfrm>
               <a:prstGeom prst="rect">
                 <a:avLst/>
@@ -3486,7 +3486,7 @@
           </p:nvGrpSpPr>
           <p:grpSpPr>
             <a:xfrm>
-              <a:off x="4598556" y="395011"/>
+              <a:off x="4393309" y="391723"/>
               <a:ext cx="928687" cy="261610"/>
               <a:chOff x="2611090" y="551617"/>
               <a:chExt cx="928687" cy="261610"/>
@@ -3584,8 +3584,8 @@
           </p:nvGrpSpPr>
           <p:grpSpPr>
             <a:xfrm>
-              <a:off x="2445940" y="4103656"/>
-              <a:ext cx="1356515" cy="261610"/>
+              <a:off x="2603125" y="3284164"/>
+              <a:ext cx="1207271" cy="261610"/>
               <a:chOff x="2611090" y="551617"/>
               <a:chExt cx="928687" cy="261610"/>
             </a:xfrm>
@@ -3682,7 +3682,7 @@
           </p:nvGrpSpPr>
           <p:grpSpPr>
             <a:xfrm>
-              <a:off x="6934954" y="1724360"/>
+              <a:off x="6457653" y="1731497"/>
               <a:ext cx="552261" cy="261610"/>
               <a:chOff x="2611090" y="551617"/>
               <a:chExt cx="928687" cy="261610"/>
@@ -3780,7 +3780,7 @@
           </p:nvGrpSpPr>
           <p:grpSpPr>
             <a:xfrm>
-              <a:off x="4421767" y="3651000"/>
+              <a:off x="4251385" y="2889534"/>
               <a:ext cx="686519" cy="276999"/>
               <a:chOff x="2611090" y="551617"/>
               <a:chExt cx="928687" cy="276999"/>
@@ -3875,8 +3875,8 @@
           </p:nvGrpSpPr>
           <p:grpSpPr>
             <a:xfrm>
-              <a:off x="4438959" y="4129801"/>
-              <a:ext cx="1356515" cy="261610"/>
+              <a:off x="4348718" y="3353737"/>
+              <a:ext cx="1143656" cy="261610"/>
               <a:chOff x="2611090" y="551617"/>
               <a:chExt cx="928687" cy="261610"/>
             </a:xfrm>
@@ -3973,7 +3973,7 @@
           </p:nvGrpSpPr>
           <p:grpSpPr>
             <a:xfrm>
-              <a:off x="2425637" y="3704579"/>
+              <a:off x="2531918" y="2926018"/>
               <a:ext cx="686519" cy="276999"/>
               <a:chOff x="2611090" y="551617"/>
               <a:chExt cx="928687" cy="276999"/>
@@ -4068,7 +4068,7 @@
           </p:nvGrpSpPr>
           <p:grpSpPr>
             <a:xfrm>
-              <a:off x="2570701" y="525816"/>
+              <a:off x="2621428" y="525409"/>
               <a:ext cx="1041500" cy="276999"/>
               <a:chOff x="2611090" y="551617"/>
               <a:chExt cx="928687" cy="276999"/>
@@ -4149,6 +4149,118 @@
             </p:txBody>
           </p:sp>
         </p:grpSp>
+        <p:pic>
+          <p:nvPicPr>
+            <p:cNvPr id="8" name="Graphic 7" descr="Close with solid fill">
+              <a:extLst>
+                <a:ext uri="{FF2B5EF4-FFF2-40B4-BE49-F238E27FC236}">
+                  <a16:creationId xmlns:a16="http://schemas.microsoft.com/office/drawing/2014/main" id="{B9DDC3B9-4702-E523-4F4A-AA782362F379}"/>
+                </a:ext>
+              </a:extLst>
+            </p:cNvPr>
+            <p:cNvPicPr>
+              <a:picLocks noChangeAspect="1"/>
+            </p:cNvPicPr>
+            <p:nvPr/>
+          </p:nvPicPr>
+          <p:blipFill>
+            <a:blip r:embed="rId3">
+              <a:extLst>
+                <a:ext uri="{96DAC541-7B7A-43D3-8B79-37D633B846F1}">
+                  <asvg:svgBlip xmlns:asvg="http://schemas.microsoft.com/office/drawing/2016/SVG/main" r:embed="rId4"/>
+                </a:ext>
+              </a:extLst>
+            </a:blip>
+            <a:stretch>
+              <a:fillRect/>
+            </a:stretch>
+          </p:blipFill>
+          <p:spPr>
+            <a:xfrm>
+              <a:off x="5189534" y="4164388"/>
+              <a:ext cx="228992" cy="228992"/>
+            </a:xfrm>
+            <a:prstGeom prst="rect">
+              <a:avLst/>
+            </a:prstGeom>
+          </p:spPr>
+        </p:pic>
+        <p:pic>
+          <p:nvPicPr>
+            <p:cNvPr id="5" name="Picture 4" descr="A picture containing text, diagram, plan, screenshot&#10;&#10;Description automatically generated">
+              <a:extLst>
+                <a:ext uri="{FF2B5EF4-FFF2-40B4-BE49-F238E27FC236}">
+                  <a16:creationId xmlns:a16="http://schemas.microsoft.com/office/drawing/2014/main" id="{99CF2A43-5355-A844-94DF-C36C0F4209EA}"/>
+                </a:ext>
+              </a:extLst>
+            </p:cNvPr>
+            <p:cNvPicPr>
+              <a:picLocks noChangeAspect="1"/>
+            </p:cNvPicPr>
+            <p:nvPr/>
+          </p:nvPicPr>
+          <p:blipFill rotWithShape="1">
+            <a:blip r:embed="rId2"/>
+            <a:srcRect t="84835" r="55583" b="8532"/>
+            <a:stretch/>
+          </p:blipFill>
+          <p:spPr>
+            <a:xfrm>
+              <a:off x="2040082" y="4906567"/>
+              <a:ext cx="3452292" cy="420060"/>
+            </a:xfrm>
+            <a:prstGeom prst="rect">
+              <a:avLst/>
+            </a:prstGeom>
+          </p:spPr>
+        </p:pic>
+        <p:sp>
+          <p:nvSpPr>
+            <p:cNvPr id="6" name="Rectangle 5">
+              <a:extLst>
+                <a:ext uri="{FF2B5EF4-FFF2-40B4-BE49-F238E27FC236}">
+                  <a16:creationId xmlns:a16="http://schemas.microsoft.com/office/drawing/2014/main" id="{AA8324DF-4DC3-D6A6-5599-AE1F10B841E6}"/>
+                </a:ext>
+              </a:extLst>
+            </p:cNvPr>
+            <p:cNvSpPr/>
+            <p:nvPr/>
+          </p:nvSpPr>
+          <p:spPr>
+            <a:xfrm>
+              <a:off x="2392326" y="5433237"/>
+              <a:ext cx="3100048" cy="435935"/>
+            </a:xfrm>
+            <a:prstGeom prst="rect">
+              <a:avLst/>
+            </a:prstGeom>
+            <a:ln>
+              <a:noFill/>
+            </a:ln>
+          </p:spPr>
+          <p:style>
+            <a:lnRef idx="2">
+              <a:schemeClr val="accent6"/>
+            </a:lnRef>
+            <a:fillRef idx="1">
+              <a:schemeClr val="lt1"/>
+            </a:fillRef>
+            <a:effectRef idx="0">
+              <a:schemeClr val="accent6"/>
+            </a:effectRef>
+            <a:fontRef idx="minor">
+              <a:schemeClr val="dk1"/>
+            </a:fontRef>
+          </p:style>
+          <p:txBody>
+            <a:bodyPr rtlCol="0" anchor="ctr"/>
+            <a:lstStyle/>
+            <a:p>
+              <a:pPr algn="ctr"/>
+              <a:endParaRPr lang="en-US"/>
+            </a:p>
+          </p:txBody>
+        </p:sp>
       </p:grpSp>
     </p:spTree>
     <p:extLst>
@@ -4182,10 +4294,10 @@
       </p:grpSpPr>
       <p:grpSp>
         <p:nvGrpSpPr>
-          <p:cNvPr id="2" name="Group 1">
-            <a:extLst>
-              <a:ext uri="{FF2B5EF4-FFF2-40B4-BE49-F238E27FC236}">
-                <a16:creationId xmlns:a16="http://schemas.microsoft.com/office/drawing/2014/main" id="{66F81B41-3A89-A586-8A74-24B50F1E2586}"/>
+          <p:cNvPr id="9" name="Group 8">
+            <a:extLst>
+              <a:ext uri="{FF2B5EF4-FFF2-40B4-BE49-F238E27FC236}">
+                <a16:creationId xmlns:a16="http://schemas.microsoft.com/office/drawing/2014/main" id="{D0F30AFA-947F-25B9-C0CB-D2D78179492A}"/>
               </a:ext>
             </a:extLst>
           </p:cNvPr>
@@ -4194,18 +4306,18 @@
         </p:nvGrpSpPr>
         <p:grpSpPr>
           <a:xfrm>
-            <a:off x="-1" y="0"/>
-            <a:ext cx="12180095" cy="4872038"/>
-            <a:chOff x="-1" y="0"/>
-            <a:chExt cx="12180095" cy="4872038"/>
+            <a:off x="-1" y="1655617"/>
+            <a:ext cx="12091835" cy="3517625"/>
+            <a:chOff x="-1" y="1655617"/>
+            <a:chExt cx="12091835" cy="3517625"/>
           </a:xfrm>
         </p:grpSpPr>
         <p:pic>
           <p:nvPicPr>
-            <p:cNvPr id="3" name="Picture 2" descr="A picture containing text, diagram, line, plot&#10;&#10;Description automatically generated">
+            <p:cNvPr id="5" name="Picture 4" descr="A picture containing text, line, plot, screenshot&#10;&#10;Description automatically generated">
               <a:extLst>
                 <a:ext uri="{FF2B5EF4-FFF2-40B4-BE49-F238E27FC236}">
-                  <a16:creationId xmlns:a16="http://schemas.microsoft.com/office/drawing/2014/main" id="{737A53C3-2855-966D-48D3-C91F446D329A}"/>
+                  <a16:creationId xmlns:a16="http://schemas.microsoft.com/office/drawing/2014/main" id="{4861B4F5-51BF-B3F0-B73B-8B7D44699EE6}"/>
                 </a:ext>
               </a:extLst>
             </p:cNvPr>
@@ -4222,302 +4334,14 @@
           </p:blipFill>
           <p:spPr>
             <a:xfrm>
-              <a:off x="-1" y="0"/>
-              <a:ext cx="12180095" cy="4872038"/>
+              <a:off x="-1" y="1655617"/>
+              <a:ext cx="12091835" cy="3517625"/>
             </a:xfrm>
             <a:prstGeom prst="rect">
               <a:avLst/>
             </a:prstGeom>
           </p:spPr>
         </p:pic>
-        <p:grpSp>
-          <p:nvGrpSpPr>
-            <p:cNvPr id="4" name="Group 3">
-              <a:extLst>
-                <a:ext uri="{FF2B5EF4-FFF2-40B4-BE49-F238E27FC236}">
-                  <a16:creationId xmlns:a16="http://schemas.microsoft.com/office/drawing/2014/main" id="{719727A1-9149-D644-2098-F0A1CD0E2C21}"/>
-                </a:ext>
-              </a:extLst>
-            </p:cNvPr>
-            <p:cNvGrpSpPr/>
-            <p:nvPr/>
-          </p:nvGrpSpPr>
-          <p:grpSpPr>
-            <a:xfrm>
-              <a:off x="1113576" y="1738980"/>
-              <a:ext cx="860079" cy="276999"/>
-              <a:chOff x="2611090" y="551617"/>
-              <a:chExt cx="928687" cy="276999"/>
-            </a:xfrm>
-          </p:grpSpPr>
-          <p:cxnSp>
-            <p:nvCxnSpPr>
-              <p:cNvPr id="5" name="Straight Connector 4">
-                <a:extLst>
-                  <a:ext uri="{FF2B5EF4-FFF2-40B4-BE49-F238E27FC236}">
-                    <a16:creationId xmlns:a16="http://schemas.microsoft.com/office/drawing/2014/main" id="{9473DD1D-94EF-0AB0-8E49-3DAB116E122F}"/>
-                  </a:ext>
-                </a:extLst>
-              </p:cNvPr>
-              <p:cNvCxnSpPr>
-                <a:cxnSpLocks/>
-              </p:cNvCxnSpPr>
-              <p:nvPr/>
-            </p:nvCxnSpPr>
-            <p:spPr>
-              <a:xfrm>
-                <a:off x="2611090" y="771525"/>
-                <a:ext cx="928687" cy="0"/>
-              </a:xfrm>
-              <a:prstGeom prst="line">
-                <a:avLst/>
-              </a:prstGeom>
-            </p:spPr>
-            <p:style>
-              <a:lnRef idx="1">
-                <a:schemeClr val="dk1"/>
-              </a:lnRef>
-              <a:fillRef idx="0">
-                <a:schemeClr val="dk1"/>
-              </a:fillRef>
-              <a:effectRef idx="0">
-                <a:schemeClr val="dk1"/>
-              </a:effectRef>
-              <a:fontRef idx="minor">
-                <a:schemeClr val="tx1"/>
-              </a:fontRef>
-            </p:style>
-          </p:cxnSp>
-          <p:sp>
-            <p:nvSpPr>
-              <p:cNvPr id="6" name="TextBox 5">
-                <a:extLst>
-                  <a:ext uri="{FF2B5EF4-FFF2-40B4-BE49-F238E27FC236}">
-                    <a16:creationId xmlns:a16="http://schemas.microsoft.com/office/drawing/2014/main" id="{360F20B4-83AA-580D-F7BE-65E823703AFD}"/>
-                  </a:ext>
-                </a:extLst>
-              </p:cNvPr>
-              <p:cNvSpPr txBox="1"/>
-              <p:nvPr/>
-            </p:nvSpPr>
-            <p:spPr>
-              <a:xfrm>
-                <a:off x="2732174" y="551617"/>
-                <a:ext cx="686519" cy="276999"/>
-              </a:xfrm>
-              <a:prstGeom prst="rect">
-                <a:avLst/>
-              </a:prstGeom>
-              <a:noFill/>
-            </p:spPr>
-            <p:txBody>
-              <a:bodyPr wrap="square" rtlCol="0">
-                <a:spAutoFit/>
-              </a:bodyPr>
-              <a:lstStyle/>
-              <a:p>
-                <a:pPr algn="ctr"/>
-                <a:r>
-                  <a:rPr lang="en-US" sz="1200" dirty="0"/>
-                  <a:t>**</a:t>
-                </a:r>
-              </a:p>
-            </p:txBody>
-          </p:sp>
-        </p:grpSp>
-        <p:grpSp>
-          <p:nvGrpSpPr>
-            <p:cNvPr id="7" name="Group 6">
-              <a:extLst>
-                <a:ext uri="{FF2B5EF4-FFF2-40B4-BE49-F238E27FC236}">
-                  <a16:creationId xmlns:a16="http://schemas.microsoft.com/office/drawing/2014/main" id="{DCE0B49A-33B1-6A33-23EE-CA31F36851C9}"/>
-                </a:ext>
-              </a:extLst>
-            </p:cNvPr>
-            <p:cNvGrpSpPr/>
-            <p:nvPr/>
-          </p:nvGrpSpPr>
-          <p:grpSpPr>
-            <a:xfrm>
-              <a:off x="2913707" y="1738980"/>
-              <a:ext cx="860079" cy="261610"/>
-              <a:chOff x="2611090" y="551617"/>
-              <a:chExt cx="928687" cy="261610"/>
-            </a:xfrm>
-          </p:grpSpPr>
-          <p:cxnSp>
-            <p:nvCxnSpPr>
-              <p:cNvPr id="8" name="Straight Connector 7">
-                <a:extLst>
-                  <a:ext uri="{FF2B5EF4-FFF2-40B4-BE49-F238E27FC236}">
-                    <a16:creationId xmlns:a16="http://schemas.microsoft.com/office/drawing/2014/main" id="{99EF220A-9609-C0B4-8A47-D3347DC5BDA6}"/>
-                  </a:ext>
-                </a:extLst>
-              </p:cNvPr>
-              <p:cNvCxnSpPr>
-                <a:cxnSpLocks/>
-              </p:cNvCxnSpPr>
-              <p:nvPr/>
-            </p:nvCxnSpPr>
-            <p:spPr>
-              <a:xfrm>
-                <a:off x="2611090" y="771525"/>
-                <a:ext cx="928687" cy="0"/>
-              </a:xfrm>
-              <a:prstGeom prst="line">
-                <a:avLst/>
-              </a:prstGeom>
-            </p:spPr>
-            <p:style>
-              <a:lnRef idx="1">
-                <a:schemeClr val="dk1"/>
-              </a:lnRef>
-              <a:fillRef idx="0">
-                <a:schemeClr val="dk1"/>
-              </a:fillRef>
-              <a:effectRef idx="0">
-                <a:schemeClr val="dk1"/>
-              </a:effectRef>
-              <a:fontRef idx="minor">
-                <a:schemeClr val="tx1"/>
-              </a:fontRef>
-            </p:style>
-          </p:cxnSp>
-          <p:sp>
-            <p:nvSpPr>
-              <p:cNvPr id="9" name="TextBox 8">
-                <a:extLst>
-                  <a:ext uri="{FF2B5EF4-FFF2-40B4-BE49-F238E27FC236}">
-                    <a16:creationId xmlns:a16="http://schemas.microsoft.com/office/drawing/2014/main" id="{9AB2C7EC-E25D-D483-AA72-15F328C9BB68}"/>
-                  </a:ext>
-                </a:extLst>
-              </p:cNvPr>
-              <p:cNvSpPr txBox="1"/>
-              <p:nvPr/>
-            </p:nvSpPr>
-            <p:spPr>
-              <a:xfrm>
-                <a:off x="2732174" y="551617"/>
-                <a:ext cx="686518" cy="261610"/>
-              </a:xfrm>
-              <a:prstGeom prst="rect">
-                <a:avLst/>
-              </a:prstGeom>
-              <a:noFill/>
-            </p:spPr>
-            <p:txBody>
-              <a:bodyPr wrap="square" rtlCol="0">
-                <a:spAutoFit/>
-              </a:bodyPr>
-              <a:lstStyle/>
-              <a:p>
-                <a:pPr algn="ctr"/>
-                <a:r>
-                  <a:rPr lang="en-US" sz="1100" dirty="0">
-                    <a:latin typeface="Arial" panose="020B0604020202020204" pitchFamily="34" charset="0"/>
-                    <a:cs typeface="Arial" panose="020B0604020202020204" pitchFamily="34" charset="0"/>
-                  </a:rPr>
-                  <a:t>ns</a:t>
-                </a:r>
-              </a:p>
-            </p:txBody>
-          </p:sp>
-        </p:grpSp>
-        <p:grpSp>
-          <p:nvGrpSpPr>
-            <p:cNvPr id="10" name="Group 9">
-              <a:extLst>
-                <a:ext uri="{FF2B5EF4-FFF2-40B4-BE49-F238E27FC236}">
-                  <a16:creationId xmlns:a16="http://schemas.microsoft.com/office/drawing/2014/main" id="{0A521A85-F569-1372-D14E-1E5AB1766984}"/>
-                </a:ext>
-              </a:extLst>
-            </p:cNvPr>
-            <p:cNvGrpSpPr/>
-            <p:nvPr/>
-          </p:nvGrpSpPr>
-          <p:grpSpPr>
-            <a:xfrm>
-              <a:off x="4715347" y="859285"/>
-              <a:ext cx="860079" cy="276999"/>
-              <a:chOff x="2611090" y="551617"/>
-              <a:chExt cx="928687" cy="276999"/>
-            </a:xfrm>
-          </p:grpSpPr>
-          <p:cxnSp>
-            <p:nvCxnSpPr>
-              <p:cNvPr id="11" name="Straight Connector 10">
-                <a:extLst>
-                  <a:ext uri="{FF2B5EF4-FFF2-40B4-BE49-F238E27FC236}">
-                    <a16:creationId xmlns:a16="http://schemas.microsoft.com/office/drawing/2014/main" id="{CD8177C5-9D8F-1D0C-A802-2ACB2FF33FF1}"/>
-                  </a:ext>
-                </a:extLst>
-              </p:cNvPr>
-              <p:cNvCxnSpPr>
-                <a:cxnSpLocks/>
-              </p:cNvCxnSpPr>
-              <p:nvPr/>
-            </p:nvCxnSpPr>
-            <p:spPr>
-              <a:xfrm>
-                <a:off x="2611090" y="771525"/>
-                <a:ext cx="928687" cy="0"/>
-              </a:xfrm>
-              <a:prstGeom prst="line">
-                <a:avLst/>
-              </a:prstGeom>
-            </p:spPr>
-            <p:style>
-              <a:lnRef idx="1">
-                <a:schemeClr val="dk1"/>
-              </a:lnRef>
-              <a:fillRef idx="0">
-                <a:schemeClr val="dk1"/>
-              </a:fillRef>
-              <a:effectRef idx="0">
-                <a:schemeClr val="dk1"/>
-              </a:effectRef>
-              <a:fontRef idx="minor">
-                <a:schemeClr val="tx1"/>
-              </a:fontRef>
-            </p:style>
-          </p:cxnSp>
-          <p:sp>
-            <p:nvSpPr>
-              <p:cNvPr id="12" name="TextBox 11">
-                <a:extLst>
-                  <a:ext uri="{FF2B5EF4-FFF2-40B4-BE49-F238E27FC236}">
-                    <a16:creationId xmlns:a16="http://schemas.microsoft.com/office/drawing/2014/main" id="{592C1414-B5C9-2083-D851-DBE795E0628F}"/>
-                  </a:ext>
-                </a:extLst>
-              </p:cNvPr>
-              <p:cNvSpPr txBox="1"/>
-              <p:nvPr/>
-            </p:nvSpPr>
-            <p:spPr>
-              <a:xfrm>
-                <a:off x="2732174" y="551617"/>
-                <a:ext cx="686519" cy="276999"/>
-              </a:xfrm>
-              <a:prstGeom prst="rect">
-                <a:avLst/>
-              </a:prstGeom>
-              <a:noFill/>
-            </p:spPr>
-            <p:txBody>
-              <a:bodyPr wrap="square" rtlCol="0">
-                <a:spAutoFit/>
-              </a:bodyPr>
-              <a:lstStyle/>
-              <a:p>
-                <a:pPr algn="ctr"/>
-                <a:r>
-                  <a:rPr lang="en-US" sz="1200" dirty="0"/>
-                  <a:t>*</a:t>
-                </a:r>
-              </a:p>
-            </p:txBody>
-          </p:sp>
-        </p:grpSp>
         <p:grpSp>
           <p:nvGrpSpPr>
             <p:cNvPr id="13" name="Group 12">
@@ -4532,7 +4356,7 @@
           </p:nvGrpSpPr>
           <p:grpSpPr>
             <a:xfrm>
-              <a:off x="7674321" y="1330067"/>
+              <a:off x="7612379" y="2783122"/>
               <a:ext cx="1270503" cy="261610"/>
               <a:chOff x="2611090" y="551617"/>
               <a:chExt cx="928687" cy="261610"/>
@@ -4630,9 +4454,9 @@
           </p:nvGrpSpPr>
           <p:grpSpPr>
             <a:xfrm>
-              <a:off x="10357166" y="1324577"/>
+              <a:off x="9835587" y="2174862"/>
               <a:ext cx="1270503" cy="261610"/>
-              <a:chOff x="2611090" y="551617"/>
+              <a:chOff x="5704626" y="1555343"/>
               <a:chExt cx="928687" cy="261610"/>
             </a:xfrm>
           </p:grpSpPr>
@@ -4652,7 +4476,7 @@
             </p:nvCxnSpPr>
             <p:spPr>
               <a:xfrm>
-                <a:off x="2611090" y="771525"/>
+                <a:off x="5704626" y="1816953"/>
                 <a:ext cx="928687" cy="0"/>
               </a:xfrm>
               <a:prstGeom prst="line">
@@ -4688,7 +4512,7 @@
             </p:nvSpPr>
             <p:spPr>
               <a:xfrm>
-                <a:off x="2732174" y="551617"/>
+                <a:off x="5825711" y="1555343"/>
                 <a:ext cx="686518" cy="261610"/>
               </a:xfrm>
               <a:prstGeom prst="rect">
@@ -4728,7 +4552,7 @@
           </p:nvGrpSpPr>
           <p:grpSpPr>
             <a:xfrm>
-              <a:off x="9963338" y="1035834"/>
+              <a:off x="7139337" y="2530580"/>
               <a:ext cx="559479" cy="261610"/>
               <a:chOff x="2611090" y="551617"/>
               <a:chExt cx="928687" cy="261610"/>
@@ -4826,7 +4650,7 @@
           </p:nvGrpSpPr>
           <p:grpSpPr>
             <a:xfrm>
-              <a:off x="7206560" y="378311"/>
+              <a:off x="9835587" y="2425234"/>
               <a:ext cx="534155" cy="276999"/>
               <a:chOff x="2611090" y="551617"/>
               <a:chExt cx="928687" cy="276999"/>
@@ -4921,7 +4745,7 @@
           </p:nvGrpSpPr>
           <p:grpSpPr>
             <a:xfrm>
-              <a:off x="8419722" y="483408"/>
+              <a:off x="11024383" y="2095977"/>
               <a:ext cx="534155" cy="276999"/>
               <a:chOff x="2611090" y="551617"/>
               <a:chExt cx="928687" cy="276999"/>
@@ -5016,7 +4840,7 @@
           </p:nvGrpSpPr>
           <p:grpSpPr>
             <a:xfrm>
-              <a:off x="7182499" y="703316"/>
+              <a:off x="10268906" y="2769051"/>
               <a:ext cx="1270503" cy="261610"/>
               <a:chOff x="2611090" y="551617"/>
               <a:chExt cx="928687" cy="261610"/>
@@ -5100,6 +4924,209 @@
             </p:txBody>
           </p:sp>
         </p:grpSp>
+        <p:grpSp>
+          <p:nvGrpSpPr>
+            <p:cNvPr id="36" name="Group 35">
+              <a:extLst>
+                <a:ext uri="{FF2B5EF4-FFF2-40B4-BE49-F238E27FC236}">
+                  <a16:creationId xmlns:a16="http://schemas.microsoft.com/office/drawing/2014/main" id="{2293DAA8-3995-C10B-9284-68E635AD1F77}"/>
+                </a:ext>
+              </a:extLst>
+            </p:cNvPr>
+            <p:cNvGrpSpPr/>
+            <p:nvPr/>
+          </p:nvGrpSpPr>
+          <p:grpSpPr>
+            <a:xfrm>
+              <a:off x="4684521" y="2736471"/>
+              <a:ext cx="860079" cy="276999"/>
+              <a:chOff x="2611090" y="551617"/>
+              <a:chExt cx="928687" cy="276999"/>
+            </a:xfrm>
+          </p:grpSpPr>
+          <p:cxnSp>
+            <p:nvCxnSpPr>
+              <p:cNvPr id="37" name="Straight Connector 36">
+                <a:extLst>
+                  <a:ext uri="{FF2B5EF4-FFF2-40B4-BE49-F238E27FC236}">
+                    <a16:creationId xmlns:a16="http://schemas.microsoft.com/office/drawing/2014/main" id="{CD03D9CD-3F87-1B17-FFED-4A40DFE85EAE}"/>
+                  </a:ext>
+                </a:extLst>
+              </p:cNvPr>
+              <p:cNvCxnSpPr>
+                <a:cxnSpLocks/>
+              </p:cNvCxnSpPr>
+              <p:nvPr/>
+            </p:nvCxnSpPr>
+            <p:spPr>
+              <a:xfrm>
+                <a:off x="2611090" y="771525"/>
+                <a:ext cx="928687" cy="0"/>
+              </a:xfrm>
+              <a:prstGeom prst="line">
+                <a:avLst/>
+              </a:prstGeom>
+            </p:spPr>
+            <p:style>
+              <a:lnRef idx="1">
+                <a:schemeClr val="dk1"/>
+              </a:lnRef>
+              <a:fillRef idx="0">
+                <a:schemeClr val="dk1"/>
+              </a:fillRef>
+              <a:effectRef idx="0">
+                <a:schemeClr val="dk1"/>
+              </a:effectRef>
+              <a:fontRef idx="minor">
+                <a:schemeClr val="tx1"/>
+              </a:fontRef>
+            </p:style>
+          </p:cxnSp>
+          <p:sp>
+            <p:nvSpPr>
+              <p:cNvPr id="38" name="TextBox 37">
+                <a:extLst>
+                  <a:ext uri="{FF2B5EF4-FFF2-40B4-BE49-F238E27FC236}">
+                    <a16:creationId xmlns:a16="http://schemas.microsoft.com/office/drawing/2014/main" id="{EC2EE602-8F57-720D-7B1C-214DBF836216}"/>
+                  </a:ext>
+                </a:extLst>
+              </p:cNvPr>
+              <p:cNvSpPr txBox="1"/>
+              <p:nvPr/>
+            </p:nvSpPr>
+            <p:spPr>
+              <a:xfrm>
+                <a:off x="2732174" y="551617"/>
+                <a:ext cx="686519" cy="276999"/>
+              </a:xfrm>
+              <a:prstGeom prst="rect">
+                <a:avLst/>
+              </a:prstGeom>
+              <a:noFill/>
+            </p:spPr>
+            <p:txBody>
+              <a:bodyPr wrap="square" rtlCol="0">
+                <a:spAutoFit/>
+              </a:bodyPr>
+              <a:lstStyle/>
+              <a:p>
+                <a:pPr algn="ctr"/>
+                <a:r>
+                  <a:rPr lang="en-US" sz="1200" dirty="0"/>
+                  <a:t>***</a:t>
+                </a:r>
+              </a:p>
+            </p:txBody>
+          </p:sp>
+        </p:grpSp>
+        <p:pic>
+          <p:nvPicPr>
+            <p:cNvPr id="2" name="Graphic 1" descr="Close with solid fill">
+              <a:extLst>
+                <a:ext uri="{FF2B5EF4-FFF2-40B4-BE49-F238E27FC236}">
+                  <a16:creationId xmlns:a16="http://schemas.microsoft.com/office/drawing/2014/main" id="{A29B6EF7-D2EE-148C-FDF2-87183EA52741}"/>
+                </a:ext>
+              </a:extLst>
+            </p:cNvPr>
+            <p:cNvPicPr>
+              <a:picLocks noChangeAspect="1"/>
+            </p:cNvPicPr>
+            <p:nvPr/>
+          </p:nvPicPr>
+          <p:blipFill>
+            <a:blip r:embed="rId3">
+              <a:extLst>
+                <a:ext uri="{96DAC541-7B7A-43D3-8B79-37D633B846F1}">
+                  <asvg:svgBlip xmlns:asvg="http://schemas.microsoft.com/office/drawing/2016/SVG/main" r:embed="rId4"/>
+                </a:ext>
+              </a:extLst>
+            </a:blip>
+            <a:stretch>
+              <a:fillRect/>
+            </a:stretch>
+          </p:blipFill>
+          <p:spPr>
+            <a:xfrm>
+              <a:off x="3565063" y="3911631"/>
+              <a:ext cx="234323" cy="234323"/>
+            </a:xfrm>
+            <a:prstGeom prst="rect">
+              <a:avLst/>
+            </a:prstGeom>
+          </p:spPr>
+        </p:pic>
+        <p:pic>
+          <p:nvPicPr>
+            <p:cNvPr id="6" name="Graphic 5" descr="Close with solid fill">
+              <a:extLst>
+                <a:ext uri="{FF2B5EF4-FFF2-40B4-BE49-F238E27FC236}">
+                  <a16:creationId xmlns:a16="http://schemas.microsoft.com/office/drawing/2014/main" id="{7310C8A1-1127-2D5B-4FC3-D2CC2BB735CF}"/>
+                </a:ext>
+              </a:extLst>
+            </p:cNvPr>
+            <p:cNvPicPr>
+              <a:picLocks noChangeAspect="1"/>
+            </p:cNvPicPr>
+            <p:nvPr/>
+          </p:nvPicPr>
+          <p:blipFill>
+            <a:blip r:embed="rId3">
+              <a:extLst>
+                <a:ext uri="{96DAC541-7B7A-43D3-8B79-37D633B846F1}">
+                  <asvg:svgBlip xmlns:asvg="http://schemas.microsoft.com/office/drawing/2016/SVG/main" r:embed="rId4"/>
+                </a:ext>
+              </a:extLst>
+            </a:blip>
+            <a:stretch>
+              <a:fillRect/>
+            </a:stretch>
+          </p:blipFill>
+          <p:spPr>
+            <a:xfrm>
+              <a:off x="1767390" y="3916130"/>
+              <a:ext cx="234323" cy="234323"/>
+            </a:xfrm>
+            <a:prstGeom prst="rect">
+              <a:avLst/>
+            </a:prstGeom>
+          </p:spPr>
+        </p:pic>
+        <p:pic>
+          <p:nvPicPr>
+            <p:cNvPr id="8" name="Graphic 7" descr="Close with solid fill">
+              <a:extLst>
+                <a:ext uri="{FF2B5EF4-FFF2-40B4-BE49-F238E27FC236}">
+                  <a16:creationId xmlns:a16="http://schemas.microsoft.com/office/drawing/2014/main" id="{E96B8818-82F0-ECDD-7627-ADBA0E26470C}"/>
+                </a:ext>
+              </a:extLst>
+            </p:cNvPr>
+            <p:cNvPicPr>
+              <a:picLocks noChangeAspect="1"/>
+            </p:cNvPicPr>
+            <p:nvPr/>
+          </p:nvPicPr>
+          <p:blipFill>
+            <a:blip r:embed="rId3">
+              <a:extLst>
+                <a:ext uri="{96DAC541-7B7A-43D3-8B79-37D633B846F1}">
+                  <asvg:svgBlip xmlns:asvg="http://schemas.microsoft.com/office/drawing/2016/SVG/main" r:embed="rId4"/>
+                </a:ext>
+              </a:extLst>
+            </a:blip>
+            <a:stretch>
+              <a:fillRect/>
+            </a:stretch>
+          </p:blipFill>
+          <p:spPr>
+            <a:xfrm>
+              <a:off x="8246653" y="4037165"/>
+              <a:ext cx="234323" cy="234323"/>
+            </a:xfrm>
+            <a:prstGeom prst="rect">
+              <a:avLst/>
+            </a:prstGeom>
+          </p:spPr>
+        </p:pic>
       </p:grpSp>
     </p:spTree>
     <p:extLst>

--- a/figures/final-figs/imgs/figure-4-5-sig.pptx
+++ b/figures/final-figs/imgs/figure-4-5-sig.pptx
@@ -4,9 +4,13 @@
   <p:sldMasterIdLst>
     <p:sldMasterId id="2147483648" r:id="rId1"/>
   </p:sldMasterIdLst>
+  <p:notesMasterIdLst>
+    <p:notesMasterId r:id="rId5"/>
+  </p:notesMasterIdLst>
   <p:sldIdLst>
     <p:sldId id="256" r:id="rId2"/>
     <p:sldId id="257" r:id="rId3"/>
+    <p:sldId id="258" r:id="rId4"/>
   </p:sldIdLst>
   <p:sldSz cx="12192000" cy="6858000"/>
   <p:notesSz cx="6858000" cy="9144000"/>
@@ -113,6 +117,439 @@
 </p:presentation>
 </file>
 
+<file path=ppt/notesMasters/notesMaster1.xml><?xml version="1.0" encoding="utf-8"?>
+<p:notesMaster xmlns:a="http://schemas.openxmlformats.org/drawingml/2006/main" xmlns:r="http://schemas.openxmlformats.org/officeDocument/2006/relationships" xmlns:p="http://schemas.openxmlformats.org/presentationml/2006/main">
+  <p:cSld>
+    <p:bg>
+      <p:bgRef idx="1001">
+        <a:schemeClr val="bg1"/>
+      </p:bgRef>
+    </p:bg>
+    <p:spTree>
+      <p:nvGrpSpPr>
+        <p:cNvPr id="1" name=""/>
+        <p:cNvGrpSpPr/>
+        <p:nvPr/>
+      </p:nvGrpSpPr>
+      <p:grpSpPr>
+        <a:xfrm>
+          <a:off x="0" y="0"/>
+          <a:ext cx="0" cy="0"/>
+          <a:chOff x="0" y="0"/>
+          <a:chExt cx="0" cy="0"/>
+        </a:xfrm>
+      </p:grpSpPr>
+      <p:sp>
+        <p:nvSpPr>
+          <p:cNvPr id="2" name="Header Placeholder 1"/>
+          <p:cNvSpPr>
+            <a:spLocks noGrp="1"/>
+          </p:cNvSpPr>
+          <p:nvPr>
+            <p:ph type="hdr" sz="quarter"/>
+          </p:nvPr>
+        </p:nvSpPr>
+        <p:spPr>
+          <a:xfrm>
+            <a:off x="0" y="0"/>
+            <a:ext cx="2971800" cy="458788"/>
+          </a:xfrm>
+          <a:prstGeom prst="rect">
+            <a:avLst/>
+          </a:prstGeom>
+        </p:spPr>
+        <p:txBody>
+          <a:bodyPr vert="horz" lIns="91440" tIns="45720" rIns="91440" bIns="45720" rtlCol="0"/>
+          <a:lstStyle>
+            <a:lvl1pPr algn="l">
+              <a:defRPr sz="1200"/>
+            </a:lvl1pPr>
+          </a:lstStyle>
+          <a:p>
+            <a:endParaRPr lang="en-US"/>
+          </a:p>
+        </p:txBody>
+      </p:sp>
+      <p:sp>
+        <p:nvSpPr>
+          <p:cNvPr id="3" name="Date Placeholder 2"/>
+          <p:cNvSpPr>
+            <a:spLocks noGrp="1"/>
+          </p:cNvSpPr>
+          <p:nvPr>
+            <p:ph type="dt" idx="1"/>
+          </p:nvPr>
+        </p:nvSpPr>
+        <p:spPr>
+          <a:xfrm>
+            <a:off x="3884613" y="0"/>
+            <a:ext cx="2971800" cy="458788"/>
+          </a:xfrm>
+          <a:prstGeom prst="rect">
+            <a:avLst/>
+          </a:prstGeom>
+        </p:spPr>
+        <p:txBody>
+          <a:bodyPr vert="horz" lIns="91440" tIns="45720" rIns="91440" bIns="45720" rtlCol="0"/>
+          <a:lstStyle>
+            <a:lvl1pPr algn="r">
+              <a:defRPr sz="1200"/>
+            </a:lvl1pPr>
+          </a:lstStyle>
+          <a:p>
+            <a:fld id="{A83E7FE3-8D53-5C4E-9A72-20D48A3A966A}" type="datetimeFigureOut">
+              <a:rPr lang="en-US" smtClean="0"/>
+              <a:t>5/31/23</a:t>
+            </a:fld>
+            <a:endParaRPr lang="en-US"/>
+          </a:p>
+        </p:txBody>
+      </p:sp>
+      <p:sp>
+        <p:nvSpPr>
+          <p:cNvPr id="4" name="Slide Image Placeholder 3"/>
+          <p:cNvSpPr>
+            <a:spLocks noGrp="1" noRot="1" noChangeAspect="1"/>
+          </p:cNvSpPr>
+          <p:nvPr>
+            <p:ph type="sldImg" idx="2"/>
+          </p:nvPr>
+        </p:nvSpPr>
+        <p:spPr>
+          <a:xfrm>
+            <a:off x="685800" y="1143000"/>
+            <a:ext cx="5486400" cy="3086100"/>
+          </a:xfrm>
+          <a:prstGeom prst="rect">
+            <a:avLst/>
+          </a:prstGeom>
+          <a:noFill/>
+          <a:ln w="12700">
+            <a:solidFill>
+              <a:prstClr val="black"/>
+            </a:solidFill>
+          </a:ln>
+        </p:spPr>
+        <p:txBody>
+          <a:bodyPr vert="horz" lIns="91440" tIns="45720" rIns="91440" bIns="45720" rtlCol="0" anchor="ctr"/>
+          <a:lstStyle/>
+          <a:p>
+            <a:endParaRPr lang="en-US"/>
+          </a:p>
+        </p:txBody>
+      </p:sp>
+      <p:sp>
+        <p:nvSpPr>
+          <p:cNvPr id="5" name="Notes Placeholder 4"/>
+          <p:cNvSpPr>
+            <a:spLocks noGrp="1"/>
+          </p:cNvSpPr>
+          <p:nvPr>
+            <p:ph type="body" sz="quarter" idx="3"/>
+          </p:nvPr>
+        </p:nvSpPr>
+        <p:spPr>
+          <a:xfrm>
+            <a:off x="685800" y="4400550"/>
+            <a:ext cx="5486400" cy="3600450"/>
+          </a:xfrm>
+          <a:prstGeom prst="rect">
+            <a:avLst/>
+          </a:prstGeom>
+        </p:spPr>
+        <p:txBody>
+          <a:bodyPr vert="horz" lIns="91440" tIns="45720" rIns="91440" bIns="45720" rtlCol="0"/>
+          <a:lstStyle/>
+          <a:p>
+            <a:pPr lvl="0"/>
+            <a:r>
+              <a:rPr lang="en-US"/>
+              <a:t>Click to edit Master text styles</a:t>
+            </a:r>
+          </a:p>
+          <a:p>
+            <a:pPr lvl="1"/>
+            <a:r>
+              <a:rPr lang="en-US"/>
+              <a:t>Second level</a:t>
+            </a:r>
+          </a:p>
+          <a:p>
+            <a:pPr lvl="2"/>
+            <a:r>
+              <a:rPr lang="en-US"/>
+              <a:t>Third level</a:t>
+            </a:r>
+          </a:p>
+          <a:p>
+            <a:pPr lvl="3"/>
+            <a:r>
+              <a:rPr lang="en-US"/>
+              <a:t>Fourth level</a:t>
+            </a:r>
+          </a:p>
+          <a:p>
+            <a:pPr lvl="4"/>
+            <a:r>
+              <a:rPr lang="en-US"/>
+              <a:t>Fifth level</a:t>
+            </a:r>
+          </a:p>
+        </p:txBody>
+      </p:sp>
+      <p:sp>
+        <p:nvSpPr>
+          <p:cNvPr id="6" name="Footer Placeholder 5"/>
+          <p:cNvSpPr>
+            <a:spLocks noGrp="1"/>
+          </p:cNvSpPr>
+          <p:nvPr>
+            <p:ph type="ftr" sz="quarter" idx="4"/>
+          </p:nvPr>
+        </p:nvSpPr>
+        <p:spPr>
+          <a:xfrm>
+            <a:off x="0" y="8685213"/>
+            <a:ext cx="2971800" cy="458787"/>
+          </a:xfrm>
+          <a:prstGeom prst="rect">
+            <a:avLst/>
+          </a:prstGeom>
+        </p:spPr>
+        <p:txBody>
+          <a:bodyPr vert="horz" lIns="91440" tIns="45720" rIns="91440" bIns="45720" rtlCol="0" anchor="b"/>
+          <a:lstStyle>
+            <a:lvl1pPr algn="l">
+              <a:defRPr sz="1200"/>
+            </a:lvl1pPr>
+          </a:lstStyle>
+          <a:p>
+            <a:endParaRPr lang="en-US"/>
+          </a:p>
+        </p:txBody>
+      </p:sp>
+      <p:sp>
+        <p:nvSpPr>
+          <p:cNvPr id="7" name="Slide Number Placeholder 6"/>
+          <p:cNvSpPr>
+            <a:spLocks noGrp="1"/>
+          </p:cNvSpPr>
+          <p:nvPr>
+            <p:ph type="sldNum" sz="quarter" idx="5"/>
+          </p:nvPr>
+        </p:nvSpPr>
+        <p:spPr>
+          <a:xfrm>
+            <a:off x="3884613" y="8685213"/>
+            <a:ext cx="2971800" cy="458787"/>
+          </a:xfrm>
+          <a:prstGeom prst="rect">
+            <a:avLst/>
+          </a:prstGeom>
+        </p:spPr>
+        <p:txBody>
+          <a:bodyPr vert="horz" lIns="91440" tIns="45720" rIns="91440" bIns="45720" rtlCol="0" anchor="b"/>
+          <a:lstStyle>
+            <a:lvl1pPr algn="r">
+              <a:defRPr sz="1200"/>
+            </a:lvl1pPr>
+          </a:lstStyle>
+          <a:p>
+            <a:fld id="{6BCD6B44-DF7F-8C43-B041-37588107E056}" type="slidenum">
+              <a:rPr lang="en-US" smtClean="0"/>
+              <a:t>‹#›</a:t>
+            </a:fld>
+            <a:endParaRPr lang="en-US"/>
+          </a:p>
+        </p:txBody>
+      </p:sp>
+    </p:spTree>
+    <p:extLst>
+      <p:ext uri="{BB962C8B-B14F-4D97-AF65-F5344CB8AC3E}">
+        <p14:creationId xmlns:p14="http://schemas.microsoft.com/office/powerpoint/2010/main" val="84399767"/>
+      </p:ext>
+    </p:extLst>
+  </p:cSld>
+  <p:clrMap bg1="lt1" tx1="dk1" bg2="lt2" tx2="dk2" accent1="accent1" accent2="accent2" accent3="accent3" accent4="accent4" accent5="accent5" accent6="accent6" hlink="hlink" folHlink="folHlink"/>
+  <p:notesStyle>
+    <a:lvl1pPr marL="0" algn="l" defTabSz="914400" rtl="0" eaLnBrk="1" latinLnBrk="0" hangingPunct="1">
+      <a:defRPr sz="1200" kern="1200">
+        <a:solidFill>
+          <a:schemeClr val="tx1"/>
+        </a:solidFill>
+        <a:latin typeface="+mn-lt"/>
+        <a:ea typeface="+mn-ea"/>
+        <a:cs typeface="+mn-cs"/>
+      </a:defRPr>
+    </a:lvl1pPr>
+    <a:lvl2pPr marL="457200" algn="l" defTabSz="914400" rtl="0" eaLnBrk="1" latinLnBrk="0" hangingPunct="1">
+      <a:defRPr sz="1200" kern="1200">
+        <a:solidFill>
+          <a:schemeClr val="tx1"/>
+        </a:solidFill>
+        <a:latin typeface="+mn-lt"/>
+        <a:ea typeface="+mn-ea"/>
+        <a:cs typeface="+mn-cs"/>
+      </a:defRPr>
+    </a:lvl2pPr>
+    <a:lvl3pPr marL="914400" algn="l" defTabSz="914400" rtl="0" eaLnBrk="1" latinLnBrk="0" hangingPunct="1">
+      <a:defRPr sz="1200" kern="1200">
+        <a:solidFill>
+          <a:schemeClr val="tx1"/>
+        </a:solidFill>
+        <a:latin typeface="+mn-lt"/>
+        <a:ea typeface="+mn-ea"/>
+        <a:cs typeface="+mn-cs"/>
+      </a:defRPr>
+    </a:lvl3pPr>
+    <a:lvl4pPr marL="1371600" algn="l" defTabSz="914400" rtl="0" eaLnBrk="1" latinLnBrk="0" hangingPunct="1">
+      <a:defRPr sz="1200" kern="1200">
+        <a:solidFill>
+          <a:schemeClr val="tx1"/>
+        </a:solidFill>
+        <a:latin typeface="+mn-lt"/>
+        <a:ea typeface="+mn-ea"/>
+        <a:cs typeface="+mn-cs"/>
+      </a:defRPr>
+    </a:lvl4pPr>
+    <a:lvl5pPr marL="1828800" algn="l" defTabSz="914400" rtl="0" eaLnBrk="1" latinLnBrk="0" hangingPunct="1">
+      <a:defRPr sz="1200" kern="1200">
+        <a:solidFill>
+          <a:schemeClr val="tx1"/>
+        </a:solidFill>
+        <a:latin typeface="+mn-lt"/>
+        <a:ea typeface="+mn-ea"/>
+        <a:cs typeface="+mn-cs"/>
+      </a:defRPr>
+    </a:lvl5pPr>
+    <a:lvl6pPr marL="2286000" algn="l" defTabSz="914400" rtl="0" eaLnBrk="1" latinLnBrk="0" hangingPunct="1">
+      <a:defRPr sz="1200" kern="1200">
+        <a:solidFill>
+          <a:schemeClr val="tx1"/>
+        </a:solidFill>
+        <a:latin typeface="+mn-lt"/>
+        <a:ea typeface="+mn-ea"/>
+        <a:cs typeface="+mn-cs"/>
+      </a:defRPr>
+    </a:lvl6pPr>
+    <a:lvl7pPr marL="2743200" algn="l" defTabSz="914400" rtl="0" eaLnBrk="1" latinLnBrk="0" hangingPunct="1">
+      <a:defRPr sz="1200" kern="1200">
+        <a:solidFill>
+          <a:schemeClr val="tx1"/>
+        </a:solidFill>
+        <a:latin typeface="+mn-lt"/>
+        <a:ea typeface="+mn-ea"/>
+        <a:cs typeface="+mn-cs"/>
+      </a:defRPr>
+    </a:lvl7pPr>
+    <a:lvl8pPr marL="3200400" algn="l" defTabSz="914400" rtl="0" eaLnBrk="1" latinLnBrk="0" hangingPunct="1">
+      <a:defRPr sz="1200" kern="1200">
+        <a:solidFill>
+          <a:schemeClr val="tx1"/>
+        </a:solidFill>
+        <a:latin typeface="+mn-lt"/>
+        <a:ea typeface="+mn-ea"/>
+        <a:cs typeface="+mn-cs"/>
+      </a:defRPr>
+    </a:lvl8pPr>
+    <a:lvl9pPr marL="3657600" algn="l" defTabSz="914400" rtl="0" eaLnBrk="1" latinLnBrk="0" hangingPunct="1">
+      <a:defRPr sz="1200" kern="1200">
+        <a:solidFill>
+          <a:schemeClr val="tx1"/>
+        </a:solidFill>
+        <a:latin typeface="+mn-lt"/>
+        <a:ea typeface="+mn-ea"/>
+        <a:cs typeface="+mn-cs"/>
+      </a:defRPr>
+    </a:lvl9pPr>
+  </p:notesStyle>
+</p:notesMaster>
+</file>
+
+<file path=ppt/notesSlides/notesSlide1.xml><?xml version="1.0" encoding="utf-8"?>
+<p:notes xmlns:a="http://schemas.openxmlformats.org/drawingml/2006/main" xmlns:r="http://schemas.openxmlformats.org/officeDocument/2006/relationships" xmlns:p="http://schemas.openxmlformats.org/presentationml/2006/main">
+  <p:cSld>
+    <p:spTree>
+      <p:nvGrpSpPr>
+        <p:cNvPr id="1" name=""/>
+        <p:cNvGrpSpPr/>
+        <p:nvPr/>
+      </p:nvGrpSpPr>
+      <p:grpSpPr>
+        <a:xfrm>
+          <a:off x="0" y="0"/>
+          <a:ext cx="0" cy="0"/>
+          <a:chOff x="0" y="0"/>
+          <a:chExt cx="0" cy="0"/>
+        </a:xfrm>
+      </p:grpSpPr>
+      <p:sp>
+        <p:nvSpPr>
+          <p:cNvPr id="2" name="Slide Image Placeholder 1"/>
+          <p:cNvSpPr>
+            <a:spLocks noGrp="1" noRot="1" noChangeAspect="1"/>
+          </p:cNvSpPr>
+          <p:nvPr>
+            <p:ph type="sldImg"/>
+          </p:nvPr>
+        </p:nvSpPr>
+        <p:spPr/>
+      </p:sp>
+      <p:sp>
+        <p:nvSpPr>
+          <p:cNvPr id="3" name="Notes Placeholder 2"/>
+          <p:cNvSpPr>
+            <a:spLocks noGrp="1"/>
+          </p:cNvSpPr>
+          <p:nvPr>
+            <p:ph type="body" idx="1"/>
+          </p:nvPr>
+        </p:nvSpPr>
+        <p:spPr/>
+        <p:txBody>
+          <a:bodyPr/>
+          <a:lstStyle/>
+          <a:p>
+            <a:endParaRPr lang="en-US" dirty="0"/>
+          </a:p>
+        </p:txBody>
+      </p:sp>
+      <p:sp>
+        <p:nvSpPr>
+          <p:cNvPr id="4" name="Slide Number Placeholder 3"/>
+          <p:cNvSpPr>
+            <a:spLocks noGrp="1"/>
+          </p:cNvSpPr>
+          <p:nvPr>
+            <p:ph type="sldNum" sz="quarter" idx="5"/>
+          </p:nvPr>
+        </p:nvSpPr>
+        <p:spPr/>
+        <p:txBody>
+          <a:bodyPr/>
+          <a:lstStyle/>
+          <a:p>
+            <a:fld id="{6BCD6B44-DF7F-8C43-B041-37588107E056}" type="slidenum">
+              <a:rPr lang="en-US" smtClean="0"/>
+              <a:t>3</a:t>
+            </a:fld>
+            <a:endParaRPr lang="en-US"/>
+          </a:p>
+        </p:txBody>
+      </p:sp>
+    </p:spTree>
+    <p:extLst>
+      <p:ext uri="{BB962C8B-B14F-4D97-AF65-F5344CB8AC3E}">
+        <p14:creationId xmlns:p14="http://schemas.microsoft.com/office/powerpoint/2010/main" val="1114432587"/>
+      </p:ext>
+    </p:extLst>
+  </p:cSld>
+  <p:clrMapOvr>
+    <a:masterClrMapping/>
+  </p:clrMapOvr>
+</p:notes>
+</file>
+
 <file path=ppt/slideLayouts/slideLayout1.xml><?xml version="1.0" encoding="utf-8"?>
 <p:sldLayout xmlns:a="http://schemas.openxmlformats.org/drawingml/2006/main" xmlns:r="http://schemas.openxmlformats.org/officeDocument/2006/relationships" xmlns:p="http://schemas.openxmlformats.org/presentationml/2006/main" type="title" preserve="1">
   <p:cSld name="Title Slide">
@@ -260,7 +697,7 @@
           <a:p>
             <a:fld id="{C063858B-4D56-E248-A865-DFFFFD3D1908}" type="datetimeFigureOut">
               <a:rPr lang="en-US" smtClean="0"/>
-              <a:t>5/30/23</a:t>
+              <a:t>5/31/23</a:t>
             </a:fld>
             <a:endParaRPr lang="en-US"/>
           </a:p>
@@ -458,7 +895,7 @@
           <a:p>
             <a:fld id="{C063858B-4D56-E248-A865-DFFFFD3D1908}" type="datetimeFigureOut">
               <a:rPr lang="en-US" smtClean="0"/>
-              <a:t>5/30/23</a:t>
+              <a:t>5/31/23</a:t>
             </a:fld>
             <a:endParaRPr lang="en-US"/>
           </a:p>
@@ -666,7 +1103,7 @@
           <a:p>
             <a:fld id="{C063858B-4D56-E248-A865-DFFFFD3D1908}" type="datetimeFigureOut">
               <a:rPr lang="en-US" smtClean="0"/>
-              <a:t>5/30/23</a:t>
+              <a:t>5/31/23</a:t>
             </a:fld>
             <a:endParaRPr lang="en-US"/>
           </a:p>
@@ -864,7 +1301,7 @@
           <a:p>
             <a:fld id="{C063858B-4D56-E248-A865-DFFFFD3D1908}" type="datetimeFigureOut">
               <a:rPr lang="en-US" smtClean="0"/>
-              <a:t>5/30/23</a:t>
+              <a:t>5/31/23</a:t>
             </a:fld>
             <a:endParaRPr lang="en-US"/>
           </a:p>
@@ -1139,7 +1576,7 @@
           <a:p>
             <a:fld id="{C063858B-4D56-E248-A865-DFFFFD3D1908}" type="datetimeFigureOut">
               <a:rPr lang="en-US" smtClean="0"/>
-              <a:t>5/30/23</a:t>
+              <a:t>5/31/23</a:t>
             </a:fld>
             <a:endParaRPr lang="en-US"/>
           </a:p>
@@ -1404,7 +1841,7 @@
           <a:p>
             <a:fld id="{C063858B-4D56-E248-A865-DFFFFD3D1908}" type="datetimeFigureOut">
               <a:rPr lang="en-US" smtClean="0"/>
-              <a:t>5/30/23</a:t>
+              <a:t>5/31/23</a:t>
             </a:fld>
             <a:endParaRPr lang="en-US"/>
           </a:p>
@@ -1816,7 +2253,7 @@
           <a:p>
             <a:fld id="{C063858B-4D56-E248-A865-DFFFFD3D1908}" type="datetimeFigureOut">
               <a:rPr lang="en-US" smtClean="0"/>
-              <a:t>5/30/23</a:t>
+              <a:t>5/31/23</a:t>
             </a:fld>
             <a:endParaRPr lang="en-US"/>
           </a:p>
@@ -1957,7 +2394,7 @@
           <a:p>
             <a:fld id="{C063858B-4D56-E248-A865-DFFFFD3D1908}" type="datetimeFigureOut">
               <a:rPr lang="en-US" smtClean="0"/>
-              <a:t>5/30/23</a:t>
+              <a:t>5/31/23</a:t>
             </a:fld>
             <a:endParaRPr lang="en-US"/>
           </a:p>
@@ -2070,7 +2507,7 @@
           <a:p>
             <a:fld id="{C063858B-4D56-E248-A865-DFFFFD3D1908}" type="datetimeFigureOut">
               <a:rPr lang="en-US" smtClean="0"/>
-              <a:t>5/30/23</a:t>
+              <a:t>5/31/23</a:t>
             </a:fld>
             <a:endParaRPr lang="en-US"/>
           </a:p>
@@ -2381,7 +2818,7 @@
           <a:p>
             <a:fld id="{C063858B-4D56-E248-A865-DFFFFD3D1908}" type="datetimeFigureOut">
               <a:rPr lang="en-US" smtClean="0"/>
-              <a:t>5/30/23</a:t>
+              <a:t>5/31/23</a:t>
             </a:fld>
             <a:endParaRPr lang="en-US"/>
           </a:p>
@@ -2669,7 +3106,7 @@
           <a:p>
             <a:fld id="{C063858B-4D56-E248-A865-DFFFFD3D1908}" type="datetimeFigureOut">
               <a:rPr lang="en-US" smtClean="0"/>
-              <a:t>5/30/23</a:t>
+              <a:t>5/31/23</a:t>
             </a:fld>
             <a:endParaRPr lang="en-US"/>
           </a:p>
@@ -2910,7 +3347,7 @@
           <a:p>
             <a:fld id="{C063858B-4D56-E248-A865-DFFFFD3D1908}" type="datetimeFigureOut">
               <a:rPr lang="en-US" smtClean="0"/>
-              <a:t>5/30/23</a:t>
+              <a:t>5/31/23</a:t>
             </a:fld>
             <a:endParaRPr lang="en-US"/>
           </a:p>
@@ -5141,6 +5578,699 @@
 </p:sld>
 </file>
 
+<file path=ppt/slides/slide3.xml><?xml version="1.0" encoding="utf-8"?>
+<p:sld xmlns:a="http://schemas.openxmlformats.org/drawingml/2006/main" xmlns:r="http://schemas.openxmlformats.org/officeDocument/2006/relationships" xmlns:p="http://schemas.openxmlformats.org/presentationml/2006/main">
+  <p:cSld>
+    <p:spTree>
+      <p:nvGrpSpPr>
+        <p:cNvPr id="1" name=""/>
+        <p:cNvGrpSpPr/>
+        <p:nvPr/>
+      </p:nvGrpSpPr>
+      <p:grpSpPr>
+        <a:xfrm>
+          <a:off x="0" y="0"/>
+          <a:ext cx="0" cy="0"/>
+          <a:chOff x="0" y="0"/>
+          <a:chExt cx="0" cy="0"/>
+        </a:xfrm>
+      </p:grpSpPr>
+      <p:grpSp>
+        <p:nvGrpSpPr>
+          <p:cNvPr id="19" name="Group 18">
+            <a:extLst>
+              <a:ext uri="{FF2B5EF4-FFF2-40B4-BE49-F238E27FC236}">
+                <a16:creationId xmlns:a16="http://schemas.microsoft.com/office/drawing/2014/main" id="{4BF894A1-5B7F-CB9D-0046-CFE9A7DD51EE}"/>
+              </a:ext>
+            </a:extLst>
+          </p:cNvPr>
+          <p:cNvGrpSpPr/>
+          <p:nvPr/>
+        </p:nvGrpSpPr>
+        <p:grpSpPr>
+          <a:xfrm>
+            <a:off x="609600" y="0"/>
+            <a:ext cx="10972800" cy="6858000"/>
+            <a:chOff x="609600" y="0"/>
+            <a:chExt cx="10972800" cy="6858000"/>
+          </a:xfrm>
+        </p:grpSpPr>
+        <p:pic>
+          <p:nvPicPr>
+            <p:cNvPr id="4" name="Picture 3" descr="A picture containing diagram, text, plan, plot&#10;&#10;Description automatically generated">
+              <a:extLst>
+                <a:ext uri="{FF2B5EF4-FFF2-40B4-BE49-F238E27FC236}">
+                  <a16:creationId xmlns:a16="http://schemas.microsoft.com/office/drawing/2014/main" id="{0E4132C4-40C1-17A4-859B-84F4264DA65A}"/>
+                </a:ext>
+              </a:extLst>
+            </p:cNvPr>
+            <p:cNvPicPr>
+              <a:picLocks noChangeAspect="1"/>
+            </p:cNvPicPr>
+            <p:nvPr/>
+          </p:nvPicPr>
+          <p:blipFill>
+            <a:blip r:embed="rId3"/>
+            <a:stretch>
+              <a:fillRect/>
+            </a:stretch>
+          </p:blipFill>
+          <p:spPr>
+            <a:xfrm>
+              <a:off x="609600" y="0"/>
+              <a:ext cx="10972800" cy="6858000"/>
+            </a:xfrm>
+            <a:prstGeom prst="rect">
+              <a:avLst/>
+            </a:prstGeom>
+          </p:spPr>
+        </p:pic>
+        <p:grpSp>
+          <p:nvGrpSpPr>
+            <p:cNvPr id="14" name="Group 13">
+              <a:extLst>
+                <a:ext uri="{FF2B5EF4-FFF2-40B4-BE49-F238E27FC236}">
+                  <a16:creationId xmlns:a16="http://schemas.microsoft.com/office/drawing/2014/main" id="{41E8B579-6780-277E-89E0-4BAE70215AE1}"/>
+                </a:ext>
+              </a:extLst>
+            </p:cNvPr>
+            <p:cNvGrpSpPr/>
+            <p:nvPr/>
+          </p:nvGrpSpPr>
+          <p:grpSpPr>
+            <a:xfrm>
+              <a:off x="1267683" y="644448"/>
+              <a:ext cx="585427" cy="461665"/>
+              <a:chOff x="2611090" y="551617"/>
+              <a:chExt cx="928687" cy="461665"/>
+            </a:xfrm>
+          </p:grpSpPr>
+          <p:cxnSp>
+            <p:nvCxnSpPr>
+              <p:cNvPr id="15" name="Straight Connector 14">
+                <a:extLst>
+                  <a:ext uri="{FF2B5EF4-FFF2-40B4-BE49-F238E27FC236}">
+                    <a16:creationId xmlns:a16="http://schemas.microsoft.com/office/drawing/2014/main" id="{8545D42A-E832-811A-9B92-0B9E57181075}"/>
+                  </a:ext>
+                </a:extLst>
+              </p:cNvPr>
+              <p:cNvCxnSpPr>
+                <a:cxnSpLocks/>
+              </p:cNvCxnSpPr>
+              <p:nvPr/>
+            </p:nvCxnSpPr>
+            <p:spPr>
+              <a:xfrm>
+                <a:off x="2611090" y="771525"/>
+                <a:ext cx="928687" cy="0"/>
+              </a:xfrm>
+              <a:prstGeom prst="line">
+                <a:avLst/>
+              </a:prstGeom>
+            </p:spPr>
+            <p:style>
+              <a:lnRef idx="1">
+                <a:schemeClr val="dk1"/>
+              </a:lnRef>
+              <a:fillRef idx="0">
+                <a:schemeClr val="dk1"/>
+              </a:fillRef>
+              <a:effectRef idx="0">
+                <a:schemeClr val="dk1"/>
+              </a:effectRef>
+              <a:fontRef idx="minor">
+                <a:schemeClr val="tx1"/>
+              </a:fontRef>
+            </p:style>
+          </p:cxnSp>
+          <p:sp>
+            <p:nvSpPr>
+              <p:cNvPr id="16" name="TextBox 15">
+                <a:extLst>
+                  <a:ext uri="{FF2B5EF4-FFF2-40B4-BE49-F238E27FC236}">
+                    <a16:creationId xmlns:a16="http://schemas.microsoft.com/office/drawing/2014/main" id="{C5D50196-F577-FFD2-6E52-E2E697165869}"/>
+                  </a:ext>
+                </a:extLst>
+              </p:cNvPr>
+              <p:cNvSpPr txBox="1"/>
+              <p:nvPr/>
+            </p:nvSpPr>
+            <p:spPr>
+              <a:xfrm>
+                <a:off x="2732174" y="551617"/>
+                <a:ext cx="686519" cy="461665"/>
+              </a:xfrm>
+              <a:prstGeom prst="rect">
+                <a:avLst/>
+              </a:prstGeom>
+              <a:noFill/>
+            </p:spPr>
+            <p:txBody>
+              <a:bodyPr wrap="square" rtlCol="0">
+                <a:spAutoFit/>
+              </a:bodyPr>
+              <a:lstStyle/>
+              <a:p>
+                <a:pPr algn="ctr"/>
+                <a:r>
+                  <a:rPr lang="en-US" sz="1200" dirty="0"/>
+                  <a:t>***</a:t>
+                </a:r>
+              </a:p>
+            </p:txBody>
+          </p:sp>
+        </p:grpSp>
+        <p:grpSp>
+          <p:nvGrpSpPr>
+            <p:cNvPr id="21" name="Group 20">
+              <a:extLst>
+                <a:ext uri="{FF2B5EF4-FFF2-40B4-BE49-F238E27FC236}">
+                  <a16:creationId xmlns:a16="http://schemas.microsoft.com/office/drawing/2014/main" id="{9DA9A069-EC48-A03C-A885-12C3DCA02955}"/>
+                </a:ext>
+              </a:extLst>
+            </p:cNvPr>
+            <p:cNvGrpSpPr/>
+            <p:nvPr/>
+          </p:nvGrpSpPr>
+          <p:grpSpPr>
+            <a:xfrm>
+              <a:off x="2413435" y="513643"/>
+              <a:ext cx="593926" cy="261610"/>
+              <a:chOff x="2611090" y="551617"/>
+              <a:chExt cx="928687" cy="261610"/>
+            </a:xfrm>
+          </p:grpSpPr>
+          <p:cxnSp>
+            <p:nvCxnSpPr>
+              <p:cNvPr id="22" name="Straight Connector 21">
+                <a:extLst>
+                  <a:ext uri="{FF2B5EF4-FFF2-40B4-BE49-F238E27FC236}">
+                    <a16:creationId xmlns:a16="http://schemas.microsoft.com/office/drawing/2014/main" id="{CCF772C6-48A7-174B-E86B-B25E4090F12D}"/>
+                  </a:ext>
+                </a:extLst>
+              </p:cNvPr>
+              <p:cNvCxnSpPr>
+                <a:cxnSpLocks/>
+              </p:cNvCxnSpPr>
+              <p:nvPr/>
+            </p:nvCxnSpPr>
+            <p:spPr>
+              <a:xfrm>
+                <a:off x="2611090" y="771525"/>
+                <a:ext cx="928687" cy="0"/>
+              </a:xfrm>
+              <a:prstGeom prst="line">
+                <a:avLst/>
+              </a:prstGeom>
+            </p:spPr>
+            <p:style>
+              <a:lnRef idx="1">
+                <a:schemeClr val="dk1"/>
+              </a:lnRef>
+              <a:fillRef idx="0">
+                <a:schemeClr val="dk1"/>
+              </a:fillRef>
+              <a:effectRef idx="0">
+                <a:schemeClr val="dk1"/>
+              </a:effectRef>
+              <a:fontRef idx="minor">
+                <a:schemeClr val="tx1"/>
+              </a:fontRef>
+            </p:style>
+          </p:cxnSp>
+          <p:sp>
+            <p:nvSpPr>
+              <p:cNvPr id="23" name="TextBox 22">
+                <a:extLst>
+                  <a:ext uri="{FF2B5EF4-FFF2-40B4-BE49-F238E27FC236}">
+                    <a16:creationId xmlns:a16="http://schemas.microsoft.com/office/drawing/2014/main" id="{BC57A7D8-2EAF-182A-340B-956CC2FA0D10}"/>
+                  </a:ext>
+                </a:extLst>
+              </p:cNvPr>
+              <p:cNvSpPr txBox="1"/>
+              <p:nvPr/>
+            </p:nvSpPr>
+            <p:spPr>
+              <a:xfrm>
+                <a:off x="2732174" y="551617"/>
+                <a:ext cx="686519" cy="261610"/>
+              </a:xfrm>
+              <a:prstGeom prst="rect">
+                <a:avLst/>
+              </a:prstGeom>
+              <a:noFill/>
+            </p:spPr>
+            <p:txBody>
+              <a:bodyPr wrap="square" rtlCol="0">
+                <a:spAutoFit/>
+              </a:bodyPr>
+              <a:lstStyle/>
+              <a:p>
+                <a:pPr algn="ctr"/>
+                <a:r>
+                  <a:rPr lang="en-US" sz="1100" dirty="0">
+                    <a:latin typeface="Arial" panose="020B0604020202020204" pitchFamily="34" charset="0"/>
+                    <a:cs typeface="Arial" panose="020B0604020202020204" pitchFamily="34" charset="0"/>
+                  </a:rPr>
+                  <a:t>ns</a:t>
+                </a:r>
+              </a:p>
+            </p:txBody>
+          </p:sp>
+        </p:grpSp>
+        <p:grpSp>
+          <p:nvGrpSpPr>
+            <p:cNvPr id="27" name="Group 26">
+              <a:extLst>
+                <a:ext uri="{FF2B5EF4-FFF2-40B4-BE49-F238E27FC236}">
+                  <a16:creationId xmlns:a16="http://schemas.microsoft.com/office/drawing/2014/main" id="{D044B51C-F54C-9C05-EA35-56BF02F4CE34}"/>
+                </a:ext>
+              </a:extLst>
+            </p:cNvPr>
+            <p:cNvGrpSpPr/>
+            <p:nvPr/>
+          </p:nvGrpSpPr>
+          <p:grpSpPr>
+            <a:xfrm>
+              <a:off x="6559253" y="1924537"/>
+              <a:ext cx="552261" cy="261610"/>
+              <a:chOff x="2611090" y="551617"/>
+              <a:chExt cx="928687" cy="261610"/>
+            </a:xfrm>
+          </p:grpSpPr>
+          <p:cxnSp>
+            <p:nvCxnSpPr>
+              <p:cNvPr id="28" name="Straight Connector 27">
+                <a:extLst>
+                  <a:ext uri="{FF2B5EF4-FFF2-40B4-BE49-F238E27FC236}">
+                    <a16:creationId xmlns:a16="http://schemas.microsoft.com/office/drawing/2014/main" id="{198972DC-115A-3D48-1CFD-A0EE8C5C51A6}"/>
+                  </a:ext>
+                </a:extLst>
+              </p:cNvPr>
+              <p:cNvCxnSpPr>
+                <a:cxnSpLocks/>
+              </p:cNvCxnSpPr>
+              <p:nvPr/>
+            </p:nvCxnSpPr>
+            <p:spPr>
+              <a:xfrm>
+                <a:off x="2611090" y="771525"/>
+                <a:ext cx="928687" cy="0"/>
+              </a:xfrm>
+              <a:prstGeom prst="line">
+                <a:avLst/>
+              </a:prstGeom>
+            </p:spPr>
+            <p:style>
+              <a:lnRef idx="1">
+                <a:schemeClr val="dk1"/>
+              </a:lnRef>
+              <a:fillRef idx="0">
+                <a:schemeClr val="dk1"/>
+              </a:fillRef>
+              <a:effectRef idx="0">
+                <a:schemeClr val="dk1"/>
+              </a:effectRef>
+              <a:fontRef idx="minor">
+                <a:schemeClr val="tx1"/>
+              </a:fontRef>
+            </p:style>
+          </p:cxnSp>
+          <p:sp>
+            <p:nvSpPr>
+              <p:cNvPr id="29" name="TextBox 28">
+                <a:extLst>
+                  <a:ext uri="{FF2B5EF4-FFF2-40B4-BE49-F238E27FC236}">
+                    <a16:creationId xmlns:a16="http://schemas.microsoft.com/office/drawing/2014/main" id="{6D5DCA7E-CB1C-F6FD-EE60-AC1EA0B007EC}"/>
+                  </a:ext>
+                </a:extLst>
+              </p:cNvPr>
+              <p:cNvSpPr txBox="1"/>
+              <p:nvPr/>
+            </p:nvSpPr>
+            <p:spPr>
+              <a:xfrm>
+                <a:off x="2732174" y="551617"/>
+                <a:ext cx="807603" cy="261610"/>
+              </a:xfrm>
+              <a:prstGeom prst="rect">
+                <a:avLst/>
+              </a:prstGeom>
+              <a:noFill/>
+            </p:spPr>
+            <p:txBody>
+              <a:bodyPr wrap="square" rtlCol="0">
+                <a:spAutoFit/>
+              </a:bodyPr>
+              <a:lstStyle/>
+              <a:p>
+                <a:pPr algn="ctr"/>
+                <a:r>
+                  <a:rPr lang="en-US" sz="1100" dirty="0">
+                    <a:latin typeface="Arial" panose="020B0604020202020204" pitchFamily="34" charset="0"/>
+                    <a:cs typeface="Arial" panose="020B0604020202020204" pitchFamily="34" charset="0"/>
+                  </a:rPr>
+                  <a:t>ns</a:t>
+                </a:r>
+              </a:p>
+            </p:txBody>
+          </p:sp>
+        </p:grpSp>
+        <p:grpSp>
+          <p:nvGrpSpPr>
+            <p:cNvPr id="44" name="Group 43">
+              <a:extLst>
+                <a:ext uri="{FF2B5EF4-FFF2-40B4-BE49-F238E27FC236}">
+                  <a16:creationId xmlns:a16="http://schemas.microsoft.com/office/drawing/2014/main" id="{8736B105-6F0C-5D1F-2DA6-A288B03B2B39}"/>
+                </a:ext>
+              </a:extLst>
+            </p:cNvPr>
+            <p:cNvGrpSpPr/>
+            <p:nvPr/>
+          </p:nvGrpSpPr>
+          <p:grpSpPr>
+            <a:xfrm>
+              <a:off x="1804353" y="3290500"/>
+              <a:ext cx="686519" cy="276999"/>
+              <a:chOff x="2611090" y="551617"/>
+              <a:chExt cx="928687" cy="276999"/>
+            </a:xfrm>
+          </p:grpSpPr>
+          <p:cxnSp>
+            <p:nvCxnSpPr>
+              <p:cNvPr id="45" name="Straight Connector 44">
+                <a:extLst>
+                  <a:ext uri="{FF2B5EF4-FFF2-40B4-BE49-F238E27FC236}">
+                    <a16:creationId xmlns:a16="http://schemas.microsoft.com/office/drawing/2014/main" id="{01823CA2-48C4-57CE-7272-2B30EEF0D14B}"/>
+                  </a:ext>
+                </a:extLst>
+              </p:cNvPr>
+              <p:cNvCxnSpPr>
+                <a:cxnSpLocks/>
+              </p:cNvCxnSpPr>
+              <p:nvPr/>
+            </p:nvCxnSpPr>
+            <p:spPr>
+              <a:xfrm>
+                <a:off x="2611090" y="771525"/>
+                <a:ext cx="928687" cy="0"/>
+              </a:xfrm>
+              <a:prstGeom prst="line">
+                <a:avLst/>
+              </a:prstGeom>
+            </p:spPr>
+            <p:style>
+              <a:lnRef idx="1">
+                <a:schemeClr val="dk1"/>
+              </a:lnRef>
+              <a:fillRef idx="0">
+                <a:schemeClr val="dk1"/>
+              </a:fillRef>
+              <a:effectRef idx="0">
+                <a:schemeClr val="dk1"/>
+              </a:effectRef>
+              <a:fontRef idx="minor">
+                <a:schemeClr val="tx1"/>
+              </a:fontRef>
+            </p:style>
+          </p:cxnSp>
+          <p:sp>
+            <p:nvSpPr>
+              <p:cNvPr id="46" name="TextBox 45">
+                <a:extLst>
+                  <a:ext uri="{FF2B5EF4-FFF2-40B4-BE49-F238E27FC236}">
+                    <a16:creationId xmlns:a16="http://schemas.microsoft.com/office/drawing/2014/main" id="{610DF5E4-03A1-028C-E59E-9B16277FD42C}"/>
+                  </a:ext>
+                </a:extLst>
+              </p:cNvPr>
+              <p:cNvSpPr txBox="1"/>
+              <p:nvPr/>
+            </p:nvSpPr>
+            <p:spPr>
+              <a:xfrm>
+                <a:off x="2732174" y="551617"/>
+                <a:ext cx="686519" cy="276999"/>
+              </a:xfrm>
+              <a:prstGeom prst="rect">
+                <a:avLst/>
+              </a:prstGeom>
+              <a:noFill/>
+            </p:spPr>
+            <p:txBody>
+              <a:bodyPr wrap="square" rtlCol="0">
+                <a:spAutoFit/>
+              </a:bodyPr>
+              <a:lstStyle/>
+              <a:p>
+                <a:pPr algn="ctr"/>
+                <a:r>
+                  <a:rPr lang="en-US" sz="1200" dirty="0"/>
+                  <a:t>***</a:t>
+                </a:r>
+              </a:p>
+            </p:txBody>
+          </p:sp>
+        </p:grpSp>
+        <p:pic>
+          <p:nvPicPr>
+            <p:cNvPr id="8" name="Graphic 7" descr="Close with solid fill">
+              <a:extLst>
+                <a:ext uri="{FF2B5EF4-FFF2-40B4-BE49-F238E27FC236}">
+                  <a16:creationId xmlns:a16="http://schemas.microsoft.com/office/drawing/2014/main" id="{B9DDC3B9-4702-E523-4F4A-AA782362F379}"/>
+                </a:ext>
+              </a:extLst>
+            </p:cNvPr>
+            <p:cNvPicPr>
+              <a:picLocks noChangeAspect="1"/>
+            </p:cNvPicPr>
+            <p:nvPr/>
+          </p:nvPicPr>
+          <p:blipFill>
+            <a:blip r:embed="rId4">
+              <a:extLst>
+                <a:ext uri="{96DAC541-7B7A-43D3-8B79-37D633B846F1}">
+                  <asvg:svgBlip xmlns:asvg="http://schemas.microsoft.com/office/drawing/2016/SVG/main" r:embed="rId5"/>
+                </a:ext>
+              </a:extLst>
+            </a:blip>
+            <a:stretch>
+              <a:fillRect/>
+            </a:stretch>
+          </p:blipFill>
+          <p:spPr>
+            <a:xfrm>
+              <a:off x="3964505" y="5122500"/>
+              <a:ext cx="228992" cy="228992"/>
+            </a:xfrm>
+            <a:prstGeom prst="rect">
+              <a:avLst/>
+            </a:prstGeom>
+          </p:spPr>
+        </p:pic>
+        <p:grpSp>
+          <p:nvGrpSpPr>
+            <p:cNvPr id="9" name="Group 8">
+              <a:extLst>
+                <a:ext uri="{FF2B5EF4-FFF2-40B4-BE49-F238E27FC236}">
+                  <a16:creationId xmlns:a16="http://schemas.microsoft.com/office/drawing/2014/main" id="{A6D568CE-B070-5073-1E9D-3CEDB6DD8741}"/>
+                </a:ext>
+              </a:extLst>
+            </p:cNvPr>
+            <p:cNvGrpSpPr/>
+            <p:nvPr/>
+          </p:nvGrpSpPr>
+          <p:grpSpPr>
+            <a:xfrm>
+              <a:off x="3558322" y="644448"/>
+              <a:ext cx="585427" cy="461665"/>
+              <a:chOff x="2611090" y="551617"/>
+              <a:chExt cx="928687" cy="461665"/>
+            </a:xfrm>
+          </p:grpSpPr>
+          <p:cxnSp>
+            <p:nvCxnSpPr>
+              <p:cNvPr id="10" name="Straight Connector 9">
+                <a:extLst>
+                  <a:ext uri="{FF2B5EF4-FFF2-40B4-BE49-F238E27FC236}">
+                    <a16:creationId xmlns:a16="http://schemas.microsoft.com/office/drawing/2014/main" id="{5C607903-746E-C83C-A00B-2D2DA72C9010}"/>
+                  </a:ext>
+                </a:extLst>
+              </p:cNvPr>
+              <p:cNvCxnSpPr>
+                <a:cxnSpLocks/>
+              </p:cNvCxnSpPr>
+              <p:nvPr/>
+            </p:nvCxnSpPr>
+            <p:spPr>
+              <a:xfrm>
+                <a:off x="2611090" y="771525"/>
+                <a:ext cx="928687" cy="0"/>
+              </a:xfrm>
+              <a:prstGeom prst="line">
+                <a:avLst/>
+              </a:prstGeom>
+            </p:spPr>
+            <p:style>
+              <a:lnRef idx="1">
+                <a:schemeClr val="dk1"/>
+              </a:lnRef>
+              <a:fillRef idx="0">
+                <a:schemeClr val="dk1"/>
+              </a:fillRef>
+              <a:effectRef idx="0">
+                <a:schemeClr val="dk1"/>
+              </a:effectRef>
+              <a:fontRef idx="minor">
+                <a:schemeClr val="tx1"/>
+              </a:fontRef>
+            </p:style>
+          </p:cxnSp>
+          <p:sp>
+            <p:nvSpPr>
+              <p:cNvPr id="11" name="TextBox 10">
+                <a:extLst>
+                  <a:ext uri="{FF2B5EF4-FFF2-40B4-BE49-F238E27FC236}">
+                    <a16:creationId xmlns:a16="http://schemas.microsoft.com/office/drawing/2014/main" id="{82F7C23B-D937-71EA-CAF4-544FB271F252}"/>
+                  </a:ext>
+                </a:extLst>
+              </p:cNvPr>
+              <p:cNvSpPr txBox="1"/>
+              <p:nvPr/>
+            </p:nvSpPr>
+            <p:spPr>
+              <a:xfrm>
+                <a:off x="2732174" y="551617"/>
+                <a:ext cx="686519" cy="461665"/>
+              </a:xfrm>
+              <a:prstGeom prst="rect">
+                <a:avLst/>
+              </a:prstGeom>
+              <a:noFill/>
+            </p:spPr>
+            <p:txBody>
+              <a:bodyPr wrap="square" rtlCol="0">
+                <a:spAutoFit/>
+              </a:bodyPr>
+              <a:lstStyle/>
+              <a:p>
+                <a:pPr algn="ctr"/>
+                <a:r>
+                  <a:rPr lang="en-US" sz="1200" dirty="0"/>
+                  <a:t>***</a:t>
+                </a:r>
+              </a:p>
+            </p:txBody>
+          </p:sp>
+        </p:grpSp>
+        <p:grpSp>
+          <p:nvGrpSpPr>
+            <p:cNvPr id="12" name="Group 11">
+              <a:extLst>
+                <a:ext uri="{FF2B5EF4-FFF2-40B4-BE49-F238E27FC236}">
+                  <a16:creationId xmlns:a16="http://schemas.microsoft.com/office/drawing/2014/main" id="{2BA521C0-E69E-EAD1-C82B-F2E669C3428B}"/>
+                </a:ext>
+              </a:extLst>
+            </p:cNvPr>
+            <p:cNvGrpSpPr/>
+            <p:nvPr/>
+          </p:nvGrpSpPr>
+          <p:grpSpPr>
+            <a:xfrm>
+              <a:off x="4708804" y="644448"/>
+              <a:ext cx="585427" cy="461665"/>
+              <a:chOff x="2611090" y="551617"/>
+              <a:chExt cx="928687" cy="461665"/>
+            </a:xfrm>
+          </p:grpSpPr>
+          <p:cxnSp>
+            <p:nvCxnSpPr>
+              <p:cNvPr id="13" name="Straight Connector 12">
+                <a:extLst>
+                  <a:ext uri="{FF2B5EF4-FFF2-40B4-BE49-F238E27FC236}">
+                    <a16:creationId xmlns:a16="http://schemas.microsoft.com/office/drawing/2014/main" id="{36289578-4ADD-E33D-DD4D-206DD24D008B}"/>
+                  </a:ext>
+                </a:extLst>
+              </p:cNvPr>
+              <p:cNvCxnSpPr>
+                <a:cxnSpLocks/>
+              </p:cNvCxnSpPr>
+              <p:nvPr/>
+            </p:nvCxnSpPr>
+            <p:spPr>
+              <a:xfrm>
+                <a:off x="2611090" y="771525"/>
+                <a:ext cx="928687" cy="0"/>
+              </a:xfrm>
+              <a:prstGeom prst="line">
+                <a:avLst/>
+              </a:prstGeom>
+            </p:spPr>
+            <p:style>
+              <a:lnRef idx="1">
+                <a:schemeClr val="dk1"/>
+              </a:lnRef>
+              <a:fillRef idx="0">
+                <a:schemeClr val="dk1"/>
+              </a:fillRef>
+              <a:effectRef idx="0">
+                <a:schemeClr val="dk1"/>
+              </a:effectRef>
+              <a:fontRef idx="minor">
+                <a:schemeClr val="tx1"/>
+              </a:fontRef>
+            </p:style>
+          </p:cxnSp>
+          <p:sp>
+            <p:nvSpPr>
+              <p:cNvPr id="17" name="TextBox 16">
+                <a:extLst>
+                  <a:ext uri="{FF2B5EF4-FFF2-40B4-BE49-F238E27FC236}">
+                    <a16:creationId xmlns:a16="http://schemas.microsoft.com/office/drawing/2014/main" id="{DE6F1CE1-FF40-3155-B958-B19742F9E60F}"/>
+                  </a:ext>
+                </a:extLst>
+              </p:cNvPr>
+              <p:cNvSpPr txBox="1"/>
+              <p:nvPr/>
+            </p:nvSpPr>
+            <p:spPr>
+              <a:xfrm>
+                <a:off x="2732174" y="551617"/>
+                <a:ext cx="686519" cy="461665"/>
+              </a:xfrm>
+              <a:prstGeom prst="rect">
+                <a:avLst/>
+              </a:prstGeom>
+              <a:noFill/>
+            </p:spPr>
+            <p:txBody>
+              <a:bodyPr wrap="square" rtlCol="0">
+                <a:spAutoFit/>
+              </a:bodyPr>
+              <a:lstStyle/>
+              <a:p>
+                <a:pPr algn="ctr"/>
+                <a:r>
+                  <a:rPr lang="en-US" sz="1200" dirty="0"/>
+                  <a:t>***</a:t>
+                </a:r>
+              </a:p>
+            </p:txBody>
+          </p:sp>
+        </p:grpSp>
+      </p:grpSp>
+    </p:spTree>
+    <p:extLst>
+      <p:ext uri="{BB962C8B-B14F-4D97-AF65-F5344CB8AC3E}">
+        <p14:creationId xmlns:p14="http://schemas.microsoft.com/office/powerpoint/2010/main" val="2274918727"/>
+      </p:ext>
+    </p:extLst>
+  </p:cSld>
+  <p:clrMapOvr>
+    <a:masterClrMapping/>
+  </p:clrMapOvr>
+</p:sld>
+</file>
+
 <file path=ppt/theme/theme1.xml><?xml version="1.0" encoding="utf-8"?>
 <a:theme xmlns:a="http://schemas.openxmlformats.org/drawingml/2006/main" name="Office Theme">
   <a:themeElements>
@@ -5434,4 +6564,299 @@
     </a:ext>
   </a:extLst>
 </a:theme>
+</file>
+
+<file path=ppt/theme/theme2.xml><?xml version="1.0" encoding="utf-8"?>
+<a:theme xmlns:a="http://schemas.openxmlformats.org/drawingml/2006/main" name="Office Theme">
+  <a:themeElements>
+    <a:clrScheme name="Office">
+      <a:dk1>
+        <a:sysClr val="windowText" lastClr="000000"/>
+      </a:dk1>
+      <a:lt1>
+        <a:sysClr val="window" lastClr="FFFFFF"/>
+      </a:lt1>
+      <a:dk2>
+        <a:srgbClr val="44546A"/>
+      </a:dk2>
+      <a:lt2>
+        <a:srgbClr val="E7E6E6"/>
+      </a:lt2>
+      <a:accent1>
+        <a:srgbClr val="4472C4"/>
+      </a:accent1>
+      <a:accent2>
+        <a:srgbClr val="ED7D31"/>
+      </a:accent2>
+      <a:accent3>
+        <a:srgbClr val="A5A5A5"/>
+      </a:accent3>
+      <a:accent4>
+        <a:srgbClr val="FFC000"/>
+      </a:accent4>
+      <a:accent5>
+        <a:srgbClr val="5B9BD5"/>
+      </a:accent5>
+      <a:accent6>
+        <a:srgbClr val="70AD47"/>
+      </a:accent6>
+      <a:hlink>
+        <a:srgbClr val="0563C1"/>
+      </a:hlink>
+      <a:folHlink>
+        <a:srgbClr val="954F72"/>
+      </a:folHlink>
+    </a:clrScheme>
+    <a:fontScheme name="Office">
+      <a:majorFont>
+        <a:latin typeface="Calibri Light" panose="020F0302020204030204"/>
+        <a:ea typeface=""/>
+        <a:cs typeface=""/>
+        <a:font script="Jpan" typeface="游ゴシック Light"/>
+        <a:font script="Hang" typeface="맑은 고딕"/>
+        <a:font script="Hans" typeface="等线 Light"/>
+        <a:font script="Hant" typeface="新細明體"/>
+        <a:font script="Arab" typeface="Times New Roman"/>
+        <a:font script="Hebr" typeface="Times New Roman"/>
+        <a:font script="Thai" typeface="Angsana New"/>
+        <a:font script="Ethi" typeface="Nyala"/>
+        <a:font script="Beng" typeface="Vrinda"/>
+        <a:font script="Gujr" typeface="Shruti"/>
+        <a:font script="Khmr" typeface="MoolBoran"/>
+        <a:font script="Knda" typeface="Tunga"/>
+        <a:font script="Guru" typeface="Raavi"/>
+        <a:font script="Cans" typeface="Euphemia"/>
+        <a:font script="Cher" typeface="Plantagenet Cherokee"/>
+        <a:font script="Yiii" typeface="Microsoft Yi Baiti"/>
+        <a:font script="Tibt" typeface="Microsoft Himalaya"/>
+        <a:font script="Thaa" typeface="MV Boli"/>
+        <a:font script="Deva" typeface="Mangal"/>
+        <a:font script="Telu" typeface="Gautami"/>
+        <a:font script="Taml" typeface="Latha"/>
+        <a:font script="Syrc" typeface="Estrangelo Edessa"/>
+        <a:font script="Orya" typeface="Kalinga"/>
+        <a:font script="Mlym" typeface="Kartika"/>
+        <a:font script="Laoo" typeface="DokChampa"/>
+        <a:font script="Sinh" typeface="Iskoola Pota"/>
+        <a:font script="Mong" typeface="Mongolian Baiti"/>
+        <a:font script="Viet" typeface="Times New Roman"/>
+        <a:font script="Uigh" typeface="Microsoft Uighur"/>
+        <a:font script="Geor" typeface="Sylfaen"/>
+        <a:font script="Armn" typeface="Arial"/>
+        <a:font script="Bugi" typeface="Leelawadee UI"/>
+        <a:font script="Bopo" typeface="Microsoft JhengHei"/>
+        <a:font script="Java" typeface="Javanese Text"/>
+        <a:font script="Lisu" typeface="Segoe UI"/>
+        <a:font script="Mymr" typeface="Myanmar Text"/>
+        <a:font script="Nkoo" typeface="Ebrima"/>
+        <a:font script="Olck" typeface="Nirmala UI"/>
+        <a:font script="Osma" typeface="Ebrima"/>
+        <a:font script="Phag" typeface="Phagspa"/>
+        <a:font script="Syrn" typeface="Estrangelo Edessa"/>
+        <a:font script="Syrj" typeface="Estrangelo Edessa"/>
+        <a:font script="Syre" typeface="Estrangelo Edessa"/>
+        <a:font script="Sora" typeface="Nirmala UI"/>
+        <a:font script="Tale" typeface="Microsoft Tai Le"/>
+        <a:font script="Talu" typeface="Microsoft New Tai Lue"/>
+        <a:font script="Tfng" typeface="Ebrima"/>
+      </a:majorFont>
+      <a:minorFont>
+        <a:latin typeface="Calibri" panose="020F0502020204030204"/>
+        <a:ea typeface=""/>
+        <a:cs typeface=""/>
+        <a:font script="Jpan" typeface="游ゴシック"/>
+        <a:font script="Hang" typeface="맑은 고딕"/>
+        <a:font script="Hans" typeface="等线"/>
+        <a:font script="Hant" typeface="新細明體"/>
+        <a:font script="Arab" typeface="Arial"/>
+        <a:font script="Hebr" typeface="Arial"/>
+        <a:font script="Thai" typeface="Cordia New"/>
+        <a:font script="Ethi" typeface="Nyala"/>
+        <a:font script="Beng" typeface="Vrinda"/>
+        <a:font script="Gujr" typeface="Shruti"/>
+        <a:font script="Khmr" typeface="DaunPenh"/>
+        <a:font script="Knda" typeface="Tunga"/>
+        <a:font script="Guru" typeface="Raavi"/>
+        <a:font script="Cans" typeface="Euphemia"/>
+        <a:font script="Cher" typeface="Plantagenet Cherokee"/>
+        <a:font script="Yiii" typeface="Microsoft Yi Baiti"/>
+        <a:font script="Tibt" typeface="Microsoft Himalaya"/>
+        <a:font script="Thaa" typeface="MV Boli"/>
+        <a:font script="Deva" typeface="Mangal"/>
+        <a:font script="Telu" typeface="Gautami"/>
+        <a:font script="Taml" typeface="Latha"/>
+        <a:font script="Syrc" typeface="Estrangelo Edessa"/>
+        <a:font script="Orya" typeface="Kalinga"/>
+        <a:font script="Mlym" typeface="Kartika"/>
+        <a:font script="Laoo" typeface="DokChampa"/>
+        <a:font script="Sinh" typeface="Iskoola Pota"/>
+        <a:font script="Mong" typeface="Mongolian Baiti"/>
+        <a:font script="Viet" typeface="Arial"/>
+        <a:font script="Uigh" typeface="Microsoft Uighur"/>
+        <a:font script="Geor" typeface="Sylfaen"/>
+        <a:font script="Armn" typeface="Arial"/>
+        <a:font script="Bugi" typeface="Leelawadee UI"/>
+        <a:font script="Bopo" typeface="Microsoft JhengHei"/>
+        <a:font script="Java" typeface="Javanese Text"/>
+        <a:font script="Lisu" typeface="Segoe UI"/>
+        <a:font script="Mymr" typeface="Myanmar Text"/>
+        <a:font script="Nkoo" typeface="Ebrima"/>
+        <a:font script="Olck" typeface="Nirmala UI"/>
+        <a:font script="Osma" typeface="Ebrima"/>
+        <a:font script="Phag" typeface="Phagspa"/>
+        <a:font script="Syrn" typeface="Estrangelo Edessa"/>
+        <a:font script="Syrj" typeface="Estrangelo Edessa"/>
+        <a:font script="Syre" typeface="Estrangelo Edessa"/>
+        <a:font script="Sora" typeface="Nirmala UI"/>
+        <a:font script="Tale" typeface="Microsoft Tai Le"/>
+        <a:font script="Talu" typeface="Microsoft New Tai Lue"/>
+        <a:font script="Tfng" typeface="Ebrima"/>
+      </a:minorFont>
+    </a:fontScheme>
+    <a:fmtScheme name="Office">
+      <a:fillStyleLst>
+        <a:solidFill>
+          <a:schemeClr val="phClr"/>
+        </a:solidFill>
+        <a:gradFill rotWithShape="1">
+          <a:gsLst>
+            <a:gs pos="0">
+              <a:schemeClr val="phClr">
+                <a:lumMod val="110000"/>
+                <a:satMod val="105000"/>
+                <a:tint val="67000"/>
+              </a:schemeClr>
+            </a:gs>
+            <a:gs pos="50000">
+              <a:schemeClr val="phClr">
+                <a:lumMod val="105000"/>
+                <a:satMod val="103000"/>
+                <a:tint val="73000"/>
+              </a:schemeClr>
+            </a:gs>
+            <a:gs pos="100000">
+              <a:schemeClr val="phClr">
+                <a:lumMod val="105000"/>
+                <a:satMod val="109000"/>
+                <a:tint val="81000"/>
+              </a:schemeClr>
+            </a:gs>
+          </a:gsLst>
+          <a:lin ang="5400000" scaled="0"/>
+        </a:gradFill>
+        <a:gradFill rotWithShape="1">
+          <a:gsLst>
+            <a:gs pos="0">
+              <a:schemeClr val="phClr">
+                <a:satMod val="103000"/>
+                <a:lumMod val="102000"/>
+                <a:tint val="94000"/>
+              </a:schemeClr>
+            </a:gs>
+            <a:gs pos="50000">
+              <a:schemeClr val="phClr">
+                <a:satMod val="110000"/>
+                <a:lumMod val="100000"/>
+                <a:shade val="100000"/>
+              </a:schemeClr>
+            </a:gs>
+            <a:gs pos="100000">
+              <a:schemeClr val="phClr">
+                <a:lumMod val="99000"/>
+                <a:satMod val="120000"/>
+                <a:shade val="78000"/>
+              </a:schemeClr>
+            </a:gs>
+          </a:gsLst>
+          <a:lin ang="5400000" scaled="0"/>
+        </a:gradFill>
+      </a:fillStyleLst>
+      <a:lnStyleLst>
+        <a:ln w="6350" cap="flat" cmpd="sng" algn="ctr">
+          <a:solidFill>
+            <a:schemeClr val="phClr"/>
+          </a:solidFill>
+          <a:prstDash val="solid"/>
+          <a:miter lim="800000"/>
+        </a:ln>
+        <a:ln w="12700" cap="flat" cmpd="sng" algn="ctr">
+          <a:solidFill>
+            <a:schemeClr val="phClr"/>
+          </a:solidFill>
+          <a:prstDash val="solid"/>
+          <a:miter lim="800000"/>
+        </a:ln>
+        <a:ln w="19050" cap="flat" cmpd="sng" algn="ctr">
+          <a:solidFill>
+            <a:schemeClr val="phClr"/>
+          </a:solidFill>
+          <a:prstDash val="solid"/>
+          <a:miter lim="800000"/>
+        </a:ln>
+      </a:lnStyleLst>
+      <a:effectStyleLst>
+        <a:effectStyle>
+          <a:effectLst/>
+        </a:effectStyle>
+        <a:effectStyle>
+          <a:effectLst/>
+        </a:effectStyle>
+        <a:effectStyle>
+          <a:effectLst>
+            <a:outerShdw blurRad="57150" dist="19050" dir="5400000" algn="ctr" rotWithShape="0">
+              <a:srgbClr val="000000">
+                <a:alpha val="63000"/>
+              </a:srgbClr>
+            </a:outerShdw>
+          </a:effectLst>
+        </a:effectStyle>
+      </a:effectStyleLst>
+      <a:bgFillStyleLst>
+        <a:solidFill>
+          <a:schemeClr val="phClr"/>
+        </a:solidFill>
+        <a:solidFill>
+          <a:schemeClr val="phClr">
+            <a:tint val="95000"/>
+            <a:satMod val="170000"/>
+          </a:schemeClr>
+        </a:solidFill>
+        <a:gradFill rotWithShape="1">
+          <a:gsLst>
+            <a:gs pos="0">
+              <a:schemeClr val="phClr">
+                <a:tint val="93000"/>
+                <a:satMod val="150000"/>
+                <a:shade val="98000"/>
+                <a:lumMod val="102000"/>
+              </a:schemeClr>
+            </a:gs>
+            <a:gs pos="50000">
+              <a:schemeClr val="phClr">
+                <a:tint val="98000"/>
+                <a:satMod val="130000"/>
+                <a:shade val="90000"/>
+                <a:lumMod val="103000"/>
+              </a:schemeClr>
+            </a:gs>
+            <a:gs pos="100000">
+              <a:schemeClr val="phClr">
+                <a:shade val="63000"/>
+                <a:satMod val="120000"/>
+              </a:schemeClr>
+            </a:gs>
+          </a:gsLst>
+          <a:lin ang="5400000" scaled="0"/>
+        </a:gradFill>
+      </a:bgFillStyleLst>
+    </a:fmtScheme>
+  </a:themeElements>
+  <a:objectDefaults/>
+  <a:extraClrSchemeLst/>
+  <a:extLst>
+    <a:ext uri="{05A4C25C-085E-4340-85A3-A5531E510DB2}">
+      <thm15:themeFamily xmlns:thm15="http://schemas.microsoft.com/office/thememl/2012/main" name="Office Theme" id="{62F939B6-93AF-4DB8-9C6B-D6C7DFDC589F}" vid="{4A3C46E8-61CC-4603-A589-7422A47A8E4A}"/>
+    </a:ext>
+  </a:extLst>
+</a:theme>
 </file>
--- a/figures/final-figs/imgs/figure-4-5-sig.pptx
+++ b/figures/final-figs/imgs/figure-4-5-sig.pptx
@@ -5,12 +5,11 @@
     <p:sldMasterId id="2147483648" r:id="rId1"/>
   </p:sldMasterIdLst>
   <p:notesMasterIdLst>
-    <p:notesMasterId r:id="rId5"/>
+    <p:notesMasterId r:id="rId4"/>
   </p:notesMasterIdLst>
   <p:sldIdLst>
-    <p:sldId id="256" r:id="rId2"/>
-    <p:sldId id="257" r:id="rId3"/>
-    <p:sldId id="258" r:id="rId4"/>
+    <p:sldId id="257" r:id="rId2"/>
+    <p:sldId id="258" r:id="rId3"/>
   </p:sldIdLst>
   <p:sldSz cx="12192000" cy="6858000"/>
   <p:notesSz cx="6858000" cy="9144000"/>
@@ -199,7 +198,7 @@
           <a:p>
             <a:fld id="{A83E7FE3-8D53-5C4E-9A72-20D48A3A966A}" type="datetimeFigureOut">
               <a:rPr lang="en-US" smtClean="0"/>
-              <a:t>5/31/23</a:t>
+              <a:t>6/2/23</a:t>
             </a:fld>
             <a:endParaRPr lang="en-US"/>
           </a:p>
@@ -531,7 +530,7 @@
           <a:p>
             <a:fld id="{6BCD6B44-DF7F-8C43-B041-37588107E056}" type="slidenum">
               <a:rPr lang="en-US" smtClean="0"/>
-              <a:t>3</a:t>
+              <a:t>2</a:t>
             </a:fld>
             <a:endParaRPr lang="en-US"/>
           </a:p>
@@ -697,7 +696,7 @@
           <a:p>
             <a:fld id="{C063858B-4D56-E248-A865-DFFFFD3D1908}" type="datetimeFigureOut">
               <a:rPr lang="en-US" smtClean="0"/>
-              <a:t>5/31/23</a:t>
+              <a:t>6/2/23</a:t>
             </a:fld>
             <a:endParaRPr lang="en-US"/>
           </a:p>
@@ -895,7 +894,7 @@
           <a:p>
             <a:fld id="{C063858B-4D56-E248-A865-DFFFFD3D1908}" type="datetimeFigureOut">
               <a:rPr lang="en-US" smtClean="0"/>
-              <a:t>5/31/23</a:t>
+              <a:t>6/2/23</a:t>
             </a:fld>
             <a:endParaRPr lang="en-US"/>
           </a:p>
@@ -1103,7 +1102,7 @@
           <a:p>
             <a:fld id="{C063858B-4D56-E248-A865-DFFFFD3D1908}" type="datetimeFigureOut">
               <a:rPr lang="en-US" smtClean="0"/>
-              <a:t>5/31/23</a:t>
+              <a:t>6/2/23</a:t>
             </a:fld>
             <a:endParaRPr lang="en-US"/>
           </a:p>
@@ -1301,7 +1300,7 @@
           <a:p>
             <a:fld id="{C063858B-4D56-E248-A865-DFFFFD3D1908}" type="datetimeFigureOut">
               <a:rPr lang="en-US" smtClean="0"/>
-              <a:t>5/31/23</a:t>
+              <a:t>6/2/23</a:t>
             </a:fld>
             <a:endParaRPr lang="en-US"/>
           </a:p>
@@ -1576,7 +1575,7 @@
           <a:p>
             <a:fld id="{C063858B-4D56-E248-A865-DFFFFD3D1908}" type="datetimeFigureOut">
               <a:rPr lang="en-US" smtClean="0"/>
-              <a:t>5/31/23</a:t>
+              <a:t>6/2/23</a:t>
             </a:fld>
             <a:endParaRPr lang="en-US"/>
           </a:p>
@@ -1841,7 +1840,7 @@
           <a:p>
             <a:fld id="{C063858B-4D56-E248-A865-DFFFFD3D1908}" type="datetimeFigureOut">
               <a:rPr lang="en-US" smtClean="0"/>
-              <a:t>5/31/23</a:t>
+              <a:t>6/2/23</a:t>
             </a:fld>
             <a:endParaRPr lang="en-US"/>
           </a:p>
@@ -2253,7 +2252,7 @@
           <a:p>
             <a:fld id="{C063858B-4D56-E248-A865-DFFFFD3D1908}" type="datetimeFigureOut">
               <a:rPr lang="en-US" smtClean="0"/>
-              <a:t>5/31/23</a:t>
+              <a:t>6/2/23</a:t>
             </a:fld>
             <a:endParaRPr lang="en-US"/>
           </a:p>
@@ -2394,7 +2393,7 @@
           <a:p>
             <a:fld id="{C063858B-4D56-E248-A865-DFFFFD3D1908}" type="datetimeFigureOut">
               <a:rPr lang="en-US" smtClean="0"/>
-              <a:t>5/31/23</a:t>
+              <a:t>6/2/23</a:t>
             </a:fld>
             <a:endParaRPr lang="en-US"/>
           </a:p>
@@ -2507,7 +2506,7 @@
           <a:p>
             <a:fld id="{C063858B-4D56-E248-A865-DFFFFD3D1908}" type="datetimeFigureOut">
               <a:rPr lang="en-US" smtClean="0"/>
-              <a:t>5/31/23</a:t>
+              <a:t>6/2/23</a:t>
             </a:fld>
             <a:endParaRPr lang="en-US"/>
           </a:p>
@@ -2818,7 +2817,7 @@
           <a:p>
             <a:fld id="{C063858B-4D56-E248-A865-DFFFFD3D1908}" type="datetimeFigureOut">
               <a:rPr lang="en-US" smtClean="0"/>
-              <a:t>5/31/23</a:t>
+              <a:t>6/2/23</a:t>
             </a:fld>
             <a:endParaRPr lang="en-US"/>
           </a:p>
@@ -3106,7 +3105,7 @@
           <a:p>
             <a:fld id="{C063858B-4D56-E248-A865-DFFFFD3D1908}" type="datetimeFigureOut">
               <a:rPr lang="en-US" smtClean="0"/>
-              <a:t>5/31/23</a:t>
+              <a:t>6/2/23</a:t>
             </a:fld>
             <a:endParaRPr lang="en-US"/>
           </a:p>
@@ -3347,7 +3346,7 @@
           <a:p>
             <a:fld id="{C063858B-4D56-E248-A865-DFFFFD3D1908}" type="datetimeFigureOut">
               <a:rPr lang="en-US" smtClean="0"/>
-              <a:t>5/31/23</a:t>
+              <a:t>6/2/23</a:t>
             </a:fld>
             <a:endParaRPr lang="en-US"/>
           </a:p>
@@ -3766,10 +3765,10 @@
       </p:grpSpPr>
       <p:grpSp>
         <p:nvGrpSpPr>
-          <p:cNvPr id="7" name="Group 6">
-            <a:extLst>
-              <a:ext uri="{FF2B5EF4-FFF2-40B4-BE49-F238E27FC236}">
-                <a16:creationId xmlns:a16="http://schemas.microsoft.com/office/drawing/2014/main" id="{66769CEB-0562-28B3-FB77-614AE83F4B59}"/>
+          <p:cNvPr id="9" name="Group 8">
+            <a:extLst>
+              <a:ext uri="{FF2B5EF4-FFF2-40B4-BE49-F238E27FC236}">
+                <a16:creationId xmlns:a16="http://schemas.microsoft.com/office/drawing/2014/main" id="{74D13029-20B7-A8A2-4706-DF5AE439C8FE}"/>
               </a:ext>
             </a:extLst>
           </p:cNvPr>
@@ -3778,18 +3777,18 @@
         </p:nvGrpSpPr>
         <p:grpSpPr>
           <a:xfrm>
-            <a:off x="1887682" y="0"/>
-            <a:ext cx="7772400" cy="6333066"/>
-            <a:chOff x="1887682" y="0"/>
-            <a:chExt cx="7772400" cy="6333066"/>
+            <a:off x="2083339" y="0"/>
+            <a:ext cx="8025319" cy="6858000"/>
+            <a:chOff x="2083339" y="0"/>
+            <a:chExt cx="8025319" cy="6858000"/>
           </a:xfrm>
         </p:grpSpPr>
         <p:pic>
           <p:nvPicPr>
-            <p:cNvPr id="3" name="Picture 2" descr="A picture containing text, diagram, plan, screenshot&#10;&#10;Description automatically generated">
+            <p:cNvPr id="5" name="Picture 4" descr="A picture containing text, diagram, line, parallel&#10;&#10;Description automatically generated">
               <a:extLst>
                 <a:ext uri="{FF2B5EF4-FFF2-40B4-BE49-F238E27FC236}">
-                  <a16:creationId xmlns:a16="http://schemas.microsoft.com/office/drawing/2014/main" id="{76519A97-B63F-24DD-392A-73CA809AC6F3}"/>
+                  <a16:creationId xmlns:a16="http://schemas.microsoft.com/office/drawing/2014/main" id="{784D90BC-6F84-F43B-3A8B-175C5382F829}"/>
                 </a:ext>
               </a:extLst>
             </p:cNvPr>
@@ -3806,1077 +3805,14 @@
           </p:blipFill>
           <p:spPr>
             <a:xfrm>
-              <a:off x="1887682" y="0"/>
-              <a:ext cx="7772400" cy="6333066"/>
+              <a:off x="2083339" y="0"/>
+              <a:ext cx="8025319" cy="6858000"/>
             </a:xfrm>
             <a:prstGeom prst="rect">
               <a:avLst/>
             </a:prstGeom>
           </p:spPr>
         </p:pic>
-        <p:grpSp>
-          <p:nvGrpSpPr>
-            <p:cNvPr id="14" name="Group 13">
-              <a:extLst>
-                <a:ext uri="{FF2B5EF4-FFF2-40B4-BE49-F238E27FC236}">
-                  <a16:creationId xmlns:a16="http://schemas.microsoft.com/office/drawing/2014/main" id="{41E8B579-6780-277E-89E0-4BAE70215AE1}"/>
-                </a:ext>
-              </a:extLst>
-            </p:cNvPr>
-            <p:cNvGrpSpPr/>
-            <p:nvPr/>
-          </p:nvGrpSpPr>
-          <p:grpSpPr>
-            <a:xfrm>
-              <a:off x="3099809" y="2714402"/>
-              <a:ext cx="585427" cy="461665"/>
-              <a:chOff x="2611090" y="551617"/>
-              <a:chExt cx="928687" cy="461665"/>
-            </a:xfrm>
-          </p:grpSpPr>
-          <p:cxnSp>
-            <p:nvCxnSpPr>
-              <p:cNvPr id="15" name="Straight Connector 14">
-                <a:extLst>
-                  <a:ext uri="{FF2B5EF4-FFF2-40B4-BE49-F238E27FC236}">
-                    <a16:creationId xmlns:a16="http://schemas.microsoft.com/office/drawing/2014/main" id="{8545D42A-E832-811A-9B92-0B9E57181075}"/>
-                  </a:ext>
-                </a:extLst>
-              </p:cNvPr>
-              <p:cNvCxnSpPr>
-                <a:cxnSpLocks/>
-              </p:cNvCxnSpPr>
-              <p:nvPr/>
-            </p:nvCxnSpPr>
-            <p:spPr>
-              <a:xfrm>
-                <a:off x="2611090" y="771525"/>
-                <a:ext cx="928687" cy="0"/>
-              </a:xfrm>
-              <a:prstGeom prst="line">
-                <a:avLst/>
-              </a:prstGeom>
-            </p:spPr>
-            <p:style>
-              <a:lnRef idx="1">
-                <a:schemeClr val="dk1"/>
-              </a:lnRef>
-              <a:fillRef idx="0">
-                <a:schemeClr val="dk1"/>
-              </a:fillRef>
-              <a:effectRef idx="0">
-                <a:schemeClr val="dk1"/>
-              </a:effectRef>
-              <a:fontRef idx="minor">
-                <a:schemeClr val="tx1"/>
-              </a:fontRef>
-            </p:style>
-          </p:cxnSp>
-          <p:sp>
-            <p:nvSpPr>
-              <p:cNvPr id="16" name="TextBox 15">
-                <a:extLst>
-                  <a:ext uri="{FF2B5EF4-FFF2-40B4-BE49-F238E27FC236}">
-                    <a16:creationId xmlns:a16="http://schemas.microsoft.com/office/drawing/2014/main" id="{C5D50196-F577-FFD2-6E52-E2E697165869}"/>
-                  </a:ext>
-                </a:extLst>
-              </p:cNvPr>
-              <p:cNvSpPr txBox="1"/>
-              <p:nvPr/>
-            </p:nvSpPr>
-            <p:spPr>
-              <a:xfrm>
-                <a:off x="2732174" y="551617"/>
-                <a:ext cx="686519" cy="461665"/>
-              </a:xfrm>
-              <a:prstGeom prst="rect">
-                <a:avLst/>
-              </a:prstGeom>
-              <a:noFill/>
-            </p:spPr>
-            <p:txBody>
-              <a:bodyPr wrap="square" rtlCol="0">
-                <a:spAutoFit/>
-              </a:bodyPr>
-              <a:lstStyle/>
-              <a:p>
-                <a:pPr algn="ctr"/>
-                <a:r>
-                  <a:rPr lang="en-US" sz="1200" dirty="0"/>
-                  <a:t>***</a:t>
-                </a:r>
-              </a:p>
-            </p:txBody>
-          </p:sp>
-        </p:grpSp>
-        <p:grpSp>
-          <p:nvGrpSpPr>
-            <p:cNvPr id="21" name="Group 20">
-              <a:extLst>
-                <a:ext uri="{FF2B5EF4-FFF2-40B4-BE49-F238E27FC236}">
-                  <a16:creationId xmlns:a16="http://schemas.microsoft.com/office/drawing/2014/main" id="{9DA9A069-EC48-A03C-A885-12C3DCA02955}"/>
-                </a:ext>
-              </a:extLst>
-            </p:cNvPr>
-            <p:cNvGrpSpPr/>
-            <p:nvPr/>
-          </p:nvGrpSpPr>
-          <p:grpSpPr>
-            <a:xfrm>
-              <a:off x="4393309" y="391723"/>
-              <a:ext cx="928687" cy="261610"/>
-              <a:chOff x="2611090" y="551617"/>
-              <a:chExt cx="928687" cy="261610"/>
-            </a:xfrm>
-          </p:grpSpPr>
-          <p:cxnSp>
-            <p:nvCxnSpPr>
-              <p:cNvPr id="22" name="Straight Connector 21">
-                <a:extLst>
-                  <a:ext uri="{FF2B5EF4-FFF2-40B4-BE49-F238E27FC236}">
-                    <a16:creationId xmlns:a16="http://schemas.microsoft.com/office/drawing/2014/main" id="{CCF772C6-48A7-174B-E86B-B25E4090F12D}"/>
-                  </a:ext>
-                </a:extLst>
-              </p:cNvPr>
-              <p:cNvCxnSpPr>
-                <a:cxnSpLocks/>
-              </p:cNvCxnSpPr>
-              <p:nvPr/>
-            </p:nvCxnSpPr>
-            <p:spPr>
-              <a:xfrm>
-                <a:off x="2611090" y="771525"/>
-                <a:ext cx="928687" cy="0"/>
-              </a:xfrm>
-              <a:prstGeom prst="line">
-                <a:avLst/>
-              </a:prstGeom>
-            </p:spPr>
-            <p:style>
-              <a:lnRef idx="1">
-                <a:schemeClr val="dk1"/>
-              </a:lnRef>
-              <a:fillRef idx="0">
-                <a:schemeClr val="dk1"/>
-              </a:fillRef>
-              <a:effectRef idx="0">
-                <a:schemeClr val="dk1"/>
-              </a:effectRef>
-              <a:fontRef idx="minor">
-                <a:schemeClr val="tx1"/>
-              </a:fontRef>
-            </p:style>
-          </p:cxnSp>
-          <p:sp>
-            <p:nvSpPr>
-              <p:cNvPr id="23" name="TextBox 22">
-                <a:extLst>
-                  <a:ext uri="{FF2B5EF4-FFF2-40B4-BE49-F238E27FC236}">
-                    <a16:creationId xmlns:a16="http://schemas.microsoft.com/office/drawing/2014/main" id="{BC57A7D8-2EAF-182A-340B-956CC2FA0D10}"/>
-                  </a:ext>
-                </a:extLst>
-              </p:cNvPr>
-              <p:cNvSpPr txBox="1"/>
-              <p:nvPr/>
-            </p:nvSpPr>
-            <p:spPr>
-              <a:xfrm>
-                <a:off x="2732174" y="551617"/>
-                <a:ext cx="686519" cy="261610"/>
-              </a:xfrm>
-              <a:prstGeom prst="rect">
-                <a:avLst/>
-              </a:prstGeom>
-              <a:noFill/>
-            </p:spPr>
-            <p:txBody>
-              <a:bodyPr wrap="square" rtlCol="0">
-                <a:spAutoFit/>
-              </a:bodyPr>
-              <a:lstStyle/>
-              <a:p>
-                <a:pPr algn="ctr"/>
-                <a:r>
-                  <a:rPr lang="en-US" sz="1100" dirty="0">
-                    <a:latin typeface="Arial" panose="020B0604020202020204" pitchFamily="34" charset="0"/>
-                    <a:cs typeface="Arial" panose="020B0604020202020204" pitchFamily="34" charset="0"/>
-                  </a:rPr>
-                  <a:t>ns</a:t>
-                </a:r>
-              </a:p>
-            </p:txBody>
-          </p:sp>
-        </p:grpSp>
-        <p:grpSp>
-          <p:nvGrpSpPr>
-            <p:cNvPr id="24" name="Group 23">
-              <a:extLst>
-                <a:ext uri="{FF2B5EF4-FFF2-40B4-BE49-F238E27FC236}">
-                  <a16:creationId xmlns:a16="http://schemas.microsoft.com/office/drawing/2014/main" id="{5FCED668-FADA-6C6A-0A99-E56C0AC04599}"/>
-                </a:ext>
-              </a:extLst>
-            </p:cNvPr>
-            <p:cNvGrpSpPr/>
-            <p:nvPr/>
-          </p:nvGrpSpPr>
-          <p:grpSpPr>
-            <a:xfrm>
-              <a:off x="2603125" y="3284164"/>
-              <a:ext cx="1207271" cy="261610"/>
-              <a:chOff x="2611090" y="551617"/>
-              <a:chExt cx="928687" cy="261610"/>
-            </a:xfrm>
-          </p:grpSpPr>
-          <p:cxnSp>
-            <p:nvCxnSpPr>
-              <p:cNvPr id="25" name="Straight Connector 24">
-                <a:extLst>
-                  <a:ext uri="{FF2B5EF4-FFF2-40B4-BE49-F238E27FC236}">
-                    <a16:creationId xmlns:a16="http://schemas.microsoft.com/office/drawing/2014/main" id="{F9EFD689-859D-D07C-5DD0-F8333FB92EC8}"/>
-                  </a:ext>
-                </a:extLst>
-              </p:cNvPr>
-              <p:cNvCxnSpPr>
-                <a:cxnSpLocks/>
-              </p:cNvCxnSpPr>
-              <p:nvPr/>
-            </p:nvCxnSpPr>
-            <p:spPr>
-              <a:xfrm>
-                <a:off x="2611090" y="771525"/>
-                <a:ext cx="928687" cy="0"/>
-              </a:xfrm>
-              <a:prstGeom prst="line">
-                <a:avLst/>
-              </a:prstGeom>
-            </p:spPr>
-            <p:style>
-              <a:lnRef idx="1">
-                <a:schemeClr val="dk1"/>
-              </a:lnRef>
-              <a:fillRef idx="0">
-                <a:schemeClr val="dk1"/>
-              </a:fillRef>
-              <a:effectRef idx="0">
-                <a:schemeClr val="dk1"/>
-              </a:effectRef>
-              <a:fontRef idx="minor">
-                <a:schemeClr val="tx1"/>
-              </a:fontRef>
-            </p:style>
-          </p:cxnSp>
-          <p:sp>
-            <p:nvSpPr>
-              <p:cNvPr id="26" name="TextBox 25">
-                <a:extLst>
-                  <a:ext uri="{FF2B5EF4-FFF2-40B4-BE49-F238E27FC236}">
-                    <a16:creationId xmlns:a16="http://schemas.microsoft.com/office/drawing/2014/main" id="{29D6385D-507D-62A9-4F57-29B25D320638}"/>
-                  </a:ext>
-                </a:extLst>
-              </p:cNvPr>
-              <p:cNvSpPr txBox="1"/>
-              <p:nvPr/>
-            </p:nvSpPr>
-            <p:spPr>
-              <a:xfrm>
-                <a:off x="2732174" y="551617"/>
-                <a:ext cx="686519" cy="261610"/>
-              </a:xfrm>
-              <a:prstGeom prst="rect">
-                <a:avLst/>
-              </a:prstGeom>
-              <a:noFill/>
-            </p:spPr>
-            <p:txBody>
-              <a:bodyPr wrap="square" rtlCol="0">
-                <a:spAutoFit/>
-              </a:bodyPr>
-              <a:lstStyle/>
-              <a:p>
-                <a:pPr algn="ctr"/>
-                <a:r>
-                  <a:rPr lang="en-US" sz="1100" dirty="0">
-                    <a:latin typeface="Arial" panose="020B0604020202020204" pitchFamily="34" charset="0"/>
-                    <a:cs typeface="Arial" panose="020B0604020202020204" pitchFamily="34" charset="0"/>
-                  </a:rPr>
-                  <a:t>ns</a:t>
-                </a:r>
-              </a:p>
-            </p:txBody>
-          </p:sp>
-        </p:grpSp>
-        <p:grpSp>
-          <p:nvGrpSpPr>
-            <p:cNvPr id="27" name="Group 26">
-              <a:extLst>
-                <a:ext uri="{FF2B5EF4-FFF2-40B4-BE49-F238E27FC236}">
-                  <a16:creationId xmlns:a16="http://schemas.microsoft.com/office/drawing/2014/main" id="{D044B51C-F54C-9C05-EA35-56BF02F4CE34}"/>
-                </a:ext>
-              </a:extLst>
-            </p:cNvPr>
-            <p:cNvGrpSpPr/>
-            <p:nvPr/>
-          </p:nvGrpSpPr>
-          <p:grpSpPr>
-            <a:xfrm>
-              <a:off x="6457653" y="1731497"/>
-              <a:ext cx="552261" cy="261610"/>
-              <a:chOff x="2611090" y="551617"/>
-              <a:chExt cx="928687" cy="261610"/>
-            </a:xfrm>
-          </p:grpSpPr>
-          <p:cxnSp>
-            <p:nvCxnSpPr>
-              <p:cNvPr id="28" name="Straight Connector 27">
-                <a:extLst>
-                  <a:ext uri="{FF2B5EF4-FFF2-40B4-BE49-F238E27FC236}">
-                    <a16:creationId xmlns:a16="http://schemas.microsoft.com/office/drawing/2014/main" id="{198972DC-115A-3D48-1CFD-A0EE8C5C51A6}"/>
-                  </a:ext>
-                </a:extLst>
-              </p:cNvPr>
-              <p:cNvCxnSpPr>
-                <a:cxnSpLocks/>
-              </p:cNvCxnSpPr>
-              <p:nvPr/>
-            </p:nvCxnSpPr>
-            <p:spPr>
-              <a:xfrm>
-                <a:off x="2611090" y="771525"/>
-                <a:ext cx="928687" cy="0"/>
-              </a:xfrm>
-              <a:prstGeom prst="line">
-                <a:avLst/>
-              </a:prstGeom>
-            </p:spPr>
-            <p:style>
-              <a:lnRef idx="1">
-                <a:schemeClr val="dk1"/>
-              </a:lnRef>
-              <a:fillRef idx="0">
-                <a:schemeClr val="dk1"/>
-              </a:fillRef>
-              <a:effectRef idx="0">
-                <a:schemeClr val="dk1"/>
-              </a:effectRef>
-              <a:fontRef idx="minor">
-                <a:schemeClr val="tx1"/>
-              </a:fontRef>
-            </p:style>
-          </p:cxnSp>
-          <p:sp>
-            <p:nvSpPr>
-              <p:cNvPr id="29" name="TextBox 28">
-                <a:extLst>
-                  <a:ext uri="{FF2B5EF4-FFF2-40B4-BE49-F238E27FC236}">
-                    <a16:creationId xmlns:a16="http://schemas.microsoft.com/office/drawing/2014/main" id="{6D5DCA7E-CB1C-F6FD-EE60-AC1EA0B007EC}"/>
-                  </a:ext>
-                </a:extLst>
-              </p:cNvPr>
-              <p:cNvSpPr txBox="1"/>
-              <p:nvPr/>
-            </p:nvSpPr>
-            <p:spPr>
-              <a:xfrm>
-                <a:off x="2732174" y="551617"/>
-                <a:ext cx="807603" cy="261610"/>
-              </a:xfrm>
-              <a:prstGeom prst="rect">
-                <a:avLst/>
-              </a:prstGeom>
-              <a:noFill/>
-            </p:spPr>
-            <p:txBody>
-              <a:bodyPr wrap="square" rtlCol="0">
-                <a:spAutoFit/>
-              </a:bodyPr>
-              <a:lstStyle/>
-              <a:p>
-                <a:pPr algn="ctr"/>
-                <a:r>
-                  <a:rPr lang="en-US" sz="1100" dirty="0">
-                    <a:latin typeface="Arial" panose="020B0604020202020204" pitchFamily="34" charset="0"/>
-                    <a:cs typeface="Arial" panose="020B0604020202020204" pitchFamily="34" charset="0"/>
-                  </a:rPr>
-                  <a:t>ns</a:t>
-                </a:r>
-              </a:p>
-            </p:txBody>
-          </p:sp>
-        </p:grpSp>
-        <p:grpSp>
-          <p:nvGrpSpPr>
-            <p:cNvPr id="32" name="Group 31">
-              <a:extLst>
-                <a:ext uri="{FF2B5EF4-FFF2-40B4-BE49-F238E27FC236}">
-                  <a16:creationId xmlns:a16="http://schemas.microsoft.com/office/drawing/2014/main" id="{D54EA0C9-05E8-B113-FDB9-DF19B30B181A}"/>
-                </a:ext>
-              </a:extLst>
-            </p:cNvPr>
-            <p:cNvGrpSpPr/>
-            <p:nvPr/>
-          </p:nvGrpSpPr>
-          <p:grpSpPr>
-            <a:xfrm>
-              <a:off x="4251385" y="2889534"/>
-              <a:ext cx="686519" cy="276999"/>
-              <a:chOff x="2611090" y="551617"/>
-              <a:chExt cx="928687" cy="276999"/>
-            </a:xfrm>
-          </p:grpSpPr>
-          <p:cxnSp>
-            <p:nvCxnSpPr>
-              <p:cNvPr id="33" name="Straight Connector 32">
-                <a:extLst>
-                  <a:ext uri="{FF2B5EF4-FFF2-40B4-BE49-F238E27FC236}">
-                    <a16:creationId xmlns:a16="http://schemas.microsoft.com/office/drawing/2014/main" id="{896CA7C9-0CE2-62C6-70B5-9A168EC92564}"/>
-                  </a:ext>
-                </a:extLst>
-              </p:cNvPr>
-              <p:cNvCxnSpPr>
-                <a:cxnSpLocks/>
-              </p:cNvCxnSpPr>
-              <p:nvPr/>
-            </p:nvCxnSpPr>
-            <p:spPr>
-              <a:xfrm>
-                <a:off x="2611090" y="771525"/>
-                <a:ext cx="928687" cy="0"/>
-              </a:xfrm>
-              <a:prstGeom prst="line">
-                <a:avLst/>
-              </a:prstGeom>
-            </p:spPr>
-            <p:style>
-              <a:lnRef idx="1">
-                <a:schemeClr val="dk1"/>
-              </a:lnRef>
-              <a:fillRef idx="0">
-                <a:schemeClr val="dk1"/>
-              </a:fillRef>
-              <a:effectRef idx="0">
-                <a:schemeClr val="dk1"/>
-              </a:effectRef>
-              <a:fontRef idx="minor">
-                <a:schemeClr val="tx1"/>
-              </a:fontRef>
-            </p:style>
-          </p:cxnSp>
-          <p:sp>
-            <p:nvSpPr>
-              <p:cNvPr id="34" name="TextBox 33">
-                <a:extLst>
-                  <a:ext uri="{FF2B5EF4-FFF2-40B4-BE49-F238E27FC236}">
-                    <a16:creationId xmlns:a16="http://schemas.microsoft.com/office/drawing/2014/main" id="{139402B8-B4DB-DE2C-6537-9735970A033A}"/>
-                  </a:ext>
-                </a:extLst>
-              </p:cNvPr>
-              <p:cNvSpPr txBox="1"/>
-              <p:nvPr/>
-            </p:nvSpPr>
-            <p:spPr>
-              <a:xfrm>
-                <a:off x="2732174" y="551617"/>
-                <a:ext cx="686519" cy="276999"/>
-              </a:xfrm>
-              <a:prstGeom prst="rect">
-                <a:avLst/>
-              </a:prstGeom>
-              <a:noFill/>
-            </p:spPr>
-            <p:txBody>
-              <a:bodyPr wrap="square" rtlCol="0">
-                <a:spAutoFit/>
-              </a:bodyPr>
-              <a:lstStyle/>
-              <a:p>
-                <a:pPr algn="ctr"/>
-                <a:r>
-                  <a:rPr lang="en-US" sz="1200" dirty="0"/>
-                  <a:t>***</a:t>
-                </a:r>
-              </a:p>
-            </p:txBody>
-          </p:sp>
-        </p:grpSp>
-        <p:grpSp>
-          <p:nvGrpSpPr>
-            <p:cNvPr id="41" name="Group 40">
-              <a:extLst>
-                <a:ext uri="{FF2B5EF4-FFF2-40B4-BE49-F238E27FC236}">
-                  <a16:creationId xmlns:a16="http://schemas.microsoft.com/office/drawing/2014/main" id="{C2EAC0DA-02E4-44B5-C5F8-A78488C08591}"/>
-                </a:ext>
-              </a:extLst>
-            </p:cNvPr>
-            <p:cNvGrpSpPr/>
-            <p:nvPr/>
-          </p:nvGrpSpPr>
-          <p:grpSpPr>
-            <a:xfrm>
-              <a:off x="4348718" y="3353737"/>
-              <a:ext cx="1143656" cy="261610"/>
-              <a:chOff x="2611090" y="551617"/>
-              <a:chExt cx="928687" cy="261610"/>
-            </a:xfrm>
-          </p:grpSpPr>
-          <p:cxnSp>
-            <p:nvCxnSpPr>
-              <p:cNvPr id="42" name="Straight Connector 41">
-                <a:extLst>
-                  <a:ext uri="{FF2B5EF4-FFF2-40B4-BE49-F238E27FC236}">
-                    <a16:creationId xmlns:a16="http://schemas.microsoft.com/office/drawing/2014/main" id="{7CAC5634-F3B6-08DE-7844-2C98A1C0DCA7}"/>
-                  </a:ext>
-                </a:extLst>
-              </p:cNvPr>
-              <p:cNvCxnSpPr>
-                <a:cxnSpLocks/>
-              </p:cNvCxnSpPr>
-              <p:nvPr/>
-            </p:nvCxnSpPr>
-            <p:spPr>
-              <a:xfrm>
-                <a:off x="2611090" y="771525"/>
-                <a:ext cx="928687" cy="0"/>
-              </a:xfrm>
-              <a:prstGeom prst="line">
-                <a:avLst/>
-              </a:prstGeom>
-            </p:spPr>
-            <p:style>
-              <a:lnRef idx="1">
-                <a:schemeClr val="dk1"/>
-              </a:lnRef>
-              <a:fillRef idx="0">
-                <a:schemeClr val="dk1"/>
-              </a:fillRef>
-              <a:effectRef idx="0">
-                <a:schemeClr val="dk1"/>
-              </a:effectRef>
-              <a:fontRef idx="minor">
-                <a:schemeClr val="tx1"/>
-              </a:fontRef>
-            </p:style>
-          </p:cxnSp>
-          <p:sp>
-            <p:nvSpPr>
-              <p:cNvPr id="43" name="TextBox 42">
-                <a:extLst>
-                  <a:ext uri="{FF2B5EF4-FFF2-40B4-BE49-F238E27FC236}">
-                    <a16:creationId xmlns:a16="http://schemas.microsoft.com/office/drawing/2014/main" id="{0BF0A6CC-6D11-356B-9DC4-FA393D0EAB14}"/>
-                  </a:ext>
-                </a:extLst>
-              </p:cNvPr>
-              <p:cNvSpPr txBox="1"/>
-              <p:nvPr/>
-            </p:nvSpPr>
-            <p:spPr>
-              <a:xfrm>
-                <a:off x="2732174" y="551617"/>
-                <a:ext cx="686519" cy="261610"/>
-              </a:xfrm>
-              <a:prstGeom prst="rect">
-                <a:avLst/>
-              </a:prstGeom>
-              <a:noFill/>
-            </p:spPr>
-            <p:txBody>
-              <a:bodyPr wrap="square" rtlCol="0">
-                <a:spAutoFit/>
-              </a:bodyPr>
-              <a:lstStyle/>
-              <a:p>
-                <a:pPr algn="ctr"/>
-                <a:r>
-                  <a:rPr lang="en-US" sz="1100" dirty="0">
-                    <a:latin typeface="Arial" panose="020B0604020202020204" pitchFamily="34" charset="0"/>
-                    <a:cs typeface="Arial" panose="020B0604020202020204" pitchFamily="34" charset="0"/>
-                  </a:rPr>
-                  <a:t>ns</a:t>
-                </a:r>
-              </a:p>
-            </p:txBody>
-          </p:sp>
-        </p:grpSp>
-        <p:grpSp>
-          <p:nvGrpSpPr>
-            <p:cNvPr id="44" name="Group 43">
-              <a:extLst>
-                <a:ext uri="{FF2B5EF4-FFF2-40B4-BE49-F238E27FC236}">
-                  <a16:creationId xmlns:a16="http://schemas.microsoft.com/office/drawing/2014/main" id="{8736B105-6F0C-5D1F-2DA6-A288B03B2B39}"/>
-                </a:ext>
-              </a:extLst>
-            </p:cNvPr>
-            <p:cNvGrpSpPr/>
-            <p:nvPr/>
-          </p:nvGrpSpPr>
-          <p:grpSpPr>
-            <a:xfrm>
-              <a:off x="2531918" y="2926018"/>
-              <a:ext cx="686519" cy="276999"/>
-              <a:chOff x="2611090" y="551617"/>
-              <a:chExt cx="928687" cy="276999"/>
-            </a:xfrm>
-          </p:grpSpPr>
-          <p:cxnSp>
-            <p:nvCxnSpPr>
-              <p:cNvPr id="45" name="Straight Connector 44">
-                <a:extLst>
-                  <a:ext uri="{FF2B5EF4-FFF2-40B4-BE49-F238E27FC236}">
-                    <a16:creationId xmlns:a16="http://schemas.microsoft.com/office/drawing/2014/main" id="{01823CA2-48C4-57CE-7272-2B30EEF0D14B}"/>
-                  </a:ext>
-                </a:extLst>
-              </p:cNvPr>
-              <p:cNvCxnSpPr>
-                <a:cxnSpLocks/>
-              </p:cNvCxnSpPr>
-              <p:nvPr/>
-            </p:nvCxnSpPr>
-            <p:spPr>
-              <a:xfrm>
-                <a:off x="2611090" y="771525"/>
-                <a:ext cx="928687" cy="0"/>
-              </a:xfrm>
-              <a:prstGeom prst="line">
-                <a:avLst/>
-              </a:prstGeom>
-            </p:spPr>
-            <p:style>
-              <a:lnRef idx="1">
-                <a:schemeClr val="dk1"/>
-              </a:lnRef>
-              <a:fillRef idx="0">
-                <a:schemeClr val="dk1"/>
-              </a:fillRef>
-              <a:effectRef idx="0">
-                <a:schemeClr val="dk1"/>
-              </a:effectRef>
-              <a:fontRef idx="minor">
-                <a:schemeClr val="tx1"/>
-              </a:fontRef>
-            </p:style>
-          </p:cxnSp>
-          <p:sp>
-            <p:nvSpPr>
-              <p:cNvPr id="46" name="TextBox 45">
-                <a:extLst>
-                  <a:ext uri="{FF2B5EF4-FFF2-40B4-BE49-F238E27FC236}">
-                    <a16:creationId xmlns:a16="http://schemas.microsoft.com/office/drawing/2014/main" id="{610DF5E4-03A1-028C-E59E-9B16277FD42C}"/>
-                  </a:ext>
-                </a:extLst>
-              </p:cNvPr>
-              <p:cNvSpPr txBox="1"/>
-              <p:nvPr/>
-            </p:nvSpPr>
-            <p:spPr>
-              <a:xfrm>
-                <a:off x="2732174" y="551617"/>
-                <a:ext cx="686519" cy="276999"/>
-              </a:xfrm>
-              <a:prstGeom prst="rect">
-                <a:avLst/>
-              </a:prstGeom>
-              <a:noFill/>
-            </p:spPr>
-            <p:txBody>
-              <a:bodyPr wrap="square" rtlCol="0">
-                <a:spAutoFit/>
-              </a:bodyPr>
-              <a:lstStyle/>
-              <a:p>
-                <a:pPr algn="ctr"/>
-                <a:r>
-                  <a:rPr lang="en-US" sz="1200" dirty="0"/>
-                  <a:t>***</a:t>
-                </a:r>
-              </a:p>
-            </p:txBody>
-          </p:sp>
-        </p:grpSp>
-        <p:grpSp>
-          <p:nvGrpSpPr>
-            <p:cNvPr id="47" name="Group 46">
-              <a:extLst>
-                <a:ext uri="{FF2B5EF4-FFF2-40B4-BE49-F238E27FC236}">
-                  <a16:creationId xmlns:a16="http://schemas.microsoft.com/office/drawing/2014/main" id="{28AA9F3F-2A7E-0EB0-19AC-29019A6C4961}"/>
-                </a:ext>
-              </a:extLst>
-            </p:cNvPr>
-            <p:cNvGrpSpPr/>
-            <p:nvPr/>
-          </p:nvGrpSpPr>
-          <p:grpSpPr>
-            <a:xfrm>
-              <a:off x="2621428" y="525409"/>
-              <a:ext cx="1041500" cy="276999"/>
-              <a:chOff x="2611090" y="551617"/>
-              <a:chExt cx="928687" cy="276999"/>
-            </a:xfrm>
-          </p:grpSpPr>
-          <p:cxnSp>
-            <p:nvCxnSpPr>
-              <p:cNvPr id="48" name="Straight Connector 47">
-                <a:extLst>
-                  <a:ext uri="{FF2B5EF4-FFF2-40B4-BE49-F238E27FC236}">
-                    <a16:creationId xmlns:a16="http://schemas.microsoft.com/office/drawing/2014/main" id="{8137649D-9D2C-35F7-790F-316B53DB2BEF}"/>
-                  </a:ext>
-                </a:extLst>
-              </p:cNvPr>
-              <p:cNvCxnSpPr>
-                <a:cxnSpLocks/>
-              </p:cNvCxnSpPr>
-              <p:nvPr/>
-            </p:nvCxnSpPr>
-            <p:spPr>
-              <a:xfrm>
-                <a:off x="2611090" y="771525"/>
-                <a:ext cx="928687" cy="0"/>
-              </a:xfrm>
-              <a:prstGeom prst="line">
-                <a:avLst/>
-              </a:prstGeom>
-            </p:spPr>
-            <p:style>
-              <a:lnRef idx="1">
-                <a:schemeClr val="dk1"/>
-              </a:lnRef>
-              <a:fillRef idx="0">
-                <a:schemeClr val="dk1"/>
-              </a:fillRef>
-              <a:effectRef idx="0">
-                <a:schemeClr val="dk1"/>
-              </a:effectRef>
-              <a:fontRef idx="minor">
-                <a:schemeClr val="tx1"/>
-              </a:fontRef>
-            </p:style>
-          </p:cxnSp>
-          <p:sp>
-            <p:nvSpPr>
-              <p:cNvPr id="49" name="TextBox 48">
-                <a:extLst>
-                  <a:ext uri="{FF2B5EF4-FFF2-40B4-BE49-F238E27FC236}">
-                    <a16:creationId xmlns:a16="http://schemas.microsoft.com/office/drawing/2014/main" id="{BC085433-2827-C48D-822C-2C4160093D7C}"/>
-                  </a:ext>
-                </a:extLst>
-              </p:cNvPr>
-              <p:cNvSpPr txBox="1"/>
-              <p:nvPr/>
-            </p:nvSpPr>
-            <p:spPr>
-              <a:xfrm>
-                <a:off x="2732174" y="551617"/>
-                <a:ext cx="686519" cy="276999"/>
-              </a:xfrm>
-              <a:prstGeom prst="rect">
-                <a:avLst/>
-              </a:prstGeom>
-              <a:noFill/>
-            </p:spPr>
-            <p:txBody>
-              <a:bodyPr wrap="square" rtlCol="0">
-                <a:spAutoFit/>
-              </a:bodyPr>
-              <a:lstStyle/>
-              <a:p>
-                <a:pPr algn="ctr"/>
-                <a:r>
-                  <a:rPr lang="en-US" sz="1200" dirty="0"/>
-                  <a:t>***</a:t>
-                </a:r>
-              </a:p>
-            </p:txBody>
-          </p:sp>
-        </p:grpSp>
-        <p:pic>
-          <p:nvPicPr>
-            <p:cNvPr id="8" name="Graphic 7" descr="Close with solid fill">
-              <a:extLst>
-                <a:ext uri="{FF2B5EF4-FFF2-40B4-BE49-F238E27FC236}">
-                  <a16:creationId xmlns:a16="http://schemas.microsoft.com/office/drawing/2014/main" id="{B9DDC3B9-4702-E523-4F4A-AA782362F379}"/>
-                </a:ext>
-              </a:extLst>
-            </p:cNvPr>
-            <p:cNvPicPr>
-              <a:picLocks noChangeAspect="1"/>
-            </p:cNvPicPr>
-            <p:nvPr/>
-          </p:nvPicPr>
-          <p:blipFill>
-            <a:blip r:embed="rId3">
-              <a:extLst>
-                <a:ext uri="{96DAC541-7B7A-43D3-8B79-37D633B846F1}">
-                  <asvg:svgBlip xmlns:asvg="http://schemas.microsoft.com/office/drawing/2016/SVG/main" r:embed="rId4"/>
-                </a:ext>
-              </a:extLst>
-            </a:blip>
-            <a:stretch>
-              <a:fillRect/>
-            </a:stretch>
-          </p:blipFill>
-          <p:spPr>
-            <a:xfrm>
-              <a:off x="5189534" y="4164388"/>
-              <a:ext cx="228992" cy="228992"/>
-            </a:xfrm>
-            <a:prstGeom prst="rect">
-              <a:avLst/>
-            </a:prstGeom>
-          </p:spPr>
-        </p:pic>
-        <p:pic>
-          <p:nvPicPr>
-            <p:cNvPr id="5" name="Picture 4" descr="A picture containing text, diagram, plan, screenshot&#10;&#10;Description automatically generated">
-              <a:extLst>
-                <a:ext uri="{FF2B5EF4-FFF2-40B4-BE49-F238E27FC236}">
-                  <a16:creationId xmlns:a16="http://schemas.microsoft.com/office/drawing/2014/main" id="{99CF2A43-5355-A844-94DF-C36C0F4209EA}"/>
-                </a:ext>
-              </a:extLst>
-            </p:cNvPr>
-            <p:cNvPicPr>
-              <a:picLocks noChangeAspect="1"/>
-            </p:cNvPicPr>
-            <p:nvPr/>
-          </p:nvPicPr>
-          <p:blipFill rotWithShape="1">
-            <a:blip r:embed="rId2"/>
-            <a:srcRect t="84835" r="55583" b="8532"/>
-            <a:stretch/>
-          </p:blipFill>
-          <p:spPr>
-            <a:xfrm>
-              <a:off x="2040082" y="4906567"/>
-              <a:ext cx="3452292" cy="420060"/>
-            </a:xfrm>
-            <a:prstGeom prst="rect">
-              <a:avLst/>
-            </a:prstGeom>
-          </p:spPr>
-        </p:pic>
-        <p:sp>
-          <p:nvSpPr>
-            <p:cNvPr id="6" name="Rectangle 5">
-              <a:extLst>
-                <a:ext uri="{FF2B5EF4-FFF2-40B4-BE49-F238E27FC236}">
-                  <a16:creationId xmlns:a16="http://schemas.microsoft.com/office/drawing/2014/main" id="{AA8324DF-4DC3-D6A6-5599-AE1F10B841E6}"/>
-                </a:ext>
-              </a:extLst>
-            </p:cNvPr>
-            <p:cNvSpPr/>
-            <p:nvPr/>
-          </p:nvSpPr>
-          <p:spPr>
-            <a:xfrm>
-              <a:off x="2392326" y="5433237"/>
-              <a:ext cx="3100048" cy="435935"/>
-            </a:xfrm>
-            <a:prstGeom prst="rect">
-              <a:avLst/>
-            </a:prstGeom>
-            <a:ln>
-              <a:noFill/>
-            </a:ln>
-          </p:spPr>
-          <p:style>
-            <a:lnRef idx="2">
-              <a:schemeClr val="accent6"/>
-            </a:lnRef>
-            <a:fillRef idx="1">
-              <a:schemeClr val="lt1"/>
-            </a:fillRef>
-            <a:effectRef idx="0">
-              <a:schemeClr val="accent6"/>
-            </a:effectRef>
-            <a:fontRef idx="minor">
-              <a:schemeClr val="dk1"/>
-            </a:fontRef>
-          </p:style>
-          <p:txBody>
-            <a:bodyPr rtlCol="0" anchor="ctr"/>
-            <a:lstStyle/>
-            <a:p>
-              <a:pPr algn="ctr"/>
-              <a:endParaRPr lang="en-US"/>
-            </a:p>
-          </p:txBody>
-        </p:sp>
-      </p:grpSp>
-    </p:spTree>
-    <p:extLst>
-      <p:ext uri="{BB962C8B-B14F-4D97-AF65-F5344CB8AC3E}">
-        <p14:creationId xmlns:p14="http://schemas.microsoft.com/office/powerpoint/2010/main" val="606466964"/>
-      </p:ext>
-    </p:extLst>
-  </p:cSld>
-  <p:clrMapOvr>
-    <a:masterClrMapping/>
-  </p:clrMapOvr>
-</p:sld>
-</file>
-
-<file path=ppt/slides/slide2.xml><?xml version="1.0" encoding="utf-8"?>
-<p:sld xmlns:a="http://schemas.openxmlformats.org/drawingml/2006/main" xmlns:r="http://schemas.openxmlformats.org/officeDocument/2006/relationships" xmlns:p="http://schemas.openxmlformats.org/presentationml/2006/main">
-  <p:cSld>
-    <p:spTree>
-      <p:nvGrpSpPr>
-        <p:cNvPr id="1" name=""/>
-        <p:cNvGrpSpPr/>
-        <p:nvPr/>
-      </p:nvGrpSpPr>
-      <p:grpSpPr>
-        <a:xfrm>
-          <a:off x="0" y="0"/>
-          <a:ext cx="0" cy="0"/>
-          <a:chOff x="0" y="0"/>
-          <a:chExt cx="0" cy="0"/>
-        </a:xfrm>
-      </p:grpSpPr>
-      <p:grpSp>
-        <p:nvGrpSpPr>
-          <p:cNvPr id="9" name="Group 8">
-            <a:extLst>
-              <a:ext uri="{FF2B5EF4-FFF2-40B4-BE49-F238E27FC236}">
-                <a16:creationId xmlns:a16="http://schemas.microsoft.com/office/drawing/2014/main" id="{D0F30AFA-947F-25B9-C0CB-D2D78179492A}"/>
-              </a:ext>
-            </a:extLst>
-          </p:cNvPr>
-          <p:cNvGrpSpPr/>
-          <p:nvPr/>
-        </p:nvGrpSpPr>
-        <p:grpSpPr>
-          <a:xfrm>
-            <a:off x="-1" y="1655617"/>
-            <a:ext cx="12091835" cy="3517625"/>
-            <a:chOff x="-1" y="1655617"/>
-            <a:chExt cx="12091835" cy="3517625"/>
-          </a:xfrm>
-        </p:grpSpPr>
-        <p:pic>
-          <p:nvPicPr>
-            <p:cNvPr id="5" name="Picture 4" descr="A picture containing text, line, plot, screenshot&#10;&#10;Description automatically generated">
-              <a:extLst>
-                <a:ext uri="{FF2B5EF4-FFF2-40B4-BE49-F238E27FC236}">
-                  <a16:creationId xmlns:a16="http://schemas.microsoft.com/office/drawing/2014/main" id="{4861B4F5-51BF-B3F0-B73B-8B7D44699EE6}"/>
-                </a:ext>
-              </a:extLst>
-            </p:cNvPr>
-            <p:cNvPicPr>
-              <a:picLocks noChangeAspect="1"/>
-            </p:cNvPicPr>
-            <p:nvPr/>
-          </p:nvPicPr>
-          <p:blipFill>
-            <a:blip r:embed="rId2"/>
-            <a:stretch>
-              <a:fillRect/>
-            </a:stretch>
-          </p:blipFill>
-          <p:spPr>
-            <a:xfrm>
-              <a:off x="-1" y="1655617"/>
-              <a:ext cx="12091835" cy="3517625"/>
-            </a:xfrm>
-            <a:prstGeom prst="rect">
-              <a:avLst/>
-            </a:prstGeom>
-          </p:spPr>
-        </p:pic>
-        <p:grpSp>
-          <p:nvGrpSpPr>
-            <p:cNvPr id="13" name="Group 12">
-              <a:extLst>
-                <a:ext uri="{FF2B5EF4-FFF2-40B4-BE49-F238E27FC236}">
-                  <a16:creationId xmlns:a16="http://schemas.microsoft.com/office/drawing/2014/main" id="{63277C65-382E-E2B0-7CC7-B89A56D9D720}"/>
-                </a:ext>
-              </a:extLst>
-            </p:cNvPr>
-            <p:cNvGrpSpPr/>
-            <p:nvPr/>
-          </p:nvGrpSpPr>
-          <p:grpSpPr>
-            <a:xfrm>
-              <a:off x="7612379" y="2783122"/>
-              <a:ext cx="1270503" cy="261610"/>
-              <a:chOff x="2611090" y="551617"/>
-              <a:chExt cx="928687" cy="261610"/>
-            </a:xfrm>
-          </p:grpSpPr>
-          <p:cxnSp>
-            <p:nvCxnSpPr>
-              <p:cNvPr id="14" name="Straight Connector 13">
-                <a:extLst>
-                  <a:ext uri="{FF2B5EF4-FFF2-40B4-BE49-F238E27FC236}">
-                    <a16:creationId xmlns:a16="http://schemas.microsoft.com/office/drawing/2014/main" id="{D47E6765-7B96-DD7D-0B71-DB4B6959875D}"/>
-                  </a:ext>
-                </a:extLst>
-              </p:cNvPr>
-              <p:cNvCxnSpPr>
-                <a:cxnSpLocks/>
-              </p:cNvCxnSpPr>
-              <p:nvPr/>
-            </p:nvCxnSpPr>
-            <p:spPr>
-              <a:xfrm>
-                <a:off x="2611090" y="771525"/>
-                <a:ext cx="928687" cy="0"/>
-              </a:xfrm>
-              <a:prstGeom prst="line">
-                <a:avLst/>
-              </a:prstGeom>
-            </p:spPr>
-            <p:style>
-              <a:lnRef idx="1">
-                <a:schemeClr val="dk1"/>
-              </a:lnRef>
-              <a:fillRef idx="0">
-                <a:schemeClr val="dk1"/>
-              </a:fillRef>
-              <a:effectRef idx="0">
-                <a:schemeClr val="dk1"/>
-              </a:effectRef>
-              <a:fontRef idx="minor">
-                <a:schemeClr val="tx1"/>
-              </a:fontRef>
-            </p:style>
-          </p:cxnSp>
-          <p:sp>
-            <p:nvSpPr>
-              <p:cNvPr id="15" name="TextBox 14">
-                <a:extLst>
-                  <a:ext uri="{FF2B5EF4-FFF2-40B4-BE49-F238E27FC236}">
-                    <a16:creationId xmlns:a16="http://schemas.microsoft.com/office/drawing/2014/main" id="{36DFC143-F743-85D9-DF00-96F173DA77DB}"/>
-                  </a:ext>
-                </a:extLst>
-              </p:cNvPr>
-              <p:cNvSpPr txBox="1"/>
-              <p:nvPr/>
-            </p:nvSpPr>
-            <p:spPr>
-              <a:xfrm>
-                <a:off x="2732174" y="551617"/>
-                <a:ext cx="686518" cy="261610"/>
-              </a:xfrm>
-              <a:prstGeom prst="rect">
-                <a:avLst/>
-              </a:prstGeom>
-              <a:noFill/>
-            </p:spPr>
-            <p:txBody>
-              <a:bodyPr wrap="square" rtlCol="0">
-                <a:spAutoFit/>
-              </a:bodyPr>
-              <a:lstStyle/>
-              <a:p>
-                <a:pPr algn="ctr"/>
-                <a:r>
-                  <a:rPr lang="en-US" sz="1100" dirty="0">
-                    <a:latin typeface="Arial" panose="020B0604020202020204" pitchFamily="34" charset="0"/>
-                    <a:cs typeface="Arial" panose="020B0604020202020204" pitchFamily="34" charset="0"/>
-                  </a:rPr>
-                  <a:t>ns</a:t>
-                </a:r>
-              </a:p>
-            </p:txBody>
-          </p:sp>
-        </p:grpSp>
         <p:grpSp>
           <p:nvGrpSpPr>
             <p:cNvPr id="16" name="Group 15">
@@ -4891,7 +3827,7 @@
           </p:nvGrpSpPr>
           <p:grpSpPr>
             <a:xfrm>
-              <a:off x="9835587" y="2174862"/>
+              <a:off x="7815957" y="4503937"/>
               <a:ext cx="1270503" cy="261610"/>
               <a:chOff x="5704626" y="1555343"/>
               <a:chExt cx="928687" cy="261610"/>
@@ -4989,7 +3925,7 @@
           </p:nvGrpSpPr>
           <p:grpSpPr>
             <a:xfrm>
-              <a:off x="7139337" y="2530580"/>
+              <a:off x="3467671" y="4373132"/>
               <a:ext cx="559479" cy="261610"/>
               <a:chOff x="2611090" y="551617"/>
               <a:chExt cx="928687" cy="261610"/>
@@ -5087,7 +4023,7 @@
           </p:nvGrpSpPr>
           <p:grpSpPr>
             <a:xfrm>
-              <a:off x="9835587" y="2425234"/>
+              <a:off x="7125857" y="3919326"/>
               <a:ext cx="534155" cy="276999"/>
               <a:chOff x="2611090" y="551617"/>
               <a:chExt cx="928687" cy="276999"/>
@@ -5182,7 +4118,7 @@
           </p:nvGrpSpPr>
           <p:grpSpPr>
             <a:xfrm>
-              <a:off x="11024383" y="2095977"/>
+              <a:off x="8758703" y="3831644"/>
               <a:ext cx="534155" cy="276999"/>
               <a:chOff x="2611090" y="551617"/>
               <a:chExt cx="928687" cy="276999"/>
@@ -5277,7 +4213,7 @@
           </p:nvGrpSpPr>
           <p:grpSpPr>
             <a:xfrm>
-              <a:off x="10268906" y="2769051"/>
+              <a:off x="4213513" y="4382230"/>
               <a:ext cx="1270503" cy="261610"/>
               <a:chOff x="2611090" y="551617"/>
               <a:chExt cx="928687" cy="261610"/>
@@ -5375,7 +4311,7 @@
           </p:nvGrpSpPr>
           <p:grpSpPr>
             <a:xfrm>
-              <a:off x="4684521" y="2736471"/>
+              <a:off x="8388624" y="850614"/>
               <a:ext cx="860079" cy="276999"/>
               <a:chOff x="2611090" y="551617"/>
               <a:chExt cx="928687" cy="276999"/>
@@ -5484,7 +4420,7 @@
           </p:blipFill>
           <p:spPr>
             <a:xfrm>
-              <a:off x="3565063" y="3911631"/>
+              <a:off x="6791841" y="2290290"/>
               <a:ext cx="234323" cy="234323"/>
             </a:xfrm>
             <a:prstGeom prst="rect">
@@ -5520,7 +4456,7 @@
           </p:blipFill>
           <p:spPr>
             <a:xfrm>
-              <a:off x="1767390" y="3916130"/>
+              <a:off x="4337269" y="2290290"/>
               <a:ext cx="234323" cy="234323"/>
             </a:xfrm>
             <a:prstGeom prst="rect">
@@ -5556,7 +4492,7 @@
           </p:blipFill>
           <p:spPr>
             <a:xfrm>
-              <a:off x="8246653" y="4037165"/>
+              <a:off x="4912265" y="5584642"/>
               <a:ext cx="234323" cy="234323"/>
             </a:xfrm>
             <a:prstGeom prst="rect">
@@ -5564,6 +4500,104 @@
             </a:prstGeom>
           </p:spPr>
         </p:pic>
+        <p:grpSp>
+          <p:nvGrpSpPr>
+            <p:cNvPr id="7" name="Group 6">
+              <a:extLst>
+                <a:ext uri="{FF2B5EF4-FFF2-40B4-BE49-F238E27FC236}">
+                  <a16:creationId xmlns:a16="http://schemas.microsoft.com/office/drawing/2014/main" id="{D6934AA2-17AB-F98D-254F-C1C2C5E3EF4F}"/>
+                </a:ext>
+              </a:extLst>
+            </p:cNvPr>
+            <p:cNvGrpSpPr/>
+            <p:nvPr/>
+          </p:nvGrpSpPr>
+          <p:grpSpPr>
+            <a:xfrm>
+              <a:off x="7281435" y="4093796"/>
+              <a:ext cx="1270503" cy="261610"/>
+              <a:chOff x="5704626" y="1555343"/>
+              <a:chExt cx="928687" cy="261610"/>
+            </a:xfrm>
+          </p:grpSpPr>
+          <p:cxnSp>
+            <p:nvCxnSpPr>
+              <p:cNvPr id="10" name="Straight Connector 9">
+                <a:extLst>
+                  <a:ext uri="{FF2B5EF4-FFF2-40B4-BE49-F238E27FC236}">
+                    <a16:creationId xmlns:a16="http://schemas.microsoft.com/office/drawing/2014/main" id="{9530220C-E07A-869D-A37F-C65D7572EE8A}"/>
+                  </a:ext>
+                </a:extLst>
+              </p:cNvPr>
+              <p:cNvCxnSpPr>
+                <a:cxnSpLocks/>
+              </p:cNvCxnSpPr>
+              <p:nvPr/>
+            </p:nvCxnSpPr>
+            <p:spPr>
+              <a:xfrm>
+                <a:off x="5704626" y="1816953"/>
+                <a:ext cx="928687" cy="0"/>
+              </a:xfrm>
+              <a:prstGeom prst="line">
+                <a:avLst/>
+              </a:prstGeom>
+            </p:spPr>
+            <p:style>
+              <a:lnRef idx="1">
+                <a:schemeClr val="dk1"/>
+              </a:lnRef>
+              <a:fillRef idx="0">
+                <a:schemeClr val="dk1"/>
+              </a:fillRef>
+              <a:effectRef idx="0">
+                <a:schemeClr val="dk1"/>
+              </a:effectRef>
+              <a:fontRef idx="minor">
+                <a:schemeClr val="tx1"/>
+              </a:fontRef>
+            </p:style>
+          </p:cxnSp>
+          <p:sp>
+            <p:nvSpPr>
+              <p:cNvPr id="11" name="TextBox 10">
+                <a:extLst>
+                  <a:ext uri="{FF2B5EF4-FFF2-40B4-BE49-F238E27FC236}">
+                    <a16:creationId xmlns:a16="http://schemas.microsoft.com/office/drawing/2014/main" id="{8461685A-2813-5A72-D0D4-FF8763B2D135}"/>
+                  </a:ext>
+                </a:extLst>
+              </p:cNvPr>
+              <p:cNvSpPr txBox="1"/>
+              <p:nvPr/>
+            </p:nvSpPr>
+            <p:spPr>
+              <a:xfrm>
+                <a:off x="5825711" y="1555343"/>
+                <a:ext cx="686518" cy="261610"/>
+              </a:xfrm>
+              <a:prstGeom prst="rect">
+                <a:avLst/>
+              </a:prstGeom>
+              <a:noFill/>
+            </p:spPr>
+            <p:txBody>
+              <a:bodyPr wrap="square" rtlCol="0">
+                <a:spAutoFit/>
+              </a:bodyPr>
+              <a:lstStyle/>
+              <a:p>
+                <a:pPr algn="ctr"/>
+                <a:r>
+                  <a:rPr lang="en-US" sz="1100" dirty="0">
+                    <a:latin typeface="Arial" panose="020B0604020202020204" pitchFamily="34" charset="0"/>
+                    <a:cs typeface="Arial" panose="020B0604020202020204" pitchFamily="34" charset="0"/>
+                  </a:rPr>
+                  <a:t>ns</a:t>
+                </a:r>
+              </a:p>
+            </p:txBody>
+          </p:sp>
+        </p:grpSp>
       </p:grpSp>
     </p:spTree>
     <p:extLst>
@@ -5578,7 +4612,7 @@
 </p:sld>
 </file>
 
-<file path=ppt/slides/slide3.xml><?xml version="1.0" encoding="utf-8"?>
+<file path=ppt/slides/slide2.xml><?xml version="1.0" encoding="utf-8"?>
 <p:sld xmlns:a="http://schemas.openxmlformats.org/drawingml/2006/main" xmlns:r="http://schemas.openxmlformats.org/officeDocument/2006/relationships" xmlns:p="http://schemas.openxmlformats.org/presentationml/2006/main">
   <p:cSld>
     <p:spTree>
@@ -5597,10 +4631,10 @@
       </p:grpSpPr>
       <p:grpSp>
         <p:nvGrpSpPr>
-          <p:cNvPr id="19" name="Group 18">
-            <a:extLst>
-              <a:ext uri="{FF2B5EF4-FFF2-40B4-BE49-F238E27FC236}">
-                <a16:creationId xmlns:a16="http://schemas.microsoft.com/office/drawing/2014/main" id="{4BF894A1-5B7F-CB9D-0046-CFE9A7DD51EE}"/>
+          <p:cNvPr id="5" name="Group 4">
+            <a:extLst>
+              <a:ext uri="{FF2B5EF4-FFF2-40B4-BE49-F238E27FC236}">
+                <a16:creationId xmlns:a16="http://schemas.microsoft.com/office/drawing/2014/main" id="{199C01BB-965D-D9BE-FA15-B1AA20A12BC8}"/>
               </a:ext>
             </a:extLst>
           </p:cNvPr>
@@ -5609,18 +4643,18 @@
         </p:nvGrpSpPr>
         <p:grpSpPr>
           <a:xfrm>
-            <a:off x="609600" y="0"/>
-            <a:ext cx="10972800" cy="6858000"/>
-            <a:chOff x="609600" y="0"/>
-            <a:chExt cx="10972800" cy="6858000"/>
+            <a:off x="2177143" y="0"/>
+            <a:ext cx="7772400" cy="6800850"/>
+            <a:chOff x="2177143" y="0"/>
+            <a:chExt cx="7772400" cy="6800850"/>
           </a:xfrm>
         </p:grpSpPr>
         <p:pic>
           <p:nvPicPr>
-            <p:cNvPr id="4" name="Picture 3" descr="A picture containing diagram, text, plan, plot&#10;&#10;Description automatically generated">
+            <p:cNvPr id="3" name="Picture 2" descr="A picture containing text, diagram, screenshot, plan&#10;&#10;Description automatically generated">
               <a:extLst>
                 <a:ext uri="{FF2B5EF4-FFF2-40B4-BE49-F238E27FC236}">
-                  <a16:creationId xmlns:a16="http://schemas.microsoft.com/office/drawing/2014/main" id="{0E4132C4-40C1-17A4-859B-84F4264DA65A}"/>
+                  <a16:creationId xmlns:a16="http://schemas.microsoft.com/office/drawing/2014/main" id="{00DDB712-912F-81C4-95D2-23B4639B88E4}"/>
                 </a:ext>
               </a:extLst>
             </p:cNvPr>
@@ -5637,8 +4671,8 @@
           </p:blipFill>
           <p:spPr>
             <a:xfrm>
-              <a:off x="609600" y="0"/>
-              <a:ext cx="10972800" cy="6858000"/>
+              <a:off x="2177143" y="0"/>
+              <a:ext cx="7772400" cy="6800850"/>
             </a:xfrm>
             <a:prstGeom prst="rect">
               <a:avLst/>
@@ -5659,7 +4693,7 @@
           </p:nvGrpSpPr>
           <p:grpSpPr>
             <a:xfrm>
-              <a:off x="1267683" y="644448"/>
+              <a:off x="3212558" y="2189523"/>
               <a:ext cx="585427" cy="461665"/>
               <a:chOff x="2611090" y="551617"/>
               <a:chExt cx="928687" cy="461665"/>
@@ -5754,7 +4788,7 @@
           </p:nvGrpSpPr>
           <p:grpSpPr>
             <a:xfrm>
-              <a:off x="2413435" y="513643"/>
+              <a:off x="4885986" y="425775"/>
               <a:ext cx="593926" cy="261610"/>
               <a:chOff x="2611090" y="551617"/>
               <a:chExt cx="928687" cy="261610"/>
@@ -5852,7 +4886,7 @@
           </p:nvGrpSpPr>
           <p:grpSpPr>
             <a:xfrm>
-              <a:off x="6559253" y="1924537"/>
+              <a:off x="7072821" y="1962115"/>
               <a:ext cx="552261" cy="261610"/>
               <a:chOff x="2611090" y="551617"/>
               <a:chExt cx="928687" cy="261610"/>
@@ -5950,7 +4984,7 @@
           </p:nvGrpSpPr>
           <p:grpSpPr>
             <a:xfrm>
-              <a:off x="1804353" y="3290500"/>
+              <a:off x="3162011" y="4404802"/>
               <a:ext cx="686519" cy="276999"/>
               <a:chOff x="2611090" y="551617"/>
               <a:chExt cx="928687" cy="276999"/>
@@ -6059,7 +5093,7 @@
           </p:blipFill>
           <p:spPr>
             <a:xfrm>
-              <a:off x="3964505" y="5122500"/>
+              <a:off x="4831616" y="5654134"/>
               <a:ext cx="228992" cy="228992"/>
             </a:xfrm>
             <a:prstGeom prst="rect">
@@ -6081,7 +5115,7 @@
           </p:nvGrpSpPr>
           <p:grpSpPr>
             <a:xfrm>
-              <a:off x="3558322" y="644448"/>
+              <a:off x="3218834" y="542022"/>
               <a:ext cx="585427" cy="461665"/>
               <a:chOff x="2611090" y="551617"/>
               <a:chExt cx="928687" cy="461665"/>
@@ -6176,7 +5210,7 @@
           </p:nvGrpSpPr>
           <p:grpSpPr>
             <a:xfrm>
-              <a:off x="4708804" y="644448"/>
+              <a:off x="4886534" y="2189523"/>
               <a:ext cx="585427" cy="461665"/>
               <a:chOff x="2611090" y="551617"/>
               <a:chExt cx="928687" cy="461665"/>
@@ -6235,7 +5269,7 @@
             <p:spPr>
               <a:xfrm>
                 <a:off x="2732174" y="551617"/>
-                <a:ext cx="686519" cy="461665"/>
+                <a:ext cx="686518" cy="461665"/>
               </a:xfrm>
               <a:prstGeom prst="rect">
                 <a:avLst/>

--- a/figures/final-figs/imgs/figure-4-5-sig.pptx
+++ b/figures/final-figs/imgs/figure-4-5-sig.pptx
@@ -198,7 +198,7 @@
           <a:p>
             <a:fld id="{A83E7FE3-8D53-5C4E-9A72-20D48A3A966A}" type="datetimeFigureOut">
               <a:rPr lang="en-US" smtClean="0"/>
-              <a:t>6/2/23</a:t>
+              <a:t>7/20/23</a:t>
             </a:fld>
             <a:endParaRPr lang="en-US"/>
           </a:p>
@@ -696,7 +696,7 @@
           <a:p>
             <a:fld id="{C063858B-4D56-E248-A865-DFFFFD3D1908}" type="datetimeFigureOut">
               <a:rPr lang="en-US" smtClean="0"/>
-              <a:t>6/2/23</a:t>
+              <a:t>7/20/23</a:t>
             </a:fld>
             <a:endParaRPr lang="en-US"/>
           </a:p>
@@ -894,7 +894,7 @@
           <a:p>
             <a:fld id="{C063858B-4D56-E248-A865-DFFFFD3D1908}" type="datetimeFigureOut">
               <a:rPr lang="en-US" smtClean="0"/>
-              <a:t>6/2/23</a:t>
+              <a:t>7/20/23</a:t>
             </a:fld>
             <a:endParaRPr lang="en-US"/>
           </a:p>
@@ -1102,7 +1102,7 @@
           <a:p>
             <a:fld id="{C063858B-4D56-E248-A865-DFFFFD3D1908}" type="datetimeFigureOut">
               <a:rPr lang="en-US" smtClean="0"/>
-              <a:t>6/2/23</a:t>
+              <a:t>7/20/23</a:t>
             </a:fld>
             <a:endParaRPr lang="en-US"/>
           </a:p>
@@ -1300,7 +1300,7 @@
           <a:p>
             <a:fld id="{C063858B-4D56-E248-A865-DFFFFD3D1908}" type="datetimeFigureOut">
               <a:rPr lang="en-US" smtClean="0"/>
-              <a:t>6/2/23</a:t>
+              <a:t>7/20/23</a:t>
             </a:fld>
             <a:endParaRPr lang="en-US"/>
           </a:p>
@@ -1575,7 +1575,7 @@
           <a:p>
             <a:fld id="{C063858B-4D56-E248-A865-DFFFFD3D1908}" type="datetimeFigureOut">
               <a:rPr lang="en-US" smtClean="0"/>
-              <a:t>6/2/23</a:t>
+              <a:t>7/20/23</a:t>
             </a:fld>
             <a:endParaRPr lang="en-US"/>
           </a:p>
@@ -1840,7 +1840,7 @@
           <a:p>
             <a:fld id="{C063858B-4D56-E248-A865-DFFFFD3D1908}" type="datetimeFigureOut">
               <a:rPr lang="en-US" smtClean="0"/>
-              <a:t>6/2/23</a:t>
+              <a:t>7/20/23</a:t>
             </a:fld>
             <a:endParaRPr lang="en-US"/>
           </a:p>
@@ -2252,7 +2252,7 @@
           <a:p>
             <a:fld id="{C063858B-4D56-E248-A865-DFFFFD3D1908}" type="datetimeFigureOut">
               <a:rPr lang="en-US" smtClean="0"/>
-              <a:t>6/2/23</a:t>
+              <a:t>7/20/23</a:t>
             </a:fld>
             <a:endParaRPr lang="en-US"/>
           </a:p>
@@ -2393,7 +2393,7 @@
           <a:p>
             <a:fld id="{C063858B-4D56-E248-A865-DFFFFD3D1908}" type="datetimeFigureOut">
               <a:rPr lang="en-US" smtClean="0"/>
-              <a:t>6/2/23</a:t>
+              <a:t>7/20/23</a:t>
             </a:fld>
             <a:endParaRPr lang="en-US"/>
           </a:p>
@@ -2506,7 +2506,7 @@
           <a:p>
             <a:fld id="{C063858B-4D56-E248-A865-DFFFFD3D1908}" type="datetimeFigureOut">
               <a:rPr lang="en-US" smtClean="0"/>
-              <a:t>6/2/23</a:t>
+              <a:t>7/20/23</a:t>
             </a:fld>
             <a:endParaRPr lang="en-US"/>
           </a:p>
@@ -2817,7 +2817,7 @@
           <a:p>
             <a:fld id="{C063858B-4D56-E248-A865-DFFFFD3D1908}" type="datetimeFigureOut">
               <a:rPr lang="en-US" smtClean="0"/>
-              <a:t>6/2/23</a:t>
+              <a:t>7/20/23</a:t>
             </a:fld>
             <a:endParaRPr lang="en-US"/>
           </a:p>
@@ -3105,7 +3105,7 @@
           <a:p>
             <a:fld id="{C063858B-4D56-E248-A865-DFFFFD3D1908}" type="datetimeFigureOut">
               <a:rPr lang="en-US" smtClean="0"/>
-              <a:t>6/2/23</a:t>
+              <a:t>7/20/23</a:t>
             </a:fld>
             <a:endParaRPr lang="en-US"/>
           </a:p>
@@ -3346,7 +3346,7 @@
           <a:p>
             <a:fld id="{C063858B-4D56-E248-A865-DFFFFD3D1908}" type="datetimeFigureOut">
               <a:rPr lang="en-US" smtClean="0"/>
-              <a:t>6/2/23</a:t>
+              <a:t>7/20/23</a:t>
             </a:fld>
             <a:endParaRPr lang="en-US"/>
           </a:p>
@@ -3765,10 +3765,10 @@
       </p:grpSpPr>
       <p:grpSp>
         <p:nvGrpSpPr>
-          <p:cNvPr id="9" name="Group 8">
-            <a:extLst>
-              <a:ext uri="{FF2B5EF4-FFF2-40B4-BE49-F238E27FC236}">
-                <a16:creationId xmlns:a16="http://schemas.microsoft.com/office/drawing/2014/main" id="{74D13029-20B7-A8A2-4706-DF5AE439C8FE}"/>
+          <p:cNvPr id="5" name="Group 4">
+            <a:extLst>
+              <a:ext uri="{FF2B5EF4-FFF2-40B4-BE49-F238E27FC236}">
+                <a16:creationId xmlns:a16="http://schemas.microsoft.com/office/drawing/2014/main" id="{87CD6495-5B79-3FF7-01CF-FBC2E2F2244D}"/>
               </a:ext>
             </a:extLst>
           </p:cNvPr>
@@ -3785,10 +3785,10 @@
         </p:grpSpPr>
         <p:pic>
           <p:nvPicPr>
-            <p:cNvPr id="5" name="Picture 4" descr="A picture containing text, diagram, line, parallel&#10;&#10;Description automatically generated">
+            <p:cNvPr id="3" name="Picture 2" descr="A chart of different types of cells&#10;&#10;Description automatically generated">
               <a:extLst>
                 <a:ext uri="{FF2B5EF4-FFF2-40B4-BE49-F238E27FC236}">
-                  <a16:creationId xmlns:a16="http://schemas.microsoft.com/office/drawing/2014/main" id="{784D90BC-6F84-F43B-3A8B-175C5382F829}"/>
+                  <a16:creationId xmlns:a16="http://schemas.microsoft.com/office/drawing/2014/main" id="{7445D73F-5BB2-9572-DD68-E9906FD35E50}"/>
                 </a:ext>
               </a:extLst>
             </p:cNvPr>
@@ -3827,7 +3827,7 @@
           </p:nvGrpSpPr>
           <p:grpSpPr>
             <a:xfrm>
-              <a:off x="7815957" y="4503937"/>
+              <a:off x="7815957" y="4491411"/>
               <a:ext cx="1270503" cy="261610"/>
               <a:chOff x="5704626" y="1555343"/>
               <a:chExt cx="928687" cy="261610"/>
@@ -3925,7 +3925,7 @@
           </p:nvGrpSpPr>
           <p:grpSpPr>
             <a:xfrm>
-              <a:off x="3467671" y="4373132"/>
+              <a:off x="3467671" y="4360606"/>
               <a:ext cx="559479" cy="261610"/>
               <a:chOff x="2611090" y="551617"/>
               <a:chExt cx="928687" cy="261610"/>
@@ -4023,7 +4023,7 @@
           </p:nvGrpSpPr>
           <p:grpSpPr>
             <a:xfrm>
-              <a:off x="7125857" y="3919326"/>
+              <a:off x="7125857" y="3906800"/>
               <a:ext cx="534155" cy="276999"/>
               <a:chOff x="2611090" y="551617"/>
               <a:chExt cx="928687" cy="276999"/>
@@ -4118,7 +4118,7 @@
           </p:nvGrpSpPr>
           <p:grpSpPr>
             <a:xfrm>
-              <a:off x="8758703" y="3831644"/>
+              <a:off x="8758703" y="3819118"/>
               <a:ext cx="534155" cy="276999"/>
               <a:chOff x="2611090" y="551617"/>
               <a:chExt cx="928687" cy="276999"/>
@@ -4213,7 +4213,7 @@
           </p:nvGrpSpPr>
           <p:grpSpPr>
             <a:xfrm>
-              <a:off x="4213513" y="4382230"/>
+              <a:off x="4213513" y="4369704"/>
               <a:ext cx="1270503" cy="261610"/>
               <a:chOff x="2611090" y="551617"/>
               <a:chExt cx="928687" cy="261610"/>
@@ -4311,7 +4311,7 @@
           </p:nvGrpSpPr>
           <p:grpSpPr>
             <a:xfrm>
-              <a:off x="8388624" y="850614"/>
+              <a:off x="8388624" y="838088"/>
               <a:ext cx="860079" cy="276999"/>
               <a:chOff x="2611090" y="551617"/>
               <a:chExt cx="928687" cy="276999"/>
@@ -4392,114 +4392,6 @@
             </p:txBody>
           </p:sp>
         </p:grpSp>
-        <p:pic>
-          <p:nvPicPr>
-            <p:cNvPr id="2" name="Graphic 1" descr="Close with solid fill">
-              <a:extLst>
-                <a:ext uri="{FF2B5EF4-FFF2-40B4-BE49-F238E27FC236}">
-                  <a16:creationId xmlns:a16="http://schemas.microsoft.com/office/drawing/2014/main" id="{A29B6EF7-D2EE-148C-FDF2-87183EA52741}"/>
-                </a:ext>
-              </a:extLst>
-            </p:cNvPr>
-            <p:cNvPicPr>
-              <a:picLocks noChangeAspect="1"/>
-            </p:cNvPicPr>
-            <p:nvPr/>
-          </p:nvPicPr>
-          <p:blipFill>
-            <a:blip r:embed="rId3">
-              <a:extLst>
-                <a:ext uri="{96DAC541-7B7A-43D3-8B79-37D633B846F1}">
-                  <asvg:svgBlip xmlns:asvg="http://schemas.microsoft.com/office/drawing/2016/SVG/main" r:embed="rId4"/>
-                </a:ext>
-              </a:extLst>
-            </a:blip>
-            <a:stretch>
-              <a:fillRect/>
-            </a:stretch>
-          </p:blipFill>
-          <p:spPr>
-            <a:xfrm>
-              <a:off x="6791841" y="2290290"/>
-              <a:ext cx="234323" cy="234323"/>
-            </a:xfrm>
-            <a:prstGeom prst="rect">
-              <a:avLst/>
-            </a:prstGeom>
-          </p:spPr>
-        </p:pic>
-        <p:pic>
-          <p:nvPicPr>
-            <p:cNvPr id="6" name="Graphic 5" descr="Close with solid fill">
-              <a:extLst>
-                <a:ext uri="{FF2B5EF4-FFF2-40B4-BE49-F238E27FC236}">
-                  <a16:creationId xmlns:a16="http://schemas.microsoft.com/office/drawing/2014/main" id="{7310C8A1-1127-2D5B-4FC3-D2CC2BB735CF}"/>
-                </a:ext>
-              </a:extLst>
-            </p:cNvPr>
-            <p:cNvPicPr>
-              <a:picLocks noChangeAspect="1"/>
-            </p:cNvPicPr>
-            <p:nvPr/>
-          </p:nvPicPr>
-          <p:blipFill>
-            <a:blip r:embed="rId3">
-              <a:extLst>
-                <a:ext uri="{96DAC541-7B7A-43D3-8B79-37D633B846F1}">
-                  <asvg:svgBlip xmlns:asvg="http://schemas.microsoft.com/office/drawing/2016/SVG/main" r:embed="rId4"/>
-                </a:ext>
-              </a:extLst>
-            </a:blip>
-            <a:stretch>
-              <a:fillRect/>
-            </a:stretch>
-          </p:blipFill>
-          <p:spPr>
-            <a:xfrm>
-              <a:off x="4337269" y="2290290"/>
-              <a:ext cx="234323" cy="234323"/>
-            </a:xfrm>
-            <a:prstGeom prst="rect">
-              <a:avLst/>
-            </a:prstGeom>
-          </p:spPr>
-        </p:pic>
-        <p:pic>
-          <p:nvPicPr>
-            <p:cNvPr id="8" name="Graphic 7" descr="Close with solid fill">
-              <a:extLst>
-                <a:ext uri="{FF2B5EF4-FFF2-40B4-BE49-F238E27FC236}">
-                  <a16:creationId xmlns:a16="http://schemas.microsoft.com/office/drawing/2014/main" id="{E96B8818-82F0-ECDD-7627-ADBA0E26470C}"/>
-                </a:ext>
-              </a:extLst>
-            </p:cNvPr>
-            <p:cNvPicPr>
-              <a:picLocks noChangeAspect="1"/>
-            </p:cNvPicPr>
-            <p:nvPr/>
-          </p:nvPicPr>
-          <p:blipFill>
-            <a:blip r:embed="rId3">
-              <a:extLst>
-                <a:ext uri="{96DAC541-7B7A-43D3-8B79-37D633B846F1}">
-                  <asvg:svgBlip xmlns:asvg="http://schemas.microsoft.com/office/drawing/2016/SVG/main" r:embed="rId4"/>
-                </a:ext>
-              </a:extLst>
-            </a:blip>
-            <a:stretch>
-              <a:fillRect/>
-            </a:stretch>
-          </p:blipFill>
-          <p:spPr>
-            <a:xfrm>
-              <a:off x="4912265" y="5584642"/>
-              <a:ext cx="234323" cy="234323"/>
-            </a:xfrm>
-            <a:prstGeom prst="rect">
-              <a:avLst/>
-            </a:prstGeom>
-          </p:spPr>
-        </p:pic>
         <p:grpSp>
           <p:nvGrpSpPr>
             <p:cNvPr id="7" name="Group 6">
@@ -4514,7 +4406,7 @@
           </p:nvGrpSpPr>
           <p:grpSpPr>
             <a:xfrm>
-              <a:off x="7281435" y="4093796"/>
+              <a:off x="7281435" y="4081270"/>
               <a:ext cx="1270503" cy="261610"/>
               <a:chOff x="5704626" y="1555343"/>
               <a:chExt cx="928687" cy="261610"/>
@@ -4598,6 +4490,76 @@
             </p:txBody>
           </p:sp>
         </p:grpSp>
+        <p:sp>
+          <p:nvSpPr>
+            <p:cNvPr id="12" name="TextBox 11">
+              <a:extLst>
+                <a:ext uri="{FF2B5EF4-FFF2-40B4-BE49-F238E27FC236}">
+                  <a16:creationId xmlns:a16="http://schemas.microsoft.com/office/drawing/2014/main" id="{C5847FDE-C135-FA18-C76B-BECA46B593E0}"/>
+                </a:ext>
+              </a:extLst>
+            </p:cNvPr>
+            <p:cNvSpPr txBox="1"/>
+            <p:nvPr/>
+          </p:nvSpPr>
+          <p:spPr>
+            <a:xfrm>
+              <a:off x="2782988" y="2136513"/>
+              <a:ext cx="684683" cy="276999"/>
+            </a:xfrm>
+            <a:prstGeom prst="rect">
+              <a:avLst/>
+            </a:prstGeom>
+            <a:noFill/>
+          </p:spPr>
+          <p:txBody>
+            <a:bodyPr wrap="square" rtlCol="0">
+              <a:spAutoFit/>
+            </a:bodyPr>
+            <a:lstStyle/>
+            <a:p>
+              <a:r>
+                <a:rPr lang="en-US" sz="1200" dirty="0"/>
+                <a:t>LOD</a:t>
+              </a:r>
+            </a:p>
+          </p:txBody>
+        </p:sp>
+        <p:sp>
+          <p:nvSpPr>
+            <p:cNvPr id="13" name="TextBox 12">
+              <a:extLst>
+                <a:ext uri="{FF2B5EF4-FFF2-40B4-BE49-F238E27FC236}">
+                  <a16:creationId xmlns:a16="http://schemas.microsoft.com/office/drawing/2014/main" id="{42EB9A4A-8EA5-D352-5955-49B40923F24D}"/>
+                </a:ext>
+              </a:extLst>
+            </p:cNvPr>
+            <p:cNvSpPr txBox="1"/>
+            <p:nvPr/>
+          </p:nvSpPr>
+          <p:spPr>
+            <a:xfrm>
+              <a:off x="2768423" y="5432946"/>
+              <a:ext cx="684683" cy="276999"/>
+            </a:xfrm>
+            <a:prstGeom prst="rect">
+              <a:avLst/>
+            </a:prstGeom>
+            <a:noFill/>
+          </p:spPr>
+          <p:txBody>
+            <a:bodyPr wrap="square" rtlCol="0">
+              <a:spAutoFit/>
+            </a:bodyPr>
+            <a:lstStyle/>
+            <a:p>
+              <a:r>
+                <a:rPr lang="en-US" sz="1200" dirty="0"/>
+                <a:t>LOD</a:t>
+              </a:r>
+            </a:p>
+          </p:txBody>
+        </p:sp>
       </p:grpSp>
     </p:spTree>
     <p:extLst>
@@ -4634,7 +4596,7 @@
           <p:cNvPr id="5" name="Group 4">
             <a:extLst>
               <a:ext uri="{FF2B5EF4-FFF2-40B4-BE49-F238E27FC236}">
-                <a16:creationId xmlns:a16="http://schemas.microsoft.com/office/drawing/2014/main" id="{199C01BB-965D-D9BE-FA15-B1AA20A12BC8}"/>
+                <a16:creationId xmlns:a16="http://schemas.microsoft.com/office/drawing/2014/main" id="{37D5ABF9-4FA8-9405-3509-B6B54070EB03}"/>
               </a:ext>
             </a:extLst>
           </p:cNvPr>
@@ -4644,17 +4606,17 @@
         <p:grpSpPr>
           <a:xfrm>
             <a:off x="2177143" y="0"/>
-            <a:ext cx="7772400" cy="6800850"/>
+            <a:ext cx="7837714" cy="6858000"/>
             <a:chOff x="2177143" y="0"/>
-            <a:chExt cx="7772400" cy="6800850"/>
+            <a:chExt cx="7837714" cy="6858000"/>
           </a:xfrm>
         </p:grpSpPr>
         <p:pic>
           <p:nvPicPr>
-            <p:cNvPr id="3" name="Picture 2" descr="A picture containing text, diagram, screenshot, plan&#10;&#10;Description automatically generated">
+            <p:cNvPr id="3" name="Picture 2" descr="A screenshot of a graph&#10;&#10;Description automatically generated">
               <a:extLst>
                 <a:ext uri="{FF2B5EF4-FFF2-40B4-BE49-F238E27FC236}">
-                  <a16:creationId xmlns:a16="http://schemas.microsoft.com/office/drawing/2014/main" id="{00DDB712-912F-81C4-95D2-23B4639B88E4}"/>
+                  <a16:creationId xmlns:a16="http://schemas.microsoft.com/office/drawing/2014/main" id="{B642FEA4-967E-8F74-345D-8AFB5A80FA3C}"/>
                 </a:ext>
               </a:extLst>
             </p:cNvPr>
@@ -4672,7 +4634,7 @@
           <p:spPr>
             <a:xfrm>
               <a:off x="2177143" y="0"/>
-              <a:ext cx="7772400" cy="6800850"/>
+              <a:ext cx="7837714" cy="6858000"/>
             </a:xfrm>
             <a:prstGeom prst="rect">
               <a:avLst/>
@@ -5065,42 +5027,6 @@
             </p:txBody>
           </p:sp>
         </p:grpSp>
-        <p:pic>
-          <p:nvPicPr>
-            <p:cNvPr id="8" name="Graphic 7" descr="Close with solid fill">
-              <a:extLst>
-                <a:ext uri="{FF2B5EF4-FFF2-40B4-BE49-F238E27FC236}">
-                  <a16:creationId xmlns:a16="http://schemas.microsoft.com/office/drawing/2014/main" id="{B9DDC3B9-4702-E523-4F4A-AA782362F379}"/>
-                </a:ext>
-              </a:extLst>
-            </p:cNvPr>
-            <p:cNvPicPr>
-              <a:picLocks noChangeAspect="1"/>
-            </p:cNvPicPr>
-            <p:nvPr/>
-          </p:nvPicPr>
-          <p:blipFill>
-            <a:blip r:embed="rId4">
-              <a:extLst>
-                <a:ext uri="{96DAC541-7B7A-43D3-8B79-37D633B846F1}">
-                  <asvg:svgBlip xmlns:asvg="http://schemas.microsoft.com/office/drawing/2016/SVG/main" r:embed="rId5"/>
-                </a:ext>
-              </a:extLst>
-            </a:blip>
-            <a:stretch>
-              <a:fillRect/>
-            </a:stretch>
-          </p:blipFill>
-          <p:spPr>
-            <a:xfrm>
-              <a:off x="4831616" y="5654134"/>
-              <a:ext cx="228992" cy="228992"/>
-            </a:xfrm>
-            <a:prstGeom prst="rect">
-              <a:avLst/>
-            </a:prstGeom>
-          </p:spPr>
-        </p:pic>
         <p:grpSp>
           <p:nvGrpSpPr>
             <p:cNvPr id="9" name="Group 8">
@@ -5291,6 +5217,41 @@
             </p:txBody>
           </p:sp>
         </p:grpSp>
+        <p:sp>
+          <p:nvSpPr>
+            <p:cNvPr id="6" name="TextBox 5">
+              <a:extLst>
+                <a:ext uri="{FF2B5EF4-FFF2-40B4-BE49-F238E27FC236}">
+                  <a16:creationId xmlns:a16="http://schemas.microsoft.com/office/drawing/2014/main" id="{D0078F80-57C3-4C76-09B2-44616B648408}"/>
+                </a:ext>
+              </a:extLst>
+            </p:cNvPr>
+            <p:cNvSpPr txBox="1"/>
+            <p:nvPr/>
+          </p:nvSpPr>
+          <p:spPr>
+            <a:xfrm>
+              <a:off x="2730845" y="5520628"/>
+              <a:ext cx="684683" cy="276999"/>
+            </a:xfrm>
+            <a:prstGeom prst="rect">
+              <a:avLst/>
+            </a:prstGeom>
+            <a:noFill/>
+          </p:spPr>
+          <p:txBody>
+            <a:bodyPr wrap="square" rtlCol="0">
+              <a:spAutoFit/>
+            </a:bodyPr>
+            <a:lstStyle/>
+            <a:p>
+              <a:r>
+                <a:rPr lang="en-US" sz="1200" dirty="0"/>
+                <a:t>LOD</a:t>
+              </a:r>
+            </a:p>
+          </p:txBody>
+        </p:sp>
       </p:grpSp>
     </p:spTree>
     <p:extLst>

--- a/figures/final-figs/imgs/figure-4-5-sig.pptx
+++ b/figures/final-figs/imgs/figure-4-5-sig.pptx
@@ -5,11 +5,12 @@
     <p:sldMasterId id="2147483648" r:id="rId1"/>
   </p:sldMasterIdLst>
   <p:notesMasterIdLst>
-    <p:notesMasterId r:id="rId4"/>
+    <p:notesMasterId r:id="rId5"/>
   </p:notesMasterIdLst>
   <p:sldIdLst>
     <p:sldId id="257" r:id="rId2"/>
     <p:sldId id="258" r:id="rId3"/>
+    <p:sldId id="260" r:id="rId4"/>
   </p:sldIdLst>
   <p:sldSz cx="12192000" cy="6858000"/>
   <p:notesSz cx="6858000" cy="9144000"/>
@@ -198,7 +199,7 @@
           <a:p>
             <a:fld id="{A83E7FE3-8D53-5C4E-9A72-20D48A3A966A}" type="datetimeFigureOut">
               <a:rPr lang="en-US" smtClean="0"/>
-              <a:t>7/20/23</a:t>
+              <a:t>11/3/23</a:t>
             </a:fld>
             <a:endParaRPr lang="en-US"/>
           </a:p>
@@ -696,7 +697,7 @@
           <a:p>
             <a:fld id="{C063858B-4D56-E248-A865-DFFFFD3D1908}" type="datetimeFigureOut">
               <a:rPr lang="en-US" smtClean="0"/>
-              <a:t>7/20/23</a:t>
+              <a:t>11/3/23</a:t>
             </a:fld>
             <a:endParaRPr lang="en-US"/>
           </a:p>
@@ -894,7 +895,7 @@
           <a:p>
             <a:fld id="{C063858B-4D56-E248-A865-DFFFFD3D1908}" type="datetimeFigureOut">
               <a:rPr lang="en-US" smtClean="0"/>
-              <a:t>7/20/23</a:t>
+              <a:t>11/3/23</a:t>
             </a:fld>
             <a:endParaRPr lang="en-US"/>
           </a:p>
@@ -1102,7 +1103,7 @@
           <a:p>
             <a:fld id="{C063858B-4D56-E248-A865-DFFFFD3D1908}" type="datetimeFigureOut">
               <a:rPr lang="en-US" smtClean="0"/>
-              <a:t>7/20/23</a:t>
+              <a:t>11/3/23</a:t>
             </a:fld>
             <a:endParaRPr lang="en-US"/>
           </a:p>
@@ -1300,7 +1301,7 @@
           <a:p>
             <a:fld id="{C063858B-4D56-E248-A865-DFFFFD3D1908}" type="datetimeFigureOut">
               <a:rPr lang="en-US" smtClean="0"/>
-              <a:t>7/20/23</a:t>
+              <a:t>11/3/23</a:t>
             </a:fld>
             <a:endParaRPr lang="en-US"/>
           </a:p>
@@ -1575,7 +1576,7 @@
           <a:p>
             <a:fld id="{C063858B-4D56-E248-A865-DFFFFD3D1908}" type="datetimeFigureOut">
               <a:rPr lang="en-US" smtClean="0"/>
-              <a:t>7/20/23</a:t>
+              <a:t>11/3/23</a:t>
             </a:fld>
             <a:endParaRPr lang="en-US"/>
           </a:p>
@@ -1840,7 +1841,7 @@
           <a:p>
             <a:fld id="{C063858B-4D56-E248-A865-DFFFFD3D1908}" type="datetimeFigureOut">
               <a:rPr lang="en-US" smtClean="0"/>
-              <a:t>7/20/23</a:t>
+              <a:t>11/3/23</a:t>
             </a:fld>
             <a:endParaRPr lang="en-US"/>
           </a:p>
@@ -2252,7 +2253,7 @@
           <a:p>
             <a:fld id="{C063858B-4D56-E248-A865-DFFFFD3D1908}" type="datetimeFigureOut">
               <a:rPr lang="en-US" smtClean="0"/>
-              <a:t>7/20/23</a:t>
+              <a:t>11/3/23</a:t>
             </a:fld>
             <a:endParaRPr lang="en-US"/>
           </a:p>
@@ -2393,7 +2394,7 @@
           <a:p>
             <a:fld id="{C063858B-4D56-E248-A865-DFFFFD3D1908}" type="datetimeFigureOut">
               <a:rPr lang="en-US" smtClean="0"/>
-              <a:t>7/20/23</a:t>
+              <a:t>11/3/23</a:t>
             </a:fld>
             <a:endParaRPr lang="en-US"/>
           </a:p>
@@ -2506,7 +2507,7 @@
           <a:p>
             <a:fld id="{C063858B-4D56-E248-A865-DFFFFD3D1908}" type="datetimeFigureOut">
               <a:rPr lang="en-US" smtClean="0"/>
-              <a:t>7/20/23</a:t>
+              <a:t>11/3/23</a:t>
             </a:fld>
             <a:endParaRPr lang="en-US"/>
           </a:p>
@@ -2817,7 +2818,7 @@
           <a:p>
             <a:fld id="{C063858B-4D56-E248-A865-DFFFFD3D1908}" type="datetimeFigureOut">
               <a:rPr lang="en-US" smtClean="0"/>
-              <a:t>7/20/23</a:t>
+              <a:t>11/3/23</a:t>
             </a:fld>
             <a:endParaRPr lang="en-US"/>
           </a:p>
@@ -3105,7 +3106,7 @@
           <a:p>
             <a:fld id="{C063858B-4D56-E248-A865-DFFFFD3D1908}" type="datetimeFigureOut">
               <a:rPr lang="en-US" smtClean="0"/>
-              <a:t>7/20/23</a:t>
+              <a:t>11/3/23</a:t>
             </a:fld>
             <a:endParaRPr lang="en-US"/>
           </a:p>
@@ -3346,7 +3347,7 @@
           <a:p>
             <a:fld id="{C063858B-4D56-E248-A865-DFFFFD3D1908}" type="datetimeFigureOut">
               <a:rPr lang="en-US" smtClean="0"/>
-              <a:t>7/20/23</a:t>
+              <a:t>11/3/23</a:t>
             </a:fld>
             <a:endParaRPr lang="en-US"/>
           </a:p>
@@ -5266,6 +5267,3795 @@
 </p:sld>
 </file>
 
+<file path=ppt/slides/slide3.xml><?xml version="1.0" encoding="utf-8"?>
+<p:sld xmlns:a="http://schemas.openxmlformats.org/drawingml/2006/main" xmlns:r="http://schemas.openxmlformats.org/officeDocument/2006/relationships" xmlns:p="http://schemas.openxmlformats.org/presentationml/2006/main">
+  <p:cSld>
+    <p:spTree>
+      <p:nvGrpSpPr>
+        <p:cNvPr id="1" name=""/>
+        <p:cNvGrpSpPr/>
+        <p:nvPr/>
+      </p:nvGrpSpPr>
+      <p:grpSpPr>
+        <a:xfrm>
+          <a:off x="0" y="0"/>
+          <a:ext cx="0" cy="0"/>
+          <a:chOff x="0" y="0"/>
+          <a:chExt cx="0" cy="0"/>
+        </a:xfrm>
+      </p:grpSpPr>
+      <mc:AlternateContent xmlns:mc="http://schemas.openxmlformats.org/markup-compatibility/2006">
+        <mc:Choice xmlns:a14="http://schemas.microsoft.com/office/drawing/2010/main" Requires="a14">
+          <p:graphicFrame>
+            <p:nvGraphicFramePr>
+              <p:cNvPr id="6" name="Table 5">
+                <a:extLst>
+                  <a:ext uri="{FF2B5EF4-FFF2-40B4-BE49-F238E27FC236}">
+                    <a16:creationId xmlns:a16="http://schemas.microsoft.com/office/drawing/2014/main" id="{7455AEAB-E300-BA78-56D9-EEC3B16F29BF}"/>
+                  </a:ext>
+                </a:extLst>
+              </p:cNvPr>
+              <p:cNvGraphicFramePr>
+                <a:graphicFrameLocks noGrp="1"/>
+              </p:cNvGraphicFramePr>
+              <p:nvPr>
+                <p:extLst>
+                  <p:ext uri="{D42A27DB-BD31-4B8C-83A1-F6EECF244321}">
+                    <p14:modId xmlns:p14="http://schemas.microsoft.com/office/powerpoint/2010/main" val="2953727971"/>
+                  </p:ext>
+                </p:extLst>
+              </p:nvPr>
+            </p:nvGraphicFramePr>
+            <p:xfrm>
+              <a:off x="2427515" y="3769410"/>
+              <a:ext cx="7957457" cy="2142110"/>
+            </p:xfrm>
+            <a:graphic>
+              <a:graphicData uri="http://schemas.openxmlformats.org/drawingml/2006/table">
+                <a:tbl>
+                  <a:tblPr>
+                    <a:tableStyleId>{5C22544A-7EE6-4342-B048-85BDC9FD1C3A}</a:tableStyleId>
+                  </a:tblPr>
+                  <a:tblGrid>
+                    <a:gridCol w="5894552">
+                      <a:extLst>
+                        <a:ext uri="{9D8B030D-6E8A-4147-A177-3AD203B41FA5}">
+                          <a16:colId xmlns:a16="http://schemas.microsoft.com/office/drawing/2014/main" val="27819360"/>
+                        </a:ext>
+                      </a:extLst>
+                    </a:gridCol>
+                    <a:gridCol w="2062905">
+                      <a:extLst>
+                        <a:ext uri="{9D8B030D-6E8A-4147-A177-3AD203B41FA5}">
+                          <a16:colId xmlns:a16="http://schemas.microsoft.com/office/drawing/2014/main" val="3205083959"/>
+                        </a:ext>
+                      </a:extLst>
+                    </a:gridCol>
+                  </a:tblGrid>
+                  <a:tr h="0">
+                    <a:tc>
+                      <a:txBody>
+                        <a:bodyPr/>
+                        <a:lstStyle/>
+                        <a:p>
+                          <a:pPr marL="0" marR="0" algn="l">
+                            <a:lnSpc>
+                              <a:spcPct val="115000"/>
+                            </a:lnSpc>
+                            <a:spcBef>
+                              <a:spcPts val="0"/>
+                            </a:spcBef>
+                            <a:spcAft>
+                              <a:spcPts val="0"/>
+                            </a:spcAft>
+                          </a:pPr>
+                          <a14:m>
+                            <m:oMathPara xmlns:m="http://schemas.openxmlformats.org/officeDocument/2006/math">
+                              <m:oMathParaPr>
+                                <m:jc m:val="centerGroup"/>
+                              </m:oMathParaPr>
+                              <m:oMath xmlns:m="http://schemas.openxmlformats.org/officeDocument/2006/math">
+                                <m:f>
+                                  <m:fPr>
+                                    <m:ctrlPr>
+                                      <a:rPr lang="en-US" sz="1100" i="1" smtClean="0">
+                                        <a:effectLst/>
+                                        <a:latin typeface="Cambria Math" panose="02040503050406030204" pitchFamily="18" charset="0"/>
+                                        <a:ea typeface="Cambria Math" panose="02040503050406030204" pitchFamily="18" charset="0"/>
+                                      </a:rPr>
+                                    </m:ctrlPr>
+                                  </m:fPr>
+                                  <m:num>
+                                    <m:r>
+                                      <a:rPr lang="en-US" sz="1100">
+                                        <a:effectLst/>
+                                        <a:latin typeface="Cambria Math" panose="02040503050406030204" pitchFamily="18" charset="0"/>
+                                        <a:ea typeface="Cambria Math" panose="02040503050406030204" pitchFamily="18" charset="0"/>
+                                      </a:rPr>
+                                      <m:t>𝑑𝐸</m:t>
+                                    </m:r>
+                                  </m:num>
+                                  <m:den>
+                                    <m:r>
+                                      <a:rPr lang="en-US" sz="1100">
+                                        <a:effectLst/>
+                                        <a:latin typeface="Cambria Math" panose="02040503050406030204" pitchFamily="18" charset="0"/>
+                                        <a:ea typeface="Cambria Math" panose="02040503050406030204" pitchFamily="18" charset="0"/>
+                                      </a:rPr>
+                                      <m:t>𝑑𝑡</m:t>
+                                    </m:r>
+                                  </m:den>
+                                </m:f>
+                                <m:r>
+                                  <a:rPr lang="en-US" sz="1100">
+                                    <a:effectLst/>
+                                    <a:latin typeface="Cambria Math" panose="02040503050406030204" pitchFamily="18" charset="0"/>
+                                    <a:ea typeface="Cambria Math" panose="02040503050406030204" pitchFamily="18" charset="0"/>
+                                  </a:rPr>
+                                  <m:t> =</m:t>
+                                </m:r>
+                                <m:sSub>
+                                  <m:sSubPr>
+                                    <m:ctrlPr>
+                                      <a:rPr lang="en-US" sz="1100" i="1" smtClean="0">
+                                        <a:effectLst/>
+                                        <a:latin typeface="Cambria Math" panose="02040503050406030204" pitchFamily="18" charset="0"/>
+                                        <a:ea typeface="Cambria Math" panose="02040503050406030204" pitchFamily="18" charset="0"/>
+                                      </a:rPr>
+                                    </m:ctrlPr>
+                                  </m:sSubPr>
+                                  <m:e>
+                                    <m:r>
+                                      <a:rPr lang="en-US" sz="1100" i="1" smtClean="0">
+                                        <a:effectLst/>
+                                        <a:latin typeface="Cambria Math" panose="02040503050406030204" pitchFamily="18" charset="0"/>
+                                        <a:ea typeface="Cambria Math" panose="02040503050406030204" pitchFamily="18" charset="0"/>
+                                      </a:rPr>
+                                      <m:t>𝜇</m:t>
+                                    </m:r>
+                                  </m:e>
+                                  <m:sub>
+                                    <m:r>
+                                      <a:rPr lang="en-US" sz="1100" b="0" i="1" smtClean="0">
+                                        <a:effectLst/>
+                                        <a:latin typeface="Cambria Math" panose="02040503050406030204" pitchFamily="18" charset="0"/>
+                                        <a:ea typeface="Cambria Math" panose="02040503050406030204" pitchFamily="18" charset="0"/>
+                                      </a:rPr>
+                                      <m:t>𝐸</m:t>
+                                    </m:r>
+                                  </m:sub>
+                                </m:sSub>
+                                <m:r>
+                                  <a:rPr lang="en-US" sz="1100" b="0" i="1" smtClean="0">
+                                    <a:effectLst/>
+                                    <a:latin typeface="Cambria Math" panose="02040503050406030204" pitchFamily="18" charset="0"/>
+                                    <a:ea typeface="Cambria Math" panose="02040503050406030204" pitchFamily="18" charset="0"/>
+                                  </a:rPr>
+                                  <m:t>∗</m:t>
+                                </m:r>
+                                <m:r>
+                                  <a:rPr lang="en-US" sz="1100" b="0" i="1" smtClean="0">
+                                    <a:effectLst/>
+                                    <a:latin typeface="Cambria Math" panose="02040503050406030204" pitchFamily="18" charset="0"/>
+                                    <a:ea typeface="Cambria Math" panose="02040503050406030204" pitchFamily="18" charset="0"/>
+                                  </a:rPr>
+                                  <m:t>𝐸</m:t>
+                                </m:r>
+                                <m:r>
+                                  <a:rPr lang="en-US" sz="1100" b="0" i="1" smtClean="0">
+                                    <a:effectLst/>
+                                    <a:latin typeface="Cambria Math" panose="02040503050406030204" pitchFamily="18" charset="0"/>
+                                    <a:ea typeface="Cambria Math" panose="02040503050406030204" pitchFamily="18" charset="0"/>
+                                  </a:rPr>
+                                  <m:t> ∗</m:t>
+                                </m:r>
+                                <m:f>
+                                  <m:fPr>
+                                    <m:ctrlPr>
+                                      <a:rPr lang="en-US" sz="1100" b="0" i="1" smtClean="0">
+                                        <a:effectLst/>
+                                        <a:latin typeface="Cambria Math" panose="02040503050406030204" pitchFamily="18" charset="0"/>
+                                        <a:ea typeface="Cambria Math" panose="02040503050406030204" pitchFamily="18" charset="0"/>
+                                      </a:rPr>
+                                    </m:ctrlPr>
+                                  </m:fPr>
+                                  <m:num>
+                                    <m:sSub>
+                                      <m:sSubPr>
+                                        <m:ctrlPr>
+                                          <a:rPr lang="en-US" sz="1100" b="0" i="1" smtClean="0">
+                                            <a:effectLst/>
+                                            <a:latin typeface="Cambria Math" panose="02040503050406030204" pitchFamily="18" charset="0"/>
+                                            <a:ea typeface="Cambria Math" panose="02040503050406030204" pitchFamily="18" charset="0"/>
+                                          </a:rPr>
+                                        </m:ctrlPr>
+                                      </m:sSubPr>
+                                      <m:e>
+                                        <m:r>
+                                          <a:rPr lang="en-US" sz="1100" b="0" i="1" smtClean="0">
+                                            <a:effectLst/>
+                                            <a:latin typeface="Cambria Math" panose="02040503050406030204" pitchFamily="18" charset="0"/>
+                                            <a:ea typeface="Cambria Math" panose="02040503050406030204" pitchFamily="18" charset="0"/>
+                                          </a:rPr>
+                                          <m:t>𝛼</m:t>
+                                        </m:r>
+                                      </m:e>
+                                      <m:sub>
+                                        <m:r>
+                                          <a:rPr lang="en-US" sz="1100" b="0" i="1" smtClean="0">
+                                            <a:effectLst/>
+                                            <a:latin typeface="Cambria Math" panose="02040503050406030204" pitchFamily="18" charset="0"/>
+                                            <a:ea typeface="Cambria Math" panose="02040503050406030204" pitchFamily="18" charset="0"/>
+                                          </a:rPr>
+                                          <m:t>𝐸</m:t>
+                                        </m:r>
+                                        <m:r>
+                                          <a:rPr lang="en-US" sz="1100" b="0" i="1" smtClean="0">
+                                            <a:effectLst/>
+                                            <a:latin typeface="Cambria Math" panose="02040503050406030204" pitchFamily="18" charset="0"/>
+                                            <a:ea typeface="Cambria Math" panose="02040503050406030204" pitchFamily="18" charset="0"/>
+                                          </a:rPr>
+                                          <m:t>,</m:t>
+                                        </m:r>
+                                        <m:r>
+                                          <a:rPr lang="en-US" sz="1100" b="0" i="1" smtClean="0">
+                                            <a:effectLst/>
+                                            <a:latin typeface="Cambria Math" panose="02040503050406030204" pitchFamily="18" charset="0"/>
+                                            <a:ea typeface="Cambria Math" panose="02040503050406030204" pitchFamily="18" charset="0"/>
+                                          </a:rPr>
+                                          <m:t>𝑆</m:t>
+                                        </m:r>
+                                      </m:sub>
+                                    </m:sSub>
+                                    <m:r>
+                                      <a:rPr lang="en-US" sz="1100" b="0" i="1" smtClean="0">
+                                        <a:effectLst/>
+                                        <a:latin typeface="Cambria Math" panose="02040503050406030204" pitchFamily="18" charset="0"/>
+                                        <a:ea typeface="Cambria Math" panose="02040503050406030204" pitchFamily="18" charset="0"/>
+                                      </a:rPr>
+                                      <m:t>∗</m:t>
+                                    </m:r>
+                                    <m:r>
+                                      <a:rPr lang="en-US" sz="1100" b="0" i="1" smtClean="0">
+                                        <a:effectLst/>
+                                        <a:latin typeface="Cambria Math" panose="02040503050406030204" pitchFamily="18" charset="0"/>
+                                        <a:ea typeface="Cambria Math" panose="02040503050406030204" pitchFamily="18" charset="0"/>
+                                      </a:rPr>
+                                      <m:t>𝑆</m:t>
+                                    </m:r>
+                                  </m:num>
+                                  <m:den>
+                                    <m:sSub>
+                                      <m:sSubPr>
+                                        <m:ctrlPr>
+                                          <a:rPr lang="en-US" sz="1100" b="0" i="1" smtClean="0">
+                                            <a:effectLst/>
+                                            <a:latin typeface="Cambria Math" panose="02040503050406030204" pitchFamily="18" charset="0"/>
+                                            <a:ea typeface="Cambria Math" panose="02040503050406030204" pitchFamily="18" charset="0"/>
+                                          </a:rPr>
+                                        </m:ctrlPr>
+                                      </m:sSubPr>
+                                      <m:e>
+                                        <m:r>
+                                          <a:rPr lang="en-US" sz="1100" b="0" i="1" smtClean="0">
+                                            <a:effectLst/>
+                                            <a:latin typeface="Cambria Math" panose="02040503050406030204" pitchFamily="18" charset="0"/>
+                                            <a:ea typeface="Cambria Math" panose="02040503050406030204" pitchFamily="18" charset="0"/>
+                                          </a:rPr>
+                                          <m:t>(</m:t>
+                                        </m:r>
+                                        <m:r>
+                                          <a:rPr lang="en-US" sz="1100" b="0" i="1" smtClean="0">
+                                            <a:effectLst/>
+                                            <a:latin typeface="Cambria Math" panose="02040503050406030204" pitchFamily="18" charset="0"/>
+                                            <a:ea typeface="Cambria Math" panose="02040503050406030204" pitchFamily="18" charset="0"/>
+                                          </a:rPr>
+                                          <m:t>𝛼</m:t>
+                                        </m:r>
+                                      </m:e>
+                                      <m:sub>
+                                        <m:r>
+                                          <a:rPr lang="en-US" sz="1100" b="0" i="1" smtClean="0">
+                                            <a:effectLst/>
+                                            <a:latin typeface="Cambria Math" panose="02040503050406030204" pitchFamily="18" charset="0"/>
+                                            <a:ea typeface="Cambria Math" panose="02040503050406030204" pitchFamily="18" charset="0"/>
+                                          </a:rPr>
+                                          <m:t>𝐸</m:t>
+                                        </m:r>
+                                        <m:r>
+                                          <a:rPr lang="en-US" sz="1100" b="0" i="1" smtClean="0">
+                                            <a:effectLst/>
+                                            <a:latin typeface="Cambria Math" panose="02040503050406030204" pitchFamily="18" charset="0"/>
+                                            <a:ea typeface="Cambria Math" panose="02040503050406030204" pitchFamily="18" charset="0"/>
+                                          </a:rPr>
+                                          <m:t>,</m:t>
+                                        </m:r>
+                                        <m:r>
+                                          <a:rPr lang="en-US" sz="1100" b="0" i="1" smtClean="0">
+                                            <a:effectLst/>
+                                            <a:latin typeface="Cambria Math" panose="02040503050406030204" pitchFamily="18" charset="0"/>
+                                            <a:ea typeface="Cambria Math" panose="02040503050406030204" pitchFamily="18" charset="0"/>
+                                          </a:rPr>
+                                          <m:t>𝑆</m:t>
+                                        </m:r>
+                                      </m:sub>
+                                    </m:sSub>
+                                    <m:r>
+                                      <a:rPr lang="en-US" sz="1100" b="0" i="1" smtClean="0">
+                                        <a:effectLst/>
+                                        <a:latin typeface="Cambria Math" panose="02040503050406030204" pitchFamily="18" charset="0"/>
+                                        <a:ea typeface="Cambria Math" panose="02040503050406030204" pitchFamily="18" charset="0"/>
+                                      </a:rPr>
+                                      <m:t> </m:t>
+                                    </m:r>
+                                    <m:r>
+                                      <a:rPr lang="en-US" sz="1100" b="0" i="1" smtClean="0">
+                                        <a:effectLst/>
+                                        <a:latin typeface="Cambria Math" panose="02040503050406030204" pitchFamily="18" charset="0"/>
+                                        <a:ea typeface="Cambria Math" panose="02040503050406030204" pitchFamily="18" charset="0"/>
+                                      </a:rPr>
+                                      <m:t>∗</m:t>
+                                    </m:r>
+                                    <m:r>
+                                      <a:rPr lang="en-US" sz="1100" b="0" i="1" smtClean="0">
+                                        <a:effectLst/>
+                                        <a:latin typeface="Cambria Math" panose="02040503050406030204" pitchFamily="18" charset="0"/>
+                                        <a:ea typeface="Cambria Math" panose="02040503050406030204" pitchFamily="18" charset="0"/>
+                                      </a:rPr>
+                                      <m:t>𝑆</m:t>
+                                    </m:r>
+                                    <m:r>
+                                      <a:rPr lang="en-US" sz="1100" b="0" i="1" smtClean="0">
+                                        <a:effectLst/>
+                                        <a:latin typeface="Cambria Math" panose="02040503050406030204" pitchFamily="18" charset="0"/>
+                                        <a:ea typeface="Cambria Math" panose="02040503050406030204" pitchFamily="18" charset="0"/>
+                                      </a:rPr>
+                                      <m:t>)+ </m:t>
+                                    </m:r>
+                                    <m:sSub>
+                                      <m:sSubPr>
+                                        <m:ctrlPr>
+                                          <a:rPr lang="en-US" sz="1100" b="0" i="1" smtClean="0">
+                                            <a:effectLst/>
+                                            <a:latin typeface="Cambria Math" panose="02040503050406030204" pitchFamily="18" charset="0"/>
+                                            <a:ea typeface="Cambria Math" panose="02040503050406030204" pitchFamily="18" charset="0"/>
+                                          </a:rPr>
+                                        </m:ctrlPr>
+                                      </m:sSubPr>
+                                      <m:e>
+                                        <m:r>
+                                          <a:rPr lang="en-US" sz="1100" b="0" i="1" smtClean="0">
+                                            <a:effectLst/>
+                                            <a:latin typeface="Cambria Math" panose="02040503050406030204" pitchFamily="18" charset="0"/>
+                                            <a:ea typeface="Cambria Math" panose="02040503050406030204" pitchFamily="18" charset="0"/>
+                                          </a:rPr>
+                                          <m:t>𝜅</m:t>
+                                        </m:r>
+                                      </m:e>
+                                      <m:sub>
+                                        <m:r>
+                                          <a:rPr lang="en-US" sz="1100" b="0" i="1" smtClean="0">
+                                            <a:effectLst/>
+                                            <a:latin typeface="Cambria Math" panose="02040503050406030204" pitchFamily="18" charset="0"/>
+                                            <a:ea typeface="Cambria Math" panose="02040503050406030204" pitchFamily="18" charset="0"/>
+                                          </a:rPr>
+                                          <m:t>𝐸</m:t>
+                                        </m:r>
+                                      </m:sub>
+                                    </m:sSub>
+                                  </m:den>
+                                </m:f>
+                                <m:r>
+                                  <a:rPr lang="en-US" sz="1100" b="0" i="1" smtClean="0">
+                                    <a:effectLst/>
+                                    <a:latin typeface="Cambria Math" panose="02040503050406030204" pitchFamily="18" charset="0"/>
+                                    <a:ea typeface="Cambria Math" panose="02040503050406030204" pitchFamily="18" charset="0"/>
+                                  </a:rPr>
+                                  <m:t>−</m:t>
+                                </m:r>
+                                <m:d>
+                                  <m:dPr>
+                                    <m:ctrlPr>
+                                      <a:rPr lang="en-US" sz="1100" b="0" i="1" smtClean="0">
+                                        <a:effectLst/>
+                                        <a:latin typeface="Cambria Math" panose="02040503050406030204" pitchFamily="18" charset="0"/>
+                                        <a:ea typeface="Cambria Math" panose="02040503050406030204" pitchFamily="18" charset="0"/>
+                                      </a:rPr>
+                                    </m:ctrlPr>
+                                  </m:dPr>
+                                  <m:e>
+                                    <m:r>
+                                      <a:rPr lang="en-US" sz="1100" b="0" i="1" smtClean="0">
+                                        <a:effectLst/>
+                                        <a:latin typeface="Cambria Math" panose="02040503050406030204" pitchFamily="18" charset="0"/>
+                                        <a:ea typeface="Cambria Math" panose="02040503050406030204" pitchFamily="18" charset="0"/>
+                                      </a:rPr>
+                                      <m:t>𝑅</m:t>
+                                    </m:r>
+                                    <m:r>
+                                      <a:rPr lang="en-US" sz="1100" b="0" i="1" smtClean="0">
+                                        <a:effectLst/>
+                                        <a:latin typeface="Cambria Math" panose="02040503050406030204" pitchFamily="18" charset="0"/>
+                                        <a:ea typeface="Cambria Math" panose="02040503050406030204" pitchFamily="18" charset="0"/>
+                                      </a:rPr>
+                                      <m:t>−</m:t>
+                                    </m:r>
+                                    <m:r>
+                                      <a:rPr lang="en-US" sz="1100" b="0" i="1" smtClean="0">
+                                        <a:effectLst/>
+                                        <a:latin typeface="Cambria Math" panose="02040503050406030204" pitchFamily="18" charset="0"/>
+                                        <a:ea typeface="Cambria Math" panose="02040503050406030204" pitchFamily="18" charset="0"/>
+                                      </a:rPr>
+                                      <m:t>𝐸</m:t>
+                                    </m:r>
+                                    <m:r>
+                                      <a:rPr lang="en-US" sz="1100" b="0" i="1" smtClean="0">
+                                        <a:effectLst/>
+                                        <a:latin typeface="Cambria Math" panose="02040503050406030204" pitchFamily="18" charset="0"/>
+                                        <a:ea typeface="Cambria Math" panose="02040503050406030204" pitchFamily="18" charset="0"/>
+                                      </a:rPr>
+                                      <m:t>−(</m:t>
+                                    </m:r>
+                                    <m:sSub>
+                                      <m:sSubPr>
+                                        <m:ctrlPr>
+                                          <a:rPr lang="en-US" sz="1100" b="0" i="1" smtClean="0">
+                                            <a:effectLst/>
+                                            <a:latin typeface="Cambria Math" panose="02040503050406030204" pitchFamily="18" charset="0"/>
+                                            <a:ea typeface="Cambria Math" panose="02040503050406030204" pitchFamily="18" charset="0"/>
+                                          </a:rPr>
+                                        </m:ctrlPr>
+                                      </m:sSubPr>
+                                      <m:e>
+                                        <m:r>
+                                          <a:rPr lang="en-US" sz="1100" b="0" i="1" smtClean="0">
+                                            <a:effectLst/>
+                                            <a:latin typeface="Cambria Math" panose="02040503050406030204" pitchFamily="18" charset="0"/>
+                                            <a:ea typeface="Cambria Math" panose="02040503050406030204" pitchFamily="18" charset="0"/>
+                                          </a:rPr>
+                                          <m:t>𝛽</m:t>
+                                        </m:r>
+                                      </m:e>
+                                      <m:sub>
+                                        <m:r>
+                                          <a:rPr lang="en-US" sz="1100" b="0" i="1" smtClean="0">
+                                            <a:effectLst/>
+                                            <a:latin typeface="Cambria Math" panose="02040503050406030204" pitchFamily="18" charset="0"/>
+                                            <a:ea typeface="Cambria Math" panose="02040503050406030204" pitchFamily="18" charset="0"/>
+                                          </a:rPr>
+                                          <m:t>𝐸</m:t>
+                                        </m:r>
+                                        <m:r>
+                                          <a:rPr lang="en-US" sz="1100" b="0" i="1" smtClean="0">
+                                            <a:effectLst/>
+                                            <a:latin typeface="Cambria Math" panose="02040503050406030204" pitchFamily="18" charset="0"/>
+                                            <a:ea typeface="Cambria Math" panose="02040503050406030204" pitchFamily="18" charset="0"/>
+                                          </a:rPr>
+                                          <m:t>,</m:t>
+                                        </m:r>
+                                        <m:r>
+                                          <a:rPr lang="en-US" sz="1100" b="0" i="1" smtClean="0">
+                                            <a:effectLst/>
+                                            <a:latin typeface="Cambria Math" panose="02040503050406030204" pitchFamily="18" charset="0"/>
+                                            <a:ea typeface="Cambria Math" panose="02040503050406030204" pitchFamily="18" charset="0"/>
+                                          </a:rPr>
+                                          <m:t>𝑆</m:t>
+                                        </m:r>
+                                      </m:sub>
+                                    </m:sSub>
+                                    <m:r>
+                                      <a:rPr lang="en-US" sz="1100" b="0" i="1" smtClean="0">
+                                        <a:effectLst/>
+                                        <a:latin typeface="Cambria Math" panose="02040503050406030204" pitchFamily="18" charset="0"/>
+                                        <a:ea typeface="Cambria Math" panose="02040503050406030204" pitchFamily="18" charset="0"/>
+                                      </a:rPr>
+                                      <m:t>∗</m:t>
+                                    </m:r>
+                                    <m:r>
+                                      <a:rPr lang="en-US" sz="1100" b="0" i="1" smtClean="0">
+                                        <a:effectLst/>
+                                        <a:latin typeface="Cambria Math" panose="02040503050406030204" pitchFamily="18" charset="0"/>
+                                        <a:ea typeface="Cambria Math" panose="02040503050406030204" pitchFamily="18" charset="0"/>
+                                      </a:rPr>
+                                      <m:t>𝑆</m:t>
+                                    </m:r>
+                                    <m:r>
+                                      <a:rPr lang="en-US" sz="1100" b="0" i="1" smtClean="0">
+                                        <a:effectLst/>
+                                        <a:latin typeface="Cambria Math" panose="02040503050406030204" pitchFamily="18" charset="0"/>
+                                        <a:ea typeface="Cambria Math" panose="02040503050406030204" pitchFamily="18" charset="0"/>
+                                      </a:rPr>
+                                      <m:t>)</m:t>
+                                    </m:r>
+                                  </m:e>
+                                </m:d>
+                                <m:r>
+                                  <a:rPr lang="en-US" sz="1100" b="0" i="1" smtClean="0">
+                                    <a:effectLst/>
+                                    <a:latin typeface="Cambria Math" panose="02040503050406030204" pitchFamily="18" charset="0"/>
+                                    <a:ea typeface="Cambria Math" panose="02040503050406030204" pitchFamily="18" charset="0"/>
+                                  </a:rPr>
+                                  <m:t>−</m:t>
+                                </m:r>
+                                <m:d>
+                                  <m:dPr>
+                                    <m:ctrlPr>
+                                      <a:rPr lang="en-US" sz="1100" b="0" i="1" smtClean="0">
+                                        <a:effectLst/>
+                                        <a:latin typeface="Cambria Math" panose="02040503050406030204" pitchFamily="18" charset="0"/>
+                                        <a:ea typeface="Cambria Math" panose="02040503050406030204" pitchFamily="18" charset="0"/>
+                                      </a:rPr>
+                                    </m:ctrlPr>
+                                  </m:dPr>
+                                  <m:e>
+                                    <m:sSub>
+                                      <m:sSubPr>
+                                        <m:ctrlPr>
+                                          <a:rPr lang="en-US" sz="1100" b="0" i="1" smtClean="0">
+                                            <a:effectLst/>
+                                            <a:latin typeface="Cambria Math" panose="02040503050406030204" pitchFamily="18" charset="0"/>
+                                            <a:ea typeface="Cambria Math" panose="02040503050406030204" pitchFamily="18" charset="0"/>
+                                          </a:rPr>
+                                        </m:ctrlPr>
+                                      </m:sSubPr>
+                                      <m:e>
+                                        <m:r>
+                                          <a:rPr lang="en-US" sz="1100" b="0" i="1" smtClean="0">
+                                            <a:effectLst/>
+                                            <a:latin typeface="Cambria Math" panose="02040503050406030204" pitchFamily="18" charset="0"/>
+                                            <a:ea typeface="Cambria Math" panose="02040503050406030204" pitchFamily="18" charset="0"/>
+                                          </a:rPr>
+                                          <m:t>𝜍</m:t>
+                                        </m:r>
+                                      </m:e>
+                                      <m:sub>
+                                        <m:r>
+                                          <a:rPr lang="en-US" sz="1100" b="0" i="1" smtClean="0">
+                                            <a:effectLst/>
+                                            <a:latin typeface="Cambria Math" panose="02040503050406030204" pitchFamily="18" charset="0"/>
+                                            <a:ea typeface="Cambria Math" panose="02040503050406030204" pitchFamily="18" charset="0"/>
+                                          </a:rPr>
+                                          <m:t>𝐸</m:t>
+                                        </m:r>
+                                        <m:r>
+                                          <a:rPr lang="en-US" sz="1100" b="0" i="1" smtClean="0">
+                                            <a:effectLst/>
+                                            <a:latin typeface="Cambria Math" panose="02040503050406030204" pitchFamily="18" charset="0"/>
+                                            <a:ea typeface="Cambria Math" panose="02040503050406030204" pitchFamily="18" charset="0"/>
+                                          </a:rPr>
+                                          <m:t>,</m:t>
+                                        </m:r>
+                                        <m:r>
+                                          <a:rPr lang="en-US" sz="1100" b="0" i="1" smtClean="0">
+                                            <a:effectLst/>
+                                            <a:latin typeface="Cambria Math" panose="02040503050406030204" pitchFamily="18" charset="0"/>
+                                            <a:ea typeface="Cambria Math" panose="02040503050406030204" pitchFamily="18" charset="0"/>
+                                          </a:rPr>
+                                          <m:t>𝐺</m:t>
+                                        </m:r>
+                                      </m:sub>
+                                    </m:sSub>
+                                    <m:r>
+                                      <a:rPr lang="en-US" sz="1100" b="0" i="1" smtClean="0">
+                                        <a:effectLst/>
+                                        <a:latin typeface="Cambria Math" panose="02040503050406030204" pitchFamily="18" charset="0"/>
+                                        <a:ea typeface="Cambria Math" panose="02040503050406030204" pitchFamily="18" charset="0"/>
+                                      </a:rPr>
+                                      <m:t>∗</m:t>
+                                    </m:r>
+                                    <m:r>
+                                      <a:rPr lang="en-US" sz="1100" b="0" i="1" smtClean="0">
+                                        <a:effectLst/>
+                                        <a:latin typeface="Cambria Math" panose="02040503050406030204" pitchFamily="18" charset="0"/>
+                                        <a:ea typeface="Cambria Math" panose="02040503050406030204" pitchFamily="18" charset="0"/>
+                                      </a:rPr>
+                                      <m:t>𝐺</m:t>
+                                    </m:r>
+                                    <m:r>
+                                      <a:rPr lang="en-US" sz="1100" b="0" i="1" smtClean="0">
+                                        <a:effectLst/>
+                                        <a:latin typeface="Cambria Math" panose="02040503050406030204" pitchFamily="18" charset="0"/>
+                                        <a:ea typeface="Cambria Math" panose="02040503050406030204" pitchFamily="18" charset="0"/>
+                                      </a:rPr>
+                                      <m:t>∗</m:t>
+                                    </m:r>
+                                    <m:r>
+                                      <a:rPr lang="en-US" sz="1100" b="0" i="1" smtClean="0">
+                                        <a:effectLst/>
+                                        <a:latin typeface="Cambria Math" panose="02040503050406030204" pitchFamily="18" charset="0"/>
+                                        <a:ea typeface="Cambria Math" panose="02040503050406030204" pitchFamily="18" charset="0"/>
+                                      </a:rPr>
+                                      <m:t>𝐸</m:t>
+                                    </m:r>
+                                  </m:e>
+                                </m:d>
+                                <m:r>
+                                  <a:rPr lang="en-US" sz="1100" b="0" i="1" smtClean="0">
+                                    <a:effectLst/>
+                                    <a:latin typeface="Cambria Math" panose="02040503050406030204" pitchFamily="18" charset="0"/>
+                                    <a:ea typeface="Cambria Math" panose="02040503050406030204" pitchFamily="18" charset="0"/>
+                                  </a:rPr>
+                                  <m:t>−(</m:t>
+                                </m:r>
+                                <m:sSub>
+                                  <m:sSubPr>
+                                    <m:ctrlPr>
+                                      <a:rPr lang="en-US" sz="1100" b="0" i="1" smtClean="0">
+                                        <a:effectLst/>
+                                        <a:latin typeface="Cambria Math" panose="02040503050406030204" pitchFamily="18" charset="0"/>
+                                        <a:ea typeface="Cambria Math" panose="02040503050406030204" pitchFamily="18" charset="0"/>
+                                      </a:rPr>
+                                    </m:ctrlPr>
+                                  </m:sSubPr>
+                                  <m:e>
+                                    <m:r>
+                                      <a:rPr lang="en-US" sz="1100" b="0" i="1" smtClean="0">
+                                        <a:effectLst/>
+                                        <a:latin typeface="Cambria Math" panose="02040503050406030204" pitchFamily="18" charset="0"/>
+                                        <a:ea typeface="Cambria Math" panose="02040503050406030204" pitchFamily="18" charset="0"/>
+                                      </a:rPr>
+                                      <m:t>𝛿</m:t>
+                                    </m:r>
+                                  </m:e>
+                                  <m:sub>
+                                    <m:r>
+                                      <a:rPr lang="en-US" sz="1100" b="0" i="1" smtClean="0">
+                                        <a:effectLst/>
+                                        <a:latin typeface="Cambria Math" panose="02040503050406030204" pitchFamily="18" charset="0"/>
+                                        <a:ea typeface="Cambria Math" panose="02040503050406030204" pitchFamily="18" charset="0"/>
+                                      </a:rPr>
+                                      <m:t>𝐸</m:t>
+                                    </m:r>
+                                  </m:sub>
+                                </m:sSub>
+                                <m:r>
+                                  <a:rPr lang="en-US" sz="1100" b="0" i="1" smtClean="0">
+                                    <a:effectLst/>
+                                    <a:latin typeface="Cambria Math" panose="02040503050406030204" pitchFamily="18" charset="0"/>
+                                    <a:ea typeface="Cambria Math" panose="02040503050406030204" pitchFamily="18" charset="0"/>
+                                  </a:rPr>
+                                  <m:t>∗</m:t>
+                                </m:r>
+                                <m:r>
+                                  <a:rPr lang="en-US" sz="1100" b="0" i="1" smtClean="0">
+                                    <a:effectLst/>
+                                    <a:latin typeface="Cambria Math" panose="02040503050406030204" pitchFamily="18" charset="0"/>
+                                    <a:ea typeface="Cambria Math" panose="02040503050406030204" pitchFamily="18" charset="0"/>
+                                  </a:rPr>
+                                  <m:t>𝐸</m:t>
+                                </m:r>
+                                <m:r>
+                                  <a:rPr lang="en-US" sz="1100" b="0" i="1" smtClean="0">
+                                    <a:effectLst/>
+                                    <a:latin typeface="Cambria Math" panose="02040503050406030204" pitchFamily="18" charset="0"/>
+                                    <a:ea typeface="Cambria Math" panose="02040503050406030204" pitchFamily="18" charset="0"/>
+                                  </a:rPr>
+                                  <m:t>)</m:t>
+                                </m:r>
+                              </m:oMath>
+                            </m:oMathPara>
+                          </a14:m>
+                          <a:endParaRPr lang="en-US" sz="1100" dirty="0">
+                            <a:effectLst/>
+                            <a:latin typeface="Cambria Math" panose="02040503050406030204" pitchFamily="18" charset="0"/>
+                            <a:ea typeface="Cambria Math" panose="02040503050406030204" pitchFamily="18" charset="0"/>
+                          </a:endParaRPr>
+                        </a:p>
+                      </a:txBody>
+                      <a:tcPr marL="63500" marR="63500" marT="63500" marB="63500">
+                        <a:lnL w="12700" cap="flat" cmpd="sng" algn="ctr">
+                          <a:noFill/>
+                          <a:prstDash val="solid"/>
+                          <a:round/>
+                          <a:headEnd type="none" w="med" len="med"/>
+                          <a:tailEnd type="none" w="med" len="med"/>
+                        </a:lnL>
+                        <a:lnR w="12700" cap="flat" cmpd="sng" algn="ctr">
+                          <a:noFill/>
+                          <a:prstDash val="solid"/>
+                          <a:round/>
+                          <a:headEnd type="none" w="med" len="med"/>
+                          <a:tailEnd type="none" w="med" len="med"/>
+                        </a:lnR>
+                        <a:lnT w="12700" cap="flat" cmpd="sng" algn="ctr">
+                          <a:noFill/>
+                          <a:prstDash val="solid"/>
+                          <a:round/>
+                          <a:headEnd type="none" w="med" len="med"/>
+                          <a:tailEnd type="none" w="med" len="med"/>
+                        </a:lnT>
+                        <a:lnB w="12700" cap="flat" cmpd="sng" algn="ctr">
+                          <a:noFill/>
+                          <a:prstDash val="solid"/>
+                          <a:round/>
+                          <a:headEnd type="none" w="med" len="med"/>
+                          <a:tailEnd type="none" w="med" len="med"/>
+                        </a:lnB>
+                        <a:lnTlToBr w="12700" cmpd="sng">
+                          <a:noFill/>
+                          <a:prstDash val="solid"/>
+                        </a:lnTlToBr>
+                        <a:lnBlToTr w="12700" cmpd="sng">
+                          <a:noFill/>
+                          <a:prstDash val="solid"/>
+                        </a:lnBlToTr>
+                        <a:noFill/>
+                      </a:tcPr>
+                    </a:tc>
+                    <a:tc>
+                      <a:txBody>
+                        <a:bodyPr/>
+                        <a:lstStyle/>
+                        <a:p>
+                          <a:pPr marL="0" marR="0" algn="l">
+                            <a:lnSpc>
+                              <a:spcPct val="115000"/>
+                            </a:lnSpc>
+                            <a:spcBef>
+                              <a:spcPts val="0"/>
+                            </a:spcBef>
+                            <a:spcAft>
+                              <a:spcPts val="0"/>
+                            </a:spcAft>
+                          </a:pPr>
+                          <a:endParaRPr lang="en-US" sz="1200" i="0" dirty="0">
+                            <a:effectLst/>
+                            <a:latin typeface="Times New Roman" panose="02020603050405020304" pitchFamily="18" charset="0"/>
+                            <a:ea typeface="Cambria Math" panose="02040503050406030204" pitchFamily="18" charset="0"/>
+                            <a:cs typeface="Times New Roman" panose="02020603050405020304" pitchFamily="18" charset="0"/>
+                          </a:endParaRPr>
+                        </a:p>
+                        <a:p>
+                          <a:pPr marL="0" marR="0" lvl="0" indent="0" algn="l" defTabSz="914400" rtl="0" eaLnBrk="1" fontAlgn="auto" latinLnBrk="0" hangingPunct="1">
+                            <a:lnSpc>
+                              <a:spcPct val="115000"/>
+                            </a:lnSpc>
+                            <a:spcBef>
+                              <a:spcPts val="0"/>
+                            </a:spcBef>
+                            <a:spcAft>
+                              <a:spcPts val="0"/>
+                            </a:spcAft>
+                            <a:buClrTx/>
+                            <a:buSzTx/>
+                            <a:buFontTx/>
+                            <a:buNone/>
+                            <a:tabLst/>
+                            <a:defRPr/>
+                          </a:pPr>
+                          <a:r>
+                            <a:rPr lang="en-US" sz="1200" i="1" dirty="0">
+                              <a:effectLst/>
+                              <a:latin typeface="Times New Roman" panose="02020603050405020304" pitchFamily="18" charset="0"/>
+                              <a:ea typeface="Cambria Math" panose="02040503050406030204" pitchFamily="18" charset="0"/>
+                              <a:cs typeface="Times New Roman" panose="02020603050405020304" pitchFamily="18" charset="0"/>
+                            </a:rPr>
+                            <a:t>E. coli </a:t>
+                          </a:r>
+                          <a:r>
+                            <a:rPr lang="en-US" sz="1200" i="0" dirty="0">
+                              <a:effectLst/>
+                              <a:latin typeface="Times New Roman" panose="02020603050405020304" pitchFamily="18" charset="0"/>
+                              <a:ea typeface="Cambria Math" panose="02040503050406030204" pitchFamily="18" charset="0"/>
+                              <a:cs typeface="Times New Roman" panose="02020603050405020304" pitchFamily="18" charset="0"/>
+                            </a:rPr>
+                            <a:t>(Equation 1)</a:t>
+                          </a:r>
+                        </a:p>
+                      </a:txBody>
+                      <a:tcPr marL="63500" marR="63500" marT="63500" marB="63500">
+                        <a:lnL w="12700" cap="flat" cmpd="sng" algn="ctr">
+                          <a:noFill/>
+                          <a:prstDash val="solid"/>
+                          <a:round/>
+                          <a:headEnd type="none" w="med" len="med"/>
+                          <a:tailEnd type="none" w="med" len="med"/>
+                        </a:lnL>
+                        <a:lnR w="12700" cap="flat" cmpd="sng" algn="ctr">
+                          <a:noFill/>
+                          <a:prstDash val="solid"/>
+                          <a:round/>
+                          <a:headEnd type="none" w="med" len="med"/>
+                          <a:tailEnd type="none" w="med" len="med"/>
+                        </a:lnR>
+                        <a:lnT w="12700" cap="flat" cmpd="sng" algn="ctr">
+                          <a:noFill/>
+                          <a:prstDash val="solid"/>
+                          <a:round/>
+                          <a:headEnd type="none" w="med" len="med"/>
+                          <a:tailEnd type="none" w="med" len="med"/>
+                        </a:lnT>
+                        <a:lnB w="12700" cap="flat" cmpd="sng" algn="ctr">
+                          <a:noFill/>
+                          <a:prstDash val="solid"/>
+                          <a:round/>
+                          <a:headEnd type="none" w="med" len="med"/>
+                          <a:tailEnd type="none" w="med" len="med"/>
+                        </a:lnB>
+                        <a:lnTlToBr w="12700" cmpd="sng">
+                          <a:noFill/>
+                          <a:prstDash val="solid"/>
+                        </a:lnTlToBr>
+                        <a:lnBlToTr w="12700" cmpd="sng">
+                          <a:noFill/>
+                          <a:prstDash val="solid"/>
+                        </a:lnBlToTr>
+                        <a:noFill/>
+                      </a:tcPr>
+                    </a:tc>
+                    <a:extLst>
+                      <a:ext uri="{0D108BD9-81ED-4DB2-BD59-A6C34878D82A}">
+                        <a16:rowId xmlns:a16="http://schemas.microsoft.com/office/drawing/2014/main" val="1459767029"/>
+                      </a:ext>
+                    </a:extLst>
+                  </a:tr>
+                  <a:tr h="0">
+                    <a:tc>
+                      <a:txBody>
+                        <a:bodyPr/>
+                        <a:lstStyle/>
+                        <a:p>
+                          <a:pPr marL="0" marR="0" algn="l">
+                            <a:lnSpc>
+                              <a:spcPct val="115000"/>
+                            </a:lnSpc>
+                            <a:spcBef>
+                              <a:spcPts val="0"/>
+                            </a:spcBef>
+                            <a:spcAft>
+                              <a:spcPts val="0"/>
+                            </a:spcAft>
+                          </a:pPr>
+                          <a14:m>
+                            <m:oMathPara xmlns:m="http://schemas.openxmlformats.org/officeDocument/2006/math">
+                              <m:oMathParaPr>
+                                <m:jc m:val="centerGroup"/>
+                              </m:oMathParaPr>
+                              <m:oMath xmlns:m="http://schemas.openxmlformats.org/officeDocument/2006/math">
+                                <m:f>
+                                  <m:fPr>
+                                    <m:ctrlPr>
+                                      <a:rPr lang="en-US" sz="1100" i="1" smtClean="0">
+                                        <a:effectLst/>
+                                        <a:latin typeface="Cambria Math" panose="02040503050406030204" pitchFamily="18" charset="0"/>
+                                        <a:ea typeface="Cambria Math" panose="02040503050406030204" pitchFamily="18" charset="0"/>
+                                      </a:rPr>
+                                    </m:ctrlPr>
+                                  </m:fPr>
+                                  <m:num>
+                                    <m:r>
+                                      <a:rPr lang="en-US" sz="1100">
+                                        <a:effectLst/>
+                                        <a:latin typeface="Cambria Math" panose="02040503050406030204" pitchFamily="18" charset="0"/>
+                                        <a:ea typeface="Cambria Math" panose="02040503050406030204" pitchFamily="18" charset="0"/>
+                                      </a:rPr>
+                                      <m:t>𝑑𝑆</m:t>
+                                    </m:r>
+                                  </m:num>
+                                  <m:den>
+                                    <m:r>
+                                      <a:rPr lang="en-US" sz="1100">
+                                        <a:effectLst/>
+                                        <a:latin typeface="Cambria Math" panose="02040503050406030204" pitchFamily="18" charset="0"/>
+                                        <a:ea typeface="Cambria Math" panose="02040503050406030204" pitchFamily="18" charset="0"/>
+                                      </a:rPr>
+                                      <m:t>𝑑𝑡</m:t>
+                                    </m:r>
+                                  </m:den>
+                                </m:f>
+                                <m:r>
+                                  <a:rPr lang="en-US" sz="1100">
+                                    <a:effectLst/>
+                                    <a:latin typeface="Cambria Math" panose="02040503050406030204" pitchFamily="18" charset="0"/>
+                                    <a:ea typeface="Cambria Math" panose="02040503050406030204" pitchFamily="18" charset="0"/>
+                                  </a:rPr>
+                                  <m:t> =</m:t>
+                                </m:r>
+                                <m:sSub>
+                                  <m:sSubPr>
+                                    <m:ctrlPr>
+                                      <a:rPr lang="en-US" sz="1100" i="1" smtClean="0">
+                                        <a:effectLst/>
+                                        <a:latin typeface="Cambria Math" panose="02040503050406030204" pitchFamily="18" charset="0"/>
+                                        <a:ea typeface="Cambria Math" panose="02040503050406030204" pitchFamily="18" charset="0"/>
+                                      </a:rPr>
+                                    </m:ctrlPr>
+                                  </m:sSubPr>
+                                  <m:e>
+                                    <m:r>
+                                      <a:rPr lang="en-US" sz="1100" i="1" smtClean="0">
+                                        <a:effectLst/>
+                                        <a:latin typeface="Cambria Math" panose="02040503050406030204" pitchFamily="18" charset="0"/>
+                                        <a:ea typeface="Cambria Math" panose="02040503050406030204" pitchFamily="18" charset="0"/>
+                                      </a:rPr>
+                                      <m:t>𝜇</m:t>
+                                    </m:r>
+                                  </m:e>
+                                  <m:sub>
+                                    <m:r>
+                                      <a:rPr lang="en-US" sz="1100" b="0" i="1" smtClean="0">
+                                        <a:effectLst/>
+                                        <a:latin typeface="Cambria Math" panose="02040503050406030204" pitchFamily="18" charset="0"/>
+                                        <a:ea typeface="Cambria Math" panose="02040503050406030204" pitchFamily="18" charset="0"/>
+                                      </a:rPr>
+                                      <m:t>𝑆</m:t>
+                                    </m:r>
+                                  </m:sub>
+                                </m:sSub>
+                                <m:r>
+                                  <a:rPr lang="en-US" sz="1100" b="0" i="1" smtClean="0">
+                                    <a:effectLst/>
+                                    <a:latin typeface="Cambria Math" panose="02040503050406030204" pitchFamily="18" charset="0"/>
+                                    <a:ea typeface="Cambria Math" panose="02040503050406030204" pitchFamily="18" charset="0"/>
+                                  </a:rPr>
+                                  <m:t>∗</m:t>
+                                </m:r>
+                                <m:r>
+                                  <a:rPr lang="en-US" sz="1100" b="0" i="1" smtClean="0">
+                                    <a:effectLst/>
+                                    <a:latin typeface="Cambria Math" panose="02040503050406030204" pitchFamily="18" charset="0"/>
+                                    <a:ea typeface="Cambria Math" panose="02040503050406030204" pitchFamily="18" charset="0"/>
+                                  </a:rPr>
+                                  <m:t>𝑆</m:t>
+                                </m:r>
+                                <m:r>
+                                  <a:rPr lang="en-US" sz="1100" b="0" i="1" smtClean="0">
+                                    <a:effectLst/>
+                                    <a:latin typeface="Cambria Math" panose="02040503050406030204" pitchFamily="18" charset="0"/>
+                                    <a:ea typeface="Cambria Math" panose="02040503050406030204" pitchFamily="18" charset="0"/>
+                                  </a:rPr>
+                                  <m:t> ∗</m:t>
+                                </m:r>
+                                <m:f>
+                                  <m:fPr>
+                                    <m:ctrlPr>
+                                      <a:rPr lang="en-US" sz="1100" b="0" i="1" smtClean="0">
+                                        <a:effectLst/>
+                                        <a:latin typeface="Cambria Math" panose="02040503050406030204" pitchFamily="18" charset="0"/>
+                                        <a:ea typeface="Cambria Math" panose="02040503050406030204" pitchFamily="18" charset="0"/>
+                                      </a:rPr>
+                                    </m:ctrlPr>
+                                  </m:fPr>
+                                  <m:num>
+                                    <m:sSub>
+                                      <m:sSubPr>
+                                        <m:ctrlPr>
+                                          <a:rPr lang="en-US" sz="1100" b="0" i="1" smtClean="0">
+                                            <a:effectLst/>
+                                            <a:latin typeface="Cambria Math" panose="02040503050406030204" pitchFamily="18" charset="0"/>
+                                            <a:ea typeface="Cambria Math" panose="02040503050406030204" pitchFamily="18" charset="0"/>
+                                          </a:rPr>
+                                        </m:ctrlPr>
+                                      </m:sSubPr>
+                                      <m:e>
+                                        <m:r>
+                                          <a:rPr lang="en-US" sz="1100" b="0" i="1" smtClean="0">
+                                            <a:effectLst/>
+                                            <a:latin typeface="Cambria Math" panose="02040503050406030204" pitchFamily="18" charset="0"/>
+                                            <a:ea typeface="Cambria Math" panose="02040503050406030204" pitchFamily="18" charset="0"/>
+                                          </a:rPr>
+                                          <m:t>𝛼</m:t>
+                                        </m:r>
+                                      </m:e>
+                                      <m:sub>
+                                        <m:r>
+                                          <a:rPr lang="en-US" sz="1100" b="0" i="1" smtClean="0">
+                                            <a:effectLst/>
+                                            <a:latin typeface="Cambria Math" panose="02040503050406030204" pitchFamily="18" charset="0"/>
+                                            <a:ea typeface="Cambria Math" panose="02040503050406030204" pitchFamily="18" charset="0"/>
+                                          </a:rPr>
+                                          <m:t>𝑆</m:t>
+                                        </m:r>
+                                        <m:r>
+                                          <a:rPr lang="en-US" sz="1100" b="0" i="1" smtClean="0">
+                                            <a:effectLst/>
+                                            <a:latin typeface="Cambria Math" panose="02040503050406030204" pitchFamily="18" charset="0"/>
+                                            <a:ea typeface="Cambria Math" panose="02040503050406030204" pitchFamily="18" charset="0"/>
+                                          </a:rPr>
+                                          <m:t>,</m:t>
+                                        </m:r>
+                                        <m:r>
+                                          <a:rPr lang="en-US" sz="1100" b="0" i="1" smtClean="0">
+                                            <a:effectLst/>
+                                            <a:latin typeface="Cambria Math" panose="02040503050406030204" pitchFamily="18" charset="0"/>
+                                            <a:ea typeface="Cambria Math" panose="02040503050406030204" pitchFamily="18" charset="0"/>
+                                          </a:rPr>
+                                          <m:t>𝐸</m:t>
+                                        </m:r>
+                                      </m:sub>
+                                    </m:sSub>
+                                    <m:r>
+                                      <a:rPr lang="en-US" sz="1100" b="0" i="1" smtClean="0">
+                                        <a:effectLst/>
+                                        <a:latin typeface="Cambria Math" panose="02040503050406030204" pitchFamily="18" charset="0"/>
+                                        <a:ea typeface="Cambria Math" panose="02040503050406030204" pitchFamily="18" charset="0"/>
+                                      </a:rPr>
+                                      <m:t>∗</m:t>
+                                    </m:r>
+                                    <m:r>
+                                      <a:rPr lang="en-US" sz="1100" b="0" i="1" smtClean="0">
+                                        <a:effectLst/>
+                                        <a:latin typeface="Cambria Math" panose="02040503050406030204" pitchFamily="18" charset="0"/>
+                                        <a:ea typeface="Cambria Math" panose="02040503050406030204" pitchFamily="18" charset="0"/>
+                                      </a:rPr>
+                                      <m:t>𝐸</m:t>
+                                    </m:r>
+                                  </m:num>
+                                  <m:den>
+                                    <m:sSub>
+                                      <m:sSubPr>
+                                        <m:ctrlPr>
+                                          <a:rPr lang="en-US" sz="1100" b="0" i="1" smtClean="0">
+                                            <a:effectLst/>
+                                            <a:latin typeface="Cambria Math" panose="02040503050406030204" pitchFamily="18" charset="0"/>
+                                            <a:ea typeface="Cambria Math" panose="02040503050406030204" pitchFamily="18" charset="0"/>
+                                          </a:rPr>
+                                        </m:ctrlPr>
+                                      </m:sSubPr>
+                                      <m:e>
+                                        <m:r>
+                                          <a:rPr lang="en-US" sz="1100" b="0" i="1" smtClean="0">
+                                            <a:effectLst/>
+                                            <a:latin typeface="Cambria Math" panose="02040503050406030204" pitchFamily="18" charset="0"/>
+                                            <a:ea typeface="Cambria Math" panose="02040503050406030204" pitchFamily="18" charset="0"/>
+                                          </a:rPr>
+                                          <m:t>(</m:t>
+                                        </m:r>
+                                        <m:r>
+                                          <a:rPr lang="en-US" sz="1100" b="0" i="1" smtClean="0">
+                                            <a:effectLst/>
+                                            <a:latin typeface="Cambria Math" panose="02040503050406030204" pitchFamily="18" charset="0"/>
+                                            <a:ea typeface="Cambria Math" panose="02040503050406030204" pitchFamily="18" charset="0"/>
+                                          </a:rPr>
+                                          <m:t>𝛼</m:t>
+                                        </m:r>
+                                      </m:e>
+                                      <m:sub>
+                                        <m:r>
+                                          <a:rPr lang="en-US" sz="1100" b="0" i="1" smtClean="0">
+                                            <a:effectLst/>
+                                            <a:latin typeface="Cambria Math" panose="02040503050406030204" pitchFamily="18" charset="0"/>
+                                            <a:ea typeface="Cambria Math" panose="02040503050406030204" pitchFamily="18" charset="0"/>
+                                          </a:rPr>
+                                          <m:t>𝑆</m:t>
+                                        </m:r>
+                                        <m:r>
+                                          <a:rPr lang="en-US" sz="1100" b="0" i="1" smtClean="0">
+                                            <a:effectLst/>
+                                            <a:latin typeface="Cambria Math" panose="02040503050406030204" pitchFamily="18" charset="0"/>
+                                            <a:ea typeface="Cambria Math" panose="02040503050406030204" pitchFamily="18" charset="0"/>
+                                          </a:rPr>
+                                          <m:t>,</m:t>
+                                        </m:r>
+                                        <m:r>
+                                          <a:rPr lang="en-US" sz="1100" b="0" i="1" smtClean="0">
+                                            <a:effectLst/>
+                                            <a:latin typeface="Cambria Math" panose="02040503050406030204" pitchFamily="18" charset="0"/>
+                                            <a:ea typeface="Cambria Math" panose="02040503050406030204" pitchFamily="18" charset="0"/>
+                                          </a:rPr>
+                                          <m:t>𝐸</m:t>
+                                        </m:r>
+                                        <m:r>
+                                          <a:rPr lang="en-US" sz="1100" b="0" i="1" smtClean="0">
+                                            <a:effectLst/>
+                                            <a:latin typeface="Cambria Math" panose="02040503050406030204" pitchFamily="18" charset="0"/>
+                                            <a:ea typeface="Cambria Math" panose="02040503050406030204" pitchFamily="18" charset="0"/>
+                                          </a:rPr>
+                                          <m:t> </m:t>
+                                        </m:r>
+                                      </m:sub>
+                                    </m:sSub>
+                                    <m:r>
+                                      <a:rPr lang="en-US" sz="1100" b="0" i="1" smtClean="0">
+                                        <a:effectLst/>
+                                        <a:latin typeface="Cambria Math" panose="02040503050406030204" pitchFamily="18" charset="0"/>
+                                        <a:ea typeface="Cambria Math" panose="02040503050406030204" pitchFamily="18" charset="0"/>
+                                      </a:rPr>
+                                      <m:t>∗</m:t>
+                                    </m:r>
+                                    <m:r>
+                                      <a:rPr lang="en-US" sz="1100" b="0" i="1" smtClean="0">
+                                        <a:effectLst/>
+                                        <a:latin typeface="Cambria Math" panose="02040503050406030204" pitchFamily="18" charset="0"/>
+                                        <a:ea typeface="Cambria Math" panose="02040503050406030204" pitchFamily="18" charset="0"/>
+                                      </a:rPr>
+                                      <m:t>𝐸</m:t>
+                                    </m:r>
+                                    <m:r>
+                                      <a:rPr lang="en-US" sz="1100" b="0" i="1" smtClean="0">
+                                        <a:effectLst/>
+                                        <a:latin typeface="Cambria Math" panose="02040503050406030204" pitchFamily="18" charset="0"/>
+                                        <a:ea typeface="Cambria Math" panose="02040503050406030204" pitchFamily="18" charset="0"/>
+                                      </a:rPr>
+                                      <m:t>)+ </m:t>
+                                    </m:r>
+                                    <m:sSub>
+                                      <m:sSubPr>
+                                        <m:ctrlPr>
+                                          <a:rPr lang="en-US" sz="1100" b="0" i="1" smtClean="0">
+                                            <a:effectLst/>
+                                            <a:latin typeface="Cambria Math" panose="02040503050406030204" pitchFamily="18" charset="0"/>
+                                            <a:ea typeface="Cambria Math" panose="02040503050406030204" pitchFamily="18" charset="0"/>
+                                          </a:rPr>
+                                        </m:ctrlPr>
+                                      </m:sSubPr>
+                                      <m:e>
+                                        <m:r>
+                                          <a:rPr lang="en-US" sz="1100" b="0" i="1" smtClean="0">
+                                            <a:effectLst/>
+                                            <a:latin typeface="Cambria Math" panose="02040503050406030204" pitchFamily="18" charset="0"/>
+                                            <a:ea typeface="Cambria Math" panose="02040503050406030204" pitchFamily="18" charset="0"/>
+                                          </a:rPr>
+                                          <m:t>𝜅</m:t>
+                                        </m:r>
+                                      </m:e>
+                                      <m:sub>
+                                        <m:r>
+                                          <a:rPr lang="en-US" sz="1100" b="0" i="1" smtClean="0">
+                                            <a:effectLst/>
+                                            <a:latin typeface="Cambria Math" panose="02040503050406030204" pitchFamily="18" charset="0"/>
+                                            <a:ea typeface="Cambria Math" panose="02040503050406030204" pitchFamily="18" charset="0"/>
+                                          </a:rPr>
+                                          <m:t>𝑆</m:t>
+                                        </m:r>
+                                      </m:sub>
+                                    </m:sSub>
+                                  </m:den>
+                                </m:f>
+                                <m:r>
+                                  <a:rPr lang="en-US" sz="1100" b="0" i="1" smtClean="0">
+                                    <a:effectLst/>
+                                    <a:latin typeface="Cambria Math" panose="02040503050406030204" pitchFamily="18" charset="0"/>
+                                    <a:ea typeface="Cambria Math" panose="02040503050406030204" pitchFamily="18" charset="0"/>
+                                  </a:rPr>
+                                  <m:t>−</m:t>
+                                </m:r>
+                                <m:d>
+                                  <m:dPr>
+                                    <m:ctrlPr>
+                                      <a:rPr lang="en-US" sz="1100" b="0" i="1" smtClean="0">
+                                        <a:effectLst/>
+                                        <a:latin typeface="Cambria Math" panose="02040503050406030204" pitchFamily="18" charset="0"/>
+                                        <a:ea typeface="Cambria Math" panose="02040503050406030204" pitchFamily="18" charset="0"/>
+                                      </a:rPr>
+                                    </m:ctrlPr>
+                                  </m:dPr>
+                                  <m:e>
+                                    <m:r>
+                                      <a:rPr lang="en-US" sz="1100" b="0" i="1" smtClean="0">
+                                        <a:effectLst/>
+                                        <a:latin typeface="Cambria Math" panose="02040503050406030204" pitchFamily="18" charset="0"/>
+                                        <a:ea typeface="Cambria Math" panose="02040503050406030204" pitchFamily="18" charset="0"/>
+                                      </a:rPr>
+                                      <m:t>𝑅</m:t>
+                                    </m:r>
+                                    <m:r>
+                                      <a:rPr lang="en-US" sz="1100" b="0" i="1" smtClean="0">
+                                        <a:effectLst/>
+                                        <a:latin typeface="Cambria Math" panose="02040503050406030204" pitchFamily="18" charset="0"/>
+                                        <a:ea typeface="Cambria Math" panose="02040503050406030204" pitchFamily="18" charset="0"/>
+                                      </a:rPr>
+                                      <m:t>−</m:t>
+                                    </m:r>
+                                    <m:r>
+                                      <a:rPr lang="en-US" sz="1100" b="0" i="1" smtClean="0">
+                                        <a:effectLst/>
+                                        <a:latin typeface="Cambria Math" panose="02040503050406030204" pitchFamily="18" charset="0"/>
+                                        <a:ea typeface="Cambria Math" panose="02040503050406030204" pitchFamily="18" charset="0"/>
+                                      </a:rPr>
+                                      <m:t>𝑆</m:t>
+                                    </m:r>
+                                    <m:r>
+                                      <a:rPr lang="en-US" sz="1100" b="0" i="1" smtClean="0">
+                                        <a:effectLst/>
+                                        <a:latin typeface="Cambria Math" panose="02040503050406030204" pitchFamily="18" charset="0"/>
+                                        <a:ea typeface="Cambria Math" panose="02040503050406030204" pitchFamily="18" charset="0"/>
+                                      </a:rPr>
+                                      <m:t>−(</m:t>
+                                    </m:r>
+                                    <m:sSub>
+                                      <m:sSubPr>
+                                        <m:ctrlPr>
+                                          <a:rPr lang="en-US" sz="1100" b="0" i="1" smtClean="0">
+                                            <a:effectLst/>
+                                            <a:latin typeface="Cambria Math" panose="02040503050406030204" pitchFamily="18" charset="0"/>
+                                            <a:ea typeface="Cambria Math" panose="02040503050406030204" pitchFamily="18" charset="0"/>
+                                          </a:rPr>
+                                        </m:ctrlPr>
+                                      </m:sSubPr>
+                                      <m:e>
+                                        <m:r>
+                                          <a:rPr lang="en-US" sz="1100" b="0" i="1" smtClean="0">
+                                            <a:effectLst/>
+                                            <a:latin typeface="Cambria Math" panose="02040503050406030204" pitchFamily="18" charset="0"/>
+                                            <a:ea typeface="Cambria Math" panose="02040503050406030204" pitchFamily="18" charset="0"/>
+                                          </a:rPr>
+                                          <m:t>𝛽</m:t>
+                                        </m:r>
+                                      </m:e>
+                                      <m:sub>
+                                        <m:r>
+                                          <a:rPr lang="en-US" sz="1100" b="0" i="1" smtClean="0">
+                                            <a:effectLst/>
+                                            <a:latin typeface="Cambria Math" panose="02040503050406030204" pitchFamily="18" charset="0"/>
+                                            <a:ea typeface="Cambria Math" panose="02040503050406030204" pitchFamily="18" charset="0"/>
+                                          </a:rPr>
+                                          <m:t>𝑆</m:t>
+                                        </m:r>
+                                        <m:r>
+                                          <a:rPr lang="en-US" sz="1100" b="0" i="1" smtClean="0">
+                                            <a:effectLst/>
+                                            <a:latin typeface="Cambria Math" panose="02040503050406030204" pitchFamily="18" charset="0"/>
+                                            <a:ea typeface="Cambria Math" panose="02040503050406030204" pitchFamily="18" charset="0"/>
+                                          </a:rPr>
+                                          <m:t>,</m:t>
+                                        </m:r>
+                                        <m:r>
+                                          <a:rPr lang="en-US" sz="1100" b="0" i="1" smtClean="0">
+                                            <a:effectLst/>
+                                            <a:latin typeface="Cambria Math" panose="02040503050406030204" pitchFamily="18" charset="0"/>
+                                            <a:ea typeface="Cambria Math" panose="02040503050406030204" pitchFamily="18" charset="0"/>
+                                          </a:rPr>
+                                          <m:t>𝐸</m:t>
+                                        </m:r>
+                                      </m:sub>
+                                    </m:sSub>
+                                    <m:r>
+                                      <a:rPr lang="en-US" sz="1100" b="0" i="1" smtClean="0">
+                                        <a:effectLst/>
+                                        <a:latin typeface="Cambria Math" panose="02040503050406030204" pitchFamily="18" charset="0"/>
+                                        <a:ea typeface="Cambria Math" panose="02040503050406030204" pitchFamily="18" charset="0"/>
+                                      </a:rPr>
+                                      <m:t>∗</m:t>
+                                    </m:r>
+                                    <m:r>
+                                      <a:rPr lang="en-US" sz="1100" b="0" i="1" smtClean="0">
+                                        <a:effectLst/>
+                                        <a:latin typeface="Cambria Math" panose="02040503050406030204" pitchFamily="18" charset="0"/>
+                                        <a:ea typeface="Cambria Math" panose="02040503050406030204" pitchFamily="18" charset="0"/>
+                                      </a:rPr>
+                                      <m:t>𝐸</m:t>
+                                    </m:r>
+                                    <m:r>
+                                      <a:rPr lang="en-US" sz="1100" b="0" i="1" smtClean="0">
+                                        <a:effectLst/>
+                                        <a:latin typeface="Cambria Math" panose="02040503050406030204" pitchFamily="18" charset="0"/>
+                                        <a:ea typeface="Cambria Math" panose="02040503050406030204" pitchFamily="18" charset="0"/>
+                                      </a:rPr>
+                                      <m:t>)</m:t>
+                                    </m:r>
+                                  </m:e>
+                                </m:d>
+                                <m:r>
+                                  <a:rPr lang="en-US" sz="1100" b="0" i="1" smtClean="0">
+                                    <a:effectLst/>
+                                    <a:latin typeface="Cambria Math" panose="02040503050406030204" pitchFamily="18" charset="0"/>
+                                    <a:ea typeface="Cambria Math" panose="02040503050406030204" pitchFamily="18" charset="0"/>
+                                  </a:rPr>
+                                  <m:t>−</m:t>
+                                </m:r>
+                                <m:d>
+                                  <m:dPr>
+                                    <m:ctrlPr>
+                                      <a:rPr lang="en-US" sz="1100" b="0" i="1" smtClean="0">
+                                        <a:effectLst/>
+                                        <a:latin typeface="Cambria Math" panose="02040503050406030204" pitchFamily="18" charset="0"/>
+                                        <a:ea typeface="Cambria Math" panose="02040503050406030204" pitchFamily="18" charset="0"/>
+                                      </a:rPr>
+                                    </m:ctrlPr>
+                                  </m:dPr>
+                                  <m:e>
+                                    <m:sSub>
+                                      <m:sSubPr>
+                                        <m:ctrlPr>
+                                          <a:rPr lang="en-US" sz="1100" b="0" i="1" smtClean="0">
+                                            <a:effectLst/>
+                                            <a:latin typeface="Cambria Math" panose="02040503050406030204" pitchFamily="18" charset="0"/>
+                                            <a:ea typeface="Cambria Math" panose="02040503050406030204" pitchFamily="18" charset="0"/>
+                                          </a:rPr>
+                                        </m:ctrlPr>
+                                      </m:sSubPr>
+                                      <m:e>
+                                        <m:r>
+                                          <a:rPr lang="en-US" sz="1100" b="0" i="1" smtClean="0">
+                                            <a:effectLst/>
+                                            <a:latin typeface="Cambria Math" panose="02040503050406030204" pitchFamily="18" charset="0"/>
+                                            <a:ea typeface="Cambria Math" panose="02040503050406030204" pitchFamily="18" charset="0"/>
+                                          </a:rPr>
+                                          <m:t>𝜍</m:t>
+                                        </m:r>
+                                      </m:e>
+                                      <m:sub>
+                                        <m:r>
+                                          <a:rPr lang="en-US" sz="1100" b="0" i="1" smtClean="0">
+                                            <a:effectLst/>
+                                            <a:latin typeface="Cambria Math" panose="02040503050406030204" pitchFamily="18" charset="0"/>
+                                            <a:ea typeface="Cambria Math" panose="02040503050406030204" pitchFamily="18" charset="0"/>
+                                          </a:rPr>
+                                          <m:t>𝑆</m:t>
+                                        </m:r>
+                                        <m:r>
+                                          <a:rPr lang="en-US" sz="1100" b="0" i="1" smtClean="0">
+                                            <a:effectLst/>
+                                            <a:latin typeface="Cambria Math" panose="02040503050406030204" pitchFamily="18" charset="0"/>
+                                            <a:ea typeface="Cambria Math" panose="02040503050406030204" pitchFamily="18" charset="0"/>
+                                          </a:rPr>
+                                          <m:t>,</m:t>
+                                        </m:r>
+                                        <m:r>
+                                          <a:rPr lang="en-US" sz="1100" b="0" i="1" smtClean="0">
+                                            <a:effectLst/>
+                                            <a:latin typeface="Cambria Math" panose="02040503050406030204" pitchFamily="18" charset="0"/>
+                                            <a:ea typeface="Cambria Math" panose="02040503050406030204" pitchFamily="18" charset="0"/>
+                                          </a:rPr>
+                                          <m:t>𝑃</m:t>
+                                        </m:r>
+                                      </m:sub>
+                                    </m:sSub>
+                                    <m:r>
+                                      <a:rPr lang="en-US" sz="1100" b="0" i="1" smtClean="0">
+                                        <a:effectLst/>
+                                        <a:latin typeface="Cambria Math" panose="02040503050406030204" pitchFamily="18" charset="0"/>
+                                        <a:ea typeface="Cambria Math" panose="02040503050406030204" pitchFamily="18" charset="0"/>
+                                      </a:rPr>
+                                      <m:t>∗</m:t>
+                                    </m:r>
+                                    <m:r>
+                                      <a:rPr lang="en-US" sz="1100" b="0" i="1" smtClean="0">
+                                        <a:effectLst/>
+                                        <a:latin typeface="Cambria Math" panose="02040503050406030204" pitchFamily="18" charset="0"/>
+                                        <a:ea typeface="Cambria Math" panose="02040503050406030204" pitchFamily="18" charset="0"/>
+                                      </a:rPr>
+                                      <m:t>𝑃</m:t>
+                                    </m:r>
+                                    <m:r>
+                                      <a:rPr lang="en-US" sz="1100" b="0" i="1" smtClean="0">
+                                        <a:effectLst/>
+                                        <a:latin typeface="Cambria Math" panose="02040503050406030204" pitchFamily="18" charset="0"/>
+                                        <a:ea typeface="Cambria Math" panose="02040503050406030204" pitchFamily="18" charset="0"/>
+                                      </a:rPr>
+                                      <m:t>∗</m:t>
+                                    </m:r>
+                                    <m:r>
+                                      <a:rPr lang="en-US" sz="1100" b="0" i="1" smtClean="0">
+                                        <a:effectLst/>
+                                        <a:latin typeface="Cambria Math" panose="02040503050406030204" pitchFamily="18" charset="0"/>
+                                        <a:ea typeface="Cambria Math" panose="02040503050406030204" pitchFamily="18" charset="0"/>
+                                      </a:rPr>
+                                      <m:t>𝑆</m:t>
+                                    </m:r>
+                                  </m:e>
+                                </m:d>
+                                <m:r>
+                                  <a:rPr lang="en-US" sz="1100" b="0" i="1" smtClean="0">
+                                    <a:effectLst/>
+                                    <a:latin typeface="Cambria Math" panose="02040503050406030204" pitchFamily="18" charset="0"/>
+                                    <a:ea typeface="Cambria Math" panose="02040503050406030204" pitchFamily="18" charset="0"/>
+                                  </a:rPr>
+                                  <m:t>−</m:t>
+                                </m:r>
+                                <m:d>
+                                  <m:dPr>
+                                    <m:ctrlPr>
+                                      <a:rPr lang="en-US" sz="1100" b="0" i="1" smtClean="0">
+                                        <a:effectLst/>
+                                        <a:latin typeface="Cambria Math" panose="02040503050406030204" pitchFamily="18" charset="0"/>
+                                        <a:ea typeface="Cambria Math" panose="02040503050406030204" pitchFamily="18" charset="0"/>
+                                      </a:rPr>
+                                    </m:ctrlPr>
+                                  </m:dPr>
+                                  <m:e>
+                                    <m:sSub>
+                                      <m:sSubPr>
+                                        <m:ctrlPr>
+                                          <a:rPr lang="en-US" sz="1100" b="0" i="1" smtClean="0">
+                                            <a:effectLst/>
+                                            <a:latin typeface="Cambria Math" panose="02040503050406030204" pitchFamily="18" charset="0"/>
+                                            <a:ea typeface="Cambria Math" panose="02040503050406030204" pitchFamily="18" charset="0"/>
+                                          </a:rPr>
+                                        </m:ctrlPr>
+                                      </m:sSubPr>
+                                      <m:e>
+                                        <m:r>
+                                          <a:rPr lang="en-US" sz="1100" b="0" i="1" smtClean="0">
+                                            <a:effectLst/>
+                                            <a:latin typeface="Cambria Math" panose="02040503050406030204" pitchFamily="18" charset="0"/>
+                                            <a:ea typeface="Cambria Math" panose="02040503050406030204" pitchFamily="18" charset="0"/>
+                                          </a:rPr>
+                                          <m:t>𝜍</m:t>
+                                        </m:r>
+                                      </m:e>
+                                      <m:sub>
+                                        <m:r>
+                                          <a:rPr lang="en-US" sz="1100" b="0" i="1" smtClean="0">
+                                            <a:effectLst/>
+                                            <a:latin typeface="Cambria Math" panose="02040503050406030204" pitchFamily="18" charset="0"/>
+                                            <a:ea typeface="Cambria Math" panose="02040503050406030204" pitchFamily="18" charset="0"/>
+                                          </a:rPr>
+                                          <m:t>𝑆</m:t>
+                                        </m:r>
+                                        <m:r>
+                                          <a:rPr lang="en-US" sz="1100" b="0" i="1" smtClean="0">
+                                            <a:effectLst/>
+                                            <a:latin typeface="Cambria Math" panose="02040503050406030204" pitchFamily="18" charset="0"/>
+                                            <a:ea typeface="Cambria Math" panose="02040503050406030204" pitchFamily="18" charset="0"/>
+                                          </a:rPr>
+                                          <m:t>,</m:t>
+                                        </m:r>
+                                        <m:r>
+                                          <a:rPr lang="en-US" sz="1100" b="0" i="1" smtClean="0">
+                                            <a:effectLst/>
+                                            <a:latin typeface="Cambria Math" panose="02040503050406030204" pitchFamily="18" charset="0"/>
+                                            <a:ea typeface="Cambria Math" panose="02040503050406030204" pitchFamily="18" charset="0"/>
+                                          </a:rPr>
+                                          <m:t>𝐺</m:t>
+                                        </m:r>
+                                      </m:sub>
+                                    </m:sSub>
+                                    <m:r>
+                                      <a:rPr lang="en-US" sz="1100" b="0" i="1" smtClean="0">
+                                        <a:effectLst/>
+                                        <a:latin typeface="Cambria Math" panose="02040503050406030204" pitchFamily="18" charset="0"/>
+                                        <a:ea typeface="Cambria Math" panose="02040503050406030204" pitchFamily="18" charset="0"/>
+                                      </a:rPr>
+                                      <m:t>∗</m:t>
+                                    </m:r>
+                                    <m:r>
+                                      <a:rPr lang="en-US" sz="1100" b="0" i="1" smtClean="0">
+                                        <a:effectLst/>
+                                        <a:latin typeface="Cambria Math" panose="02040503050406030204" pitchFamily="18" charset="0"/>
+                                        <a:ea typeface="Cambria Math" panose="02040503050406030204" pitchFamily="18" charset="0"/>
+                                      </a:rPr>
+                                      <m:t>𝐺</m:t>
+                                    </m:r>
+                                    <m:r>
+                                      <a:rPr lang="en-US" sz="1100" b="0" i="1" smtClean="0">
+                                        <a:effectLst/>
+                                        <a:latin typeface="Cambria Math" panose="02040503050406030204" pitchFamily="18" charset="0"/>
+                                        <a:ea typeface="Cambria Math" panose="02040503050406030204" pitchFamily="18" charset="0"/>
+                                      </a:rPr>
+                                      <m:t>∗</m:t>
+                                    </m:r>
+                                    <m:r>
+                                      <a:rPr lang="en-US" sz="1100" b="0" i="1" smtClean="0">
+                                        <a:effectLst/>
+                                        <a:latin typeface="Cambria Math" panose="02040503050406030204" pitchFamily="18" charset="0"/>
+                                        <a:ea typeface="Cambria Math" panose="02040503050406030204" pitchFamily="18" charset="0"/>
+                                      </a:rPr>
+                                      <m:t>𝑆</m:t>
+                                    </m:r>
+                                  </m:e>
+                                </m:d>
+                                <m:r>
+                                  <a:rPr lang="en-US" sz="1100" b="0" i="1" smtClean="0">
+                                    <a:effectLst/>
+                                    <a:latin typeface="Cambria Math" panose="02040503050406030204" pitchFamily="18" charset="0"/>
+                                    <a:ea typeface="Cambria Math" panose="02040503050406030204" pitchFamily="18" charset="0"/>
+                                  </a:rPr>
+                                  <m:t>−(</m:t>
+                                </m:r>
+                                <m:sSub>
+                                  <m:sSubPr>
+                                    <m:ctrlPr>
+                                      <a:rPr lang="en-US" sz="1100" b="0" i="1" smtClean="0">
+                                        <a:effectLst/>
+                                        <a:latin typeface="Cambria Math" panose="02040503050406030204" pitchFamily="18" charset="0"/>
+                                        <a:ea typeface="Cambria Math" panose="02040503050406030204" pitchFamily="18" charset="0"/>
+                                      </a:rPr>
+                                    </m:ctrlPr>
+                                  </m:sSubPr>
+                                  <m:e>
+                                    <m:r>
+                                      <a:rPr lang="en-US" sz="1100" b="0" i="1" smtClean="0">
+                                        <a:effectLst/>
+                                        <a:latin typeface="Cambria Math" panose="02040503050406030204" pitchFamily="18" charset="0"/>
+                                        <a:ea typeface="Cambria Math" panose="02040503050406030204" pitchFamily="18" charset="0"/>
+                                      </a:rPr>
+                                      <m:t>𝛿</m:t>
+                                    </m:r>
+                                  </m:e>
+                                  <m:sub>
+                                    <m:r>
+                                      <a:rPr lang="en-US" sz="1100" b="0" i="1" smtClean="0">
+                                        <a:effectLst/>
+                                        <a:latin typeface="Cambria Math" panose="02040503050406030204" pitchFamily="18" charset="0"/>
+                                        <a:ea typeface="Cambria Math" panose="02040503050406030204" pitchFamily="18" charset="0"/>
+                                      </a:rPr>
+                                      <m:t>𝑆</m:t>
+                                    </m:r>
+                                  </m:sub>
+                                </m:sSub>
+                                <m:r>
+                                  <a:rPr lang="en-US" sz="1100" b="0" i="1" smtClean="0">
+                                    <a:effectLst/>
+                                    <a:latin typeface="Cambria Math" panose="02040503050406030204" pitchFamily="18" charset="0"/>
+                                    <a:ea typeface="Cambria Math" panose="02040503050406030204" pitchFamily="18" charset="0"/>
+                                  </a:rPr>
+                                  <m:t>∗</m:t>
+                                </m:r>
+                                <m:r>
+                                  <a:rPr lang="en-US" sz="1100" b="0" i="1" smtClean="0">
+                                    <a:effectLst/>
+                                    <a:latin typeface="Cambria Math" panose="02040503050406030204" pitchFamily="18" charset="0"/>
+                                    <a:ea typeface="Cambria Math" panose="02040503050406030204" pitchFamily="18" charset="0"/>
+                                  </a:rPr>
+                                  <m:t>𝑆</m:t>
+                                </m:r>
+                                <m:r>
+                                  <a:rPr lang="en-US" sz="1100" b="0" i="1" smtClean="0">
+                                    <a:effectLst/>
+                                    <a:latin typeface="Cambria Math" panose="02040503050406030204" pitchFamily="18" charset="0"/>
+                                    <a:ea typeface="Cambria Math" panose="02040503050406030204" pitchFamily="18" charset="0"/>
+                                  </a:rPr>
+                                  <m:t>)</m:t>
+                                </m:r>
+                              </m:oMath>
+                            </m:oMathPara>
+                          </a14:m>
+                          <a:endParaRPr lang="en-US" sz="1100" dirty="0">
+                            <a:effectLst/>
+                            <a:latin typeface="Cambria Math" panose="02040503050406030204" pitchFamily="18" charset="0"/>
+                            <a:ea typeface="Cambria Math" panose="02040503050406030204" pitchFamily="18" charset="0"/>
+                          </a:endParaRPr>
+                        </a:p>
+                      </a:txBody>
+                      <a:tcPr marL="63500" marR="63500" marT="63500" marB="63500">
+                        <a:lnL w="12700" cap="flat" cmpd="sng" algn="ctr">
+                          <a:noFill/>
+                          <a:prstDash val="solid"/>
+                          <a:round/>
+                          <a:headEnd type="none" w="med" len="med"/>
+                          <a:tailEnd type="none" w="med" len="med"/>
+                        </a:lnL>
+                        <a:lnR w="12700" cap="flat" cmpd="sng" algn="ctr">
+                          <a:noFill/>
+                          <a:prstDash val="solid"/>
+                          <a:round/>
+                          <a:headEnd type="none" w="med" len="med"/>
+                          <a:tailEnd type="none" w="med" len="med"/>
+                        </a:lnR>
+                        <a:lnT w="12700" cap="flat" cmpd="sng" algn="ctr">
+                          <a:noFill/>
+                          <a:prstDash val="solid"/>
+                          <a:round/>
+                          <a:headEnd type="none" w="med" len="med"/>
+                          <a:tailEnd type="none" w="med" len="med"/>
+                        </a:lnT>
+                        <a:lnB w="12700" cap="flat" cmpd="sng" algn="ctr">
+                          <a:noFill/>
+                          <a:prstDash val="solid"/>
+                          <a:round/>
+                          <a:headEnd type="none" w="med" len="med"/>
+                          <a:tailEnd type="none" w="med" len="med"/>
+                        </a:lnB>
+                        <a:lnTlToBr w="12700" cmpd="sng">
+                          <a:noFill/>
+                          <a:prstDash val="solid"/>
+                        </a:lnTlToBr>
+                        <a:lnBlToTr w="12700" cmpd="sng">
+                          <a:noFill/>
+                          <a:prstDash val="solid"/>
+                        </a:lnBlToTr>
+                        <a:noFill/>
+                      </a:tcPr>
+                    </a:tc>
+                    <a:tc>
+                      <a:txBody>
+                        <a:bodyPr/>
+                        <a:lstStyle/>
+                        <a:p>
+                          <a:pPr marL="0" marR="0" algn="l">
+                            <a:lnSpc>
+                              <a:spcPct val="115000"/>
+                            </a:lnSpc>
+                            <a:spcBef>
+                              <a:spcPts val="0"/>
+                            </a:spcBef>
+                            <a:spcAft>
+                              <a:spcPts val="0"/>
+                            </a:spcAft>
+                          </a:pPr>
+                          <a:endParaRPr lang="en-US" sz="1200" i="1" dirty="0">
+                            <a:effectLst/>
+                            <a:latin typeface="Times New Roman" panose="02020603050405020304" pitchFamily="18" charset="0"/>
+                            <a:ea typeface="Cambria Math" panose="02040503050406030204" pitchFamily="18" charset="0"/>
+                            <a:cs typeface="Times New Roman" panose="02020603050405020304" pitchFamily="18" charset="0"/>
+                          </a:endParaRPr>
+                        </a:p>
+                        <a:p>
+                          <a:pPr marL="0" marR="0" lvl="0" indent="0" algn="l" defTabSz="914400" rtl="0" eaLnBrk="1" fontAlgn="auto" latinLnBrk="0" hangingPunct="1">
+                            <a:lnSpc>
+                              <a:spcPct val="115000"/>
+                            </a:lnSpc>
+                            <a:spcBef>
+                              <a:spcPts val="0"/>
+                            </a:spcBef>
+                            <a:spcAft>
+                              <a:spcPts val="0"/>
+                            </a:spcAft>
+                            <a:buClrTx/>
+                            <a:buSzTx/>
+                            <a:buFontTx/>
+                            <a:buNone/>
+                            <a:tabLst/>
+                            <a:defRPr/>
+                          </a:pPr>
+                          <a:r>
+                            <a:rPr lang="en-US" sz="1200" i="1" dirty="0">
+                              <a:effectLst/>
+                              <a:latin typeface="Times New Roman" panose="02020603050405020304" pitchFamily="18" charset="0"/>
+                              <a:ea typeface="Cambria Math" panose="02040503050406030204" pitchFamily="18" charset="0"/>
+                              <a:cs typeface="Times New Roman" panose="02020603050405020304" pitchFamily="18" charset="0"/>
+                            </a:rPr>
+                            <a:t>S. enterica </a:t>
+                          </a:r>
+                          <a:r>
+                            <a:rPr lang="en-US" sz="1200" i="0" dirty="0">
+                              <a:effectLst/>
+                              <a:latin typeface="Times New Roman" panose="02020603050405020304" pitchFamily="18" charset="0"/>
+                              <a:ea typeface="Cambria Math" panose="02040503050406030204" pitchFamily="18" charset="0"/>
+                              <a:cs typeface="Times New Roman" panose="02020603050405020304" pitchFamily="18" charset="0"/>
+                            </a:rPr>
+                            <a:t>(Equation 2)</a:t>
+                          </a:r>
+                          <a:endParaRPr lang="en-US" sz="1200" i="1" dirty="0">
+                            <a:effectLst/>
+                            <a:latin typeface="Times New Roman" panose="02020603050405020304" pitchFamily="18" charset="0"/>
+                            <a:ea typeface="Cambria Math" panose="02040503050406030204" pitchFamily="18" charset="0"/>
+                            <a:cs typeface="Times New Roman" panose="02020603050405020304" pitchFamily="18" charset="0"/>
+                          </a:endParaRPr>
+                        </a:p>
+                      </a:txBody>
+                      <a:tcPr marL="63500" marR="63500" marT="63500" marB="63500">
+                        <a:lnL w="12700" cap="flat" cmpd="sng" algn="ctr">
+                          <a:noFill/>
+                          <a:prstDash val="solid"/>
+                          <a:round/>
+                          <a:headEnd type="none" w="med" len="med"/>
+                          <a:tailEnd type="none" w="med" len="med"/>
+                        </a:lnL>
+                        <a:lnR w="12700" cap="flat" cmpd="sng" algn="ctr">
+                          <a:noFill/>
+                          <a:prstDash val="solid"/>
+                          <a:round/>
+                          <a:headEnd type="none" w="med" len="med"/>
+                          <a:tailEnd type="none" w="med" len="med"/>
+                        </a:lnR>
+                        <a:lnT w="12700" cap="flat" cmpd="sng" algn="ctr">
+                          <a:noFill/>
+                          <a:prstDash val="solid"/>
+                          <a:round/>
+                          <a:headEnd type="none" w="med" len="med"/>
+                          <a:tailEnd type="none" w="med" len="med"/>
+                        </a:lnT>
+                        <a:lnB w="12700" cap="flat" cmpd="sng" algn="ctr">
+                          <a:noFill/>
+                          <a:prstDash val="solid"/>
+                          <a:round/>
+                          <a:headEnd type="none" w="med" len="med"/>
+                          <a:tailEnd type="none" w="med" len="med"/>
+                        </a:lnB>
+                        <a:lnTlToBr w="12700" cmpd="sng">
+                          <a:noFill/>
+                          <a:prstDash val="solid"/>
+                        </a:lnTlToBr>
+                        <a:lnBlToTr w="12700" cmpd="sng">
+                          <a:noFill/>
+                          <a:prstDash val="solid"/>
+                        </a:lnBlToTr>
+                        <a:noFill/>
+                      </a:tcPr>
+                    </a:tc>
+                    <a:extLst>
+                      <a:ext uri="{0D108BD9-81ED-4DB2-BD59-A6C34878D82A}">
+                        <a16:rowId xmlns:a16="http://schemas.microsoft.com/office/drawing/2014/main" val="4008994570"/>
+                      </a:ext>
+                    </a:extLst>
+                  </a:tr>
+                  <a:tr h="0">
+                    <a:tc>
+                      <a:txBody>
+                        <a:bodyPr/>
+                        <a:lstStyle/>
+                        <a:p>
+                          <a:pPr marL="0" marR="0" algn="l">
+                            <a:lnSpc>
+                              <a:spcPct val="115000"/>
+                            </a:lnSpc>
+                            <a:spcBef>
+                              <a:spcPts val="0"/>
+                            </a:spcBef>
+                            <a:spcAft>
+                              <a:spcPts val="0"/>
+                            </a:spcAft>
+                          </a:pPr>
+                          <a14:m>
+                            <m:oMathPara xmlns:m="http://schemas.openxmlformats.org/officeDocument/2006/math">
+                              <m:oMathParaPr>
+                                <m:jc m:val="centerGroup"/>
+                              </m:oMathParaPr>
+                              <m:oMath xmlns:m="http://schemas.openxmlformats.org/officeDocument/2006/math">
+                                <m:f>
+                                  <m:fPr>
+                                    <m:ctrlPr>
+                                      <a:rPr lang="en-US" sz="1100" i="1" smtClean="0">
+                                        <a:effectLst/>
+                                        <a:latin typeface="Cambria Math" panose="02040503050406030204" pitchFamily="18" charset="0"/>
+                                        <a:ea typeface="Cambria Math" panose="02040503050406030204" pitchFamily="18" charset="0"/>
+                                      </a:rPr>
+                                    </m:ctrlPr>
+                                  </m:fPr>
+                                  <m:num>
+                                    <m:r>
+                                      <a:rPr lang="en-US" sz="1100">
+                                        <a:effectLst/>
+                                        <a:latin typeface="Cambria Math" panose="02040503050406030204" pitchFamily="18" charset="0"/>
+                                        <a:ea typeface="Cambria Math" panose="02040503050406030204" pitchFamily="18" charset="0"/>
+                                      </a:rPr>
+                                      <m:t>𝑑𝐺</m:t>
+                                    </m:r>
+                                  </m:num>
+                                  <m:den>
+                                    <m:r>
+                                      <a:rPr lang="en-US" sz="1100">
+                                        <a:effectLst/>
+                                        <a:latin typeface="Cambria Math" panose="02040503050406030204" pitchFamily="18" charset="0"/>
+                                        <a:ea typeface="Cambria Math" panose="02040503050406030204" pitchFamily="18" charset="0"/>
+                                      </a:rPr>
+                                      <m:t>𝑑𝑡</m:t>
+                                    </m:r>
+                                  </m:den>
+                                </m:f>
+                                <m:r>
+                                  <a:rPr lang="en-US" sz="1100">
+                                    <a:effectLst/>
+                                    <a:latin typeface="Cambria Math" panose="02040503050406030204" pitchFamily="18" charset="0"/>
+                                    <a:ea typeface="Cambria Math" panose="02040503050406030204" pitchFamily="18" charset="0"/>
+                                  </a:rPr>
+                                  <m:t> =</m:t>
+                                </m:r>
+                                <m:d>
+                                  <m:dPr>
+                                    <m:ctrlPr>
+                                      <a:rPr lang="en-US" sz="1100" b="0" i="1" smtClean="0">
+                                        <a:effectLst/>
+                                        <a:latin typeface="Cambria Math" panose="02040503050406030204" pitchFamily="18" charset="0"/>
+                                        <a:ea typeface="Cambria Math" panose="02040503050406030204" pitchFamily="18" charset="0"/>
+                                      </a:rPr>
+                                    </m:ctrlPr>
+                                  </m:dPr>
+                                  <m:e>
+                                    <m:sSub>
+                                      <m:sSubPr>
+                                        <m:ctrlPr>
+                                          <a:rPr lang="en-US" sz="1100" b="0" i="1" smtClean="0">
+                                            <a:effectLst/>
+                                            <a:latin typeface="Cambria Math" panose="02040503050406030204" pitchFamily="18" charset="0"/>
+                                            <a:ea typeface="Cambria Math" panose="02040503050406030204" pitchFamily="18" charset="0"/>
+                                          </a:rPr>
+                                        </m:ctrlPr>
+                                      </m:sSubPr>
+                                      <m:e>
+                                        <m:r>
+                                          <a:rPr lang="en-US" sz="1100" b="0" i="1" smtClean="0">
+                                            <a:effectLst/>
+                                            <a:latin typeface="Cambria Math" panose="02040503050406030204" pitchFamily="18" charset="0"/>
+                                            <a:ea typeface="Cambria Math" panose="02040503050406030204" pitchFamily="18" charset="0"/>
+                                          </a:rPr>
+                                          <m:t>𝛾</m:t>
+                                        </m:r>
+                                      </m:e>
+                                      <m:sub>
+                                        <m:r>
+                                          <a:rPr lang="en-US" sz="1100" b="0" i="1" smtClean="0">
+                                            <a:effectLst/>
+                                            <a:latin typeface="Cambria Math" panose="02040503050406030204" pitchFamily="18" charset="0"/>
+                                            <a:ea typeface="Cambria Math" panose="02040503050406030204" pitchFamily="18" charset="0"/>
+                                          </a:rPr>
+                                          <m:t>𝑆</m:t>
+                                        </m:r>
+                                        <m:r>
+                                          <a:rPr lang="en-US" sz="1100" b="0" i="1" smtClean="0">
+                                            <a:effectLst/>
+                                            <a:latin typeface="Cambria Math" panose="02040503050406030204" pitchFamily="18" charset="0"/>
+                                            <a:ea typeface="Cambria Math" panose="02040503050406030204" pitchFamily="18" charset="0"/>
+                                          </a:rPr>
+                                          <m:t>,</m:t>
+                                        </m:r>
+                                        <m:r>
+                                          <a:rPr lang="en-US" sz="1100" b="0" i="1" smtClean="0">
+                                            <a:effectLst/>
+                                            <a:latin typeface="Cambria Math" panose="02040503050406030204" pitchFamily="18" charset="0"/>
+                                            <a:ea typeface="Cambria Math" panose="02040503050406030204" pitchFamily="18" charset="0"/>
+                                          </a:rPr>
+                                          <m:t>𝐺</m:t>
+                                        </m:r>
+                                      </m:sub>
+                                    </m:sSub>
+                                    <m:sSub>
+                                      <m:sSubPr>
+                                        <m:ctrlPr>
+                                          <a:rPr lang="en-US" sz="1100" b="0" i="1" smtClean="0">
+                                            <a:effectLst/>
+                                            <a:latin typeface="Cambria Math" panose="02040503050406030204" pitchFamily="18" charset="0"/>
+                                            <a:ea typeface="Cambria Math" panose="02040503050406030204" pitchFamily="18" charset="0"/>
+                                          </a:rPr>
+                                        </m:ctrlPr>
+                                      </m:sSubPr>
+                                      <m:e>
+                                        <m:r>
+                                          <a:rPr lang="en-US" sz="1100" b="0" i="1" smtClean="0">
+                                            <a:effectLst/>
+                                            <a:latin typeface="Cambria Math" panose="02040503050406030204" pitchFamily="18" charset="0"/>
+                                            <a:ea typeface="Cambria Math" panose="02040503050406030204" pitchFamily="18" charset="0"/>
+                                          </a:rPr>
+                                          <m:t>∗</m:t>
+                                        </m:r>
+                                        <m:r>
+                                          <a:rPr lang="en-US" sz="1100" b="0" i="1" smtClean="0">
+                                            <a:effectLst/>
+                                            <a:latin typeface="Cambria Math" panose="02040503050406030204" pitchFamily="18" charset="0"/>
+                                            <a:ea typeface="Cambria Math" panose="02040503050406030204" pitchFamily="18" charset="0"/>
+                                          </a:rPr>
+                                          <m:t>𝜍</m:t>
+                                        </m:r>
+                                      </m:e>
+                                      <m:sub>
+                                        <m:r>
+                                          <a:rPr lang="en-US" sz="1100" b="0" i="1" smtClean="0">
+                                            <a:effectLst/>
+                                            <a:latin typeface="Cambria Math" panose="02040503050406030204" pitchFamily="18" charset="0"/>
+                                            <a:ea typeface="Cambria Math" panose="02040503050406030204" pitchFamily="18" charset="0"/>
+                                          </a:rPr>
+                                          <m:t>𝑆</m:t>
+                                        </m:r>
+                                        <m:r>
+                                          <a:rPr lang="en-US" sz="1100" b="0" i="1" smtClean="0">
+                                            <a:effectLst/>
+                                            <a:latin typeface="Cambria Math" panose="02040503050406030204" pitchFamily="18" charset="0"/>
+                                            <a:ea typeface="Cambria Math" panose="02040503050406030204" pitchFamily="18" charset="0"/>
+                                          </a:rPr>
+                                          <m:t>,</m:t>
+                                        </m:r>
+                                        <m:r>
+                                          <a:rPr lang="en-US" sz="1100" b="0" i="1" smtClean="0">
+                                            <a:effectLst/>
+                                            <a:latin typeface="Cambria Math" panose="02040503050406030204" pitchFamily="18" charset="0"/>
+                                            <a:ea typeface="Cambria Math" panose="02040503050406030204" pitchFamily="18" charset="0"/>
+                                          </a:rPr>
+                                          <m:t>𝐺</m:t>
+                                        </m:r>
+                                      </m:sub>
+                                    </m:sSub>
+                                    <m:r>
+                                      <a:rPr lang="en-US" sz="1100" b="0" i="1" smtClean="0">
+                                        <a:effectLst/>
+                                        <a:latin typeface="Cambria Math" panose="02040503050406030204" pitchFamily="18" charset="0"/>
+                                        <a:ea typeface="Cambria Math" panose="02040503050406030204" pitchFamily="18" charset="0"/>
+                                      </a:rPr>
+                                      <m:t>∗</m:t>
+                                    </m:r>
+                                    <m:r>
+                                      <a:rPr lang="en-US" sz="1100" b="0" i="1" smtClean="0">
+                                        <a:effectLst/>
+                                        <a:latin typeface="Cambria Math" panose="02040503050406030204" pitchFamily="18" charset="0"/>
+                                        <a:ea typeface="Cambria Math" panose="02040503050406030204" pitchFamily="18" charset="0"/>
+                                      </a:rPr>
+                                      <m:t>𝐺</m:t>
+                                    </m:r>
+                                    <m:r>
+                                      <a:rPr lang="en-US" sz="1100" b="0" i="1" smtClean="0">
+                                        <a:effectLst/>
+                                        <a:latin typeface="Cambria Math" panose="02040503050406030204" pitchFamily="18" charset="0"/>
+                                        <a:ea typeface="Cambria Math" panose="02040503050406030204" pitchFamily="18" charset="0"/>
+                                      </a:rPr>
+                                      <m:t>∗</m:t>
+                                    </m:r>
+                                    <m:r>
+                                      <a:rPr lang="en-US" sz="1100" b="0" i="1" smtClean="0">
+                                        <a:effectLst/>
+                                        <a:latin typeface="Cambria Math" panose="02040503050406030204" pitchFamily="18" charset="0"/>
+                                        <a:ea typeface="Cambria Math" panose="02040503050406030204" pitchFamily="18" charset="0"/>
+                                      </a:rPr>
+                                      <m:t>𝑆</m:t>
+                                    </m:r>
+                                  </m:e>
+                                </m:d>
+                                <m:r>
+                                  <a:rPr lang="en-US" sz="1100" b="0" i="1" smtClean="0">
+                                    <a:effectLst/>
+                                    <a:latin typeface="Cambria Math" panose="02040503050406030204" pitchFamily="18" charset="0"/>
+                                    <a:ea typeface="Cambria Math" panose="02040503050406030204" pitchFamily="18" charset="0"/>
+                                  </a:rPr>
+                                  <m:t>−</m:t>
+                                </m:r>
+                                <m:d>
+                                  <m:dPr>
+                                    <m:ctrlPr>
+                                      <a:rPr lang="en-US" sz="1100" b="0" i="1" smtClean="0">
+                                        <a:effectLst/>
+                                        <a:latin typeface="Cambria Math" panose="02040503050406030204" pitchFamily="18" charset="0"/>
+                                        <a:ea typeface="Cambria Math" panose="02040503050406030204" pitchFamily="18" charset="0"/>
+                                      </a:rPr>
+                                    </m:ctrlPr>
+                                  </m:dPr>
+                                  <m:e>
+                                    <m:sSub>
+                                      <m:sSubPr>
+                                        <m:ctrlPr>
+                                          <a:rPr lang="en-US" sz="1100" b="0" i="1" smtClean="0">
+                                            <a:effectLst/>
+                                            <a:latin typeface="Cambria Math" panose="02040503050406030204" pitchFamily="18" charset="0"/>
+                                            <a:ea typeface="Cambria Math" panose="02040503050406030204" pitchFamily="18" charset="0"/>
+                                          </a:rPr>
+                                        </m:ctrlPr>
+                                      </m:sSubPr>
+                                      <m:e>
+                                        <m:r>
+                                          <a:rPr lang="en-US" sz="1100" b="0" i="1" smtClean="0">
+                                            <a:effectLst/>
+                                            <a:latin typeface="Cambria Math" panose="02040503050406030204" pitchFamily="18" charset="0"/>
+                                            <a:ea typeface="Cambria Math" panose="02040503050406030204" pitchFamily="18" charset="0"/>
+                                          </a:rPr>
+                                          <m:t>𝛾</m:t>
+                                        </m:r>
+                                      </m:e>
+                                      <m:sub>
+                                        <m:r>
+                                          <a:rPr lang="en-US" sz="1100" b="0" i="1" smtClean="0">
+                                            <a:effectLst/>
+                                            <a:latin typeface="Cambria Math" panose="02040503050406030204" pitchFamily="18" charset="0"/>
+                                            <a:ea typeface="Cambria Math" panose="02040503050406030204" pitchFamily="18" charset="0"/>
+                                          </a:rPr>
+                                          <m:t>𝐸</m:t>
+                                        </m:r>
+                                        <m:r>
+                                          <a:rPr lang="en-US" sz="1100" b="0" i="1" smtClean="0">
+                                            <a:effectLst/>
+                                            <a:latin typeface="Cambria Math" panose="02040503050406030204" pitchFamily="18" charset="0"/>
+                                            <a:ea typeface="Cambria Math" panose="02040503050406030204" pitchFamily="18" charset="0"/>
+                                          </a:rPr>
+                                          <m:t>,</m:t>
+                                        </m:r>
+                                        <m:r>
+                                          <a:rPr lang="en-US" sz="1100" b="0" i="1" smtClean="0">
+                                            <a:effectLst/>
+                                            <a:latin typeface="Cambria Math" panose="02040503050406030204" pitchFamily="18" charset="0"/>
+                                            <a:ea typeface="Cambria Math" panose="02040503050406030204" pitchFamily="18" charset="0"/>
+                                          </a:rPr>
+                                          <m:t>𝐺</m:t>
+                                        </m:r>
+                                      </m:sub>
+                                    </m:sSub>
+                                    <m:sSub>
+                                      <m:sSubPr>
+                                        <m:ctrlPr>
+                                          <a:rPr lang="en-US" sz="1100" b="0" i="1" smtClean="0">
+                                            <a:effectLst/>
+                                            <a:latin typeface="Cambria Math" panose="02040503050406030204" pitchFamily="18" charset="0"/>
+                                            <a:ea typeface="Cambria Math" panose="02040503050406030204" pitchFamily="18" charset="0"/>
+                                          </a:rPr>
+                                        </m:ctrlPr>
+                                      </m:sSubPr>
+                                      <m:e>
+                                        <m:r>
+                                          <a:rPr lang="en-US" sz="1100" b="0" i="1" smtClean="0">
+                                            <a:effectLst/>
+                                            <a:latin typeface="Cambria Math" panose="02040503050406030204" pitchFamily="18" charset="0"/>
+                                            <a:ea typeface="Cambria Math" panose="02040503050406030204" pitchFamily="18" charset="0"/>
+                                          </a:rPr>
+                                          <m:t>∗</m:t>
+                                        </m:r>
+                                        <m:r>
+                                          <a:rPr lang="en-US" sz="1100" b="0" i="1" smtClean="0">
+                                            <a:effectLst/>
+                                            <a:latin typeface="Cambria Math" panose="02040503050406030204" pitchFamily="18" charset="0"/>
+                                            <a:ea typeface="Cambria Math" panose="02040503050406030204" pitchFamily="18" charset="0"/>
+                                          </a:rPr>
+                                          <m:t>𝜍</m:t>
+                                        </m:r>
+                                      </m:e>
+                                      <m:sub>
+                                        <m:r>
+                                          <a:rPr lang="en-US" sz="1100" b="0" i="1" smtClean="0">
+                                            <a:effectLst/>
+                                            <a:latin typeface="Cambria Math" panose="02040503050406030204" pitchFamily="18" charset="0"/>
+                                            <a:ea typeface="Cambria Math" panose="02040503050406030204" pitchFamily="18" charset="0"/>
+                                          </a:rPr>
+                                          <m:t>𝐸</m:t>
+                                        </m:r>
+                                        <m:r>
+                                          <a:rPr lang="en-US" sz="1100" b="0" i="1" smtClean="0">
+                                            <a:effectLst/>
+                                            <a:latin typeface="Cambria Math" panose="02040503050406030204" pitchFamily="18" charset="0"/>
+                                            <a:ea typeface="Cambria Math" panose="02040503050406030204" pitchFamily="18" charset="0"/>
+                                          </a:rPr>
+                                          <m:t>,</m:t>
+                                        </m:r>
+                                        <m:r>
+                                          <a:rPr lang="en-US" sz="1100" b="0" i="1" smtClean="0">
+                                            <a:effectLst/>
+                                            <a:latin typeface="Cambria Math" panose="02040503050406030204" pitchFamily="18" charset="0"/>
+                                            <a:ea typeface="Cambria Math" panose="02040503050406030204" pitchFamily="18" charset="0"/>
+                                          </a:rPr>
+                                          <m:t>𝐺</m:t>
+                                        </m:r>
+                                      </m:sub>
+                                    </m:sSub>
+                                    <m:r>
+                                      <a:rPr lang="en-US" sz="1100" b="0" i="1" smtClean="0">
+                                        <a:effectLst/>
+                                        <a:latin typeface="Cambria Math" panose="02040503050406030204" pitchFamily="18" charset="0"/>
+                                        <a:ea typeface="Cambria Math" panose="02040503050406030204" pitchFamily="18" charset="0"/>
+                                      </a:rPr>
+                                      <m:t>∗</m:t>
+                                    </m:r>
+                                    <m:r>
+                                      <a:rPr lang="en-US" sz="1100" b="0" i="1" smtClean="0">
+                                        <a:effectLst/>
+                                        <a:latin typeface="Cambria Math" panose="02040503050406030204" pitchFamily="18" charset="0"/>
+                                        <a:ea typeface="Cambria Math" panose="02040503050406030204" pitchFamily="18" charset="0"/>
+                                      </a:rPr>
+                                      <m:t>𝐺</m:t>
+                                    </m:r>
+                                    <m:r>
+                                      <a:rPr lang="en-US" sz="1100" b="0" i="1" smtClean="0">
+                                        <a:effectLst/>
+                                        <a:latin typeface="Cambria Math" panose="02040503050406030204" pitchFamily="18" charset="0"/>
+                                        <a:ea typeface="Cambria Math" panose="02040503050406030204" pitchFamily="18" charset="0"/>
+                                      </a:rPr>
+                                      <m:t>∗</m:t>
+                                    </m:r>
+                                    <m:r>
+                                      <a:rPr lang="en-US" sz="1100" b="0" i="1" smtClean="0">
+                                        <a:effectLst/>
+                                        <a:latin typeface="Cambria Math" panose="02040503050406030204" pitchFamily="18" charset="0"/>
+                                        <a:ea typeface="Cambria Math" panose="02040503050406030204" pitchFamily="18" charset="0"/>
+                                      </a:rPr>
+                                      <m:t>𝐸</m:t>
+                                    </m:r>
+                                  </m:e>
+                                </m:d>
+                                <m:r>
+                                  <a:rPr lang="en-US" sz="1100" b="0" i="1" smtClean="0">
+                                    <a:effectLst/>
+                                    <a:latin typeface="Cambria Math" panose="02040503050406030204" pitchFamily="18" charset="0"/>
+                                    <a:ea typeface="Cambria Math" panose="02040503050406030204" pitchFamily="18" charset="0"/>
+                                  </a:rPr>
+                                  <m:t>−</m:t>
+                                </m:r>
+                                <m:r>
+                                  <a:rPr lang="en-US" sz="1100" b="0" i="1" smtClean="0">
+                                    <a:effectLst/>
+                                    <a:latin typeface="Cambria Math" panose="02040503050406030204" pitchFamily="18" charset="0"/>
+                                    <a:ea typeface="Cambria Math" panose="02040503050406030204" pitchFamily="18" charset="0"/>
+                                  </a:rPr>
+                                  <m:t>(</m:t>
+                                </m:r>
+                                <m:sSub>
+                                  <m:sSubPr>
+                                    <m:ctrlPr>
+                                      <a:rPr lang="en-US" sz="1100" b="0" i="1" smtClean="0">
+                                        <a:effectLst/>
+                                        <a:latin typeface="Cambria Math" panose="02040503050406030204" pitchFamily="18" charset="0"/>
+                                        <a:ea typeface="Cambria Math" panose="02040503050406030204" pitchFamily="18" charset="0"/>
+                                      </a:rPr>
+                                    </m:ctrlPr>
+                                  </m:sSubPr>
+                                  <m:e>
+                                    <m:r>
+                                      <a:rPr lang="en-US" sz="1100" b="0" i="1" smtClean="0">
+                                        <a:effectLst/>
+                                        <a:latin typeface="Cambria Math" panose="02040503050406030204" pitchFamily="18" charset="0"/>
+                                        <a:ea typeface="Cambria Math" panose="02040503050406030204" pitchFamily="18" charset="0"/>
+                                      </a:rPr>
+                                      <m:t>𝛿</m:t>
+                                    </m:r>
+                                  </m:e>
+                                  <m:sub>
+                                    <m:r>
+                                      <a:rPr lang="en-US" sz="1100" b="0" i="1" smtClean="0">
+                                        <a:effectLst/>
+                                        <a:latin typeface="Cambria Math" panose="02040503050406030204" pitchFamily="18" charset="0"/>
+                                        <a:ea typeface="Cambria Math" panose="02040503050406030204" pitchFamily="18" charset="0"/>
+                                      </a:rPr>
+                                      <m:t>𝐺</m:t>
+                                    </m:r>
+                                  </m:sub>
+                                </m:sSub>
+                                <m:r>
+                                  <a:rPr lang="en-US" sz="1100" b="0" i="1" smtClean="0">
+                                    <a:effectLst/>
+                                    <a:latin typeface="Cambria Math" panose="02040503050406030204" pitchFamily="18" charset="0"/>
+                                    <a:ea typeface="Cambria Math" panose="02040503050406030204" pitchFamily="18" charset="0"/>
+                                  </a:rPr>
+                                  <m:t>∗</m:t>
+                                </m:r>
+                                <m:r>
+                                  <a:rPr lang="en-US" sz="1100" b="0" i="1" smtClean="0">
+                                    <a:effectLst/>
+                                    <a:latin typeface="Cambria Math" panose="02040503050406030204" pitchFamily="18" charset="0"/>
+                                    <a:ea typeface="Cambria Math" panose="02040503050406030204" pitchFamily="18" charset="0"/>
+                                  </a:rPr>
+                                  <m:t>𝐺</m:t>
+                                </m:r>
+                                <m:r>
+                                  <a:rPr lang="en-US" sz="1100" b="0" i="1" smtClean="0">
+                                    <a:effectLst/>
+                                    <a:latin typeface="Cambria Math" panose="02040503050406030204" pitchFamily="18" charset="0"/>
+                                    <a:ea typeface="Cambria Math" panose="02040503050406030204" pitchFamily="18" charset="0"/>
+                                  </a:rPr>
+                                  <m:t>)</m:t>
+                                </m:r>
+                              </m:oMath>
+                            </m:oMathPara>
+                          </a14:m>
+                          <a:endParaRPr lang="en-US" sz="1100" dirty="0">
+                            <a:effectLst/>
+                            <a:latin typeface="Cambria Math" panose="02040503050406030204" pitchFamily="18" charset="0"/>
+                            <a:ea typeface="Cambria Math" panose="02040503050406030204" pitchFamily="18" charset="0"/>
+                          </a:endParaRPr>
+                        </a:p>
+                      </a:txBody>
+                      <a:tcPr marL="63500" marR="63500" marT="63500" marB="63500">
+                        <a:lnL w="12700" cap="flat" cmpd="sng" algn="ctr">
+                          <a:noFill/>
+                          <a:prstDash val="solid"/>
+                          <a:round/>
+                          <a:headEnd type="none" w="med" len="med"/>
+                          <a:tailEnd type="none" w="med" len="med"/>
+                        </a:lnL>
+                        <a:lnR w="12700" cap="flat" cmpd="sng" algn="ctr">
+                          <a:noFill/>
+                          <a:prstDash val="solid"/>
+                          <a:round/>
+                          <a:headEnd type="none" w="med" len="med"/>
+                          <a:tailEnd type="none" w="med" len="med"/>
+                        </a:lnR>
+                        <a:lnT w="12700" cap="flat" cmpd="sng" algn="ctr">
+                          <a:noFill/>
+                          <a:prstDash val="solid"/>
+                          <a:round/>
+                          <a:headEnd type="none" w="med" len="med"/>
+                          <a:tailEnd type="none" w="med" len="med"/>
+                        </a:lnT>
+                        <a:lnB w="12700" cap="flat" cmpd="sng" algn="ctr">
+                          <a:noFill/>
+                          <a:prstDash val="solid"/>
+                          <a:round/>
+                          <a:headEnd type="none" w="med" len="med"/>
+                          <a:tailEnd type="none" w="med" len="med"/>
+                        </a:lnB>
+                        <a:lnTlToBr w="12700" cmpd="sng">
+                          <a:noFill/>
+                          <a:prstDash val="solid"/>
+                        </a:lnTlToBr>
+                        <a:lnBlToTr w="12700" cmpd="sng">
+                          <a:noFill/>
+                          <a:prstDash val="solid"/>
+                        </a:lnBlToTr>
+                        <a:noFill/>
+                      </a:tcPr>
+                    </a:tc>
+                    <a:tc>
+                      <a:txBody>
+                        <a:bodyPr/>
+                        <a:lstStyle/>
+                        <a:p>
+                          <a:pPr marL="0" marR="0" algn="l">
+                            <a:lnSpc>
+                              <a:spcPct val="115000"/>
+                            </a:lnSpc>
+                            <a:spcBef>
+                              <a:spcPts val="0"/>
+                            </a:spcBef>
+                            <a:spcAft>
+                              <a:spcPts val="0"/>
+                            </a:spcAft>
+                          </a:pPr>
+                          <a:endParaRPr lang="en-US" sz="1200" dirty="0">
+                            <a:effectLst/>
+                            <a:latin typeface="Times New Roman" panose="02020603050405020304" pitchFamily="18" charset="0"/>
+                            <a:ea typeface="Cambria Math" panose="02040503050406030204" pitchFamily="18" charset="0"/>
+                            <a:cs typeface="Times New Roman" panose="02020603050405020304" pitchFamily="18" charset="0"/>
+                          </a:endParaRPr>
+                        </a:p>
+                        <a:p>
+                          <a:pPr marL="0" marR="0" lvl="0" indent="0" algn="l" defTabSz="914400" rtl="0" eaLnBrk="1" fontAlgn="auto" latinLnBrk="0" hangingPunct="1">
+                            <a:lnSpc>
+                              <a:spcPct val="115000"/>
+                            </a:lnSpc>
+                            <a:spcBef>
+                              <a:spcPts val="0"/>
+                            </a:spcBef>
+                            <a:spcAft>
+                              <a:spcPts val="0"/>
+                            </a:spcAft>
+                            <a:buClrTx/>
+                            <a:buSzTx/>
+                            <a:buFontTx/>
+                            <a:buNone/>
+                            <a:tabLst/>
+                            <a:defRPr/>
+                          </a:pPr>
+                          <a:r>
+                            <a:rPr lang="en-US" sz="1200" dirty="0">
+                              <a:effectLst/>
+                              <a:latin typeface="Times New Roman" panose="02020603050405020304" pitchFamily="18" charset="0"/>
+                              <a:ea typeface="Cambria Math" panose="02040503050406030204" pitchFamily="18" charset="0"/>
+                              <a:cs typeface="Times New Roman" panose="02020603050405020304" pitchFamily="18" charset="0"/>
+                            </a:rPr>
+                            <a:t>Generalist phage </a:t>
+                          </a:r>
+                          <a:r>
+                            <a:rPr lang="en-US" sz="1200" i="0" dirty="0">
+                              <a:effectLst/>
+                              <a:latin typeface="Times New Roman" panose="02020603050405020304" pitchFamily="18" charset="0"/>
+                              <a:ea typeface="Cambria Math" panose="02040503050406030204" pitchFamily="18" charset="0"/>
+                              <a:cs typeface="Times New Roman" panose="02020603050405020304" pitchFamily="18" charset="0"/>
+                            </a:rPr>
+                            <a:t>(Equation 3)</a:t>
+                          </a:r>
+                          <a:endParaRPr lang="en-US" sz="1200" dirty="0">
+                            <a:effectLst/>
+                            <a:latin typeface="Times New Roman" panose="02020603050405020304" pitchFamily="18" charset="0"/>
+                            <a:ea typeface="Cambria Math" panose="02040503050406030204" pitchFamily="18" charset="0"/>
+                            <a:cs typeface="Times New Roman" panose="02020603050405020304" pitchFamily="18" charset="0"/>
+                          </a:endParaRPr>
+                        </a:p>
+                      </a:txBody>
+                      <a:tcPr marL="63500" marR="63500" marT="63500" marB="63500">
+                        <a:lnL w="12700" cap="flat" cmpd="sng" algn="ctr">
+                          <a:noFill/>
+                          <a:prstDash val="solid"/>
+                          <a:round/>
+                          <a:headEnd type="none" w="med" len="med"/>
+                          <a:tailEnd type="none" w="med" len="med"/>
+                        </a:lnL>
+                        <a:lnR w="12700" cap="flat" cmpd="sng" algn="ctr">
+                          <a:noFill/>
+                          <a:prstDash val="solid"/>
+                          <a:round/>
+                          <a:headEnd type="none" w="med" len="med"/>
+                          <a:tailEnd type="none" w="med" len="med"/>
+                        </a:lnR>
+                        <a:lnT w="12700" cap="flat" cmpd="sng" algn="ctr">
+                          <a:noFill/>
+                          <a:prstDash val="solid"/>
+                          <a:round/>
+                          <a:headEnd type="none" w="med" len="med"/>
+                          <a:tailEnd type="none" w="med" len="med"/>
+                        </a:lnT>
+                        <a:lnB w="12700" cap="flat" cmpd="sng" algn="ctr">
+                          <a:noFill/>
+                          <a:prstDash val="solid"/>
+                          <a:round/>
+                          <a:headEnd type="none" w="med" len="med"/>
+                          <a:tailEnd type="none" w="med" len="med"/>
+                        </a:lnB>
+                        <a:lnTlToBr w="12700" cmpd="sng">
+                          <a:noFill/>
+                          <a:prstDash val="solid"/>
+                        </a:lnTlToBr>
+                        <a:lnBlToTr w="12700" cmpd="sng">
+                          <a:noFill/>
+                          <a:prstDash val="solid"/>
+                        </a:lnBlToTr>
+                        <a:noFill/>
+                      </a:tcPr>
+                    </a:tc>
+                    <a:extLst>
+                      <a:ext uri="{0D108BD9-81ED-4DB2-BD59-A6C34878D82A}">
+                        <a16:rowId xmlns:a16="http://schemas.microsoft.com/office/drawing/2014/main" val="4111500727"/>
+                      </a:ext>
+                    </a:extLst>
+                  </a:tr>
+                  <a:tr h="0">
+                    <a:tc>
+                      <a:txBody>
+                        <a:bodyPr/>
+                        <a:lstStyle/>
+                        <a:p>
+                          <a:pPr marL="0" marR="0" lvl="0" indent="0" algn="l" defTabSz="914400" rtl="0" eaLnBrk="1" fontAlgn="auto" latinLnBrk="0" hangingPunct="1">
+                            <a:lnSpc>
+                              <a:spcPct val="115000"/>
+                            </a:lnSpc>
+                            <a:spcBef>
+                              <a:spcPts val="0"/>
+                            </a:spcBef>
+                            <a:spcAft>
+                              <a:spcPts val="0"/>
+                            </a:spcAft>
+                            <a:buClrTx/>
+                            <a:buSzTx/>
+                            <a:buFontTx/>
+                            <a:buNone/>
+                            <a:tabLst/>
+                            <a:defRPr/>
+                          </a:pPr>
+                          <a14:m>
+                            <m:oMathPara xmlns:m="http://schemas.openxmlformats.org/officeDocument/2006/math">
+                              <m:oMathParaPr>
+                                <m:jc m:val="centerGroup"/>
+                              </m:oMathParaPr>
+                              <m:oMath xmlns:m="http://schemas.openxmlformats.org/officeDocument/2006/math">
+                                <m:f>
+                                  <m:fPr>
+                                    <m:ctrlPr>
+                                      <a:rPr lang="en-US" sz="1100" i="1" smtClean="0">
+                                        <a:effectLst/>
+                                        <a:latin typeface="Cambria Math" panose="02040503050406030204" pitchFamily="18" charset="0"/>
+                                        <a:ea typeface="Cambria Math" panose="02040503050406030204" pitchFamily="18" charset="0"/>
+                                      </a:rPr>
+                                    </m:ctrlPr>
+                                  </m:fPr>
+                                  <m:num>
+                                    <m:r>
+                                      <a:rPr lang="en-US" sz="1100">
+                                        <a:effectLst/>
+                                        <a:latin typeface="Cambria Math" panose="02040503050406030204" pitchFamily="18" charset="0"/>
+                                        <a:ea typeface="Cambria Math" panose="02040503050406030204" pitchFamily="18" charset="0"/>
+                                      </a:rPr>
+                                      <m:t>𝑑𝑃</m:t>
+                                    </m:r>
+                                  </m:num>
+                                  <m:den>
+                                    <m:r>
+                                      <a:rPr lang="en-US" sz="1100">
+                                        <a:effectLst/>
+                                        <a:latin typeface="Cambria Math" panose="02040503050406030204" pitchFamily="18" charset="0"/>
+                                        <a:ea typeface="Cambria Math" panose="02040503050406030204" pitchFamily="18" charset="0"/>
+                                      </a:rPr>
+                                      <m:t>𝑑𝑡</m:t>
+                                    </m:r>
+                                  </m:den>
+                                </m:f>
+                                <m:r>
+                                  <a:rPr lang="en-US" sz="1100">
+                                    <a:effectLst/>
+                                    <a:latin typeface="Cambria Math" panose="02040503050406030204" pitchFamily="18" charset="0"/>
+                                    <a:ea typeface="Cambria Math" panose="02040503050406030204" pitchFamily="18" charset="0"/>
+                                  </a:rPr>
+                                  <m:t> =</m:t>
+                                </m:r>
+                                <m:d>
+                                  <m:dPr>
+                                    <m:ctrlPr>
+                                      <a:rPr lang="en-US" sz="1100" b="0" i="1" smtClean="0">
+                                        <a:effectLst/>
+                                        <a:latin typeface="Cambria Math" panose="02040503050406030204" pitchFamily="18" charset="0"/>
+                                        <a:ea typeface="Cambria Math" panose="02040503050406030204" pitchFamily="18" charset="0"/>
+                                      </a:rPr>
+                                    </m:ctrlPr>
+                                  </m:dPr>
+                                  <m:e>
+                                    <m:sSub>
+                                      <m:sSubPr>
+                                        <m:ctrlPr>
+                                          <a:rPr lang="en-US" sz="1100" b="0" i="1" smtClean="0">
+                                            <a:effectLst/>
+                                            <a:latin typeface="Cambria Math" panose="02040503050406030204" pitchFamily="18" charset="0"/>
+                                            <a:ea typeface="Cambria Math" panose="02040503050406030204" pitchFamily="18" charset="0"/>
+                                          </a:rPr>
+                                        </m:ctrlPr>
+                                      </m:sSubPr>
+                                      <m:e>
+                                        <m:r>
+                                          <a:rPr lang="en-US" sz="1100" b="0" i="1" smtClean="0">
+                                            <a:effectLst/>
+                                            <a:latin typeface="Cambria Math" panose="02040503050406030204" pitchFamily="18" charset="0"/>
+                                            <a:ea typeface="Cambria Math" panose="02040503050406030204" pitchFamily="18" charset="0"/>
+                                          </a:rPr>
+                                          <m:t>𝛾</m:t>
+                                        </m:r>
+                                      </m:e>
+                                      <m:sub>
+                                        <m:r>
+                                          <a:rPr lang="en-US" sz="1100" b="0" i="1" smtClean="0">
+                                            <a:effectLst/>
+                                            <a:latin typeface="Cambria Math" panose="02040503050406030204" pitchFamily="18" charset="0"/>
+                                            <a:ea typeface="Cambria Math" panose="02040503050406030204" pitchFamily="18" charset="0"/>
+                                          </a:rPr>
+                                          <m:t>𝑆</m:t>
+                                        </m:r>
+                                        <m:r>
+                                          <a:rPr lang="en-US" sz="1100" b="0" i="1" smtClean="0">
+                                            <a:effectLst/>
+                                            <a:latin typeface="Cambria Math" panose="02040503050406030204" pitchFamily="18" charset="0"/>
+                                            <a:ea typeface="Cambria Math" panose="02040503050406030204" pitchFamily="18" charset="0"/>
+                                          </a:rPr>
+                                          <m:t>,</m:t>
+                                        </m:r>
+                                        <m:r>
+                                          <a:rPr lang="en-US" sz="1100" b="0" i="1" smtClean="0">
+                                            <a:effectLst/>
+                                            <a:latin typeface="Cambria Math" panose="02040503050406030204" pitchFamily="18" charset="0"/>
+                                            <a:ea typeface="Cambria Math" panose="02040503050406030204" pitchFamily="18" charset="0"/>
+                                          </a:rPr>
+                                          <m:t>𝑃</m:t>
+                                        </m:r>
+                                      </m:sub>
+                                    </m:sSub>
+                                    <m:sSub>
+                                      <m:sSubPr>
+                                        <m:ctrlPr>
+                                          <a:rPr lang="en-US" sz="1100" b="0" i="1" smtClean="0">
+                                            <a:effectLst/>
+                                            <a:latin typeface="Cambria Math" panose="02040503050406030204" pitchFamily="18" charset="0"/>
+                                            <a:ea typeface="Cambria Math" panose="02040503050406030204" pitchFamily="18" charset="0"/>
+                                          </a:rPr>
+                                        </m:ctrlPr>
+                                      </m:sSubPr>
+                                      <m:e>
+                                        <m:r>
+                                          <a:rPr lang="en-US" sz="1100" b="0" i="1" smtClean="0">
+                                            <a:effectLst/>
+                                            <a:latin typeface="Cambria Math" panose="02040503050406030204" pitchFamily="18" charset="0"/>
+                                            <a:ea typeface="Cambria Math" panose="02040503050406030204" pitchFamily="18" charset="0"/>
+                                          </a:rPr>
+                                          <m:t>∗</m:t>
+                                        </m:r>
+                                        <m:r>
+                                          <a:rPr lang="en-US" sz="1100" b="0" i="1" smtClean="0">
+                                            <a:effectLst/>
+                                            <a:latin typeface="Cambria Math" panose="02040503050406030204" pitchFamily="18" charset="0"/>
+                                            <a:ea typeface="Cambria Math" panose="02040503050406030204" pitchFamily="18" charset="0"/>
+                                          </a:rPr>
+                                          <m:t>𝜍</m:t>
+                                        </m:r>
+                                      </m:e>
+                                      <m:sub>
+                                        <m:r>
+                                          <a:rPr lang="en-US" sz="1100" b="0" i="1" smtClean="0">
+                                            <a:effectLst/>
+                                            <a:latin typeface="Cambria Math" panose="02040503050406030204" pitchFamily="18" charset="0"/>
+                                            <a:ea typeface="Cambria Math" panose="02040503050406030204" pitchFamily="18" charset="0"/>
+                                          </a:rPr>
+                                          <m:t>𝑆</m:t>
+                                        </m:r>
+                                        <m:r>
+                                          <a:rPr lang="en-US" sz="1100" b="0" i="1" smtClean="0">
+                                            <a:effectLst/>
+                                            <a:latin typeface="Cambria Math" panose="02040503050406030204" pitchFamily="18" charset="0"/>
+                                            <a:ea typeface="Cambria Math" panose="02040503050406030204" pitchFamily="18" charset="0"/>
+                                          </a:rPr>
+                                          <m:t>,</m:t>
+                                        </m:r>
+                                        <m:r>
+                                          <a:rPr lang="en-US" sz="1100" b="0" i="1" smtClean="0">
+                                            <a:effectLst/>
+                                            <a:latin typeface="Cambria Math" panose="02040503050406030204" pitchFamily="18" charset="0"/>
+                                            <a:ea typeface="Cambria Math" panose="02040503050406030204" pitchFamily="18" charset="0"/>
+                                          </a:rPr>
+                                          <m:t>𝑃</m:t>
+                                        </m:r>
+                                      </m:sub>
+                                    </m:sSub>
+                                    <m:r>
+                                      <a:rPr lang="en-US" sz="1100" b="0" i="1" smtClean="0">
+                                        <a:effectLst/>
+                                        <a:latin typeface="Cambria Math" panose="02040503050406030204" pitchFamily="18" charset="0"/>
+                                        <a:ea typeface="Cambria Math" panose="02040503050406030204" pitchFamily="18" charset="0"/>
+                                      </a:rPr>
+                                      <m:t>∗</m:t>
+                                    </m:r>
+                                    <m:r>
+                                      <a:rPr lang="en-US" sz="1100" b="0" i="1" smtClean="0">
+                                        <a:effectLst/>
+                                        <a:latin typeface="Cambria Math" panose="02040503050406030204" pitchFamily="18" charset="0"/>
+                                        <a:ea typeface="Cambria Math" panose="02040503050406030204" pitchFamily="18" charset="0"/>
+                                      </a:rPr>
+                                      <m:t>𝑃</m:t>
+                                    </m:r>
+                                    <m:r>
+                                      <a:rPr lang="en-US" sz="1100" b="0" i="1" smtClean="0">
+                                        <a:effectLst/>
+                                        <a:latin typeface="Cambria Math" panose="02040503050406030204" pitchFamily="18" charset="0"/>
+                                        <a:ea typeface="Cambria Math" panose="02040503050406030204" pitchFamily="18" charset="0"/>
+                                      </a:rPr>
+                                      <m:t>∗</m:t>
+                                    </m:r>
+                                    <m:r>
+                                      <a:rPr lang="en-US" sz="1100" b="0" i="1" smtClean="0">
+                                        <a:effectLst/>
+                                        <a:latin typeface="Cambria Math" panose="02040503050406030204" pitchFamily="18" charset="0"/>
+                                        <a:ea typeface="Cambria Math" panose="02040503050406030204" pitchFamily="18" charset="0"/>
+                                      </a:rPr>
+                                      <m:t>𝑆</m:t>
+                                    </m:r>
+                                  </m:e>
+                                </m:d>
+                                <m:r>
+                                  <a:rPr lang="en-US" sz="1100" b="0" i="1" smtClean="0">
+                                    <a:effectLst/>
+                                    <a:latin typeface="Cambria Math" panose="02040503050406030204" pitchFamily="18" charset="0"/>
+                                    <a:ea typeface="Cambria Math" panose="02040503050406030204" pitchFamily="18" charset="0"/>
+                                  </a:rPr>
+                                  <m:t>−(</m:t>
+                                </m:r>
+                                <m:sSub>
+                                  <m:sSubPr>
+                                    <m:ctrlPr>
+                                      <a:rPr lang="en-US" sz="1100" b="0" i="1" smtClean="0">
+                                        <a:effectLst/>
+                                        <a:latin typeface="Cambria Math" panose="02040503050406030204" pitchFamily="18" charset="0"/>
+                                        <a:ea typeface="Cambria Math" panose="02040503050406030204" pitchFamily="18" charset="0"/>
+                                      </a:rPr>
+                                    </m:ctrlPr>
+                                  </m:sSubPr>
+                                  <m:e>
+                                    <m:r>
+                                      <a:rPr lang="en-US" sz="1100" b="0" i="1" smtClean="0">
+                                        <a:effectLst/>
+                                        <a:latin typeface="Cambria Math" panose="02040503050406030204" pitchFamily="18" charset="0"/>
+                                        <a:ea typeface="Cambria Math" panose="02040503050406030204" pitchFamily="18" charset="0"/>
+                                      </a:rPr>
+                                      <m:t>𝛿</m:t>
+                                    </m:r>
+                                  </m:e>
+                                  <m:sub>
+                                    <m:r>
+                                      <a:rPr lang="en-US" sz="1100" b="0" i="1" smtClean="0">
+                                        <a:effectLst/>
+                                        <a:latin typeface="Cambria Math" panose="02040503050406030204" pitchFamily="18" charset="0"/>
+                                        <a:ea typeface="Cambria Math" panose="02040503050406030204" pitchFamily="18" charset="0"/>
+                                      </a:rPr>
+                                      <m:t>𝑃</m:t>
+                                    </m:r>
+                                  </m:sub>
+                                </m:sSub>
+                                <m:r>
+                                  <a:rPr lang="en-US" sz="1100" b="0" i="1" smtClean="0">
+                                    <a:effectLst/>
+                                    <a:latin typeface="Cambria Math" panose="02040503050406030204" pitchFamily="18" charset="0"/>
+                                    <a:ea typeface="Cambria Math" panose="02040503050406030204" pitchFamily="18" charset="0"/>
+                                  </a:rPr>
+                                  <m:t>∗</m:t>
+                                </m:r>
+                                <m:r>
+                                  <a:rPr lang="en-US" sz="1100" b="0" i="1" smtClean="0">
+                                    <a:effectLst/>
+                                    <a:latin typeface="Cambria Math" panose="02040503050406030204" pitchFamily="18" charset="0"/>
+                                    <a:ea typeface="Cambria Math" panose="02040503050406030204" pitchFamily="18" charset="0"/>
+                                  </a:rPr>
+                                  <m:t>𝑃</m:t>
+                                </m:r>
+                                <m:r>
+                                  <a:rPr lang="en-US" sz="1100" b="0" i="1" smtClean="0">
+                                    <a:effectLst/>
+                                    <a:latin typeface="Cambria Math" panose="02040503050406030204" pitchFamily="18" charset="0"/>
+                                    <a:ea typeface="Cambria Math" panose="02040503050406030204" pitchFamily="18" charset="0"/>
+                                  </a:rPr>
+                                  <m:t>)</m:t>
+                                </m:r>
+                              </m:oMath>
+                            </m:oMathPara>
+                          </a14:m>
+                          <a:endParaRPr lang="en-US" sz="1100" dirty="0">
+                            <a:effectLst/>
+                            <a:latin typeface="Cambria Math" panose="02040503050406030204" pitchFamily="18" charset="0"/>
+                            <a:ea typeface="Cambria Math" panose="02040503050406030204" pitchFamily="18" charset="0"/>
+                            <a:cs typeface="Times New Roman" panose="02020603050405020304" pitchFamily="18" charset="0"/>
+                          </a:endParaRPr>
+                        </a:p>
+                      </a:txBody>
+                      <a:tcPr marL="63500" marR="63500" marT="63500" marB="63500">
+                        <a:lnL w="12700" cap="flat" cmpd="sng" algn="ctr">
+                          <a:noFill/>
+                          <a:prstDash val="solid"/>
+                          <a:round/>
+                          <a:headEnd type="none" w="med" len="med"/>
+                          <a:tailEnd type="none" w="med" len="med"/>
+                        </a:lnL>
+                        <a:lnR w="12700" cap="flat" cmpd="sng" algn="ctr">
+                          <a:noFill/>
+                          <a:prstDash val="solid"/>
+                          <a:round/>
+                          <a:headEnd type="none" w="med" len="med"/>
+                          <a:tailEnd type="none" w="med" len="med"/>
+                        </a:lnR>
+                        <a:lnT w="12700" cap="flat" cmpd="sng" algn="ctr">
+                          <a:noFill/>
+                          <a:prstDash val="solid"/>
+                          <a:round/>
+                          <a:headEnd type="none" w="med" len="med"/>
+                          <a:tailEnd type="none" w="med" len="med"/>
+                        </a:lnT>
+                        <a:lnB w="12700" cap="flat" cmpd="sng" algn="ctr">
+                          <a:noFill/>
+                          <a:prstDash val="solid"/>
+                          <a:round/>
+                          <a:headEnd type="none" w="med" len="med"/>
+                          <a:tailEnd type="none" w="med" len="med"/>
+                        </a:lnB>
+                        <a:lnTlToBr w="12700" cmpd="sng">
+                          <a:noFill/>
+                          <a:prstDash val="solid"/>
+                        </a:lnTlToBr>
+                        <a:lnBlToTr w="12700" cmpd="sng">
+                          <a:noFill/>
+                          <a:prstDash val="solid"/>
+                        </a:lnBlToTr>
+                        <a:noFill/>
+                      </a:tcPr>
+                    </a:tc>
+                    <a:tc>
+                      <a:txBody>
+                        <a:bodyPr/>
+                        <a:lstStyle/>
+                        <a:p>
+                          <a:pPr marL="0" marR="0" algn="l">
+                            <a:lnSpc>
+                              <a:spcPct val="115000"/>
+                            </a:lnSpc>
+                            <a:spcBef>
+                              <a:spcPts val="0"/>
+                            </a:spcBef>
+                            <a:spcAft>
+                              <a:spcPts val="0"/>
+                            </a:spcAft>
+                          </a:pPr>
+                          <a:endParaRPr lang="en-US" sz="1200" dirty="0">
+                            <a:effectLst/>
+                            <a:latin typeface="Times New Roman" panose="02020603050405020304" pitchFamily="18" charset="0"/>
+                            <a:ea typeface="Cambria Math" panose="02040503050406030204" pitchFamily="18" charset="0"/>
+                            <a:cs typeface="Times New Roman" panose="02020603050405020304" pitchFamily="18" charset="0"/>
+                          </a:endParaRPr>
+                        </a:p>
+                        <a:p>
+                          <a:pPr marL="0" marR="0" lvl="0" indent="0" algn="l" defTabSz="914400" rtl="0" eaLnBrk="1" fontAlgn="auto" latinLnBrk="0" hangingPunct="1">
+                            <a:lnSpc>
+                              <a:spcPct val="115000"/>
+                            </a:lnSpc>
+                            <a:spcBef>
+                              <a:spcPts val="0"/>
+                            </a:spcBef>
+                            <a:spcAft>
+                              <a:spcPts val="0"/>
+                            </a:spcAft>
+                            <a:buClrTx/>
+                            <a:buSzTx/>
+                            <a:buFontTx/>
+                            <a:buNone/>
+                            <a:tabLst/>
+                            <a:defRPr/>
+                          </a:pPr>
+                          <a:r>
+                            <a:rPr lang="en-US" sz="1200" dirty="0">
+                              <a:effectLst/>
+                              <a:latin typeface="Times New Roman" panose="02020603050405020304" pitchFamily="18" charset="0"/>
+                              <a:ea typeface="Cambria Math" panose="02040503050406030204" pitchFamily="18" charset="0"/>
+                              <a:cs typeface="Times New Roman" panose="02020603050405020304" pitchFamily="18" charset="0"/>
+                            </a:rPr>
+                            <a:t>Specialist phage </a:t>
+                          </a:r>
+                          <a:r>
+                            <a:rPr lang="en-US" sz="1200" i="0" dirty="0">
+                              <a:effectLst/>
+                              <a:latin typeface="Times New Roman" panose="02020603050405020304" pitchFamily="18" charset="0"/>
+                              <a:ea typeface="Cambria Math" panose="02040503050406030204" pitchFamily="18" charset="0"/>
+                              <a:cs typeface="Times New Roman" panose="02020603050405020304" pitchFamily="18" charset="0"/>
+                            </a:rPr>
+                            <a:t>(Equation 4)</a:t>
+                          </a:r>
+                          <a:endParaRPr lang="en-US" sz="1200" dirty="0">
+                            <a:effectLst/>
+                            <a:latin typeface="Times New Roman" panose="02020603050405020304" pitchFamily="18" charset="0"/>
+                            <a:ea typeface="Cambria Math" panose="02040503050406030204" pitchFamily="18" charset="0"/>
+                            <a:cs typeface="Times New Roman" panose="02020603050405020304" pitchFamily="18" charset="0"/>
+                          </a:endParaRPr>
+                        </a:p>
+                      </a:txBody>
+                      <a:tcPr marL="63500" marR="63500" marT="63500" marB="63500">
+                        <a:lnL w="12700" cap="flat" cmpd="sng" algn="ctr">
+                          <a:noFill/>
+                          <a:prstDash val="solid"/>
+                          <a:round/>
+                          <a:headEnd type="none" w="med" len="med"/>
+                          <a:tailEnd type="none" w="med" len="med"/>
+                        </a:lnL>
+                        <a:lnR w="12700" cap="flat" cmpd="sng" algn="ctr">
+                          <a:noFill/>
+                          <a:prstDash val="solid"/>
+                          <a:round/>
+                          <a:headEnd type="none" w="med" len="med"/>
+                          <a:tailEnd type="none" w="med" len="med"/>
+                        </a:lnR>
+                        <a:lnT w="12700" cap="flat" cmpd="sng" algn="ctr">
+                          <a:noFill/>
+                          <a:prstDash val="solid"/>
+                          <a:round/>
+                          <a:headEnd type="none" w="med" len="med"/>
+                          <a:tailEnd type="none" w="med" len="med"/>
+                        </a:lnT>
+                        <a:lnB w="12700" cap="flat" cmpd="sng" algn="ctr">
+                          <a:noFill/>
+                          <a:prstDash val="solid"/>
+                          <a:round/>
+                          <a:headEnd type="none" w="med" len="med"/>
+                          <a:tailEnd type="none" w="med" len="med"/>
+                        </a:lnB>
+                        <a:lnTlToBr w="12700" cmpd="sng">
+                          <a:noFill/>
+                          <a:prstDash val="solid"/>
+                        </a:lnTlToBr>
+                        <a:lnBlToTr w="12700" cmpd="sng">
+                          <a:noFill/>
+                          <a:prstDash val="solid"/>
+                        </a:lnBlToTr>
+                        <a:noFill/>
+                      </a:tcPr>
+                    </a:tc>
+                    <a:extLst>
+                      <a:ext uri="{0D108BD9-81ED-4DB2-BD59-A6C34878D82A}">
+                        <a16:rowId xmlns:a16="http://schemas.microsoft.com/office/drawing/2014/main" val="3381827304"/>
+                      </a:ext>
+                    </a:extLst>
+                  </a:tr>
+                </a:tbl>
+              </a:graphicData>
+            </a:graphic>
+          </p:graphicFrame>
+        </mc:Choice>
+        <mc:Fallback>
+          <p:graphicFrame>
+            <p:nvGraphicFramePr>
+              <p:cNvPr id="6" name="Table 5">
+                <a:extLst>
+                  <a:ext uri="{FF2B5EF4-FFF2-40B4-BE49-F238E27FC236}">
+                    <a16:creationId xmlns:a16="http://schemas.microsoft.com/office/drawing/2014/main" id="{7455AEAB-E300-BA78-56D9-EEC3B16F29BF}"/>
+                  </a:ext>
+                </a:extLst>
+              </p:cNvPr>
+              <p:cNvGraphicFramePr>
+                <a:graphicFrameLocks noGrp="1"/>
+              </p:cNvGraphicFramePr>
+              <p:nvPr>
+                <p:extLst>
+                  <p:ext uri="{D42A27DB-BD31-4B8C-83A1-F6EECF244321}">
+                    <p14:modId xmlns:p14="http://schemas.microsoft.com/office/powerpoint/2010/main" val="2953727971"/>
+                  </p:ext>
+                </p:extLst>
+              </p:nvPr>
+            </p:nvGraphicFramePr>
+            <p:xfrm>
+              <a:off x="2427515" y="3769410"/>
+              <a:ext cx="7957457" cy="2142110"/>
+            </p:xfrm>
+            <a:graphic>
+              <a:graphicData uri="http://schemas.openxmlformats.org/drawingml/2006/table">
+                <a:tbl>
+                  <a:tblPr>
+                    <a:tableStyleId>{5C22544A-7EE6-4342-B048-85BDC9FD1C3A}</a:tableStyleId>
+                  </a:tblPr>
+                  <a:tblGrid>
+                    <a:gridCol w="5894552">
+                      <a:extLst>
+                        <a:ext uri="{9D8B030D-6E8A-4147-A177-3AD203B41FA5}">
+                          <a16:colId xmlns:a16="http://schemas.microsoft.com/office/drawing/2014/main" val="27819360"/>
+                        </a:ext>
+                      </a:extLst>
+                    </a:gridCol>
+                    <a:gridCol w="2062905">
+                      <a:extLst>
+                        <a:ext uri="{9D8B030D-6E8A-4147-A177-3AD203B41FA5}">
+                          <a16:colId xmlns:a16="http://schemas.microsoft.com/office/drawing/2014/main" val="3205083959"/>
+                        </a:ext>
+                      </a:extLst>
+                    </a:gridCol>
+                  </a:tblGrid>
+                  <a:tr h="540322">
+                    <a:tc>
+                      <a:txBody>
+                        <a:bodyPr/>
+                        <a:lstStyle/>
+                        <a:p>
+                          <a:endParaRPr lang="en-US"/>
+                        </a:p>
+                      </a:txBody>
+                      <a:tcPr marL="63500" marR="63500" marT="63500" marB="63500">
+                        <a:lnL w="12700" cap="flat" cmpd="sng" algn="ctr">
+                          <a:noFill/>
+                          <a:prstDash val="solid"/>
+                          <a:round/>
+                          <a:headEnd type="none" w="med" len="med"/>
+                          <a:tailEnd type="none" w="med" len="med"/>
+                        </a:lnL>
+                        <a:lnR w="12700" cap="flat" cmpd="sng" algn="ctr">
+                          <a:noFill/>
+                          <a:prstDash val="solid"/>
+                          <a:round/>
+                          <a:headEnd type="none" w="med" len="med"/>
+                          <a:tailEnd type="none" w="med" len="med"/>
+                        </a:lnR>
+                        <a:lnT w="12700" cap="flat" cmpd="sng" algn="ctr">
+                          <a:noFill/>
+                          <a:prstDash val="solid"/>
+                          <a:round/>
+                          <a:headEnd type="none" w="med" len="med"/>
+                          <a:tailEnd type="none" w="med" len="med"/>
+                        </a:lnT>
+                        <a:lnB w="12700" cap="flat" cmpd="sng" algn="ctr">
+                          <a:noFill/>
+                          <a:prstDash val="solid"/>
+                          <a:round/>
+                          <a:headEnd type="none" w="med" len="med"/>
+                          <a:tailEnd type="none" w="med" len="med"/>
+                        </a:lnB>
+                        <a:lnTlToBr w="12700" cmpd="sng">
+                          <a:noFill/>
+                          <a:prstDash val="solid"/>
+                        </a:lnTlToBr>
+                        <a:lnBlToTr w="12700" cmpd="sng">
+                          <a:noFill/>
+                          <a:prstDash val="solid"/>
+                        </a:lnBlToTr>
+                        <a:blipFill>
+                          <a:blip r:embed="rId2"/>
+                          <a:stretch>
+                            <a:fillRect r="-35129" b="-302326"/>
+                          </a:stretch>
+                        </a:blipFill>
+                      </a:tcPr>
+                    </a:tc>
+                    <a:tc>
+                      <a:txBody>
+                        <a:bodyPr/>
+                        <a:lstStyle/>
+                        <a:p>
+                          <a:pPr marL="0" marR="0" algn="l">
+                            <a:lnSpc>
+                              <a:spcPct val="115000"/>
+                            </a:lnSpc>
+                            <a:spcBef>
+                              <a:spcPts val="0"/>
+                            </a:spcBef>
+                            <a:spcAft>
+                              <a:spcPts val="0"/>
+                            </a:spcAft>
+                          </a:pPr>
+                          <a:endParaRPr lang="en-US" sz="1200" i="0" dirty="0">
+                            <a:effectLst/>
+                            <a:latin typeface="Times New Roman" panose="02020603050405020304" pitchFamily="18" charset="0"/>
+                            <a:ea typeface="Cambria Math" panose="02040503050406030204" pitchFamily="18" charset="0"/>
+                            <a:cs typeface="Times New Roman" panose="02020603050405020304" pitchFamily="18" charset="0"/>
+                          </a:endParaRPr>
+                        </a:p>
+                        <a:p>
+                          <a:pPr marL="0" marR="0" lvl="0" indent="0" algn="l" defTabSz="914400" rtl="0" eaLnBrk="1" fontAlgn="auto" latinLnBrk="0" hangingPunct="1">
+                            <a:lnSpc>
+                              <a:spcPct val="115000"/>
+                            </a:lnSpc>
+                            <a:spcBef>
+                              <a:spcPts val="0"/>
+                            </a:spcBef>
+                            <a:spcAft>
+                              <a:spcPts val="0"/>
+                            </a:spcAft>
+                            <a:buClrTx/>
+                            <a:buSzTx/>
+                            <a:buFontTx/>
+                            <a:buNone/>
+                            <a:tabLst/>
+                            <a:defRPr/>
+                          </a:pPr>
+                          <a:r>
+                            <a:rPr lang="en-US" sz="1200" i="1" dirty="0">
+                              <a:effectLst/>
+                              <a:latin typeface="Times New Roman" panose="02020603050405020304" pitchFamily="18" charset="0"/>
+                              <a:ea typeface="Cambria Math" panose="02040503050406030204" pitchFamily="18" charset="0"/>
+                              <a:cs typeface="Times New Roman" panose="02020603050405020304" pitchFamily="18" charset="0"/>
+                            </a:rPr>
+                            <a:t>E. coli </a:t>
+                          </a:r>
+                          <a:r>
+                            <a:rPr lang="en-US" sz="1200" i="0" dirty="0">
+                              <a:effectLst/>
+                              <a:latin typeface="Times New Roman" panose="02020603050405020304" pitchFamily="18" charset="0"/>
+                              <a:ea typeface="Cambria Math" panose="02040503050406030204" pitchFamily="18" charset="0"/>
+                              <a:cs typeface="Times New Roman" panose="02020603050405020304" pitchFamily="18" charset="0"/>
+                            </a:rPr>
+                            <a:t>(Equation 1)</a:t>
+                          </a:r>
+                        </a:p>
+                      </a:txBody>
+                      <a:tcPr marL="63500" marR="63500" marT="63500" marB="63500">
+                        <a:lnL w="12700" cap="flat" cmpd="sng" algn="ctr">
+                          <a:noFill/>
+                          <a:prstDash val="solid"/>
+                          <a:round/>
+                          <a:headEnd type="none" w="med" len="med"/>
+                          <a:tailEnd type="none" w="med" len="med"/>
+                        </a:lnL>
+                        <a:lnR w="12700" cap="flat" cmpd="sng" algn="ctr">
+                          <a:noFill/>
+                          <a:prstDash val="solid"/>
+                          <a:round/>
+                          <a:headEnd type="none" w="med" len="med"/>
+                          <a:tailEnd type="none" w="med" len="med"/>
+                        </a:lnR>
+                        <a:lnT w="12700" cap="flat" cmpd="sng" algn="ctr">
+                          <a:noFill/>
+                          <a:prstDash val="solid"/>
+                          <a:round/>
+                          <a:headEnd type="none" w="med" len="med"/>
+                          <a:tailEnd type="none" w="med" len="med"/>
+                        </a:lnT>
+                        <a:lnB w="12700" cap="flat" cmpd="sng" algn="ctr">
+                          <a:noFill/>
+                          <a:prstDash val="solid"/>
+                          <a:round/>
+                          <a:headEnd type="none" w="med" len="med"/>
+                          <a:tailEnd type="none" w="med" len="med"/>
+                        </a:lnB>
+                        <a:lnTlToBr w="12700" cmpd="sng">
+                          <a:noFill/>
+                          <a:prstDash val="solid"/>
+                        </a:lnTlToBr>
+                        <a:lnBlToTr w="12700" cmpd="sng">
+                          <a:noFill/>
+                          <a:prstDash val="solid"/>
+                        </a:lnBlToTr>
+                        <a:noFill/>
+                      </a:tcPr>
+                    </a:tc>
+                    <a:extLst>
+                      <a:ext uri="{0D108BD9-81ED-4DB2-BD59-A6C34878D82A}">
+                        <a16:rowId xmlns:a16="http://schemas.microsoft.com/office/drawing/2014/main" val="1459767029"/>
+                      </a:ext>
+                    </a:extLst>
+                  </a:tr>
+                  <a:tr h="540322">
+                    <a:tc>
+                      <a:txBody>
+                        <a:bodyPr/>
+                        <a:lstStyle/>
+                        <a:p>
+                          <a:endParaRPr lang="en-US"/>
+                        </a:p>
+                      </a:txBody>
+                      <a:tcPr marL="63500" marR="63500" marT="63500" marB="63500">
+                        <a:lnL w="12700" cap="flat" cmpd="sng" algn="ctr">
+                          <a:noFill/>
+                          <a:prstDash val="solid"/>
+                          <a:round/>
+                          <a:headEnd type="none" w="med" len="med"/>
+                          <a:tailEnd type="none" w="med" len="med"/>
+                        </a:lnL>
+                        <a:lnR w="12700" cap="flat" cmpd="sng" algn="ctr">
+                          <a:noFill/>
+                          <a:prstDash val="solid"/>
+                          <a:round/>
+                          <a:headEnd type="none" w="med" len="med"/>
+                          <a:tailEnd type="none" w="med" len="med"/>
+                        </a:lnR>
+                        <a:lnT w="12700" cap="flat" cmpd="sng" algn="ctr">
+                          <a:noFill/>
+                          <a:prstDash val="solid"/>
+                          <a:round/>
+                          <a:headEnd type="none" w="med" len="med"/>
+                          <a:tailEnd type="none" w="med" len="med"/>
+                        </a:lnT>
+                        <a:lnB w="12700" cap="flat" cmpd="sng" algn="ctr">
+                          <a:noFill/>
+                          <a:prstDash val="solid"/>
+                          <a:round/>
+                          <a:headEnd type="none" w="med" len="med"/>
+                          <a:tailEnd type="none" w="med" len="med"/>
+                        </a:lnB>
+                        <a:lnTlToBr w="12700" cmpd="sng">
+                          <a:noFill/>
+                          <a:prstDash val="solid"/>
+                        </a:lnTlToBr>
+                        <a:lnBlToTr w="12700" cmpd="sng">
+                          <a:noFill/>
+                          <a:prstDash val="solid"/>
+                        </a:lnBlToTr>
+                        <a:blipFill>
+                          <a:blip r:embed="rId2"/>
+                          <a:stretch>
+                            <a:fillRect t="-100000" r="-35129" b="-202326"/>
+                          </a:stretch>
+                        </a:blipFill>
+                      </a:tcPr>
+                    </a:tc>
+                    <a:tc>
+                      <a:txBody>
+                        <a:bodyPr/>
+                        <a:lstStyle/>
+                        <a:p>
+                          <a:pPr marL="0" marR="0" algn="l">
+                            <a:lnSpc>
+                              <a:spcPct val="115000"/>
+                            </a:lnSpc>
+                            <a:spcBef>
+                              <a:spcPts val="0"/>
+                            </a:spcBef>
+                            <a:spcAft>
+                              <a:spcPts val="0"/>
+                            </a:spcAft>
+                          </a:pPr>
+                          <a:endParaRPr lang="en-US" sz="1200" i="1" dirty="0">
+                            <a:effectLst/>
+                            <a:latin typeface="Times New Roman" panose="02020603050405020304" pitchFamily="18" charset="0"/>
+                            <a:ea typeface="Cambria Math" panose="02040503050406030204" pitchFamily="18" charset="0"/>
+                            <a:cs typeface="Times New Roman" panose="02020603050405020304" pitchFamily="18" charset="0"/>
+                          </a:endParaRPr>
+                        </a:p>
+                        <a:p>
+                          <a:pPr marL="0" marR="0" lvl="0" indent="0" algn="l" defTabSz="914400" rtl="0" eaLnBrk="1" fontAlgn="auto" latinLnBrk="0" hangingPunct="1">
+                            <a:lnSpc>
+                              <a:spcPct val="115000"/>
+                            </a:lnSpc>
+                            <a:spcBef>
+                              <a:spcPts val="0"/>
+                            </a:spcBef>
+                            <a:spcAft>
+                              <a:spcPts val="0"/>
+                            </a:spcAft>
+                            <a:buClrTx/>
+                            <a:buSzTx/>
+                            <a:buFontTx/>
+                            <a:buNone/>
+                            <a:tabLst/>
+                            <a:defRPr/>
+                          </a:pPr>
+                          <a:r>
+                            <a:rPr lang="en-US" sz="1200" i="1" dirty="0">
+                              <a:effectLst/>
+                              <a:latin typeface="Times New Roman" panose="02020603050405020304" pitchFamily="18" charset="0"/>
+                              <a:ea typeface="Cambria Math" panose="02040503050406030204" pitchFamily="18" charset="0"/>
+                              <a:cs typeface="Times New Roman" panose="02020603050405020304" pitchFamily="18" charset="0"/>
+                            </a:rPr>
+                            <a:t>S. enterica </a:t>
+                          </a:r>
+                          <a:r>
+                            <a:rPr lang="en-US" sz="1200" i="0" dirty="0">
+                              <a:effectLst/>
+                              <a:latin typeface="Times New Roman" panose="02020603050405020304" pitchFamily="18" charset="0"/>
+                              <a:ea typeface="Cambria Math" panose="02040503050406030204" pitchFamily="18" charset="0"/>
+                              <a:cs typeface="Times New Roman" panose="02020603050405020304" pitchFamily="18" charset="0"/>
+                            </a:rPr>
+                            <a:t>(Equation 2)</a:t>
+                          </a:r>
+                          <a:endParaRPr lang="en-US" sz="1200" i="1" dirty="0">
+                            <a:effectLst/>
+                            <a:latin typeface="Times New Roman" panose="02020603050405020304" pitchFamily="18" charset="0"/>
+                            <a:ea typeface="Cambria Math" panose="02040503050406030204" pitchFamily="18" charset="0"/>
+                            <a:cs typeface="Times New Roman" panose="02020603050405020304" pitchFamily="18" charset="0"/>
+                          </a:endParaRPr>
+                        </a:p>
+                      </a:txBody>
+                      <a:tcPr marL="63500" marR="63500" marT="63500" marB="63500">
+                        <a:lnL w="12700" cap="flat" cmpd="sng" algn="ctr">
+                          <a:noFill/>
+                          <a:prstDash val="solid"/>
+                          <a:round/>
+                          <a:headEnd type="none" w="med" len="med"/>
+                          <a:tailEnd type="none" w="med" len="med"/>
+                        </a:lnL>
+                        <a:lnR w="12700" cap="flat" cmpd="sng" algn="ctr">
+                          <a:noFill/>
+                          <a:prstDash val="solid"/>
+                          <a:round/>
+                          <a:headEnd type="none" w="med" len="med"/>
+                          <a:tailEnd type="none" w="med" len="med"/>
+                        </a:lnR>
+                        <a:lnT w="12700" cap="flat" cmpd="sng" algn="ctr">
+                          <a:noFill/>
+                          <a:prstDash val="solid"/>
+                          <a:round/>
+                          <a:headEnd type="none" w="med" len="med"/>
+                          <a:tailEnd type="none" w="med" len="med"/>
+                        </a:lnT>
+                        <a:lnB w="12700" cap="flat" cmpd="sng" algn="ctr">
+                          <a:noFill/>
+                          <a:prstDash val="solid"/>
+                          <a:round/>
+                          <a:headEnd type="none" w="med" len="med"/>
+                          <a:tailEnd type="none" w="med" len="med"/>
+                        </a:lnB>
+                        <a:lnTlToBr w="12700" cmpd="sng">
+                          <a:noFill/>
+                          <a:prstDash val="solid"/>
+                        </a:lnTlToBr>
+                        <a:lnBlToTr w="12700" cmpd="sng">
+                          <a:noFill/>
+                          <a:prstDash val="solid"/>
+                        </a:lnBlToTr>
+                        <a:noFill/>
+                      </a:tcPr>
+                    </a:tc>
+                    <a:extLst>
+                      <a:ext uri="{0D108BD9-81ED-4DB2-BD59-A6C34878D82A}">
+                        <a16:rowId xmlns:a16="http://schemas.microsoft.com/office/drawing/2014/main" val="4008994570"/>
+                      </a:ext>
+                    </a:extLst>
+                  </a:tr>
+                  <a:tr h="530733">
+                    <a:tc>
+                      <a:txBody>
+                        <a:bodyPr/>
+                        <a:lstStyle/>
+                        <a:p>
+                          <a:endParaRPr lang="en-US"/>
+                        </a:p>
+                      </a:txBody>
+                      <a:tcPr marL="63500" marR="63500" marT="63500" marB="63500">
+                        <a:lnL w="12700" cap="flat" cmpd="sng" algn="ctr">
+                          <a:noFill/>
+                          <a:prstDash val="solid"/>
+                          <a:round/>
+                          <a:headEnd type="none" w="med" len="med"/>
+                          <a:tailEnd type="none" w="med" len="med"/>
+                        </a:lnL>
+                        <a:lnR w="12700" cap="flat" cmpd="sng" algn="ctr">
+                          <a:noFill/>
+                          <a:prstDash val="solid"/>
+                          <a:round/>
+                          <a:headEnd type="none" w="med" len="med"/>
+                          <a:tailEnd type="none" w="med" len="med"/>
+                        </a:lnR>
+                        <a:lnT w="12700" cap="flat" cmpd="sng" algn="ctr">
+                          <a:noFill/>
+                          <a:prstDash val="solid"/>
+                          <a:round/>
+                          <a:headEnd type="none" w="med" len="med"/>
+                          <a:tailEnd type="none" w="med" len="med"/>
+                        </a:lnT>
+                        <a:lnB w="12700" cap="flat" cmpd="sng" algn="ctr">
+                          <a:noFill/>
+                          <a:prstDash val="solid"/>
+                          <a:round/>
+                          <a:headEnd type="none" w="med" len="med"/>
+                          <a:tailEnd type="none" w="med" len="med"/>
+                        </a:lnB>
+                        <a:lnTlToBr w="12700" cmpd="sng">
+                          <a:noFill/>
+                          <a:prstDash val="solid"/>
+                        </a:lnTlToBr>
+                        <a:lnBlToTr w="12700" cmpd="sng">
+                          <a:noFill/>
+                          <a:prstDash val="solid"/>
+                        </a:lnBlToTr>
+                        <a:blipFill>
+                          <a:blip r:embed="rId2"/>
+                          <a:stretch>
+                            <a:fillRect t="-204762" r="-35129" b="-107143"/>
+                          </a:stretch>
+                        </a:blipFill>
+                      </a:tcPr>
+                    </a:tc>
+                    <a:tc>
+                      <a:txBody>
+                        <a:bodyPr/>
+                        <a:lstStyle/>
+                        <a:p>
+                          <a:pPr marL="0" marR="0" algn="l">
+                            <a:lnSpc>
+                              <a:spcPct val="115000"/>
+                            </a:lnSpc>
+                            <a:spcBef>
+                              <a:spcPts val="0"/>
+                            </a:spcBef>
+                            <a:spcAft>
+                              <a:spcPts val="0"/>
+                            </a:spcAft>
+                          </a:pPr>
+                          <a:endParaRPr lang="en-US" sz="1200" dirty="0">
+                            <a:effectLst/>
+                            <a:latin typeface="Times New Roman" panose="02020603050405020304" pitchFamily="18" charset="0"/>
+                            <a:ea typeface="Cambria Math" panose="02040503050406030204" pitchFamily="18" charset="0"/>
+                            <a:cs typeface="Times New Roman" panose="02020603050405020304" pitchFamily="18" charset="0"/>
+                          </a:endParaRPr>
+                        </a:p>
+                        <a:p>
+                          <a:pPr marL="0" marR="0" lvl="0" indent="0" algn="l" defTabSz="914400" rtl="0" eaLnBrk="1" fontAlgn="auto" latinLnBrk="0" hangingPunct="1">
+                            <a:lnSpc>
+                              <a:spcPct val="115000"/>
+                            </a:lnSpc>
+                            <a:spcBef>
+                              <a:spcPts val="0"/>
+                            </a:spcBef>
+                            <a:spcAft>
+                              <a:spcPts val="0"/>
+                            </a:spcAft>
+                            <a:buClrTx/>
+                            <a:buSzTx/>
+                            <a:buFontTx/>
+                            <a:buNone/>
+                            <a:tabLst/>
+                            <a:defRPr/>
+                          </a:pPr>
+                          <a:r>
+                            <a:rPr lang="en-US" sz="1200" dirty="0">
+                              <a:effectLst/>
+                              <a:latin typeface="Times New Roman" panose="02020603050405020304" pitchFamily="18" charset="0"/>
+                              <a:ea typeface="Cambria Math" panose="02040503050406030204" pitchFamily="18" charset="0"/>
+                              <a:cs typeface="Times New Roman" panose="02020603050405020304" pitchFamily="18" charset="0"/>
+                            </a:rPr>
+                            <a:t>Generalist phage </a:t>
+                          </a:r>
+                          <a:r>
+                            <a:rPr lang="en-US" sz="1200" i="0" dirty="0">
+                              <a:effectLst/>
+                              <a:latin typeface="Times New Roman" panose="02020603050405020304" pitchFamily="18" charset="0"/>
+                              <a:ea typeface="Cambria Math" panose="02040503050406030204" pitchFamily="18" charset="0"/>
+                              <a:cs typeface="Times New Roman" panose="02020603050405020304" pitchFamily="18" charset="0"/>
+                            </a:rPr>
+                            <a:t>(Equation 3)</a:t>
+                          </a:r>
+                          <a:endParaRPr lang="en-US" sz="1200" dirty="0">
+                            <a:effectLst/>
+                            <a:latin typeface="Times New Roman" panose="02020603050405020304" pitchFamily="18" charset="0"/>
+                            <a:ea typeface="Cambria Math" panose="02040503050406030204" pitchFamily="18" charset="0"/>
+                            <a:cs typeface="Times New Roman" panose="02020603050405020304" pitchFamily="18" charset="0"/>
+                          </a:endParaRPr>
+                        </a:p>
+                      </a:txBody>
+                      <a:tcPr marL="63500" marR="63500" marT="63500" marB="63500">
+                        <a:lnL w="12700" cap="flat" cmpd="sng" algn="ctr">
+                          <a:noFill/>
+                          <a:prstDash val="solid"/>
+                          <a:round/>
+                          <a:headEnd type="none" w="med" len="med"/>
+                          <a:tailEnd type="none" w="med" len="med"/>
+                        </a:lnL>
+                        <a:lnR w="12700" cap="flat" cmpd="sng" algn="ctr">
+                          <a:noFill/>
+                          <a:prstDash val="solid"/>
+                          <a:round/>
+                          <a:headEnd type="none" w="med" len="med"/>
+                          <a:tailEnd type="none" w="med" len="med"/>
+                        </a:lnR>
+                        <a:lnT w="12700" cap="flat" cmpd="sng" algn="ctr">
+                          <a:noFill/>
+                          <a:prstDash val="solid"/>
+                          <a:round/>
+                          <a:headEnd type="none" w="med" len="med"/>
+                          <a:tailEnd type="none" w="med" len="med"/>
+                        </a:lnT>
+                        <a:lnB w="12700" cap="flat" cmpd="sng" algn="ctr">
+                          <a:noFill/>
+                          <a:prstDash val="solid"/>
+                          <a:round/>
+                          <a:headEnd type="none" w="med" len="med"/>
+                          <a:tailEnd type="none" w="med" len="med"/>
+                        </a:lnB>
+                        <a:lnTlToBr w="12700" cmpd="sng">
+                          <a:noFill/>
+                          <a:prstDash val="solid"/>
+                        </a:lnTlToBr>
+                        <a:lnBlToTr w="12700" cmpd="sng">
+                          <a:noFill/>
+                          <a:prstDash val="solid"/>
+                        </a:lnBlToTr>
+                        <a:noFill/>
+                      </a:tcPr>
+                    </a:tc>
+                    <a:extLst>
+                      <a:ext uri="{0D108BD9-81ED-4DB2-BD59-A6C34878D82A}">
+                        <a16:rowId xmlns:a16="http://schemas.microsoft.com/office/drawing/2014/main" val="4111500727"/>
+                      </a:ext>
+                    </a:extLst>
+                  </a:tr>
+                  <a:tr h="530733">
+                    <a:tc>
+                      <a:txBody>
+                        <a:bodyPr/>
+                        <a:lstStyle/>
+                        <a:p>
+                          <a:endParaRPr lang="en-US"/>
+                        </a:p>
+                      </a:txBody>
+                      <a:tcPr marL="63500" marR="63500" marT="63500" marB="63500">
+                        <a:lnL w="12700" cap="flat" cmpd="sng" algn="ctr">
+                          <a:noFill/>
+                          <a:prstDash val="solid"/>
+                          <a:round/>
+                          <a:headEnd type="none" w="med" len="med"/>
+                          <a:tailEnd type="none" w="med" len="med"/>
+                        </a:lnL>
+                        <a:lnR w="12700" cap="flat" cmpd="sng" algn="ctr">
+                          <a:noFill/>
+                          <a:prstDash val="solid"/>
+                          <a:round/>
+                          <a:headEnd type="none" w="med" len="med"/>
+                          <a:tailEnd type="none" w="med" len="med"/>
+                        </a:lnR>
+                        <a:lnT w="12700" cap="flat" cmpd="sng" algn="ctr">
+                          <a:noFill/>
+                          <a:prstDash val="solid"/>
+                          <a:round/>
+                          <a:headEnd type="none" w="med" len="med"/>
+                          <a:tailEnd type="none" w="med" len="med"/>
+                        </a:lnT>
+                        <a:lnB w="12700" cap="flat" cmpd="sng" algn="ctr">
+                          <a:noFill/>
+                          <a:prstDash val="solid"/>
+                          <a:round/>
+                          <a:headEnd type="none" w="med" len="med"/>
+                          <a:tailEnd type="none" w="med" len="med"/>
+                        </a:lnB>
+                        <a:lnTlToBr w="12700" cmpd="sng">
+                          <a:noFill/>
+                          <a:prstDash val="solid"/>
+                        </a:lnTlToBr>
+                        <a:lnBlToTr w="12700" cmpd="sng">
+                          <a:noFill/>
+                          <a:prstDash val="solid"/>
+                        </a:lnBlToTr>
+                        <a:blipFill>
+                          <a:blip r:embed="rId2"/>
+                          <a:stretch>
+                            <a:fillRect t="-304762" r="-35129" b="-7143"/>
+                          </a:stretch>
+                        </a:blipFill>
+                      </a:tcPr>
+                    </a:tc>
+                    <a:tc>
+                      <a:txBody>
+                        <a:bodyPr/>
+                        <a:lstStyle/>
+                        <a:p>
+                          <a:pPr marL="0" marR="0" algn="l">
+                            <a:lnSpc>
+                              <a:spcPct val="115000"/>
+                            </a:lnSpc>
+                            <a:spcBef>
+                              <a:spcPts val="0"/>
+                            </a:spcBef>
+                            <a:spcAft>
+                              <a:spcPts val="0"/>
+                            </a:spcAft>
+                          </a:pPr>
+                          <a:endParaRPr lang="en-US" sz="1200" dirty="0">
+                            <a:effectLst/>
+                            <a:latin typeface="Times New Roman" panose="02020603050405020304" pitchFamily="18" charset="0"/>
+                            <a:ea typeface="Cambria Math" panose="02040503050406030204" pitchFamily="18" charset="0"/>
+                            <a:cs typeface="Times New Roman" panose="02020603050405020304" pitchFamily="18" charset="0"/>
+                          </a:endParaRPr>
+                        </a:p>
+                        <a:p>
+                          <a:pPr marL="0" marR="0" lvl="0" indent="0" algn="l" defTabSz="914400" rtl="0" eaLnBrk="1" fontAlgn="auto" latinLnBrk="0" hangingPunct="1">
+                            <a:lnSpc>
+                              <a:spcPct val="115000"/>
+                            </a:lnSpc>
+                            <a:spcBef>
+                              <a:spcPts val="0"/>
+                            </a:spcBef>
+                            <a:spcAft>
+                              <a:spcPts val="0"/>
+                            </a:spcAft>
+                            <a:buClrTx/>
+                            <a:buSzTx/>
+                            <a:buFontTx/>
+                            <a:buNone/>
+                            <a:tabLst/>
+                            <a:defRPr/>
+                          </a:pPr>
+                          <a:r>
+                            <a:rPr lang="en-US" sz="1200" dirty="0">
+                              <a:effectLst/>
+                              <a:latin typeface="Times New Roman" panose="02020603050405020304" pitchFamily="18" charset="0"/>
+                              <a:ea typeface="Cambria Math" panose="02040503050406030204" pitchFamily="18" charset="0"/>
+                              <a:cs typeface="Times New Roman" panose="02020603050405020304" pitchFamily="18" charset="0"/>
+                            </a:rPr>
+                            <a:t>Specialist phage </a:t>
+                          </a:r>
+                          <a:r>
+                            <a:rPr lang="en-US" sz="1200" i="0" dirty="0">
+                              <a:effectLst/>
+                              <a:latin typeface="Times New Roman" panose="02020603050405020304" pitchFamily="18" charset="0"/>
+                              <a:ea typeface="Cambria Math" panose="02040503050406030204" pitchFamily="18" charset="0"/>
+                              <a:cs typeface="Times New Roman" panose="02020603050405020304" pitchFamily="18" charset="0"/>
+                            </a:rPr>
+                            <a:t>(Equation 4)</a:t>
+                          </a:r>
+                          <a:endParaRPr lang="en-US" sz="1200" dirty="0">
+                            <a:effectLst/>
+                            <a:latin typeface="Times New Roman" panose="02020603050405020304" pitchFamily="18" charset="0"/>
+                            <a:ea typeface="Cambria Math" panose="02040503050406030204" pitchFamily="18" charset="0"/>
+                            <a:cs typeface="Times New Roman" panose="02020603050405020304" pitchFamily="18" charset="0"/>
+                          </a:endParaRPr>
+                        </a:p>
+                      </a:txBody>
+                      <a:tcPr marL="63500" marR="63500" marT="63500" marB="63500">
+                        <a:lnL w="12700" cap="flat" cmpd="sng" algn="ctr">
+                          <a:noFill/>
+                          <a:prstDash val="solid"/>
+                          <a:round/>
+                          <a:headEnd type="none" w="med" len="med"/>
+                          <a:tailEnd type="none" w="med" len="med"/>
+                        </a:lnL>
+                        <a:lnR w="12700" cap="flat" cmpd="sng" algn="ctr">
+                          <a:noFill/>
+                          <a:prstDash val="solid"/>
+                          <a:round/>
+                          <a:headEnd type="none" w="med" len="med"/>
+                          <a:tailEnd type="none" w="med" len="med"/>
+                        </a:lnR>
+                        <a:lnT w="12700" cap="flat" cmpd="sng" algn="ctr">
+                          <a:noFill/>
+                          <a:prstDash val="solid"/>
+                          <a:round/>
+                          <a:headEnd type="none" w="med" len="med"/>
+                          <a:tailEnd type="none" w="med" len="med"/>
+                        </a:lnT>
+                        <a:lnB w="12700" cap="flat" cmpd="sng" algn="ctr">
+                          <a:noFill/>
+                          <a:prstDash val="solid"/>
+                          <a:round/>
+                          <a:headEnd type="none" w="med" len="med"/>
+                          <a:tailEnd type="none" w="med" len="med"/>
+                        </a:lnB>
+                        <a:lnTlToBr w="12700" cmpd="sng">
+                          <a:noFill/>
+                          <a:prstDash val="solid"/>
+                        </a:lnTlToBr>
+                        <a:lnBlToTr w="12700" cmpd="sng">
+                          <a:noFill/>
+                          <a:prstDash val="solid"/>
+                        </a:lnBlToTr>
+                        <a:noFill/>
+                      </a:tcPr>
+                    </a:tc>
+                    <a:extLst>
+                      <a:ext uri="{0D108BD9-81ED-4DB2-BD59-A6C34878D82A}">
+                        <a16:rowId xmlns:a16="http://schemas.microsoft.com/office/drawing/2014/main" val="3381827304"/>
+                      </a:ext>
+                    </a:extLst>
+                  </a:tr>
+                </a:tbl>
+              </a:graphicData>
+            </a:graphic>
+          </p:graphicFrame>
+        </mc:Fallback>
+      </mc:AlternateContent>
+      <p:sp>
+        <p:nvSpPr>
+          <p:cNvPr id="9" name="TextBox 8">
+            <a:extLst>
+              <a:ext uri="{FF2B5EF4-FFF2-40B4-BE49-F238E27FC236}">
+                <a16:creationId xmlns:a16="http://schemas.microsoft.com/office/drawing/2014/main" id="{D814E114-0A4A-2CDA-C726-B93020D9E0C6}"/>
+              </a:ext>
+            </a:extLst>
+          </p:cNvPr>
+          <p:cNvSpPr txBox="1"/>
+          <p:nvPr/>
+        </p:nvSpPr>
+        <p:spPr>
+          <a:xfrm>
+            <a:off x="1807028" y="3769410"/>
+            <a:ext cx="424543" cy="523220"/>
+          </a:xfrm>
+          <a:prstGeom prst="rect">
+            <a:avLst/>
+          </a:prstGeom>
+          <a:noFill/>
+        </p:spPr>
+        <p:txBody>
+          <a:bodyPr wrap="square" rtlCol="0">
+            <a:spAutoFit/>
+          </a:bodyPr>
+          <a:lstStyle/>
+          <a:p>
+            <a:r>
+              <a:rPr lang="en-US" sz="2800" dirty="0"/>
+              <a:t>D</a:t>
+            </a:r>
+          </a:p>
+        </p:txBody>
+      </p:sp>
+      <p:sp>
+        <p:nvSpPr>
+          <p:cNvPr id="10" name="Rectangle 9">
+            <a:extLst>
+              <a:ext uri="{FF2B5EF4-FFF2-40B4-BE49-F238E27FC236}">
+                <a16:creationId xmlns:a16="http://schemas.microsoft.com/office/drawing/2014/main" id="{FD205B5A-84C4-DE5B-CC16-0582983DDDE0}"/>
+              </a:ext>
+            </a:extLst>
+          </p:cNvPr>
+          <p:cNvSpPr/>
+          <p:nvPr/>
+        </p:nvSpPr>
+        <p:spPr>
+          <a:xfrm>
+            <a:off x="1785257" y="598714"/>
+            <a:ext cx="424543" cy="435429"/>
+          </a:xfrm>
+          <a:prstGeom prst="rect">
+            <a:avLst/>
+          </a:prstGeom>
+          <a:solidFill>
+            <a:schemeClr val="bg1"/>
+          </a:solidFill>
+          <a:ln>
+            <a:solidFill>
+              <a:schemeClr val="bg1"/>
+            </a:solidFill>
+          </a:ln>
+        </p:spPr>
+        <p:style>
+          <a:lnRef idx="2">
+            <a:schemeClr val="accent1">
+              <a:shade val="15000"/>
+            </a:schemeClr>
+          </a:lnRef>
+          <a:fillRef idx="1">
+            <a:schemeClr val="accent1"/>
+          </a:fillRef>
+          <a:effectRef idx="0">
+            <a:schemeClr val="accent1"/>
+          </a:effectRef>
+          <a:fontRef idx="minor">
+            <a:schemeClr val="lt1"/>
+          </a:fontRef>
+        </p:style>
+        <p:txBody>
+          <a:bodyPr rtlCol="0" anchor="ctr"/>
+          <a:lstStyle/>
+          <a:p>
+            <a:pPr algn="ctr"/>
+            <a:endParaRPr lang="en-US"/>
+          </a:p>
+        </p:txBody>
+      </p:sp>
+      <p:sp>
+        <p:nvSpPr>
+          <p:cNvPr id="11" name="Rectangle 10">
+            <a:extLst>
+              <a:ext uri="{FF2B5EF4-FFF2-40B4-BE49-F238E27FC236}">
+                <a16:creationId xmlns:a16="http://schemas.microsoft.com/office/drawing/2014/main" id="{3636280D-5C3C-EB34-54F9-E07FEA08E7A9}"/>
+              </a:ext>
+            </a:extLst>
+          </p:cNvPr>
+          <p:cNvSpPr/>
+          <p:nvPr/>
+        </p:nvSpPr>
+        <p:spPr>
+          <a:xfrm>
+            <a:off x="4506686" y="598713"/>
+            <a:ext cx="424543" cy="435429"/>
+          </a:xfrm>
+          <a:prstGeom prst="rect">
+            <a:avLst/>
+          </a:prstGeom>
+          <a:solidFill>
+            <a:schemeClr val="bg1"/>
+          </a:solidFill>
+          <a:ln>
+            <a:solidFill>
+              <a:schemeClr val="bg1"/>
+            </a:solidFill>
+          </a:ln>
+        </p:spPr>
+        <p:style>
+          <a:lnRef idx="2">
+            <a:schemeClr val="accent1">
+              <a:shade val="15000"/>
+            </a:schemeClr>
+          </a:lnRef>
+          <a:fillRef idx="1">
+            <a:schemeClr val="accent1"/>
+          </a:fillRef>
+          <a:effectRef idx="0">
+            <a:schemeClr val="accent1"/>
+          </a:effectRef>
+          <a:fontRef idx="minor">
+            <a:schemeClr val="lt1"/>
+          </a:fontRef>
+        </p:style>
+        <p:txBody>
+          <a:bodyPr rtlCol="0" anchor="ctr"/>
+          <a:lstStyle/>
+          <a:p>
+            <a:pPr algn="ctr"/>
+            <a:endParaRPr lang="en-US"/>
+          </a:p>
+        </p:txBody>
+      </p:sp>
+      <p:sp>
+        <p:nvSpPr>
+          <p:cNvPr id="12" name="Rectangle 11">
+            <a:extLst>
+              <a:ext uri="{FF2B5EF4-FFF2-40B4-BE49-F238E27FC236}">
+                <a16:creationId xmlns:a16="http://schemas.microsoft.com/office/drawing/2014/main" id="{0E27F9BD-1844-1CCF-F6B5-CA55713C2402}"/>
+              </a:ext>
+            </a:extLst>
+          </p:cNvPr>
+          <p:cNvSpPr/>
+          <p:nvPr/>
+        </p:nvSpPr>
+        <p:spPr>
+          <a:xfrm>
+            <a:off x="6803572" y="598712"/>
+            <a:ext cx="424543" cy="435429"/>
+          </a:xfrm>
+          <a:prstGeom prst="rect">
+            <a:avLst/>
+          </a:prstGeom>
+          <a:solidFill>
+            <a:schemeClr val="bg1"/>
+          </a:solidFill>
+          <a:ln>
+            <a:solidFill>
+              <a:schemeClr val="bg1"/>
+            </a:solidFill>
+          </a:ln>
+        </p:spPr>
+        <p:style>
+          <a:lnRef idx="2">
+            <a:schemeClr val="accent1">
+              <a:shade val="15000"/>
+            </a:schemeClr>
+          </a:lnRef>
+          <a:fillRef idx="1">
+            <a:schemeClr val="accent1"/>
+          </a:fillRef>
+          <a:effectRef idx="0">
+            <a:schemeClr val="accent1"/>
+          </a:effectRef>
+          <a:fontRef idx="minor">
+            <a:schemeClr val="lt1"/>
+          </a:fontRef>
+        </p:style>
+        <p:txBody>
+          <a:bodyPr rtlCol="0" anchor="ctr"/>
+          <a:lstStyle/>
+          <a:p>
+            <a:pPr algn="ctr"/>
+            <a:endParaRPr lang="en-US"/>
+          </a:p>
+        </p:txBody>
+      </p:sp>
+      <p:sp>
+        <p:nvSpPr>
+          <p:cNvPr id="13" name="TextBox 12">
+            <a:extLst>
+              <a:ext uri="{FF2B5EF4-FFF2-40B4-BE49-F238E27FC236}">
+                <a16:creationId xmlns:a16="http://schemas.microsoft.com/office/drawing/2014/main" id="{791BDDAE-B797-D283-B8D0-02137FD640AB}"/>
+              </a:ext>
+            </a:extLst>
+          </p:cNvPr>
+          <p:cNvSpPr txBox="1"/>
+          <p:nvPr/>
+        </p:nvSpPr>
+        <p:spPr>
+          <a:xfrm>
+            <a:off x="1807028" y="391878"/>
+            <a:ext cx="424543" cy="523220"/>
+          </a:xfrm>
+          <a:prstGeom prst="rect">
+            <a:avLst/>
+          </a:prstGeom>
+          <a:noFill/>
+        </p:spPr>
+        <p:txBody>
+          <a:bodyPr wrap="square" rtlCol="0">
+            <a:spAutoFit/>
+          </a:bodyPr>
+          <a:lstStyle/>
+          <a:p>
+            <a:r>
+              <a:rPr lang="en-US" sz="2800" dirty="0"/>
+              <a:t>A</a:t>
+            </a:r>
+          </a:p>
+        </p:txBody>
+      </p:sp>
+      <p:sp>
+        <p:nvSpPr>
+          <p:cNvPr id="14" name="TextBox 13">
+            <a:extLst>
+              <a:ext uri="{FF2B5EF4-FFF2-40B4-BE49-F238E27FC236}">
+                <a16:creationId xmlns:a16="http://schemas.microsoft.com/office/drawing/2014/main" id="{0AF5CF8F-C029-7C29-8CE6-047A1AF7DED4}"/>
+              </a:ext>
+            </a:extLst>
+          </p:cNvPr>
+          <p:cNvSpPr txBox="1"/>
+          <p:nvPr/>
+        </p:nvSpPr>
+        <p:spPr>
+          <a:xfrm>
+            <a:off x="4681120" y="391878"/>
+            <a:ext cx="424543" cy="523220"/>
+          </a:xfrm>
+          <a:prstGeom prst="rect">
+            <a:avLst/>
+          </a:prstGeom>
+          <a:noFill/>
+        </p:spPr>
+        <p:txBody>
+          <a:bodyPr wrap="square" rtlCol="0">
+            <a:spAutoFit/>
+          </a:bodyPr>
+          <a:lstStyle/>
+          <a:p>
+            <a:r>
+              <a:rPr lang="en-US" sz="2800" dirty="0"/>
+              <a:t>B</a:t>
+            </a:r>
+          </a:p>
+        </p:txBody>
+      </p:sp>
+      <p:sp>
+        <p:nvSpPr>
+          <p:cNvPr id="15" name="TextBox 14">
+            <a:extLst>
+              <a:ext uri="{FF2B5EF4-FFF2-40B4-BE49-F238E27FC236}">
+                <a16:creationId xmlns:a16="http://schemas.microsoft.com/office/drawing/2014/main" id="{74454F32-610A-1A8D-D292-070A5D0F2220}"/>
+              </a:ext>
+            </a:extLst>
+          </p:cNvPr>
+          <p:cNvSpPr txBox="1"/>
+          <p:nvPr/>
+        </p:nvSpPr>
+        <p:spPr>
+          <a:xfrm>
+            <a:off x="6967377" y="391878"/>
+            <a:ext cx="424543" cy="523220"/>
+          </a:xfrm>
+          <a:prstGeom prst="rect">
+            <a:avLst/>
+          </a:prstGeom>
+          <a:noFill/>
+        </p:spPr>
+        <p:txBody>
+          <a:bodyPr wrap="square" rtlCol="0">
+            <a:spAutoFit/>
+          </a:bodyPr>
+          <a:lstStyle/>
+          <a:p>
+            <a:r>
+              <a:rPr lang="en-US" sz="2800" dirty="0"/>
+              <a:t>C</a:t>
+            </a:r>
+          </a:p>
+        </p:txBody>
+      </p:sp>
+      <p:pic>
+        <p:nvPicPr>
+          <p:cNvPr id="3" name="Picture 2" descr="A diagram of different types of animals&#10;&#10;Description automatically generated">
+            <a:extLst>
+              <a:ext uri="{FF2B5EF4-FFF2-40B4-BE49-F238E27FC236}">
+                <a16:creationId xmlns:a16="http://schemas.microsoft.com/office/drawing/2014/main" id="{02D9D95A-B1A0-D142-D2D9-644C4FD04A87}"/>
+              </a:ext>
+            </a:extLst>
+          </p:cNvPr>
+          <p:cNvPicPr>
+            <a:picLocks noChangeAspect="1"/>
+          </p:cNvPicPr>
+          <p:nvPr/>
+        </p:nvPicPr>
+        <p:blipFill rotWithShape="1">
+          <a:blip r:embed="rId3"/>
+          <a:srcRect t="26376" b="25482"/>
+          <a:stretch/>
+        </p:blipFill>
+        <p:spPr>
+          <a:xfrm>
+            <a:off x="1384126" y="500117"/>
+            <a:ext cx="9701408" cy="3269293"/>
+          </a:xfrm>
+          <a:prstGeom prst="rect">
+            <a:avLst/>
+          </a:prstGeom>
+        </p:spPr>
+      </p:pic>
+    </p:spTree>
+    <p:extLst>
+      <p:ext uri="{BB962C8B-B14F-4D97-AF65-F5344CB8AC3E}">
+        <p14:creationId xmlns:p14="http://schemas.microsoft.com/office/powerpoint/2010/main" val="2926336455"/>
+      </p:ext>
+    </p:extLst>
+  </p:cSld>
+  <p:clrMapOvr>
+    <a:masterClrMapping/>
+  </p:clrMapOvr>
+</p:sld>
+</file>
+
 <file path=ppt/theme/theme1.xml><?xml version="1.0" encoding="utf-8"?>
 <a:theme xmlns:a="http://schemas.openxmlformats.org/drawingml/2006/main" name="Office Theme">
   <a:themeElements>
